--- a/Presentation/T04_Presentation.pptx
+++ b/Presentation/T04_Presentation.pptx
@@ -5,13 +5,22 @@
     <p:sldMasterId id="2147483648" r:id="rId1"/>
   </p:sldMasterIdLst>
   <p:notesMasterIdLst>
-    <p:notesMasterId r:id="rId6"/>
+    <p:notesMasterId r:id="rId15"/>
   </p:notesMasterIdLst>
   <p:sldIdLst>
     <p:sldId id="256" r:id="rId2"/>
     <p:sldId id="257" r:id="rId3"/>
     <p:sldId id="258" r:id="rId4"/>
     <p:sldId id="259" r:id="rId5"/>
+    <p:sldId id="260" r:id="rId6"/>
+    <p:sldId id="261" r:id="rId7"/>
+    <p:sldId id="262" r:id="rId8"/>
+    <p:sldId id="263" r:id="rId9"/>
+    <p:sldId id="264" r:id="rId10"/>
+    <p:sldId id="265" r:id="rId11"/>
+    <p:sldId id="266" r:id="rId12"/>
+    <p:sldId id="267" r:id="rId13"/>
+    <p:sldId id="268" r:id="rId14"/>
   </p:sldIdLst>
   <p:sldSz cx="9144000" cy="6858000" type="screen4x3"/>
   <p:notesSz cx="6858000" cy="9144000"/>
@@ -110,6 +119,22 @@
       </a:defRPr>
     </a:lvl9pPr>
   </p:defaultTextStyle>
+  <p:extLst>
+    <p:ext uri="{EFAFB233-063F-42B5-8137-9DF3F51BA10A}">
+      <p15:sldGuideLst xmlns:p15="http://schemas.microsoft.com/office/powerpoint/2012/main">
+        <p15:guide id="1" orient="horz" pos="2160">
+          <p15:clr>
+            <a:srgbClr val="A4A3A4"/>
+          </p15:clr>
+        </p15:guide>
+        <p15:guide id="2" pos="2880">
+          <p15:clr>
+            <a:srgbClr val="A4A3A4"/>
+          </p15:clr>
+        </p15:guide>
+      </p15:sldGuideLst>
+    </p:ext>
+  </p:extLst>
 </p:presentation>
 </file>
 
@@ -195,7 +220,7 @@
           <a:p>
             <a:fld id="{7D2BA66B-4B43-4B31-8C46-01F4587945DE}" type="datetimeFigureOut">
               <a:rPr lang="en-US" smtClean="0"/>
-              <a:t>12/8/2014</a:t>
+              <a:t>12/9/2014</a:t>
             </a:fld>
             <a:endParaRPr lang="en-US"/>
           </a:p>
@@ -644,7 +669,7 @@
           <a:p>
             <a:fld id="{025B5F04-3DD3-4015-B751-EB091AF79283}" type="datetime1">
               <a:rPr lang="en-US" smtClean="0"/>
-              <a:t>12/8/2014</a:t>
+              <a:t>12/9/2014</a:t>
             </a:fld>
             <a:endParaRPr lang="en-US"/>
           </a:p>
@@ -810,7 +835,7 @@
           <a:p>
             <a:fld id="{90BEF6DF-84C5-4CB9-A878-58935F46D0CB}" type="datetime1">
               <a:rPr lang="en-US" smtClean="0"/>
-              <a:t>12/8/2014</a:t>
+              <a:t>12/9/2014</a:t>
             </a:fld>
             <a:endParaRPr lang="en-US"/>
           </a:p>
@@ -986,7 +1011,7 @@
           <a:p>
             <a:fld id="{926F7C8E-82A0-4137-A012-6AB94CC2C3D0}" type="datetime1">
               <a:rPr lang="en-US" smtClean="0"/>
-              <a:t>12/8/2014</a:t>
+              <a:t>12/9/2014</a:t>
             </a:fld>
             <a:endParaRPr lang="en-US"/>
           </a:p>
@@ -1152,7 +1177,7 @@
           <a:p>
             <a:fld id="{6A159409-9D08-4690-825E-5ED9F03EE865}" type="datetime1">
               <a:rPr lang="en-US" smtClean="0"/>
-              <a:t>12/8/2014</a:t>
+              <a:t>12/9/2014</a:t>
             </a:fld>
             <a:endParaRPr lang="en-US"/>
           </a:p>
@@ -1394,7 +1419,7 @@
           <a:p>
             <a:fld id="{F1E2C436-A717-4F84-8496-7EEC60793F47}" type="datetime1">
               <a:rPr lang="en-US" smtClean="0"/>
-              <a:t>12/8/2014</a:t>
+              <a:t>12/9/2014</a:t>
             </a:fld>
             <a:endParaRPr lang="en-US"/>
           </a:p>
@@ -1678,7 +1703,7 @@
           <a:p>
             <a:fld id="{19304878-91CF-49FF-BB18-4640DC08F114}" type="datetime1">
               <a:rPr lang="en-US" smtClean="0"/>
-              <a:t>12/8/2014</a:t>
+              <a:t>12/9/2014</a:t>
             </a:fld>
             <a:endParaRPr lang="en-US"/>
           </a:p>
@@ -2096,7 +2121,7 @@
           <a:p>
             <a:fld id="{DE440A11-7842-4023-B4B1-5DAD949EF209}" type="datetime1">
               <a:rPr lang="en-US" smtClean="0"/>
-              <a:t>12/8/2014</a:t>
+              <a:t>12/9/2014</a:t>
             </a:fld>
             <a:endParaRPr lang="en-US"/>
           </a:p>
@@ -2210,7 +2235,7 @@
           <a:p>
             <a:fld id="{2E101D02-24BF-4BFB-80A5-AE8E6DB0539A}" type="datetime1">
               <a:rPr lang="en-US" smtClean="0"/>
-              <a:t>12/8/2014</a:t>
+              <a:t>12/9/2014</a:t>
             </a:fld>
             <a:endParaRPr lang="en-US"/>
           </a:p>
@@ -2301,7 +2326,7 @@
           <a:p>
             <a:fld id="{5E2FF4E6-EE57-4D29-829B-C404F7C131C6}" type="datetime1">
               <a:rPr lang="en-US" smtClean="0"/>
-              <a:t>12/8/2014</a:t>
+              <a:t>12/9/2014</a:t>
             </a:fld>
             <a:endParaRPr lang="en-US"/>
           </a:p>
@@ -2574,7 +2599,7 @@
           <a:p>
             <a:fld id="{BAAF4B9B-620F-499E-AF3A-2F71910048FD}" type="datetime1">
               <a:rPr lang="en-US" smtClean="0"/>
-              <a:t>12/8/2014</a:t>
+              <a:t>12/9/2014</a:t>
             </a:fld>
             <a:endParaRPr lang="en-US"/>
           </a:p>
@@ -2823,7 +2848,7 @@
           <a:p>
             <a:fld id="{136A608F-68E0-4239-BD3E-E06A458AFA0A}" type="datetime1">
               <a:rPr lang="en-US" smtClean="0"/>
-              <a:t>12/8/2014</a:t>
+              <a:t>12/9/2014</a:t>
             </a:fld>
             <a:endParaRPr lang="en-US"/>
           </a:p>
@@ -3032,7 +3057,7 @@
           <a:p>
             <a:fld id="{5211721D-4FFA-4AB5-9DBE-AEF9FD825DF9}" type="datetime1">
               <a:rPr lang="en-US" smtClean="0"/>
-              <a:t>12/8/2014</a:t>
+              <a:t>12/9/2014</a:t>
             </a:fld>
             <a:endParaRPr lang="en-US"/>
           </a:p>
@@ -3566,7 +3591,7 @@
 </p:sld>
 </file>
 
-<file path=ppt/slides/slide2.xml><?xml version="1.0" encoding="utf-8"?>
+<file path=ppt/slides/slide10.xml><?xml version="1.0" encoding="utf-8"?>
 <p:sld xmlns:a="http://schemas.openxmlformats.org/drawingml/2006/main" xmlns:r="http://schemas.openxmlformats.org/officeDocument/2006/relationships" xmlns:p="http://schemas.openxmlformats.org/presentationml/2006/main">
   <p:cSld>
     <p:spTree>
@@ -3601,7 +3626,7 @@
             <a:fld id="{B6F15528-21DE-4FAA-801E-634DDDAF4B2B}" type="slidenum">
               <a:rPr lang="en-US" smtClean="0"/>
               <a:pPr/>
-              <a:t>2</a:t>
+              <a:t>10</a:t>
             </a:fld>
             <a:endParaRPr lang="en-US"/>
           </a:p>
@@ -3683,50 +3708,10 @@
           </a:fontRef>
         </p:style>
       </p:cxnSp>
-      <p:sp>
-        <p:nvSpPr>
-          <p:cNvPr id="10" name="TextBox 9"/>
-          <p:cNvSpPr txBox="1"/>
-          <p:nvPr/>
-        </p:nvSpPr>
-        <p:spPr>
-          <a:xfrm>
-            <a:off x="457200" y="257080"/>
-            <a:ext cx="4495800" cy="523220"/>
-          </a:xfrm>
-          <a:prstGeom prst="rect">
-            <a:avLst/>
-          </a:prstGeom>
-          <a:noFill/>
-        </p:spPr>
-        <p:txBody>
-          <a:bodyPr wrap="square" rtlCol="0">
-            <a:spAutoFit/>
-          </a:bodyPr>
-          <a:lstStyle/>
-          <a:p>
-            <a:r>
-              <a:rPr lang="en-US" sz="2800" dirty="0" smtClean="0">
-                <a:solidFill>
-                  <a:srgbClr val="0090FF"/>
-                </a:solidFill>
-                <a:latin typeface="Fast Money" pitchFamily="2" charset="0"/>
-              </a:rPr>
-              <a:t>Title Here</a:t>
-            </a:r>
-            <a:endParaRPr lang="en-US" sz="2800" dirty="0">
-              <a:solidFill>
-                <a:srgbClr val="0090FF"/>
-              </a:solidFill>
-              <a:latin typeface="Fast Money" pitchFamily="2" charset="0"/>
-            </a:endParaRPr>
-          </a:p>
-        </p:txBody>
-      </p:sp>
     </p:spTree>
     <p:extLst>
       <p:ext uri="{BB962C8B-B14F-4D97-AF65-F5344CB8AC3E}">
-        <p14:creationId xmlns:p14="http://schemas.microsoft.com/office/powerpoint/2010/main" val="2706470271"/>
+        <p14:creationId xmlns:p14="http://schemas.microsoft.com/office/powerpoint/2010/main" val="3942031900"/>
       </p:ext>
     </p:extLst>
   </p:cSld>
@@ -3743,7 +3728,7 @@
 </p:sld>
 </file>
 
-<file path=ppt/slides/slide3.xml><?xml version="1.0" encoding="utf-8"?>
+<file path=ppt/slides/slide11.xml><?xml version="1.0" encoding="utf-8"?>
 <p:sld xmlns:a="http://schemas.openxmlformats.org/drawingml/2006/main" xmlns:r="http://schemas.openxmlformats.org/officeDocument/2006/relationships" xmlns:p="http://schemas.openxmlformats.org/presentationml/2006/main">
   <p:cSld>
     <p:spTree>
@@ -3778,7 +3763,7 @@
             <a:fld id="{B6F15528-21DE-4FAA-801E-634DDDAF4B2B}" type="slidenum">
               <a:rPr lang="en-US" smtClean="0"/>
               <a:pPr/>
-              <a:t>3</a:t>
+              <a:t>11</a:t>
             </a:fld>
             <a:endParaRPr lang="en-US"/>
           </a:p>
@@ -3860,50 +3845,10 @@
           </a:fontRef>
         </p:style>
       </p:cxnSp>
-      <p:sp>
-        <p:nvSpPr>
-          <p:cNvPr id="10" name="TextBox 9"/>
-          <p:cNvSpPr txBox="1"/>
-          <p:nvPr/>
-        </p:nvSpPr>
-        <p:spPr>
-          <a:xfrm>
-            <a:off x="457200" y="257080"/>
-            <a:ext cx="4495800" cy="523220"/>
-          </a:xfrm>
-          <a:prstGeom prst="rect">
-            <a:avLst/>
-          </a:prstGeom>
-          <a:noFill/>
-        </p:spPr>
-        <p:txBody>
-          <a:bodyPr wrap="square" rtlCol="0">
-            <a:spAutoFit/>
-          </a:bodyPr>
-          <a:lstStyle/>
-          <a:p>
-            <a:r>
-              <a:rPr lang="en-US" sz="2800" dirty="0" smtClean="0">
-                <a:solidFill>
-                  <a:srgbClr val="0090FF"/>
-                </a:solidFill>
-                <a:latin typeface="Fast Money" pitchFamily="2" charset="0"/>
-              </a:rPr>
-              <a:t>Title Here</a:t>
-            </a:r>
-            <a:endParaRPr lang="en-US" sz="2800" dirty="0">
-              <a:solidFill>
-                <a:srgbClr val="0090FF"/>
-              </a:solidFill>
-              <a:latin typeface="Fast Money" pitchFamily="2" charset="0"/>
-            </a:endParaRPr>
-          </a:p>
-        </p:txBody>
-      </p:sp>
     </p:spTree>
     <p:extLst>
       <p:ext uri="{BB962C8B-B14F-4D97-AF65-F5344CB8AC3E}">
-        <p14:creationId xmlns:p14="http://schemas.microsoft.com/office/powerpoint/2010/main" val="1664973044"/>
+        <p14:creationId xmlns:p14="http://schemas.microsoft.com/office/powerpoint/2010/main" val="2140353892"/>
       </p:ext>
     </p:extLst>
   </p:cSld>
@@ -3920,7 +3865,7 @@
 </p:sld>
 </file>
 
-<file path=ppt/slides/slide4.xml><?xml version="1.0" encoding="utf-8"?>
+<file path=ppt/slides/slide12.xml><?xml version="1.0" encoding="utf-8"?>
 <p:sld xmlns:a="http://schemas.openxmlformats.org/drawingml/2006/main" xmlns:r="http://schemas.openxmlformats.org/officeDocument/2006/relationships" xmlns:p="http://schemas.openxmlformats.org/presentationml/2006/main">
   <p:cSld>
     <p:spTree>
@@ -3955,7 +3900,7 @@
             <a:fld id="{B6F15528-21DE-4FAA-801E-634DDDAF4B2B}" type="slidenum">
               <a:rPr lang="en-US" smtClean="0"/>
               <a:pPr/>
-              <a:t>4</a:t>
+              <a:t>12</a:t>
             </a:fld>
             <a:endParaRPr lang="en-US"/>
           </a:p>
@@ -4037,16 +3982,1732 @@
           </a:fontRef>
         </p:style>
       </p:cxnSp>
-      <p:sp>
-        <p:nvSpPr>
-          <p:cNvPr id="10" name="TextBox 9"/>
+    </p:spTree>
+    <p:extLst>
+      <p:ext uri="{BB962C8B-B14F-4D97-AF65-F5344CB8AC3E}">
+        <p14:creationId xmlns:p14="http://schemas.microsoft.com/office/powerpoint/2010/main" val="1413304120"/>
+      </p:ext>
+    </p:extLst>
+  </p:cSld>
+  <p:clrMapOvr>
+    <a:masterClrMapping/>
+  </p:clrMapOvr>
+  <p:timing>
+    <p:tnLst>
+      <p:par>
+        <p:cTn id="1" dur="indefinite" restart="never" nodeType="tmRoot"/>
+      </p:par>
+    </p:tnLst>
+  </p:timing>
+</p:sld>
+</file>
+
+<file path=ppt/slides/slide13.xml><?xml version="1.0" encoding="utf-8"?>
+<p:sld xmlns:a="http://schemas.openxmlformats.org/drawingml/2006/main" xmlns:r="http://schemas.openxmlformats.org/officeDocument/2006/relationships" xmlns:p="http://schemas.openxmlformats.org/presentationml/2006/main">
+  <p:cSld>
+    <p:spTree>
+      <p:nvGrpSpPr>
+        <p:cNvPr id="1" name=""/>
+        <p:cNvGrpSpPr/>
+        <p:nvPr/>
+      </p:nvGrpSpPr>
+      <p:grpSpPr>
+        <a:xfrm>
+          <a:off x="0" y="0"/>
+          <a:ext cx="0" cy="0"/>
+          <a:chOff x="0" y="0"/>
+          <a:chExt cx="0" cy="0"/>
+        </a:xfrm>
+      </p:grpSpPr>
+      <p:sp>
+        <p:nvSpPr>
+          <p:cNvPr id="7" name="Slide Number Placeholder 6"/>
+          <p:cNvSpPr>
+            <a:spLocks noGrp="1"/>
+          </p:cNvSpPr>
+          <p:nvPr>
+            <p:ph type="sldNum" sz="quarter" idx="12"/>
+          </p:nvPr>
+        </p:nvSpPr>
+        <p:spPr/>
+        <p:txBody>
+          <a:bodyPr/>
+          <a:lstStyle/>
+          <a:p>
+            <a:fld id="{B6F15528-21DE-4FAA-801E-634DDDAF4B2B}" type="slidenum">
+              <a:rPr lang="en-US" smtClean="0"/>
+              <a:pPr/>
+              <a:t>13</a:t>
+            </a:fld>
+            <a:endParaRPr lang="en-US"/>
+          </a:p>
+        </p:txBody>
+      </p:sp>
+      <p:pic>
+        <p:nvPicPr>
+          <p:cNvPr id="8" name="Picture 2" descr="C:\Users\noaht_000\Documents\ECE411\Practicum2014\Wiki Images\logo.bmp"/>
+          <p:cNvPicPr>
+            <a:picLocks noChangeAspect="1" noChangeArrowheads="1"/>
+          </p:cNvPicPr>
+          <p:nvPr/>
+        </p:nvPicPr>
+        <p:blipFill>
+          <a:blip r:embed="rId2" cstate="print">
+            <a:extLst>
+              <a:ext uri="{28A0092B-C50C-407E-A947-70E740481C1C}">
+                <a14:useLocalDpi xmlns:a14="http://schemas.microsoft.com/office/drawing/2010/main" val="0"/>
+              </a:ext>
+            </a:extLst>
+          </a:blip>
+          <a:srcRect/>
+          <a:stretch>
+            <a:fillRect/>
+          </a:stretch>
+        </p:blipFill>
+        <p:spPr bwMode="auto">
+          <a:xfrm>
+            <a:off x="7391399" y="199181"/>
+            <a:ext cx="1477731" cy="639019"/>
+          </a:xfrm>
+          <a:prstGeom prst="rect">
+            <a:avLst/>
+          </a:prstGeom>
+          <a:noFill/>
+          <a:extLst>
+            <a:ext uri="{909E8E84-426E-40DD-AFC4-6F175D3DCCD1}">
+              <a14:hiddenFill xmlns:a14="http://schemas.microsoft.com/office/drawing/2010/main">
+                <a:solidFill>
+                  <a:srgbClr val="FFFFFF"/>
+                </a:solidFill>
+              </a14:hiddenFill>
+            </a:ext>
+          </a:extLst>
+        </p:spPr>
+      </p:pic>
+      <p:cxnSp>
+        <p:nvCxnSpPr>
+          <p:cNvPr id="9" name="Straight Connector 8"/>
+          <p:cNvCxnSpPr/>
+          <p:nvPr/>
+        </p:nvCxnSpPr>
+        <p:spPr>
+          <a:xfrm flipH="1">
+            <a:off x="533398" y="762000"/>
+            <a:ext cx="6857999" cy="0"/>
+          </a:xfrm>
+          <a:prstGeom prst="line">
+            <a:avLst/>
+          </a:prstGeom>
+          <a:ln w="38100">
+            <a:solidFill>
+              <a:schemeClr val="tx1"/>
+            </a:solidFill>
+          </a:ln>
+        </p:spPr>
+        <p:style>
+          <a:lnRef idx="1">
+            <a:schemeClr val="accent1"/>
+          </a:lnRef>
+          <a:fillRef idx="0">
+            <a:schemeClr val="accent1"/>
+          </a:fillRef>
+          <a:effectRef idx="0">
+            <a:schemeClr val="accent1"/>
+          </a:effectRef>
+          <a:fontRef idx="minor">
+            <a:schemeClr val="tx1"/>
+          </a:fontRef>
+        </p:style>
+      </p:cxnSp>
+    </p:spTree>
+    <p:extLst>
+      <p:ext uri="{BB962C8B-B14F-4D97-AF65-F5344CB8AC3E}">
+        <p14:creationId xmlns:p14="http://schemas.microsoft.com/office/powerpoint/2010/main" val="1605659540"/>
+      </p:ext>
+    </p:extLst>
+  </p:cSld>
+  <p:clrMapOvr>
+    <a:masterClrMapping/>
+  </p:clrMapOvr>
+  <p:timing>
+    <p:tnLst>
+      <p:par>
+        <p:cTn id="1" dur="indefinite" restart="never" nodeType="tmRoot"/>
+      </p:par>
+    </p:tnLst>
+  </p:timing>
+</p:sld>
+</file>
+
+<file path=ppt/slides/slide2.xml><?xml version="1.0" encoding="utf-8"?>
+<p:sld xmlns:a="http://schemas.openxmlformats.org/drawingml/2006/main" xmlns:r="http://schemas.openxmlformats.org/officeDocument/2006/relationships" xmlns:p="http://schemas.openxmlformats.org/presentationml/2006/main">
+  <p:cSld>
+    <p:spTree>
+      <p:nvGrpSpPr>
+        <p:cNvPr id="1" name=""/>
+        <p:cNvGrpSpPr/>
+        <p:nvPr/>
+      </p:nvGrpSpPr>
+      <p:grpSpPr>
+        <a:xfrm>
+          <a:off x="0" y="0"/>
+          <a:ext cx="0" cy="0"/>
+          <a:chOff x="0" y="0"/>
+          <a:chExt cx="0" cy="0"/>
+        </a:xfrm>
+      </p:grpSpPr>
+      <p:sp>
+        <p:nvSpPr>
+          <p:cNvPr id="7" name="Slide Number Placeholder 6"/>
+          <p:cNvSpPr>
+            <a:spLocks noGrp="1"/>
+          </p:cNvSpPr>
+          <p:nvPr>
+            <p:ph type="sldNum" sz="quarter" idx="12"/>
+          </p:nvPr>
+        </p:nvSpPr>
+        <p:spPr/>
+        <p:txBody>
+          <a:bodyPr/>
+          <a:lstStyle/>
+          <a:p>
+            <a:fld id="{B6F15528-21DE-4FAA-801E-634DDDAF4B2B}" type="slidenum">
+              <a:rPr lang="en-US" smtClean="0"/>
+              <a:pPr/>
+              <a:t>2</a:t>
+            </a:fld>
+            <a:endParaRPr lang="en-US"/>
+          </a:p>
+        </p:txBody>
+      </p:sp>
+      <p:pic>
+        <p:nvPicPr>
+          <p:cNvPr id="8" name="Picture 2" descr="C:\Users\noaht_000\Documents\ECE411\Practicum2014\Wiki Images\logo.bmp"/>
+          <p:cNvPicPr>
+            <a:picLocks noChangeAspect="1" noChangeArrowheads="1"/>
+          </p:cNvPicPr>
+          <p:nvPr/>
+        </p:nvPicPr>
+        <p:blipFill>
+          <a:blip r:embed="rId2" cstate="print">
+            <a:extLst>
+              <a:ext uri="{28A0092B-C50C-407E-A947-70E740481C1C}">
+                <a14:useLocalDpi xmlns:a14="http://schemas.microsoft.com/office/drawing/2010/main" val="0"/>
+              </a:ext>
+            </a:extLst>
+          </a:blip>
+          <a:srcRect/>
+          <a:stretch>
+            <a:fillRect/>
+          </a:stretch>
+        </p:blipFill>
+        <p:spPr bwMode="auto">
+          <a:xfrm>
+            <a:off x="7391399" y="199181"/>
+            <a:ext cx="1477731" cy="639019"/>
+          </a:xfrm>
+          <a:prstGeom prst="rect">
+            <a:avLst/>
+          </a:prstGeom>
+          <a:noFill/>
+          <a:extLst>
+            <a:ext uri="{909E8E84-426E-40DD-AFC4-6F175D3DCCD1}">
+              <a14:hiddenFill xmlns:a14="http://schemas.microsoft.com/office/drawing/2010/main">
+                <a:solidFill>
+                  <a:srgbClr val="FFFFFF"/>
+                </a:solidFill>
+              </a14:hiddenFill>
+            </a:ext>
+          </a:extLst>
+        </p:spPr>
+      </p:pic>
+      <p:cxnSp>
+        <p:nvCxnSpPr>
+          <p:cNvPr id="9" name="Straight Connector 8"/>
+          <p:cNvCxnSpPr/>
+          <p:nvPr/>
+        </p:nvCxnSpPr>
+        <p:spPr>
+          <a:xfrm flipH="1">
+            <a:off x="533398" y="762000"/>
+            <a:ext cx="6857999" cy="0"/>
+          </a:xfrm>
+          <a:prstGeom prst="line">
+            <a:avLst/>
+          </a:prstGeom>
+          <a:ln w="38100">
+            <a:solidFill>
+              <a:schemeClr val="tx1"/>
+            </a:solidFill>
+          </a:ln>
+        </p:spPr>
+        <p:style>
+          <a:lnRef idx="1">
+            <a:schemeClr val="accent1"/>
+          </a:lnRef>
+          <a:fillRef idx="0">
+            <a:schemeClr val="accent1"/>
+          </a:fillRef>
+          <a:effectRef idx="0">
+            <a:schemeClr val="accent1"/>
+          </a:effectRef>
+          <a:fontRef idx="minor">
+            <a:schemeClr val="tx1"/>
+          </a:fontRef>
+        </p:style>
+      </p:cxnSp>
+      <p:sp>
+        <p:nvSpPr>
+          <p:cNvPr id="2" name="Rectangle 1"/>
+          <p:cNvSpPr/>
+          <p:nvPr/>
+        </p:nvSpPr>
+        <p:spPr>
+          <a:xfrm>
+            <a:off x="533397" y="1066800"/>
+            <a:ext cx="8153403" cy="4146648"/>
+          </a:xfrm>
+          <a:prstGeom prst="rect">
+            <a:avLst/>
+          </a:prstGeom>
+        </p:spPr>
+        <p:txBody>
+          <a:bodyPr wrap="square">
+            <a:spAutoFit/>
+          </a:bodyPr>
+          <a:lstStyle/>
+          <a:p>
+            <a:pPr>
+              <a:lnSpc>
+                <a:spcPct val="107000"/>
+              </a:lnSpc>
+              <a:spcAft>
+                <a:spcPts val="800"/>
+              </a:spcAft>
+            </a:pPr>
+            <a:r>
+              <a:rPr lang="en-US" sz="2400" b="1" dirty="0" smtClean="0">
+                <a:latin typeface="Calibri" panose="020F0502020204030204" pitchFamily="34" charset="0"/>
+                <a:ea typeface="Calibri" panose="020F0502020204030204" pitchFamily="34" charset="0"/>
+                <a:cs typeface="Times New Roman" panose="02020603050405020304" pitchFamily="18" charset="0"/>
+              </a:rPr>
+              <a:t>Problem</a:t>
+            </a:r>
+            <a:endParaRPr lang="en-US" sz="2400" dirty="0" smtClean="0">
+              <a:latin typeface="Calibri" panose="020F0502020204030204" pitchFamily="34" charset="0"/>
+              <a:ea typeface="Calibri" panose="020F0502020204030204" pitchFamily="34" charset="0"/>
+              <a:cs typeface="Times New Roman" panose="02020603050405020304" pitchFamily="18" charset="0"/>
+            </a:endParaRPr>
+          </a:p>
+          <a:p>
+            <a:pPr marL="342900" marR="0" lvl="0" indent="-342900">
+              <a:lnSpc>
+                <a:spcPct val="107000"/>
+              </a:lnSpc>
+              <a:spcBef>
+                <a:spcPts val="0"/>
+              </a:spcBef>
+              <a:spcAft>
+                <a:spcPts val="0"/>
+              </a:spcAft>
+              <a:buFont typeface="Symbol" panose="05050102010706020507" pitchFamily="18" charset="2"/>
+              <a:buChar char=""/>
+            </a:pPr>
+            <a:r>
+              <a:rPr lang="en-US" sz="2400" dirty="0" smtClean="0">
+                <a:latin typeface="Calibri" panose="020F0502020204030204" pitchFamily="34" charset="0"/>
+                <a:ea typeface="Calibri" panose="020F0502020204030204" pitchFamily="34" charset="0"/>
+                <a:cs typeface="Times New Roman" panose="02020603050405020304" pitchFamily="18" charset="0"/>
+              </a:rPr>
+              <a:t>Limited </a:t>
+            </a:r>
+            <a:r>
+              <a:rPr lang="en-US" sz="2400" dirty="0">
+                <a:latin typeface="Calibri" panose="020F0502020204030204" pitchFamily="34" charset="0"/>
+                <a:ea typeface="Calibri" panose="020F0502020204030204" pitchFamily="34" charset="0"/>
+                <a:cs typeface="Times New Roman" panose="02020603050405020304" pitchFamily="18" charset="0"/>
+              </a:rPr>
+              <a:t>rear and blind spot visibility for motorcycle riders wearing full-faced helmets.</a:t>
+            </a:r>
+          </a:p>
+          <a:p>
+            <a:pPr marL="742950" marR="0" lvl="1" indent="-285750">
+              <a:lnSpc>
+                <a:spcPct val="107000"/>
+              </a:lnSpc>
+              <a:spcBef>
+                <a:spcPts val="0"/>
+              </a:spcBef>
+              <a:spcAft>
+                <a:spcPts val="0"/>
+              </a:spcAft>
+              <a:buFont typeface="Courier New" panose="02070309020205020404" pitchFamily="49" charset="0"/>
+              <a:buChar char="o"/>
+            </a:pPr>
+            <a:r>
+              <a:rPr lang="en-US" sz="2400" dirty="0">
+                <a:latin typeface="Calibri" panose="020F0502020204030204" pitchFamily="34" charset="0"/>
+                <a:ea typeface="Calibri" panose="020F0502020204030204" pitchFamily="34" charset="0"/>
+                <a:cs typeface="Times New Roman" panose="02020603050405020304" pitchFamily="18" charset="0"/>
+              </a:rPr>
+              <a:t>Turning head takes attention off the road in front</a:t>
+            </a:r>
+          </a:p>
+          <a:p>
+            <a:pPr marL="342900" marR="0" lvl="0" indent="-342900">
+              <a:lnSpc>
+                <a:spcPct val="107000"/>
+              </a:lnSpc>
+              <a:spcBef>
+                <a:spcPts val="0"/>
+              </a:spcBef>
+              <a:spcAft>
+                <a:spcPts val="0"/>
+              </a:spcAft>
+              <a:buFont typeface="Symbol" panose="05050102010706020507" pitchFamily="18" charset="2"/>
+              <a:buChar char=""/>
+            </a:pPr>
+            <a:r>
+              <a:rPr lang="en-US" sz="2400" dirty="0">
+                <a:latin typeface="Calibri" panose="020F0502020204030204" pitchFamily="34" charset="0"/>
+                <a:ea typeface="Calibri" panose="020F0502020204030204" pitchFamily="34" charset="0"/>
+                <a:cs typeface="Times New Roman" panose="02020603050405020304" pitchFamily="18" charset="0"/>
+              </a:rPr>
+              <a:t>Rearview mirrors are not always reliable or easy to see</a:t>
+            </a:r>
+          </a:p>
+          <a:p>
+            <a:pPr marL="742950" marR="0" lvl="1" indent="-285750">
+              <a:lnSpc>
+                <a:spcPct val="107000"/>
+              </a:lnSpc>
+              <a:spcBef>
+                <a:spcPts val="0"/>
+              </a:spcBef>
+              <a:spcAft>
+                <a:spcPts val="0"/>
+              </a:spcAft>
+              <a:buFont typeface="Courier New" panose="02070309020205020404" pitchFamily="49" charset="0"/>
+              <a:buChar char="o"/>
+            </a:pPr>
+            <a:r>
+              <a:rPr lang="en-US" sz="2400" dirty="0">
+                <a:latin typeface="Calibri" panose="020F0502020204030204" pitchFamily="34" charset="0"/>
+                <a:ea typeface="Calibri" panose="020F0502020204030204" pitchFamily="34" charset="0"/>
+                <a:cs typeface="Times New Roman" panose="02020603050405020304" pitchFamily="18" charset="0"/>
+              </a:rPr>
+              <a:t>Bar end mirrors</a:t>
+            </a:r>
+          </a:p>
+          <a:p>
+            <a:pPr marL="742950" marR="0" lvl="1" indent="-285750">
+              <a:lnSpc>
+                <a:spcPct val="107000"/>
+              </a:lnSpc>
+              <a:spcBef>
+                <a:spcPts val="0"/>
+              </a:spcBef>
+              <a:spcAft>
+                <a:spcPts val="0"/>
+              </a:spcAft>
+              <a:buFont typeface="Courier New" panose="02070309020205020404" pitchFamily="49" charset="0"/>
+              <a:buChar char="o"/>
+            </a:pPr>
+            <a:r>
+              <a:rPr lang="en-US" sz="2400" dirty="0">
+                <a:latin typeface="Calibri" panose="020F0502020204030204" pitchFamily="34" charset="0"/>
+                <a:ea typeface="Calibri" panose="020F0502020204030204" pitchFamily="34" charset="0"/>
+                <a:cs typeface="Times New Roman" panose="02020603050405020304" pitchFamily="18" charset="0"/>
+              </a:rPr>
+              <a:t>Vibration</a:t>
+            </a:r>
+          </a:p>
+          <a:p>
+            <a:pPr marL="342900" marR="0" lvl="0" indent="-342900">
+              <a:lnSpc>
+                <a:spcPct val="107000"/>
+              </a:lnSpc>
+              <a:spcBef>
+                <a:spcPts val="0"/>
+              </a:spcBef>
+              <a:spcAft>
+                <a:spcPts val="0"/>
+              </a:spcAft>
+              <a:buFont typeface="Symbol" panose="05050102010706020507" pitchFamily="18" charset="2"/>
+              <a:buChar char=""/>
+            </a:pPr>
+            <a:r>
+              <a:rPr lang="en-US" sz="2400" dirty="0">
+                <a:latin typeface="Calibri" panose="020F0502020204030204" pitchFamily="34" charset="0"/>
+                <a:ea typeface="Calibri" panose="020F0502020204030204" pitchFamily="34" charset="0"/>
+                <a:cs typeface="Times New Roman" panose="02020603050405020304" pitchFamily="18" charset="0"/>
+              </a:rPr>
+              <a:t>Safety and riding awareness</a:t>
+            </a:r>
+          </a:p>
+          <a:p>
+            <a:pPr marL="742950" marR="0" lvl="1" indent="-285750">
+              <a:lnSpc>
+                <a:spcPct val="107000"/>
+              </a:lnSpc>
+              <a:spcBef>
+                <a:spcPts val="0"/>
+              </a:spcBef>
+              <a:spcAft>
+                <a:spcPts val="0"/>
+              </a:spcAft>
+              <a:buFont typeface="Courier New" panose="02070309020205020404" pitchFamily="49" charset="0"/>
+              <a:buChar char="o"/>
+            </a:pPr>
+            <a:r>
+              <a:rPr lang="en-US" sz="2400" dirty="0">
+                <a:latin typeface="Calibri" panose="020F0502020204030204" pitchFamily="34" charset="0"/>
+                <a:ea typeface="Calibri" panose="020F0502020204030204" pitchFamily="34" charset="0"/>
+                <a:cs typeface="Times New Roman" panose="02020603050405020304" pitchFamily="18" charset="0"/>
+              </a:rPr>
+              <a:t>Lane positioning</a:t>
+            </a:r>
+          </a:p>
+          <a:p>
+            <a:pPr marL="742950" marR="0" lvl="1" indent="-285750">
+              <a:lnSpc>
+                <a:spcPct val="107000"/>
+              </a:lnSpc>
+              <a:spcBef>
+                <a:spcPts val="0"/>
+              </a:spcBef>
+              <a:spcAft>
+                <a:spcPts val="800"/>
+              </a:spcAft>
+              <a:buFont typeface="Courier New" panose="02070309020205020404" pitchFamily="49" charset="0"/>
+              <a:buChar char="o"/>
+            </a:pPr>
+            <a:r>
+              <a:rPr lang="en-US" sz="2400" dirty="0">
+                <a:latin typeface="Calibri" panose="020F0502020204030204" pitchFamily="34" charset="0"/>
+                <a:ea typeface="Calibri" panose="020F0502020204030204" pitchFamily="34" charset="0"/>
+                <a:cs typeface="Times New Roman" panose="02020603050405020304" pitchFamily="18" charset="0"/>
+              </a:rPr>
+              <a:t>Traffic density</a:t>
+            </a:r>
+            <a:endParaRPr lang="en-US" sz="2400" dirty="0">
+              <a:effectLst/>
+              <a:latin typeface="Calibri" panose="020F0502020204030204" pitchFamily="34" charset="0"/>
+              <a:ea typeface="Calibri" panose="020F0502020204030204" pitchFamily="34" charset="0"/>
+              <a:cs typeface="Times New Roman" panose="02020603050405020304" pitchFamily="18" charset="0"/>
+            </a:endParaRPr>
+          </a:p>
+        </p:txBody>
+      </p:sp>
+    </p:spTree>
+    <p:extLst>
+      <p:ext uri="{BB962C8B-B14F-4D97-AF65-F5344CB8AC3E}">
+        <p14:creationId xmlns:p14="http://schemas.microsoft.com/office/powerpoint/2010/main" val="2706470271"/>
+      </p:ext>
+    </p:extLst>
+  </p:cSld>
+  <p:clrMapOvr>
+    <a:masterClrMapping/>
+  </p:clrMapOvr>
+  <p:timing>
+    <p:tnLst>
+      <p:par>
+        <p:cTn id="1" dur="indefinite" restart="never" nodeType="tmRoot"/>
+      </p:par>
+    </p:tnLst>
+  </p:timing>
+</p:sld>
+</file>
+
+<file path=ppt/slides/slide3.xml><?xml version="1.0" encoding="utf-8"?>
+<p:sld xmlns:a="http://schemas.openxmlformats.org/drawingml/2006/main" xmlns:r="http://schemas.openxmlformats.org/officeDocument/2006/relationships" xmlns:p="http://schemas.openxmlformats.org/presentationml/2006/main">
+  <p:cSld>
+    <p:spTree>
+      <p:nvGrpSpPr>
+        <p:cNvPr id="1" name=""/>
+        <p:cNvGrpSpPr/>
+        <p:nvPr/>
+      </p:nvGrpSpPr>
+      <p:grpSpPr>
+        <a:xfrm>
+          <a:off x="0" y="0"/>
+          <a:ext cx="0" cy="0"/>
+          <a:chOff x="0" y="0"/>
+          <a:chExt cx="0" cy="0"/>
+        </a:xfrm>
+      </p:grpSpPr>
+      <p:sp>
+        <p:nvSpPr>
+          <p:cNvPr id="7" name="Slide Number Placeholder 6"/>
+          <p:cNvSpPr>
+            <a:spLocks noGrp="1"/>
+          </p:cNvSpPr>
+          <p:nvPr>
+            <p:ph type="sldNum" sz="quarter" idx="12"/>
+          </p:nvPr>
+        </p:nvSpPr>
+        <p:spPr/>
+        <p:txBody>
+          <a:bodyPr/>
+          <a:lstStyle/>
+          <a:p>
+            <a:fld id="{B6F15528-21DE-4FAA-801E-634DDDAF4B2B}" type="slidenum">
+              <a:rPr lang="en-US" smtClean="0"/>
+              <a:pPr/>
+              <a:t>3</a:t>
+            </a:fld>
+            <a:endParaRPr lang="en-US"/>
+          </a:p>
+        </p:txBody>
+      </p:sp>
+      <p:pic>
+        <p:nvPicPr>
+          <p:cNvPr id="8" name="Picture 2" descr="C:\Users\noaht_000\Documents\ECE411\Practicum2014\Wiki Images\logo.bmp"/>
+          <p:cNvPicPr>
+            <a:picLocks noChangeAspect="1" noChangeArrowheads="1"/>
+          </p:cNvPicPr>
+          <p:nvPr/>
+        </p:nvPicPr>
+        <p:blipFill>
+          <a:blip r:embed="rId2" cstate="print">
+            <a:extLst>
+              <a:ext uri="{28A0092B-C50C-407E-A947-70E740481C1C}">
+                <a14:useLocalDpi xmlns:a14="http://schemas.microsoft.com/office/drawing/2010/main" val="0"/>
+              </a:ext>
+            </a:extLst>
+          </a:blip>
+          <a:srcRect/>
+          <a:stretch>
+            <a:fillRect/>
+          </a:stretch>
+        </p:blipFill>
+        <p:spPr bwMode="auto">
+          <a:xfrm>
+            <a:off x="7391399" y="199181"/>
+            <a:ext cx="1477731" cy="639019"/>
+          </a:xfrm>
+          <a:prstGeom prst="rect">
+            <a:avLst/>
+          </a:prstGeom>
+          <a:noFill/>
+          <a:extLst>
+            <a:ext uri="{909E8E84-426E-40DD-AFC4-6F175D3DCCD1}">
+              <a14:hiddenFill xmlns:a14="http://schemas.microsoft.com/office/drawing/2010/main">
+                <a:solidFill>
+                  <a:srgbClr val="FFFFFF"/>
+                </a:solidFill>
+              </a14:hiddenFill>
+            </a:ext>
+          </a:extLst>
+        </p:spPr>
+      </p:pic>
+      <p:cxnSp>
+        <p:nvCxnSpPr>
+          <p:cNvPr id="9" name="Straight Connector 8"/>
+          <p:cNvCxnSpPr/>
+          <p:nvPr/>
+        </p:nvCxnSpPr>
+        <p:spPr>
+          <a:xfrm flipH="1">
+            <a:off x="533398" y="762000"/>
+            <a:ext cx="6857999" cy="0"/>
+          </a:xfrm>
+          <a:prstGeom prst="line">
+            <a:avLst/>
+          </a:prstGeom>
+          <a:ln w="38100">
+            <a:solidFill>
+              <a:schemeClr val="tx1"/>
+            </a:solidFill>
+          </a:ln>
+        </p:spPr>
+        <p:style>
+          <a:lnRef idx="1">
+            <a:schemeClr val="accent1"/>
+          </a:lnRef>
+          <a:fillRef idx="0">
+            <a:schemeClr val="accent1"/>
+          </a:fillRef>
+          <a:effectRef idx="0">
+            <a:schemeClr val="accent1"/>
+          </a:effectRef>
+          <a:fontRef idx="minor">
+            <a:schemeClr val="tx1"/>
+          </a:fontRef>
+        </p:style>
+      </p:cxnSp>
+      <p:sp>
+        <p:nvSpPr>
+          <p:cNvPr id="2" name="Rectangle 1"/>
+          <p:cNvSpPr/>
+          <p:nvPr/>
+        </p:nvSpPr>
+        <p:spPr>
+          <a:xfrm>
+            <a:off x="555006" y="1062363"/>
+            <a:ext cx="8131793" cy="5652830"/>
+          </a:xfrm>
+          <a:prstGeom prst="rect">
+            <a:avLst/>
+          </a:prstGeom>
+        </p:spPr>
+        <p:txBody>
+          <a:bodyPr wrap="square">
+            <a:spAutoFit/>
+          </a:bodyPr>
+          <a:lstStyle/>
+          <a:p>
+            <a:pPr>
+              <a:lnSpc>
+                <a:spcPct val="107000"/>
+              </a:lnSpc>
+              <a:spcAft>
+                <a:spcPts val="800"/>
+              </a:spcAft>
+            </a:pPr>
+            <a:r>
+              <a:rPr lang="en-US" sz="2400" b="1" dirty="0">
+                <a:latin typeface="Calibri" panose="020F0502020204030204" pitchFamily="34" charset="0"/>
+                <a:ea typeface="Calibri" panose="020F0502020204030204" pitchFamily="34" charset="0"/>
+                <a:cs typeface="Times New Roman" panose="02020603050405020304" pitchFamily="18" charset="0"/>
+              </a:rPr>
+              <a:t>Objective</a:t>
+            </a:r>
+            <a:endParaRPr lang="en-US" sz="2400" dirty="0">
+              <a:latin typeface="Calibri" panose="020F0502020204030204" pitchFamily="34" charset="0"/>
+              <a:ea typeface="Calibri" panose="020F0502020204030204" pitchFamily="34" charset="0"/>
+              <a:cs typeface="Times New Roman" panose="02020603050405020304" pitchFamily="18" charset="0"/>
+            </a:endParaRPr>
+          </a:p>
+          <a:p>
+            <a:pPr>
+              <a:lnSpc>
+                <a:spcPct val="107000"/>
+              </a:lnSpc>
+              <a:spcAft>
+                <a:spcPts val="800"/>
+              </a:spcAft>
+            </a:pPr>
+            <a:r>
+              <a:rPr lang="en-US" sz="2400" dirty="0" smtClean="0">
+                <a:latin typeface="Calibri" panose="020F0502020204030204" pitchFamily="34" charset="0"/>
+                <a:ea typeface="Calibri" panose="020F0502020204030204" pitchFamily="34" charset="0"/>
+                <a:cs typeface="Times New Roman" panose="02020603050405020304" pitchFamily="18" charset="0"/>
+              </a:rPr>
+              <a:t>A working prototype that will give visual indication of position of close proximity traffic to the rear and sides of the motorcycle behind the rider’s field of view.  A simple non-video display will lend an old-school vibe to appeal to vintage enthusiasts.</a:t>
+            </a:r>
+          </a:p>
+          <a:p>
+            <a:pPr>
+              <a:lnSpc>
+                <a:spcPct val="107000"/>
+              </a:lnSpc>
+              <a:spcAft>
+                <a:spcPts val="800"/>
+              </a:spcAft>
+            </a:pPr>
+            <a:endParaRPr lang="en-US" sz="2400" dirty="0" smtClean="0">
+              <a:latin typeface="Calibri" panose="020F0502020204030204" pitchFamily="34" charset="0"/>
+              <a:ea typeface="Calibri" panose="020F0502020204030204" pitchFamily="34" charset="0"/>
+              <a:cs typeface="Times New Roman" panose="02020603050405020304" pitchFamily="18" charset="0"/>
+            </a:endParaRPr>
+          </a:p>
+          <a:p>
+            <a:r>
+              <a:rPr lang="en-US" sz="2400" b="1" dirty="0" smtClean="0"/>
+              <a:t>Alternatives</a:t>
+            </a:r>
+            <a:endParaRPr lang="en-US" sz="2400" dirty="0" smtClean="0"/>
+          </a:p>
+          <a:p>
+            <a:pPr marL="342900" lvl="0" indent="-342900">
+              <a:buFont typeface="Arial" panose="020B0604020202020204" pitchFamily="34" charset="0"/>
+              <a:buChar char="•"/>
+            </a:pPr>
+            <a:r>
+              <a:rPr lang="en-US" sz="2400" dirty="0" err="1" smtClean="0"/>
+              <a:t>Reevu</a:t>
+            </a:r>
+            <a:r>
+              <a:rPr lang="en-US" sz="2400" dirty="0" smtClean="0"/>
+              <a:t> MSX-1 Rear-View Helmet - $399.99</a:t>
+            </a:r>
+          </a:p>
+          <a:p>
+            <a:pPr marL="800100" lvl="1" indent="-342900">
+              <a:buFont typeface="Arial" panose="020B0604020202020204" pitchFamily="34" charset="0"/>
+              <a:buChar char="•"/>
+            </a:pPr>
+            <a:r>
+              <a:rPr lang="en-US" sz="2400" dirty="0" smtClean="0"/>
+              <a:t>Internal rear-view mirror, works off rear-reflection</a:t>
+            </a:r>
+          </a:p>
+          <a:p>
+            <a:pPr marL="342900" lvl="0" indent="-342900">
+              <a:buFont typeface="Arial" panose="020B0604020202020204" pitchFamily="34" charset="0"/>
+              <a:buChar char="•"/>
+            </a:pPr>
+            <a:r>
+              <a:rPr lang="en-US" sz="2400" dirty="0" err="1" smtClean="0"/>
+              <a:t>Skully</a:t>
+            </a:r>
+            <a:r>
+              <a:rPr lang="en-US" sz="2400" dirty="0" smtClean="0"/>
+              <a:t> AR-1 Helmet - $1499</a:t>
+            </a:r>
+          </a:p>
+          <a:p>
+            <a:pPr marL="800100" lvl="1" indent="-342900">
+              <a:buFont typeface="Arial" panose="020B0604020202020204" pitchFamily="34" charset="0"/>
+              <a:buChar char="•"/>
+            </a:pPr>
+            <a:r>
+              <a:rPr lang="en-US" sz="2400" dirty="0" smtClean="0"/>
+              <a:t>Rear-view camera, internal HUD</a:t>
+            </a:r>
+          </a:p>
+          <a:p>
+            <a:pPr marL="342900" lvl="0" indent="-342900">
+              <a:buFont typeface="Arial" panose="020B0604020202020204" pitchFamily="34" charset="0"/>
+              <a:buChar char="•"/>
+            </a:pPr>
+            <a:r>
+              <a:rPr lang="en-US" sz="2400" dirty="0" smtClean="0"/>
+              <a:t>Lucky Bike </a:t>
+            </a:r>
+            <a:r>
+              <a:rPr lang="en-US" sz="2400" dirty="0" err="1" smtClean="0"/>
+              <a:t>Motorcyle</a:t>
+            </a:r>
+            <a:r>
+              <a:rPr lang="en-US" sz="2400" dirty="0" smtClean="0"/>
+              <a:t> Rear-View Camera System - $89</a:t>
+            </a:r>
+          </a:p>
+          <a:p>
+            <a:pPr marL="800100" lvl="1" indent="-342900">
+              <a:buFont typeface="Arial" panose="020B0604020202020204" pitchFamily="34" charset="0"/>
+              <a:buChar char="•"/>
+            </a:pPr>
+            <a:r>
+              <a:rPr lang="en-US" sz="2400" dirty="0" smtClean="0"/>
+              <a:t>4.3” Video display with night vision</a:t>
+            </a:r>
+          </a:p>
+          <a:p>
+            <a:pPr>
+              <a:lnSpc>
+                <a:spcPct val="107000"/>
+              </a:lnSpc>
+              <a:spcAft>
+                <a:spcPts val="800"/>
+              </a:spcAft>
+            </a:pPr>
+            <a:endParaRPr lang="en-US" dirty="0">
+              <a:effectLst/>
+              <a:latin typeface="Calibri" panose="020F0502020204030204" pitchFamily="34" charset="0"/>
+              <a:ea typeface="Calibri" panose="020F0502020204030204" pitchFamily="34" charset="0"/>
+              <a:cs typeface="Times New Roman" panose="02020603050405020304" pitchFamily="18" charset="0"/>
+            </a:endParaRPr>
+          </a:p>
+        </p:txBody>
+      </p:sp>
+    </p:spTree>
+    <p:extLst>
+      <p:ext uri="{BB962C8B-B14F-4D97-AF65-F5344CB8AC3E}">
+        <p14:creationId xmlns:p14="http://schemas.microsoft.com/office/powerpoint/2010/main" val="1664973044"/>
+      </p:ext>
+    </p:extLst>
+  </p:cSld>
+  <p:clrMapOvr>
+    <a:masterClrMapping/>
+  </p:clrMapOvr>
+  <p:timing>
+    <p:tnLst>
+      <p:par>
+        <p:cTn id="1" dur="indefinite" restart="never" nodeType="tmRoot"/>
+      </p:par>
+    </p:tnLst>
+  </p:timing>
+</p:sld>
+</file>
+
+<file path=ppt/slides/slide4.xml><?xml version="1.0" encoding="utf-8"?>
+<p:sld xmlns:a="http://schemas.openxmlformats.org/drawingml/2006/main" xmlns:r="http://schemas.openxmlformats.org/officeDocument/2006/relationships" xmlns:p="http://schemas.openxmlformats.org/presentationml/2006/main">
+  <p:cSld>
+    <p:spTree>
+      <p:nvGrpSpPr>
+        <p:cNvPr id="1" name=""/>
+        <p:cNvGrpSpPr/>
+        <p:nvPr/>
+      </p:nvGrpSpPr>
+      <p:grpSpPr>
+        <a:xfrm>
+          <a:off x="0" y="0"/>
+          <a:ext cx="0" cy="0"/>
+          <a:chOff x="0" y="0"/>
+          <a:chExt cx="0" cy="0"/>
+        </a:xfrm>
+      </p:grpSpPr>
+      <p:sp>
+        <p:nvSpPr>
+          <p:cNvPr id="7" name="Slide Number Placeholder 6"/>
+          <p:cNvSpPr>
+            <a:spLocks noGrp="1"/>
+          </p:cNvSpPr>
+          <p:nvPr>
+            <p:ph type="sldNum" sz="quarter" idx="12"/>
+          </p:nvPr>
+        </p:nvSpPr>
+        <p:spPr/>
+        <p:txBody>
+          <a:bodyPr/>
+          <a:lstStyle/>
+          <a:p>
+            <a:fld id="{B6F15528-21DE-4FAA-801E-634DDDAF4B2B}" type="slidenum">
+              <a:rPr lang="en-US" smtClean="0"/>
+              <a:pPr/>
+              <a:t>4</a:t>
+            </a:fld>
+            <a:endParaRPr lang="en-US"/>
+          </a:p>
+        </p:txBody>
+      </p:sp>
+      <p:pic>
+        <p:nvPicPr>
+          <p:cNvPr id="8" name="Picture 2" descr="C:\Users\noaht_000\Documents\ECE411\Practicum2014\Wiki Images\logo.bmp"/>
+          <p:cNvPicPr>
+            <a:picLocks noChangeAspect="1" noChangeArrowheads="1"/>
+          </p:cNvPicPr>
+          <p:nvPr/>
+        </p:nvPicPr>
+        <p:blipFill>
+          <a:blip r:embed="rId2" cstate="print">
+            <a:extLst>
+              <a:ext uri="{28A0092B-C50C-407E-A947-70E740481C1C}">
+                <a14:useLocalDpi xmlns:a14="http://schemas.microsoft.com/office/drawing/2010/main" val="0"/>
+              </a:ext>
+            </a:extLst>
+          </a:blip>
+          <a:srcRect/>
+          <a:stretch>
+            <a:fillRect/>
+          </a:stretch>
+        </p:blipFill>
+        <p:spPr bwMode="auto">
+          <a:xfrm>
+            <a:off x="7391399" y="199181"/>
+            <a:ext cx="1477731" cy="639019"/>
+          </a:xfrm>
+          <a:prstGeom prst="rect">
+            <a:avLst/>
+          </a:prstGeom>
+          <a:noFill/>
+          <a:extLst>
+            <a:ext uri="{909E8E84-426E-40DD-AFC4-6F175D3DCCD1}">
+              <a14:hiddenFill xmlns:a14="http://schemas.microsoft.com/office/drawing/2010/main">
+                <a:solidFill>
+                  <a:srgbClr val="FFFFFF"/>
+                </a:solidFill>
+              </a14:hiddenFill>
+            </a:ext>
+          </a:extLst>
+        </p:spPr>
+      </p:pic>
+      <p:cxnSp>
+        <p:nvCxnSpPr>
+          <p:cNvPr id="9" name="Straight Connector 8"/>
+          <p:cNvCxnSpPr/>
+          <p:nvPr/>
+        </p:nvCxnSpPr>
+        <p:spPr>
+          <a:xfrm flipH="1">
+            <a:off x="533398" y="762000"/>
+            <a:ext cx="6857999" cy="0"/>
+          </a:xfrm>
+          <a:prstGeom prst="line">
+            <a:avLst/>
+          </a:prstGeom>
+          <a:ln w="38100">
+            <a:solidFill>
+              <a:schemeClr val="tx1"/>
+            </a:solidFill>
+          </a:ln>
+        </p:spPr>
+        <p:style>
+          <a:lnRef idx="1">
+            <a:schemeClr val="accent1"/>
+          </a:lnRef>
+          <a:fillRef idx="0">
+            <a:schemeClr val="accent1"/>
+          </a:fillRef>
+          <a:effectRef idx="0">
+            <a:schemeClr val="accent1"/>
+          </a:effectRef>
+          <a:fontRef idx="minor">
+            <a:schemeClr val="tx1"/>
+          </a:fontRef>
+        </p:style>
+      </p:cxnSp>
+      <p:sp>
+        <p:nvSpPr>
+          <p:cNvPr id="3" name="Rectangle 2"/>
+          <p:cNvSpPr/>
+          <p:nvPr/>
+        </p:nvSpPr>
+        <p:spPr>
+          <a:xfrm>
+            <a:off x="524298" y="1003608"/>
+            <a:ext cx="8162501" cy="4367029"/>
+          </a:xfrm>
+          <a:prstGeom prst="rect">
+            <a:avLst/>
+          </a:prstGeom>
+        </p:spPr>
+        <p:txBody>
+          <a:bodyPr wrap="square">
+            <a:spAutoFit/>
+          </a:bodyPr>
+          <a:lstStyle/>
+          <a:p>
+            <a:pPr>
+              <a:lnSpc>
+                <a:spcPct val="107000"/>
+              </a:lnSpc>
+              <a:spcAft>
+                <a:spcPts val="800"/>
+              </a:spcAft>
+            </a:pPr>
+            <a:r>
+              <a:rPr lang="en-US" sz="2400" b="1" dirty="0">
+                <a:latin typeface="Calibri" panose="020F0502020204030204" pitchFamily="34" charset="0"/>
+                <a:ea typeface="Calibri" panose="020F0502020204030204" pitchFamily="34" charset="0"/>
+                <a:cs typeface="Times New Roman" panose="02020603050405020304" pitchFamily="18" charset="0"/>
+              </a:rPr>
+              <a:t>Requirements</a:t>
+            </a:r>
+            <a:endParaRPr lang="en-US" sz="2400" dirty="0">
+              <a:latin typeface="Calibri" panose="020F0502020204030204" pitchFamily="34" charset="0"/>
+              <a:ea typeface="Calibri" panose="020F0502020204030204" pitchFamily="34" charset="0"/>
+              <a:cs typeface="Times New Roman" panose="02020603050405020304" pitchFamily="18" charset="0"/>
+            </a:endParaRPr>
+          </a:p>
+          <a:p>
+            <a:pPr marL="342900" marR="0" lvl="0" indent="-342900">
+              <a:lnSpc>
+                <a:spcPct val="107000"/>
+              </a:lnSpc>
+              <a:spcBef>
+                <a:spcPts val="0"/>
+              </a:spcBef>
+              <a:spcAft>
+                <a:spcPts val="0"/>
+              </a:spcAft>
+              <a:buFont typeface="Symbol" panose="05050102010706020507" pitchFamily="18" charset="2"/>
+              <a:buChar char=""/>
+            </a:pPr>
+            <a:r>
+              <a:rPr lang="en-US" sz="2400" dirty="0">
+                <a:latin typeface="Calibri" panose="020F0502020204030204" pitchFamily="34" charset="0"/>
+                <a:ea typeface="Calibri" panose="020F0502020204030204" pitchFamily="34" charset="0"/>
+                <a:cs typeface="Times New Roman" panose="02020603050405020304" pitchFamily="18" charset="0"/>
+              </a:rPr>
+              <a:t>Easy to use</a:t>
+            </a:r>
+          </a:p>
+          <a:p>
+            <a:pPr marL="342900" marR="0" lvl="0" indent="-342900">
+              <a:lnSpc>
+                <a:spcPct val="107000"/>
+              </a:lnSpc>
+              <a:spcBef>
+                <a:spcPts val="0"/>
+              </a:spcBef>
+              <a:spcAft>
+                <a:spcPts val="800"/>
+              </a:spcAft>
+              <a:buFont typeface="Symbol" panose="05050102010706020507" pitchFamily="18" charset="2"/>
+              <a:buChar char=""/>
+            </a:pPr>
+            <a:r>
+              <a:rPr lang="en-US" sz="2400" dirty="0" smtClean="0">
+                <a:effectLst/>
+                <a:latin typeface="Calibri" panose="020F0502020204030204" pitchFamily="34" charset="0"/>
+                <a:ea typeface="Calibri" panose="020F0502020204030204" pitchFamily="34" charset="0"/>
+                <a:cs typeface="Times New Roman" panose="02020603050405020304" pitchFamily="18" charset="0"/>
+              </a:rPr>
+              <a:t>Real-time visual indication of distance to rear and sides</a:t>
+            </a:r>
+          </a:p>
+          <a:p>
+            <a:pPr marL="342900" marR="0" lvl="0" indent="-342900">
+              <a:lnSpc>
+                <a:spcPct val="107000"/>
+              </a:lnSpc>
+              <a:spcBef>
+                <a:spcPts val="0"/>
+              </a:spcBef>
+              <a:spcAft>
+                <a:spcPts val="800"/>
+              </a:spcAft>
+              <a:buFont typeface="Symbol" panose="05050102010706020507" pitchFamily="18" charset="2"/>
+              <a:buChar char=""/>
+            </a:pPr>
+            <a:r>
+              <a:rPr lang="en-US" sz="2400" dirty="0" smtClean="0">
+                <a:latin typeface="Calibri" panose="020F0502020204030204" pitchFamily="34" charset="0"/>
+                <a:ea typeface="Calibri" panose="020F0502020204030204" pitchFamily="34" charset="0"/>
+                <a:cs typeface="Times New Roman" panose="02020603050405020304" pitchFamily="18" charset="0"/>
+              </a:rPr>
+              <a:t>Three zones</a:t>
+            </a:r>
+          </a:p>
+          <a:p>
+            <a:pPr marL="342900" marR="0" lvl="0" indent="-342900">
+              <a:lnSpc>
+                <a:spcPct val="107000"/>
+              </a:lnSpc>
+              <a:spcBef>
+                <a:spcPts val="0"/>
+              </a:spcBef>
+              <a:spcAft>
+                <a:spcPts val="800"/>
+              </a:spcAft>
+              <a:buFont typeface="Symbol" panose="05050102010706020507" pitchFamily="18" charset="2"/>
+              <a:buChar char=""/>
+            </a:pPr>
+            <a:r>
+              <a:rPr lang="en-US" sz="2400" dirty="0" smtClean="0">
+                <a:latin typeface="Calibri" panose="020F0502020204030204" pitchFamily="34" charset="0"/>
+                <a:ea typeface="Calibri" panose="020F0502020204030204" pitchFamily="34" charset="0"/>
+                <a:cs typeface="Times New Roman" panose="02020603050405020304" pitchFamily="18" charset="0"/>
+              </a:rPr>
+              <a:t>0-5 </a:t>
+            </a:r>
+            <a:r>
+              <a:rPr lang="en-US" sz="2400" dirty="0" err="1" smtClean="0">
+                <a:latin typeface="Calibri" panose="020F0502020204030204" pitchFamily="34" charset="0"/>
+                <a:ea typeface="Calibri" panose="020F0502020204030204" pitchFamily="34" charset="0"/>
+                <a:cs typeface="Times New Roman" panose="02020603050405020304" pitchFamily="18" charset="0"/>
+              </a:rPr>
+              <a:t>ft</a:t>
+            </a:r>
+            <a:r>
+              <a:rPr lang="en-US" sz="2400" dirty="0" smtClean="0">
+                <a:latin typeface="Calibri" panose="020F0502020204030204" pitchFamily="34" charset="0"/>
+                <a:ea typeface="Calibri" panose="020F0502020204030204" pitchFamily="34" charset="0"/>
+                <a:cs typeface="Times New Roman" panose="02020603050405020304" pitchFamily="18" charset="0"/>
+              </a:rPr>
+              <a:t>, 5-10 </a:t>
+            </a:r>
+            <a:r>
+              <a:rPr lang="en-US" sz="2400" dirty="0" err="1" smtClean="0">
+                <a:latin typeface="Calibri" panose="020F0502020204030204" pitchFamily="34" charset="0"/>
+                <a:ea typeface="Calibri" panose="020F0502020204030204" pitchFamily="34" charset="0"/>
+                <a:cs typeface="Times New Roman" panose="02020603050405020304" pitchFamily="18" charset="0"/>
+              </a:rPr>
+              <a:t>ft</a:t>
+            </a:r>
+            <a:r>
+              <a:rPr lang="en-US" sz="2400" dirty="0" smtClean="0">
+                <a:latin typeface="Calibri" panose="020F0502020204030204" pitchFamily="34" charset="0"/>
+                <a:ea typeface="Calibri" panose="020F0502020204030204" pitchFamily="34" charset="0"/>
+                <a:cs typeface="Times New Roman" panose="02020603050405020304" pitchFamily="18" charset="0"/>
+              </a:rPr>
+              <a:t>, 10-15 </a:t>
+            </a:r>
+            <a:r>
+              <a:rPr lang="en-US" sz="2400" dirty="0" err="1" smtClean="0">
+                <a:latin typeface="Calibri" panose="020F0502020204030204" pitchFamily="34" charset="0"/>
+                <a:ea typeface="Calibri" panose="020F0502020204030204" pitchFamily="34" charset="0"/>
+                <a:cs typeface="Times New Roman" panose="02020603050405020304" pitchFamily="18" charset="0"/>
+              </a:rPr>
+              <a:t>ft</a:t>
+            </a:r>
+            <a:endParaRPr lang="en-US" sz="2400" dirty="0" smtClean="0">
+              <a:latin typeface="Calibri" panose="020F0502020204030204" pitchFamily="34" charset="0"/>
+              <a:ea typeface="Calibri" panose="020F0502020204030204" pitchFamily="34" charset="0"/>
+              <a:cs typeface="Times New Roman" panose="02020603050405020304" pitchFamily="18" charset="0"/>
+            </a:endParaRPr>
+          </a:p>
+          <a:p>
+            <a:pPr marL="342900" indent="-342900">
+              <a:lnSpc>
+                <a:spcPct val="107000"/>
+              </a:lnSpc>
+              <a:spcAft>
+                <a:spcPts val="800"/>
+              </a:spcAft>
+              <a:buFont typeface="Symbol" panose="05050102010706020507" pitchFamily="18" charset="2"/>
+              <a:buChar char=""/>
+            </a:pPr>
+            <a:r>
+              <a:rPr lang="en-US" sz="2400" dirty="0" smtClean="0">
+                <a:effectLst/>
+                <a:latin typeface="Calibri" panose="020F0502020204030204" pitchFamily="34" charset="0"/>
+                <a:ea typeface="Calibri" panose="020F0502020204030204" pitchFamily="34" charset="0"/>
+                <a:cs typeface="Times New Roman" panose="02020603050405020304" pitchFamily="18" charset="0"/>
+              </a:rPr>
+              <a:t>Weather resistant</a:t>
+            </a:r>
+          </a:p>
+          <a:p>
+            <a:pPr marL="342900" indent="-342900">
+              <a:lnSpc>
+                <a:spcPct val="107000"/>
+              </a:lnSpc>
+              <a:spcAft>
+                <a:spcPts val="800"/>
+              </a:spcAft>
+              <a:buFont typeface="Symbol" panose="05050102010706020507" pitchFamily="18" charset="2"/>
+              <a:buChar char=""/>
+            </a:pPr>
+            <a:r>
+              <a:rPr lang="en-US" sz="2400" dirty="0" smtClean="0">
+                <a:latin typeface="Calibri" panose="020F0502020204030204" pitchFamily="34" charset="0"/>
+                <a:ea typeface="Calibri" panose="020F0502020204030204" pitchFamily="34" charset="0"/>
+                <a:cs typeface="Times New Roman" panose="02020603050405020304" pitchFamily="18" charset="0"/>
+              </a:rPr>
+              <a:t>Battery powered</a:t>
+            </a:r>
+          </a:p>
+          <a:p>
+            <a:pPr marL="342900" indent="-342900">
+              <a:lnSpc>
+                <a:spcPct val="107000"/>
+              </a:lnSpc>
+              <a:spcAft>
+                <a:spcPts val="800"/>
+              </a:spcAft>
+              <a:buFont typeface="Symbol" panose="05050102010706020507" pitchFamily="18" charset="2"/>
+              <a:buChar char=""/>
+            </a:pPr>
+            <a:r>
+              <a:rPr lang="en-US" sz="2400" dirty="0" smtClean="0">
+                <a:latin typeface="Calibri" panose="020F0502020204030204" pitchFamily="34" charset="0"/>
+                <a:ea typeface="Calibri" panose="020F0502020204030204" pitchFamily="34" charset="0"/>
+                <a:cs typeface="Times New Roman" panose="02020603050405020304" pitchFamily="18" charset="0"/>
+              </a:rPr>
+              <a:t>Bright enough for sunlit conditions.	</a:t>
+            </a:r>
+          </a:p>
+          <a:p>
+            <a:pPr marL="342900" indent="-342900">
+              <a:lnSpc>
+                <a:spcPct val="107000"/>
+              </a:lnSpc>
+              <a:spcAft>
+                <a:spcPts val="800"/>
+              </a:spcAft>
+              <a:buFont typeface="Symbol" panose="05050102010706020507" pitchFamily="18" charset="2"/>
+              <a:buChar char=""/>
+            </a:pPr>
+            <a:r>
+              <a:rPr lang="en-US" sz="2400" dirty="0" smtClean="0">
+                <a:latin typeface="Calibri" panose="020F0502020204030204" pitchFamily="34" charset="0"/>
+                <a:ea typeface="Calibri" panose="020F0502020204030204" pitchFamily="34" charset="0"/>
+                <a:cs typeface="Times New Roman" panose="02020603050405020304" pitchFamily="18" charset="0"/>
+              </a:rPr>
+              <a:t>Low profile and easily mounted</a:t>
+            </a:r>
+          </a:p>
+        </p:txBody>
+      </p:sp>
+    </p:spTree>
+    <p:extLst>
+      <p:ext uri="{BB962C8B-B14F-4D97-AF65-F5344CB8AC3E}">
+        <p14:creationId xmlns:p14="http://schemas.microsoft.com/office/powerpoint/2010/main" val="2585547098"/>
+      </p:ext>
+    </p:extLst>
+  </p:cSld>
+  <p:clrMapOvr>
+    <a:masterClrMapping/>
+  </p:clrMapOvr>
+  <p:timing>
+    <p:tnLst>
+      <p:par>
+        <p:cTn id="1" dur="indefinite" restart="never" nodeType="tmRoot"/>
+      </p:par>
+    </p:tnLst>
+  </p:timing>
+</p:sld>
+</file>
+
+<file path=ppt/slides/slide5.xml><?xml version="1.0" encoding="utf-8"?>
+<p:sld xmlns:a="http://schemas.openxmlformats.org/drawingml/2006/main" xmlns:r="http://schemas.openxmlformats.org/officeDocument/2006/relationships" xmlns:p="http://schemas.openxmlformats.org/presentationml/2006/main">
+  <p:cSld>
+    <p:spTree>
+      <p:nvGrpSpPr>
+        <p:cNvPr id="1" name=""/>
+        <p:cNvGrpSpPr/>
+        <p:nvPr/>
+      </p:nvGrpSpPr>
+      <p:grpSpPr>
+        <a:xfrm>
+          <a:off x="0" y="0"/>
+          <a:ext cx="0" cy="0"/>
+          <a:chOff x="0" y="0"/>
+          <a:chExt cx="0" cy="0"/>
+        </a:xfrm>
+      </p:grpSpPr>
+      <p:sp>
+        <p:nvSpPr>
+          <p:cNvPr id="7" name="Slide Number Placeholder 6"/>
+          <p:cNvSpPr>
+            <a:spLocks noGrp="1"/>
+          </p:cNvSpPr>
+          <p:nvPr>
+            <p:ph type="sldNum" sz="quarter" idx="12"/>
+          </p:nvPr>
+        </p:nvSpPr>
+        <p:spPr/>
+        <p:txBody>
+          <a:bodyPr/>
+          <a:lstStyle/>
+          <a:p>
+            <a:fld id="{B6F15528-21DE-4FAA-801E-634DDDAF4B2B}" type="slidenum">
+              <a:rPr lang="en-US" smtClean="0"/>
+              <a:pPr/>
+              <a:t>5</a:t>
+            </a:fld>
+            <a:endParaRPr lang="en-US"/>
+          </a:p>
+        </p:txBody>
+      </p:sp>
+      <p:pic>
+        <p:nvPicPr>
+          <p:cNvPr id="8" name="Picture 2" descr="C:\Users\noaht_000\Documents\ECE411\Practicum2014\Wiki Images\logo.bmp"/>
+          <p:cNvPicPr>
+            <a:picLocks noChangeAspect="1" noChangeArrowheads="1"/>
+          </p:cNvPicPr>
+          <p:nvPr/>
+        </p:nvPicPr>
+        <p:blipFill>
+          <a:blip r:embed="rId2" cstate="print">
+            <a:extLst>
+              <a:ext uri="{28A0092B-C50C-407E-A947-70E740481C1C}">
+                <a14:useLocalDpi xmlns:a14="http://schemas.microsoft.com/office/drawing/2010/main" val="0"/>
+              </a:ext>
+            </a:extLst>
+          </a:blip>
+          <a:srcRect/>
+          <a:stretch>
+            <a:fillRect/>
+          </a:stretch>
+        </p:blipFill>
+        <p:spPr bwMode="auto">
+          <a:xfrm>
+            <a:off x="7391399" y="199181"/>
+            <a:ext cx="1477731" cy="639019"/>
+          </a:xfrm>
+          <a:prstGeom prst="rect">
+            <a:avLst/>
+          </a:prstGeom>
+          <a:noFill/>
+          <a:extLst>
+            <a:ext uri="{909E8E84-426E-40DD-AFC4-6F175D3DCCD1}">
+              <a14:hiddenFill xmlns:a14="http://schemas.microsoft.com/office/drawing/2010/main">
+                <a:solidFill>
+                  <a:srgbClr val="FFFFFF"/>
+                </a:solidFill>
+              </a14:hiddenFill>
+            </a:ext>
+          </a:extLst>
+        </p:spPr>
+      </p:pic>
+      <p:cxnSp>
+        <p:nvCxnSpPr>
+          <p:cNvPr id="9" name="Straight Connector 8"/>
+          <p:cNvCxnSpPr/>
+          <p:nvPr/>
+        </p:nvCxnSpPr>
+        <p:spPr>
+          <a:xfrm flipH="1">
+            <a:off x="533398" y="762000"/>
+            <a:ext cx="6857999" cy="0"/>
+          </a:xfrm>
+          <a:prstGeom prst="line">
+            <a:avLst/>
+          </a:prstGeom>
+          <a:ln w="38100">
+            <a:solidFill>
+              <a:schemeClr val="tx1"/>
+            </a:solidFill>
+          </a:ln>
+        </p:spPr>
+        <p:style>
+          <a:lnRef idx="1">
+            <a:schemeClr val="accent1"/>
+          </a:lnRef>
+          <a:fillRef idx="0">
+            <a:schemeClr val="accent1"/>
+          </a:fillRef>
+          <a:effectRef idx="0">
+            <a:schemeClr val="accent1"/>
+          </a:effectRef>
+          <a:fontRef idx="minor">
+            <a:schemeClr val="tx1"/>
+          </a:fontRef>
+        </p:style>
+      </p:cxnSp>
+      <p:sp>
+        <p:nvSpPr>
+          <p:cNvPr id="2" name="Rectangle 1"/>
+          <p:cNvSpPr/>
+          <p:nvPr/>
+        </p:nvSpPr>
+        <p:spPr>
+          <a:xfrm>
+            <a:off x="533398" y="990600"/>
+            <a:ext cx="5057776" cy="4659609"/>
+          </a:xfrm>
+          <a:prstGeom prst="rect">
+            <a:avLst/>
+          </a:prstGeom>
+        </p:spPr>
+        <p:txBody>
+          <a:bodyPr wrap="square">
+            <a:spAutoFit/>
+          </a:bodyPr>
+          <a:lstStyle/>
+          <a:p>
+            <a:pPr>
+              <a:lnSpc>
+                <a:spcPct val="107000"/>
+              </a:lnSpc>
+              <a:spcAft>
+                <a:spcPts val="800"/>
+              </a:spcAft>
+            </a:pPr>
+            <a:r>
+              <a:rPr lang="en-US" sz="2400" b="1" dirty="0" smtClean="0">
+                <a:latin typeface="Calibri" panose="020F0502020204030204" pitchFamily="34" charset="0"/>
+                <a:ea typeface="Calibri" panose="020F0502020204030204" pitchFamily="34" charset="0"/>
+                <a:cs typeface="Times New Roman" panose="02020603050405020304" pitchFamily="18" charset="0"/>
+              </a:rPr>
+              <a:t>Operation</a:t>
+            </a:r>
+          </a:p>
+          <a:p>
+            <a:pPr>
+              <a:lnSpc>
+                <a:spcPct val="107000"/>
+              </a:lnSpc>
+              <a:spcAft>
+                <a:spcPts val="800"/>
+              </a:spcAft>
+            </a:pPr>
+            <a:r>
+              <a:rPr lang="en-US" sz="2400" u="sng" dirty="0" smtClean="0">
+                <a:latin typeface="Calibri" panose="020F0502020204030204" pitchFamily="34" charset="0"/>
+                <a:cs typeface="Times New Roman" panose="02020603050405020304" pitchFamily="18" charset="0"/>
+              </a:rPr>
+              <a:t>Ultrasonic sensors </a:t>
+            </a:r>
+          </a:p>
+          <a:p>
+            <a:pPr marL="342900" indent="-342900">
+              <a:lnSpc>
+                <a:spcPct val="107000"/>
+              </a:lnSpc>
+              <a:spcAft>
+                <a:spcPts val="800"/>
+              </a:spcAft>
+              <a:buFont typeface="Arial" panose="020B0604020202020204" pitchFamily="34" charset="0"/>
+              <a:buChar char="•"/>
+            </a:pPr>
+            <a:r>
+              <a:rPr lang="en-US" sz="2400" dirty="0" smtClean="0">
+                <a:latin typeface="Calibri" panose="020F0502020204030204" pitchFamily="34" charset="0"/>
+                <a:cs typeface="Times New Roman" panose="02020603050405020304" pitchFamily="18" charset="0"/>
+              </a:rPr>
+              <a:t>HC-SR04</a:t>
+            </a:r>
+          </a:p>
+          <a:p>
+            <a:pPr marL="342900" indent="-342900">
+              <a:lnSpc>
+                <a:spcPct val="107000"/>
+              </a:lnSpc>
+              <a:spcAft>
+                <a:spcPts val="800"/>
+              </a:spcAft>
+              <a:buFont typeface="Arial" panose="020B0604020202020204" pitchFamily="34" charset="0"/>
+              <a:buChar char="•"/>
+            </a:pPr>
+            <a:r>
+              <a:rPr lang="en-US" sz="2400" dirty="0" smtClean="0">
+                <a:latin typeface="Calibri" panose="020F0502020204030204" pitchFamily="34" charset="0"/>
+                <a:cs typeface="Times New Roman" panose="02020603050405020304" pitchFamily="18" charset="0"/>
+              </a:rPr>
+              <a:t>Send and receive series of pulses when triggered</a:t>
+            </a:r>
+          </a:p>
+          <a:p>
+            <a:pPr marL="342900" indent="-342900">
+              <a:lnSpc>
+                <a:spcPct val="107000"/>
+              </a:lnSpc>
+              <a:spcAft>
+                <a:spcPts val="800"/>
+              </a:spcAft>
+              <a:buFont typeface="Arial" panose="020B0604020202020204" pitchFamily="34" charset="0"/>
+              <a:buChar char="•"/>
+            </a:pPr>
+            <a:r>
+              <a:rPr lang="en-US" sz="2400" dirty="0" smtClean="0">
+                <a:latin typeface="Calibri" panose="020F0502020204030204" pitchFamily="34" charset="0"/>
+                <a:cs typeface="Times New Roman" panose="02020603050405020304" pitchFamily="18" charset="0"/>
+              </a:rPr>
+              <a:t>Time between </a:t>
+            </a:r>
+            <a:r>
+              <a:rPr lang="en-US" sz="2400" dirty="0" err="1" smtClean="0">
+                <a:latin typeface="Calibri" panose="020F0502020204030204" pitchFamily="34" charset="0"/>
+                <a:cs typeface="Times New Roman" panose="02020603050405020304" pitchFamily="18" charset="0"/>
+              </a:rPr>
+              <a:t>tx</a:t>
+            </a:r>
+            <a:r>
+              <a:rPr lang="en-US" sz="2400" dirty="0" smtClean="0">
+                <a:latin typeface="Calibri" panose="020F0502020204030204" pitchFamily="34" charset="0"/>
+                <a:cs typeface="Times New Roman" panose="02020603050405020304" pitchFamily="18" charset="0"/>
+              </a:rPr>
+              <a:t> and </a:t>
+            </a:r>
+            <a:r>
+              <a:rPr lang="en-US" sz="2400" dirty="0" err="1" smtClean="0">
+                <a:latin typeface="Calibri" panose="020F0502020204030204" pitchFamily="34" charset="0"/>
+                <a:cs typeface="Times New Roman" panose="02020603050405020304" pitchFamily="18" charset="0"/>
+              </a:rPr>
+              <a:t>rx</a:t>
+            </a:r>
+            <a:r>
+              <a:rPr lang="en-US" sz="2400" dirty="0" smtClean="0">
+                <a:latin typeface="Calibri" panose="020F0502020204030204" pitchFamily="34" charset="0"/>
+                <a:cs typeface="Times New Roman" panose="02020603050405020304" pitchFamily="18" charset="0"/>
+              </a:rPr>
+              <a:t> passed as logic high</a:t>
+            </a:r>
+          </a:p>
+          <a:p>
+            <a:pPr marL="342900" indent="-342900">
+              <a:lnSpc>
+                <a:spcPct val="107000"/>
+              </a:lnSpc>
+              <a:spcAft>
+                <a:spcPts val="800"/>
+              </a:spcAft>
+              <a:buFont typeface="Arial" panose="020B0604020202020204" pitchFamily="34" charset="0"/>
+              <a:buChar char="•"/>
+            </a:pPr>
+            <a:r>
+              <a:rPr lang="en-US" sz="2400" dirty="0" smtClean="0">
+                <a:latin typeface="Calibri" panose="020F0502020204030204" pitchFamily="34" charset="0"/>
+                <a:cs typeface="Times New Roman" panose="02020603050405020304" pitchFamily="18" charset="0"/>
+              </a:rPr>
+              <a:t>Length of logic high tells timing to microprocessor</a:t>
+            </a:r>
+          </a:p>
+          <a:p>
+            <a:pPr marL="342900" indent="-342900">
+              <a:lnSpc>
+                <a:spcPct val="107000"/>
+              </a:lnSpc>
+              <a:spcAft>
+                <a:spcPts val="800"/>
+              </a:spcAft>
+              <a:buFont typeface="Arial" panose="020B0604020202020204" pitchFamily="34" charset="0"/>
+              <a:buChar char="•"/>
+            </a:pPr>
+            <a:r>
+              <a:rPr lang="en-US" sz="2400" dirty="0" smtClean="0">
+                <a:latin typeface="Calibri" panose="020F0502020204030204" pitchFamily="34" charset="0"/>
+                <a:cs typeface="Times New Roman" panose="02020603050405020304" pitchFamily="18" charset="0"/>
+              </a:rPr>
+              <a:t>Compatible with Arduino IDE</a:t>
+            </a:r>
+          </a:p>
+        </p:txBody>
+      </p:sp>
+      <p:pic>
+        <p:nvPicPr>
+          <p:cNvPr id="4" name="Picture 3"/>
+          <p:cNvPicPr>
+            <a:picLocks noChangeAspect="1"/>
+          </p:cNvPicPr>
+          <p:nvPr/>
+        </p:nvPicPr>
+        <p:blipFill>
+          <a:blip r:embed="rId3">
+            <a:extLst>
+              <a:ext uri="{28A0092B-C50C-407E-A947-70E740481C1C}">
+                <a14:useLocalDpi xmlns:a14="http://schemas.microsoft.com/office/drawing/2010/main" val="0"/>
+              </a:ext>
+            </a:extLst>
+          </a:blip>
+          <a:stretch>
+            <a:fillRect/>
+          </a:stretch>
+        </p:blipFill>
+        <p:spPr>
+          <a:xfrm>
+            <a:off x="5567434" y="2755900"/>
+            <a:ext cx="3340100" cy="3340100"/>
+          </a:xfrm>
+          <a:prstGeom prst="rect">
+            <a:avLst/>
+          </a:prstGeom>
+        </p:spPr>
+      </p:pic>
+    </p:spTree>
+    <p:extLst>
+      <p:ext uri="{BB962C8B-B14F-4D97-AF65-F5344CB8AC3E}">
+        <p14:creationId xmlns:p14="http://schemas.microsoft.com/office/powerpoint/2010/main" val="3828577778"/>
+      </p:ext>
+    </p:extLst>
+  </p:cSld>
+  <p:clrMapOvr>
+    <a:masterClrMapping/>
+  </p:clrMapOvr>
+  <p:timing>
+    <p:tnLst>
+      <p:par>
+        <p:cTn id="1" dur="indefinite" restart="never" nodeType="tmRoot"/>
+      </p:par>
+    </p:tnLst>
+  </p:timing>
+</p:sld>
+</file>
+
+<file path=ppt/slides/slide6.xml><?xml version="1.0" encoding="utf-8"?>
+<p:sld xmlns:a="http://schemas.openxmlformats.org/drawingml/2006/main" xmlns:r="http://schemas.openxmlformats.org/officeDocument/2006/relationships" xmlns:p="http://schemas.openxmlformats.org/presentationml/2006/main">
+  <p:cSld>
+    <p:spTree>
+      <p:nvGrpSpPr>
+        <p:cNvPr id="1" name=""/>
+        <p:cNvGrpSpPr/>
+        <p:nvPr/>
+      </p:nvGrpSpPr>
+      <p:grpSpPr>
+        <a:xfrm>
+          <a:off x="0" y="0"/>
+          <a:ext cx="0" cy="0"/>
+          <a:chOff x="0" y="0"/>
+          <a:chExt cx="0" cy="0"/>
+        </a:xfrm>
+      </p:grpSpPr>
+      <p:sp>
+        <p:nvSpPr>
+          <p:cNvPr id="7" name="Slide Number Placeholder 6"/>
+          <p:cNvSpPr>
+            <a:spLocks noGrp="1"/>
+          </p:cNvSpPr>
+          <p:nvPr>
+            <p:ph type="sldNum" sz="quarter" idx="12"/>
+          </p:nvPr>
+        </p:nvSpPr>
+        <p:spPr/>
+        <p:txBody>
+          <a:bodyPr/>
+          <a:lstStyle/>
+          <a:p>
+            <a:fld id="{B6F15528-21DE-4FAA-801E-634DDDAF4B2B}" type="slidenum">
+              <a:rPr lang="en-US" smtClean="0"/>
+              <a:pPr/>
+              <a:t>6</a:t>
+            </a:fld>
+            <a:endParaRPr lang="en-US"/>
+          </a:p>
+        </p:txBody>
+      </p:sp>
+      <p:pic>
+        <p:nvPicPr>
+          <p:cNvPr id="8" name="Picture 2" descr="C:\Users\noaht_000\Documents\ECE411\Practicum2014\Wiki Images\logo.bmp"/>
+          <p:cNvPicPr>
+            <a:picLocks noChangeAspect="1" noChangeArrowheads="1"/>
+          </p:cNvPicPr>
+          <p:nvPr/>
+        </p:nvPicPr>
+        <p:blipFill>
+          <a:blip r:embed="rId2" cstate="print">
+            <a:extLst>
+              <a:ext uri="{28A0092B-C50C-407E-A947-70E740481C1C}">
+                <a14:useLocalDpi xmlns:a14="http://schemas.microsoft.com/office/drawing/2010/main" val="0"/>
+              </a:ext>
+            </a:extLst>
+          </a:blip>
+          <a:srcRect/>
+          <a:stretch>
+            <a:fillRect/>
+          </a:stretch>
+        </p:blipFill>
+        <p:spPr bwMode="auto">
+          <a:xfrm>
+            <a:off x="7391399" y="199181"/>
+            <a:ext cx="1477731" cy="639019"/>
+          </a:xfrm>
+          <a:prstGeom prst="rect">
+            <a:avLst/>
+          </a:prstGeom>
+          <a:noFill/>
+          <a:extLst>
+            <a:ext uri="{909E8E84-426E-40DD-AFC4-6F175D3DCCD1}">
+              <a14:hiddenFill xmlns:a14="http://schemas.microsoft.com/office/drawing/2010/main">
+                <a:solidFill>
+                  <a:srgbClr val="FFFFFF"/>
+                </a:solidFill>
+              </a14:hiddenFill>
+            </a:ext>
+          </a:extLst>
+        </p:spPr>
+      </p:pic>
+      <p:cxnSp>
+        <p:nvCxnSpPr>
+          <p:cNvPr id="9" name="Straight Connector 8"/>
+          <p:cNvCxnSpPr/>
+          <p:nvPr/>
+        </p:nvCxnSpPr>
+        <p:spPr>
+          <a:xfrm flipH="1">
+            <a:off x="533398" y="762000"/>
+            <a:ext cx="6857999" cy="0"/>
+          </a:xfrm>
+          <a:prstGeom prst="line">
+            <a:avLst/>
+          </a:prstGeom>
+          <a:ln w="38100">
+            <a:solidFill>
+              <a:schemeClr val="tx1"/>
+            </a:solidFill>
+          </a:ln>
+        </p:spPr>
+        <p:style>
+          <a:lnRef idx="1">
+            <a:schemeClr val="accent1"/>
+          </a:lnRef>
+          <a:fillRef idx="0">
+            <a:schemeClr val="accent1"/>
+          </a:fillRef>
+          <a:effectRef idx="0">
+            <a:schemeClr val="accent1"/>
+          </a:effectRef>
+          <a:fontRef idx="minor">
+            <a:schemeClr val="tx1"/>
+          </a:fontRef>
+        </p:style>
+      </p:cxnSp>
+      <p:sp>
+        <p:nvSpPr>
+          <p:cNvPr id="2" name="TextBox 1"/>
           <p:cNvSpPr txBox="1"/>
           <p:nvPr/>
         </p:nvSpPr>
         <p:spPr>
           <a:xfrm>
-            <a:off x="457200" y="257080"/>
-            <a:ext cx="4495800" cy="523220"/>
+            <a:off x="609600" y="1219200"/>
+            <a:ext cx="3657600" cy="3693319"/>
           </a:xfrm>
           <a:prstGeom prst="rect">
             <a:avLst/>
@@ -4060,27 +5721,517 @@
           <a:lstStyle/>
           <a:p>
             <a:r>
-              <a:rPr lang="en-US" sz="2800" dirty="0" smtClean="0">
-                <a:solidFill>
-                  <a:srgbClr val="0090FF"/>
-                </a:solidFill>
-                <a:latin typeface="Fast Money" pitchFamily="2" charset="0"/>
-              </a:rPr>
-              <a:t>Title Here</a:t>
-            </a:r>
-            <a:endParaRPr lang="en-US" sz="2800" dirty="0">
-              <a:solidFill>
-                <a:srgbClr val="0090FF"/>
-              </a:solidFill>
-              <a:latin typeface="Fast Money" pitchFamily="2" charset="0"/>
-            </a:endParaRPr>
-          </a:p>
-        </p:txBody>
-      </p:sp>
+              <a:rPr lang="en-US" u="sng" dirty="0" smtClean="0"/>
+              <a:t>Microprocessor</a:t>
+            </a:r>
+          </a:p>
+          <a:p>
+            <a:endParaRPr lang="en-US" u="sng" dirty="0"/>
+          </a:p>
+          <a:p>
+            <a:r>
+              <a:rPr lang="en-US" dirty="0" smtClean="0"/>
+              <a:t>ATMega328-PU</a:t>
+            </a:r>
+          </a:p>
+          <a:p>
+            <a:r>
+              <a:rPr lang="en-US" dirty="0" smtClean="0"/>
+              <a:t>8-bit microcontroller</a:t>
+            </a:r>
+          </a:p>
+          <a:p>
+            <a:r>
+              <a:rPr lang="en-US" dirty="0" smtClean="0"/>
+              <a:t>RISC Architecture</a:t>
+            </a:r>
+          </a:p>
+          <a:p>
+            <a:r>
+              <a:rPr lang="en-US" dirty="0" smtClean="0"/>
+              <a:t>Programmed with Arduino IDE</a:t>
+            </a:r>
+          </a:p>
+          <a:p>
+            <a:endParaRPr lang="en-US" dirty="0" smtClean="0"/>
+          </a:p>
+          <a:p>
+            <a:r>
+              <a:rPr lang="en-US" u="sng" dirty="0" smtClean="0"/>
+              <a:t>Use</a:t>
+            </a:r>
+          </a:p>
+          <a:p>
+            <a:endParaRPr lang="en-US" dirty="0"/>
+          </a:p>
+          <a:p>
+            <a:r>
+              <a:rPr lang="en-US" dirty="0" smtClean="0"/>
+              <a:t>Trigger sensors</a:t>
+            </a:r>
+          </a:p>
+          <a:p>
+            <a:r>
+              <a:rPr lang="en-US" dirty="0" smtClean="0"/>
+              <a:t>Receive sensor data</a:t>
+            </a:r>
+          </a:p>
+          <a:p>
+            <a:r>
+              <a:rPr lang="en-US" dirty="0" smtClean="0"/>
+              <a:t>Output binary </a:t>
+            </a:r>
+          </a:p>
+          <a:p>
+            <a:endParaRPr lang="en-US" dirty="0"/>
+          </a:p>
+        </p:txBody>
+      </p:sp>
+      <p:pic>
+        <p:nvPicPr>
+          <p:cNvPr id="3" name="Picture 2"/>
+          <p:cNvPicPr>
+            <a:picLocks noChangeAspect="1"/>
+          </p:cNvPicPr>
+          <p:nvPr/>
+        </p:nvPicPr>
+        <p:blipFill>
+          <a:blip r:embed="rId3">
+            <a:extLst>
+              <a:ext uri="{28A0092B-C50C-407E-A947-70E740481C1C}">
+                <a14:useLocalDpi xmlns:a14="http://schemas.microsoft.com/office/drawing/2010/main" val="0"/>
+              </a:ext>
+            </a:extLst>
+          </a:blip>
+          <a:stretch>
+            <a:fillRect/>
+          </a:stretch>
+        </p:blipFill>
+        <p:spPr>
+          <a:xfrm>
+            <a:off x="4267200" y="1483636"/>
+            <a:ext cx="4267200" cy="3200400"/>
+          </a:xfrm>
+          <a:prstGeom prst="rect">
+            <a:avLst/>
+          </a:prstGeom>
+        </p:spPr>
+      </p:pic>
     </p:spTree>
     <p:extLst>
       <p:ext uri="{BB962C8B-B14F-4D97-AF65-F5344CB8AC3E}">
-        <p14:creationId xmlns:p14="http://schemas.microsoft.com/office/powerpoint/2010/main" val="2585547098"/>
+        <p14:creationId xmlns:p14="http://schemas.microsoft.com/office/powerpoint/2010/main" val="1403058786"/>
+      </p:ext>
+    </p:extLst>
+  </p:cSld>
+  <p:clrMapOvr>
+    <a:masterClrMapping/>
+  </p:clrMapOvr>
+  <p:timing>
+    <p:tnLst>
+      <p:par>
+        <p:cTn id="1" dur="indefinite" restart="never" nodeType="tmRoot"/>
+      </p:par>
+    </p:tnLst>
+  </p:timing>
+</p:sld>
+</file>
+
+<file path=ppt/slides/slide7.xml><?xml version="1.0" encoding="utf-8"?>
+<p:sld xmlns:a="http://schemas.openxmlformats.org/drawingml/2006/main" xmlns:r="http://schemas.openxmlformats.org/officeDocument/2006/relationships" xmlns:p="http://schemas.openxmlformats.org/presentationml/2006/main">
+  <p:cSld>
+    <p:spTree>
+      <p:nvGrpSpPr>
+        <p:cNvPr id="1" name=""/>
+        <p:cNvGrpSpPr/>
+        <p:nvPr/>
+      </p:nvGrpSpPr>
+      <p:grpSpPr>
+        <a:xfrm>
+          <a:off x="0" y="0"/>
+          <a:ext cx="0" cy="0"/>
+          <a:chOff x="0" y="0"/>
+          <a:chExt cx="0" cy="0"/>
+        </a:xfrm>
+      </p:grpSpPr>
+      <p:sp>
+        <p:nvSpPr>
+          <p:cNvPr id="7" name="Slide Number Placeholder 6"/>
+          <p:cNvSpPr>
+            <a:spLocks noGrp="1"/>
+          </p:cNvSpPr>
+          <p:nvPr>
+            <p:ph type="sldNum" sz="quarter" idx="12"/>
+          </p:nvPr>
+        </p:nvSpPr>
+        <p:spPr/>
+        <p:txBody>
+          <a:bodyPr/>
+          <a:lstStyle/>
+          <a:p>
+            <a:fld id="{B6F15528-21DE-4FAA-801E-634DDDAF4B2B}" type="slidenum">
+              <a:rPr lang="en-US" smtClean="0"/>
+              <a:pPr/>
+              <a:t>7</a:t>
+            </a:fld>
+            <a:endParaRPr lang="en-US"/>
+          </a:p>
+        </p:txBody>
+      </p:sp>
+      <p:pic>
+        <p:nvPicPr>
+          <p:cNvPr id="8" name="Picture 2" descr="C:\Users\noaht_000\Documents\ECE411\Practicum2014\Wiki Images\logo.bmp"/>
+          <p:cNvPicPr>
+            <a:picLocks noChangeAspect="1" noChangeArrowheads="1"/>
+          </p:cNvPicPr>
+          <p:nvPr/>
+        </p:nvPicPr>
+        <p:blipFill>
+          <a:blip r:embed="rId2" cstate="print">
+            <a:extLst>
+              <a:ext uri="{28A0092B-C50C-407E-A947-70E740481C1C}">
+                <a14:useLocalDpi xmlns:a14="http://schemas.microsoft.com/office/drawing/2010/main" val="0"/>
+              </a:ext>
+            </a:extLst>
+          </a:blip>
+          <a:srcRect/>
+          <a:stretch>
+            <a:fillRect/>
+          </a:stretch>
+        </p:blipFill>
+        <p:spPr bwMode="auto">
+          <a:xfrm>
+            <a:off x="7391399" y="199181"/>
+            <a:ext cx="1477731" cy="639019"/>
+          </a:xfrm>
+          <a:prstGeom prst="rect">
+            <a:avLst/>
+          </a:prstGeom>
+          <a:noFill/>
+          <a:extLst>
+            <a:ext uri="{909E8E84-426E-40DD-AFC4-6F175D3DCCD1}">
+              <a14:hiddenFill xmlns:a14="http://schemas.microsoft.com/office/drawing/2010/main">
+                <a:solidFill>
+                  <a:srgbClr val="FFFFFF"/>
+                </a:solidFill>
+              </a14:hiddenFill>
+            </a:ext>
+          </a:extLst>
+        </p:spPr>
+      </p:pic>
+      <p:cxnSp>
+        <p:nvCxnSpPr>
+          <p:cNvPr id="9" name="Straight Connector 8"/>
+          <p:cNvCxnSpPr/>
+          <p:nvPr/>
+        </p:nvCxnSpPr>
+        <p:spPr>
+          <a:xfrm flipH="1">
+            <a:off x="533398" y="762000"/>
+            <a:ext cx="6857999" cy="0"/>
+          </a:xfrm>
+          <a:prstGeom prst="line">
+            <a:avLst/>
+          </a:prstGeom>
+          <a:ln w="38100">
+            <a:solidFill>
+              <a:schemeClr val="tx1"/>
+            </a:solidFill>
+          </a:ln>
+        </p:spPr>
+        <p:style>
+          <a:lnRef idx="1">
+            <a:schemeClr val="accent1"/>
+          </a:lnRef>
+          <a:fillRef idx="0">
+            <a:schemeClr val="accent1"/>
+          </a:fillRef>
+          <a:effectRef idx="0">
+            <a:schemeClr val="accent1"/>
+          </a:effectRef>
+          <a:fontRef idx="minor">
+            <a:schemeClr val="tx1"/>
+          </a:fontRef>
+        </p:style>
+      </p:cxnSp>
+    </p:spTree>
+    <p:extLst>
+      <p:ext uri="{BB962C8B-B14F-4D97-AF65-F5344CB8AC3E}">
+        <p14:creationId xmlns:p14="http://schemas.microsoft.com/office/powerpoint/2010/main" val="3893253114"/>
+      </p:ext>
+    </p:extLst>
+  </p:cSld>
+  <p:clrMapOvr>
+    <a:masterClrMapping/>
+  </p:clrMapOvr>
+  <p:timing>
+    <p:tnLst>
+      <p:par>
+        <p:cTn id="1" dur="indefinite" restart="never" nodeType="tmRoot"/>
+      </p:par>
+    </p:tnLst>
+  </p:timing>
+</p:sld>
+</file>
+
+<file path=ppt/slides/slide8.xml><?xml version="1.0" encoding="utf-8"?>
+<p:sld xmlns:a="http://schemas.openxmlformats.org/drawingml/2006/main" xmlns:r="http://schemas.openxmlformats.org/officeDocument/2006/relationships" xmlns:p="http://schemas.openxmlformats.org/presentationml/2006/main">
+  <p:cSld>
+    <p:spTree>
+      <p:nvGrpSpPr>
+        <p:cNvPr id="1" name=""/>
+        <p:cNvGrpSpPr/>
+        <p:nvPr/>
+      </p:nvGrpSpPr>
+      <p:grpSpPr>
+        <a:xfrm>
+          <a:off x="0" y="0"/>
+          <a:ext cx="0" cy="0"/>
+          <a:chOff x="0" y="0"/>
+          <a:chExt cx="0" cy="0"/>
+        </a:xfrm>
+      </p:grpSpPr>
+      <p:sp>
+        <p:nvSpPr>
+          <p:cNvPr id="7" name="Slide Number Placeholder 6"/>
+          <p:cNvSpPr>
+            <a:spLocks noGrp="1"/>
+          </p:cNvSpPr>
+          <p:nvPr>
+            <p:ph type="sldNum" sz="quarter" idx="12"/>
+          </p:nvPr>
+        </p:nvSpPr>
+        <p:spPr/>
+        <p:txBody>
+          <a:bodyPr/>
+          <a:lstStyle/>
+          <a:p>
+            <a:fld id="{B6F15528-21DE-4FAA-801E-634DDDAF4B2B}" type="slidenum">
+              <a:rPr lang="en-US" smtClean="0"/>
+              <a:pPr/>
+              <a:t>8</a:t>
+            </a:fld>
+            <a:endParaRPr lang="en-US"/>
+          </a:p>
+        </p:txBody>
+      </p:sp>
+      <p:pic>
+        <p:nvPicPr>
+          <p:cNvPr id="8" name="Picture 2" descr="C:\Users\noaht_000\Documents\ECE411\Practicum2014\Wiki Images\logo.bmp"/>
+          <p:cNvPicPr>
+            <a:picLocks noChangeAspect="1" noChangeArrowheads="1"/>
+          </p:cNvPicPr>
+          <p:nvPr/>
+        </p:nvPicPr>
+        <p:blipFill>
+          <a:blip r:embed="rId2" cstate="print">
+            <a:extLst>
+              <a:ext uri="{28A0092B-C50C-407E-A947-70E740481C1C}">
+                <a14:useLocalDpi xmlns:a14="http://schemas.microsoft.com/office/drawing/2010/main" val="0"/>
+              </a:ext>
+            </a:extLst>
+          </a:blip>
+          <a:srcRect/>
+          <a:stretch>
+            <a:fillRect/>
+          </a:stretch>
+        </p:blipFill>
+        <p:spPr bwMode="auto">
+          <a:xfrm>
+            <a:off x="7391399" y="199181"/>
+            <a:ext cx="1477731" cy="639019"/>
+          </a:xfrm>
+          <a:prstGeom prst="rect">
+            <a:avLst/>
+          </a:prstGeom>
+          <a:noFill/>
+          <a:extLst>
+            <a:ext uri="{909E8E84-426E-40DD-AFC4-6F175D3DCCD1}">
+              <a14:hiddenFill xmlns:a14="http://schemas.microsoft.com/office/drawing/2010/main">
+                <a:solidFill>
+                  <a:srgbClr val="FFFFFF"/>
+                </a:solidFill>
+              </a14:hiddenFill>
+            </a:ext>
+          </a:extLst>
+        </p:spPr>
+      </p:pic>
+      <p:cxnSp>
+        <p:nvCxnSpPr>
+          <p:cNvPr id="9" name="Straight Connector 8"/>
+          <p:cNvCxnSpPr/>
+          <p:nvPr/>
+        </p:nvCxnSpPr>
+        <p:spPr>
+          <a:xfrm flipH="1">
+            <a:off x="533398" y="762000"/>
+            <a:ext cx="6857999" cy="0"/>
+          </a:xfrm>
+          <a:prstGeom prst="line">
+            <a:avLst/>
+          </a:prstGeom>
+          <a:ln w="38100">
+            <a:solidFill>
+              <a:schemeClr val="tx1"/>
+            </a:solidFill>
+          </a:ln>
+        </p:spPr>
+        <p:style>
+          <a:lnRef idx="1">
+            <a:schemeClr val="accent1"/>
+          </a:lnRef>
+          <a:fillRef idx="0">
+            <a:schemeClr val="accent1"/>
+          </a:fillRef>
+          <a:effectRef idx="0">
+            <a:schemeClr val="accent1"/>
+          </a:effectRef>
+          <a:fontRef idx="minor">
+            <a:schemeClr val="tx1"/>
+          </a:fontRef>
+        </p:style>
+      </p:cxnSp>
+    </p:spTree>
+    <p:extLst>
+      <p:ext uri="{BB962C8B-B14F-4D97-AF65-F5344CB8AC3E}">
+        <p14:creationId xmlns:p14="http://schemas.microsoft.com/office/powerpoint/2010/main" val="1583150724"/>
+      </p:ext>
+    </p:extLst>
+  </p:cSld>
+  <p:clrMapOvr>
+    <a:masterClrMapping/>
+  </p:clrMapOvr>
+  <p:timing>
+    <p:tnLst>
+      <p:par>
+        <p:cTn id="1" dur="indefinite" restart="never" nodeType="tmRoot"/>
+      </p:par>
+    </p:tnLst>
+  </p:timing>
+</p:sld>
+</file>
+
+<file path=ppt/slides/slide9.xml><?xml version="1.0" encoding="utf-8"?>
+<p:sld xmlns:a="http://schemas.openxmlformats.org/drawingml/2006/main" xmlns:r="http://schemas.openxmlformats.org/officeDocument/2006/relationships" xmlns:p="http://schemas.openxmlformats.org/presentationml/2006/main">
+  <p:cSld>
+    <p:spTree>
+      <p:nvGrpSpPr>
+        <p:cNvPr id="1" name=""/>
+        <p:cNvGrpSpPr/>
+        <p:nvPr/>
+      </p:nvGrpSpPr>
+      <p:grpSpPr>
+        <a:xfrm>
+          <a:off x="0" y="0"/>
+          <a:ext cx="0" cy="0"/>
+          <a:chOff x="0" y="0"/>
+          <a:chExt cx="0" cy="0"/>
+        </a:xfrm>
+      </p:grpSpPr>
+      <p:sp>
+        <p:nvSpPr>
+          <p:cNvPr id="7" name="Slide Number Placeholder 6"/>
+          <p:cNvSpPr>
+            <a:spLocks noGrp="1"/>
+          </p:cNvSpPr>
+          <p:nvPr>
+            <p:ph type="sldNum" sz="quarter" idx="12"/>
+          </p:nvPr>
+        </p:nvSpPr>
+        <p:spPr/>
+        <p:txBody>
+          <a:bodyPr/>
+          <a:lstStyle/>
+          <a:p>
+            <a:fld id="{B6F15528-21DE-4FAA-801E-634DDDAF4B2B}" type="slidenum">
+              <a:rPr lang="en-US" smtClean="0"/>
+              <a:pPr/>
+              <a:t>9</a:t>
+            </a:fld>
+            <a:endParaRPr lang="en-US"/>
+          </a:p>
+        </p:txBody>
+      </p:sp>
+      <p:pic>
+        <p:nvPicPr>
+          <p:cNvPr id="8" name="Picture 2" descr="C:\Users\noaht_000\Documents\ECE411\Practicum2014\Wiki Images\logo.bmp"/>
+          <p:cNvPicPr>
+            <a:picLocks noChangeAspect="1" noChangeArrowheads="1"/>
+          </p:cNvPicPr>
+          <p:nvPr/>
+        </p:nvPicPr>
+        <p:blipFill>
+          <a:blip r:embed="rId2" cstate="print">
+            <a:extLst>
+              <a:ext uri="{28A0092B-C50C-407E-A947-70E740481C1C}">
+                <a14:useLocalDpi xmlns:a14="http://schemas.microsoft.com/office/drawing/2010/main" val="0"/>
+              </a:ext>
+            </a:extLst>
+          </a:blip>
+          <a:srcRect/>
+          <a:stretch>
+            <a:fillRect/>
+          </a:stretch>
+        </p:blipFill>
+        <p:spPr bwMode="auto">
+          <a:xfrm>
+            <a:off x="7391399" y="199181"/>
+            <a:ext cx="1477731" cy="639019"/>
+          </a:xfrm>
+          <a:prstGeom prst="rect">
+            <a:avLst/>
+          </a:prstGeom>
+          <a:noFill/>
+          <a:extLst>
+            <a:ext uri="{909E8E84-426E-40DD-AFC4-6F175D3DCCD1}">
+              <a14:hiddenFill xmlns:a14="http://schemas.microsoft.com/office/drawing/2010/main">
+                <a:solidFill>
+                  <a:srgbClr val="FFFFFF"/>
+                </a:solidFill>
+              </a14:hiddenFill>
+            </a:ext>
+          </a:extLst>
+        </p:spPr>
+      </p:pic>
+      <p:cxnSp>
+        <p:nvCxnSpPr>
+          <p:cNvPr id="9" name="Straight Connector 8"/>
+          <p:cNvCxnSpPr/>
+          <p:nvPr/>
+        </p:nvCxnSpPr>
+        <p:spPr>
+          <a:xfrm flipH="1">
+            <a:off x="533398" y="762000"/>
+            <a:ext cx="6857999" cy="0"/>
+          </a:xfrm>
+          <a:prstGeom prst="line">
+            <a:avLst/>
+          </a:prstGeom>
+          <a:ln w="38100">
+            <a:solidFill>
+              <a:schemeClr val="tx1"/>
+            </a:solidFill>
+          </a:ln>
+        </p:spPr>
+        <p:style>
+          <a:lnRef idx="1">
+            <a:schemeClr val="accent1"/>
+          </a:lnRef>
+          <a:fillRef idx="0">
+            <a:schemeClr val="accent1"/>
+          </a:fillRef>
+          <a:effectRef idx="0">
+            <a:schemeClr val="accent1"/>
+          </a:effectRef>
+          <a:fontRef idx="minor">
+            <a:schemeClr val="tx1"/>
+          </a:fontRef>
+        </p:style>
+      </p:cxnSp>
+    </p:spTree>
+    <p:extLst>
+      <p:ext uri="{BB962C8B-B14F-4D97-AF65-F5344CB8AC3E}">
+        <p14:creationId xmlns:p14="http://schemas.microsoft.com/office/powerpoint/2010/main" val="4216677911"/>
       </p:ext>
     </p:extLst>
   </p:cSld>

--- a/Presentation/T04_Presentation.pptx
+++ b/Presentation/T04_Presentation.pptx
@@ -5,22 +5,24 @@
     <p:sldMasterId id="2147483648" r:id="rId1"/>
   </p:sldMasterIdLst>
   <p:notesMasterIdLst>
-    <p:notesMasterId r:id="rId15"/>
+    <p:notesMasterId r:id="rId17"/>
   </p:notesMasterIdLst>
   <p:sldIdLst>
     <p:sldId id="256" r:id="rId2"/>
     <p:sldId id="257" r:id="rId3"/>
     <p:sldId id="258" r:id="rId4"/>
     <p:sldId id="259" r:id="rId5"/>
-    <p:sldId id="260" r:id="rId6"/>
-    <p:sldId id="261" r:id="rId7"/>
-    <p:sldId id="262" r:id="rId8"/>
-    <p:sldId id="263" r:id="rId9"/>
-    <p:sldId id="264" r:id="rId10"/>
-    <p:sldId id="265" r:id="rId11"/>
-    <p:sldId id="266" r:id="rId12"/>
-    <p:sldId id="267" r:id="rId13"/>
-    <p:sldId id="268" r:id="rId14"/>
+    <p:sldId id="269" r:id="rId6"/>
+    <p:sldId id="270" r:id="rId7"/>
+    <p:sldId id="260" r:id="rId8"/>
+    <p:sldId id="261" r:id="rId9"/>
+    <p:sldId id="262" r:id="rId10"/>
+    <p:sldId id="263" r:id="rId11"/>
+    <p:sldId id="264" r:id="rId12"/>
+    <p:sldId id="265" r:id="rId13"/>
+    <p:sldId id="266" r:id="rId14"/>
+    <p:sldId id="267" r:id="rId15"/>
+    <p:sldId id="268" r:id="rId16"/>
   </p:sldIdLst>
   <p:sldSz cx="9144000" cy="6858000" type="screen4x3"/>
   <p:notesSz cx="6858000" cy="9144000"/>
@@ -220,7 +222,7 @@
           <a:p>
             <a:fld id="{7D2BA66B-4B43-4B31-8C46-01F4587945DE}" type="datetimeFigureOut">
               <a:rPr lang="en-US" smtClean="0"/>
-              <a:t>12/9/2014</a:t>
+              <a:t>12/10/2014</a:t>
             </a:fld>
             <a:endParaRPr lang="en-US"/>
           </a:p>
@@ -669,7 +671,7 @@
           <a:p>
             <a:fld id="{025B5F04-3DD3-4015-B751-EB091AF79283}" type="datetime1">
               <a:rPr lang="en-US" smtClean="0"/>
-              <a:t>12/9/2014</a:t>
+              <a:t>12/10/2014</a:t>
             </a:fld>
             <a:endParaRPr lang="en-US"/>
           </a:p>
@@ -835,7 +837,7 @@
           <a:p>
             <a:fld id="{90BEF6DF-84C5-4CB9-A878-58935F46D0CB}" type="datetime1">
               <a:rPr lang="en-US" smtClean="0"/>
-              <a:t>12/9/2014</a:t>
+              <a:t>12/10/2014</a:t>
             </a:fld>
             <a:endParaRPr lang="en-US"/>
           </a:p>
@@ -1011,7 +1013,7 @@
           <a:p>
             <a:fld id="{926F7C8E-82A0-4137-A012-6AB94CC2C3D0}" type="datetime1">
               <a:rPr lang="en-US" smtClean="0"/>
-              <a:t>12/9/2014</a:t>
+              <a:t>12/10/2014</a:t>
             </a:fld>
             <a:endParaRPr lang="en-US"/>
           </a:p>
@@ -1177,7 +1179,7 @@
           <a:p>
             <a:fld id="{6A159409-9D08-4690-825E-5ED9F03EE865}" type="datetime1">
               <a:rPr lang="en-US" smtClean="0"/>
-              <a:t>12/9/2014</a:t>
+              <a:t>12/10/2014</a:t>
             </a:fld>
             <a:endParaRPr lang="en-US"/>
           </a:p>
@@ -1419,7 +1421,7 @@
           <a:p>
             <a:fld id="{F1E2C436-A717-4F84-8496-7EEC60793F47}" type="datetime1">
               <a:rPr lang="en-US" smtClean="0"/>
-              <a:t>12/9/2014</a:t>
+              <a:t>12/10/2014</a:t>
             </a:fld>
             <a:endParaRPr lang="en-US"/>
           </a:p>
@@ -1703,7 +1705,7 @@
           <a:p>
             <a:fld id="{19304878-91CF-49FF-BB18-4640DC08F114}" type="datetime1">
               <a:rPr lang="en-US" smtClean="0"/>
-              <a:t>12/9/2014</a:t>
+              <a:t>12/10/2014</a:t>
             </a:fld>
             <a:endParaRPr lang="en-US"/>
           </a:p>
@@ -2121,7 +2123,7 @@
           <a:p>
             <a:fld id="{DE440A11-7842-4023-B4B1-5DAD949EF209}" type="datetime1">
               <a:rPr lang="en-US" smtClean="0"/>
-              <a:t>12/9/2014</a:t>
+              <a:t>12/10/2014</a:t>
             </a:fld>
             <a:endParaRPr lang="en-US"/>
           </a:p>
@@ -2235,7 +2237,7 @@
           <a:p>
             <a:fld id="{2E101D02-24BF-4BFB-80A5-AE8E6DB0539A}" type="datetime1">
               <a:rPr lang="en-US" smtClean="0"/>
-              <a:t>12/9/2014</a:t>
+              <a:t>12/10/2014</a:t>
             </a:fld>
             <a:endParaRPr lang="en-US"/>
           </a:p>
@@ -2326,7 +2328,7 @@
           <a:p>
             <a:fld id="{5E2FF4E6-EE57-4D29-829B-C404F7C131C6}" type="datetime1">
               <a:rPr lang="en-US" smtClean="0"/>
-              <a:t>12/9/2014</a:t>
+              <a:t>12/10/2014</a:t>
             </a:fld>
             <a:endParaRPr lang="en-US"/>
           </a:p>
@@ -2599,7 +2601,7 @@
           <a:p>
             <a:fld id="{BAAF4B9B-620F-499E-AF3A-2F71910048FD}" type="datetime1">
               <a:rPr lang="en-US" smtClean="0"/>
-              <a:t>12/9/2014</a:t>
+              <a:t>12/10/2014</a:t>
             </a:fld>
             <a:endParaRPr lang="en-US"/>
           </a:p>
@@ -2848,7 +2850,7 @@
           <a:p>
             <a:fld id="{136A608F-68E0-4239-BD3E-E06A458AFA0A}" type="datetime1">
               <a:rPr lang="en-US" smtClean="0"/>
-              <a:t>12/9/2014</a:t>
+              <a:t>12/10/2014</a:t>
             </a:fld>
             <a:endParaRPr lang="en-US"/>
           </a:p>
@@ -3057,7 +3059,7 @@
           <a:p>
             <a:fld id="{5211721D-4FFA-4AB5-9DBE-AEF9FD825DF9}" type="datetime1">
               <a:rPr lang="en-US" smtClean="0"/>
-              <a:t>12/9/2014</a:t>
+              <a:t>12/10/2014</a:t>
             </a:fld>
             <a:endParaRPr lang="en-US"/>
           </a:p>
@@ -3708,10 +3710,194 @@
           </a:fontRef>
         </p:style>
       </p:cxnSp>
+      <p:sp>
+        <p:nvSpPr>
+          <p:cNvPr id="2" name="TextBox 1"/>
+          <p:cNvSpPr txBox="1"/>
+          <p:nvPr/>
+        </p:nvSpPr>
+        <p:spPr>
+          <a:xfrm>
+            <a:off x="914400" y="1143000"/>
+            <a:ext cx="7772400" cy="6278642"/>
+          </a:xfrm>
+          <a:prstGeom prst="rect">
+            <a:avLst/>
+          </a:prstGeom>
+          <a:noFill/>
+        </p:spPr>
+        <p:txBody>
+          <a:bodyPr wrap="square" rtlCol="0">
+            <a:spAutoFit/>
+          </a:bodyPr>
+          <a:lstStyle/>
+          <a:p>
+            <a:r>
+              <a:rPr lang="en-US" sz="2400" u="sng" dirty="0" smtClean="0"/>
+              <a:t>PCB Module Testing</a:t>
+            </a:r>
+            <a:r>
+              <a:rPr lang="en-US" u="sng" dirty="0" smtClean="0"/>
+              <a:t>:</a:t>
+            </a:r>
+          </a:p>
+          <a:p>
+            <a:endParaRPr lang="en-US" u="sng" dirty="0"/>
+          </a:p>
+          <a:p>
+            <a:pPr marL="285750" indent="-285750">
+              <a:buFont typeface="Arial" panose="020B0604020202020204" pitchFamily="34" charset="0"/>
+              <a:buChar char="•"/>
+            </a:pPr>
+            <a:r>
+              <a:rPr lang="en-US" dirty="0" smtClean="0"/>
+              <a:t>System consists of three separate boards, each with its own testing plan.</a:t>
+            </a:r>
+          </a:p>
+          <a:p>
+            <a:pPr lvl="1"/>
+            <a:endParaRPr lang="en-US" dirty="0" smtClean="0"/>
+          </a:p>
+          <a:p>
+            <a:pPr marL="742950" lvl="1" indent="-285750">
+              <a:buFont typeface="Arial" panose="020B0604020202020204" pitchFamily="34" charset="0"/>
+              <a:buChar char="•"/>
+            </a:pPr>
+            <a:r>
+              <a:rPr lang="en-US" dirty="0" smtClean="0"/>
+              <a:t>Display Board</a:t>
+            </a:r>
+          </a:p>
+          <a:p>
+            <a:pPr marL="1200150" lvl="2" indent="-285750">
+              <a:buFont typeface="Arial" panose="020B0604020202020204" pitchFamily="34" charset="0"/>
+              <a:buChar char="•"/>
+            </a:pPr>
+            <a:r>
+              <a:rPr lang="en-US" dirty="0" smtClean="0"/>
+              <a:t>Voltage and current checks on full power.</a:t>
+            </a:r>
+          </a:p>
+          <a:p>
+            <a:pPr marL="1200150" lvl="2" indent="-285750">
+              <a:buFont typeface="Arial" panose="020B0604020202020204" pitchFamily="34" charset="0"/>
+              <a:buChar char="•"/>
+            </a:pPr>
+            <a:r>
+              <a:rPr lang="en-US" dirty="0" smtClean="0"/>
+              <a:t>Pin by pin check of latches with Mux disabled.</a:t>
+            </a:r>
+          </a:p>
+          <a:p>
+            <a:pPr lvl="2"/>
+            <a:endParaRPr lang="en-US" dirty="0"/>
+          </a:p>
+          <a:p>
+            <a:pPr marL="742950" lvl="1" indent="-285750">
+              <a:buFont typeface="Arial" panose="020B0604020202020204" pitchFamily="34" charset="0"/>
+              <a:buChar char="•"/>
+            </a:pPr>
+            <a:r>
+              <a:rPr lang="en-US" dirty="0" smtClean="0"/>
+              <a:t>Processor Board</a:t>
+            </a:r>
+          </a:p>
+          <a:p>
+            <a:pPr marL="1200150" lvl="2" indent="-285750">
+              <a:buFont typeface="Arial" panose="020B0604020202020204" pitchFamily="34" charset="0"/>
+              <a:buChar char="•"/>
+            </a:pPr>
+            <a:r>
+              <a:rPr lang="en-US" dirty="0" smtClean="0"/>
+              <a:t>Voltage check for power supply.</a:t>
+            </a:r>
+          </a:p>
+          <a:p>
+            <a:pPr marL="1200150" lvl="2" indent="-285750">
+              <a:buFont typeface="Arial" panose="020B0604020202020204" pitchFamily="34" charset="0"/>
+              <a:buChar char="•"/>
+            </a:pPr>
+            <a:r>
+              <a:rPr lang="en-US" dirty="0" smtClean="0"/>
+              <a:t>Simple “Blink” output using serial pin loader. </a:t>
+            </a:r>
+          </a:p>
+          <a:p>
+            <a:pPr marL="1200150" lvl="2" indent="-285750">
+              <a:buFont typeface="Arial" panose="020B0604020202020204" pitchFamily="34" charset="0"/>
+              <a:buChar char="•"/>
+            </a:pPr>
+            <a:endParaRPr lang="en-US" dirty="0" smtClean="0"/>
+          </a:p>
+          <a:p>
+            <a:pPr marL="742950" lvl="1" indent="-285750">
+              <a:buFont typeface="Arial" panose="020B0604020202020204" pitchFamily="34" charset="0"/>
+              <a:buChar char="•"/>
+            </a:pPr>
+            <a:r>
+              <a:rPr lang="en-US" dirty="0" smtClean="0"/>
+              <a:t>Sensor Breakout</a:t>
+            </a:r>
+            <a:endParaRPr lang="en-US" dirty="0"/>
+          </a:p>
+          <a:p>
+            <a:pPr marL="1200150" lvl="2" indent="-285750">
+              <a:buFont typeface="Arial" panose="020B0604020202020204" pitchFamily="34" charset="0"/>
+              <a:buChar char="•"/>
+            </a:pPr>
+            <a:r>
+              <a:rPr lang="en-US" dirty="0" smtClean="0"/>
+              <a:t>Tested each sensor using Arduino Uno.</a:t>
+            </a:r>
+          </a:p>
+          <a:p>
+            <a:pPr marL="1200150" lvl="2" indent="-285750">
+              <a:buFont typeface="Arial" panose="020B0604020202020204" pitchFamily="34" charset="0"/>
+              <a:buChar char="•"/>
+            </a:pPr>
+            <a:r>
+              <a:rPr lang="en-US" dirty="0" smtClean="0"/>
+              <a:t>Verified  pin continuity once assembled.</a:t>
+            </a:r>
+          </a:p>
+          <a:p>
+            <a:pPr marL="285750" indent="-285750">
+              <a:buFont typeface="Arial" panose="020B0604020202020204" pitchFamily="34" charset="0"/>
+              <a:buChar char="•"/>
+            </a:pPr>
+            <a:endParaRPr lang="en-US" dirty="0"/>
+          </a:p>
+          <a:p>
+            <a:r>
+              <a:rPr lang="en-US" dirty="0" smtClean="0"/>
+              <a:t> </a:t>
+            </a:r>
+          </a:p>
+          <a:p>
+            <a:pPr marL="285750" indent="-285750">
+              <a:buFont typeface="Arial" panose="020B0604020202020204" pitchFamily="34" charset="0"/>
+              <a:buChar char="•"/>
+            </a:pPr>
+            <a:endParaRPr lang="en-US" dirty="0" smtClean="0"/>
+          </a:p>
+          <a:p>
+            <a:endParaRPr lang="en-US" u="sng" dirty="0"/>
+          </a:p>
+          <a:p>
+            <a:endParaRPr lang="en-US" dirty="0" smtClean="0"/>
+          </a:p>
+          <a:p>
+            <a:endParaRPr lang="en-US" u="sng" dirty="0"/>
+          </a:p>
+          <a:p>
+            <a:endParaRPr lang="en-US" u="sng" dirty="0"/>
+          </a:p>
+        </p:txBody>
+      </p:sp>
     </p:spTree>
     <p:extLst>
       <p:ext uri="{BB962C8B-B14F-4D97-AF65-F5344CB8AC3E}">
-        <p14:creationId xmlns:p14="http://schemas.microsoft.com/office/powerpoint/2010/main" val="3942031900"/>
+        <p14:creationId xmlns:p14="http://schemas.microsoft.com/office/powerpoint/2010/main" val="1583150724"/>
       </p:ext>
     </p:extLst>
   </p:cSld>
@@ -3764,6 +3950,381 @@
               <a:rPr lang="en-US" smtClean="0"/>
               <a:pPr/>
               <a:t>11</a:t>
+            </a:fld>
+            <a:endParaRPr lang="en-US"/>
+          </a:p>
+        </p:txBody>
+      </p:sp>
+      <p:pic>
+        <p:nvPicPr>
+          <p:cNvPr id="8" name="Picture 2" descr="C:\Users\noaht_000\Documents\ECE411\Practicum2014\Wiki Images\logo.bmp"/>
+          <p:cNvPicPr>
+            <a:picLocks noChangeAspect="1" noChangeArrowheads="1"/>
+          </p:cNvPicPr>
+          <p:nvPr/>
+        </p:nvPicPr>
+        <p:blipFill>
+          <a:blip r:embed="rId2" cstate="print">
+            <a:extLst>
+              <a:ext uri="{28A0092B-C50C-407E-A947-70E740481C1C}">
+                <a14:useLocalDpi xmlns:a14="http://schemas.microsoft.com/office/drawing/2010/main" val="0"/>
+              </a:ext>
+            </a:extLst>
+          </a:blip>
+          <a:srcRect/>
+          <a:stretch>
+            <a:fillRect/>
+          </a:stretch>
+        </p:blipFill>
+        <p:spPr bwMode="auto">
+          <a:xfrm>
+            <a:off x="7391399" y="199181"/>
+            <a:ext cx="1477731" cy="639019"/>
+          </a:xfrm>
+          <a:prstGeom prst="rect">
+            <a:avLst/>
+          </a:prstGeom>
+          <a:noFill/>
+          <a:extLst>
+            <a:ext uri="{909E8E84-426E-40DD-AFC4-6F175D3DCCD1}">
+              <a14:hiddenFill xmlns:a14="http://schemas.microsoft.com/office/drawing/2010/main">
+                <a:solidFill>
+                  <a:srgbClr val="FFFFFF"/>
+                </a:solidFill>
+              </a14:hiddenFill>
+            </a:ext>
+          </a:extLst>
+        </p:spPr>
+      </p:pic>
+      <p:cxnSp>
+        <p:nvCxnSpPr>
+          <p:cNvPr id="9" name="Straight Connector 8"/>
+          <p:cNvCxnSpPr/>
+          <p:nvPr/>
+        </p:nvCxnSpPr>
+        <p:spPr>
+          <a:xfrm flipH="1">
+            <a:off x="533398" y="762000"/>
+            <a:ext cx="6857999" cy="0"/>
+          </a:xfrm>
+          <a:prstGeom prst="line">
+            <a:avLst/>
+          </a:prstGeom>
+          <a:ln w="38100">
+            <a:solidFill>
+              <a:schemeClr val="tx1"/>
+            </a:solidFill>
+          </a:ln>
+        </p:spPr>
+        <p:style>
+          <a:lnRef idx="1">
+            <a:schemeClr val="accent1"/>
+          </a:lnRef>
+          <a:fillRef idx="0">
+            <a:schemeClr val="accent1"/>
+          </a:fillRef>
+          <a:effectRef idx="0">
+            <a:schemeClr val="accent1"/>
+          </a:effectRef>
+          <a:fontRef idx="minor">
+            <a:schemeClr val="tx1"/>
+          </a:fontRef>
+        </p:style>
+      </p:cxnSp>
+      <p:sp>
+        <p:nvSpPr>
+          <p:cNvPr id="2" name="TextBox 1"/>
+          <p:cNvSpPr txBox="1"/>
+          <p:nvPr/>
+        </p:nvSpPr>
+        <p:spPr>
+          <a:xfrm>
+            <a:off x="533398" y="1371600"/>
+            <a:ext cx="8153402" cy="4616648"/>
+          </a:xfrm>
+          <a:prstGeom prst="rect">
+            <a:avLst/>
+          </a:prstGeom>
+          <a:noFill/>
+        </p:spPr>
+        <p:txBody>
+          <a:bodyPr wrap="square" rtlCol="0">
+            <a:spAutoFit/>
+          </a:bodyPr>
+          <a:lstStyle/>
+          <a:p>
+            <a:r>
+              <a:rPr lang="en-US" sz="2400" u="sng" dirty="0" smtClean="0"/>
+              <a:t>Integration </a:t>
+            </a:r>
+            <a:r>
+              <a:rPr lang="en-US" sz="2400" u="sng" dirty="0"/>
+              <a:t>Testing:</a:t>
+            </a:r>
+          </a:p>
+          <a:p>
+            <a:endParaRPr lang="en-US" dirty="0"/>
+          </a:p>
+          <a:p>
+            <a:pPr marL="285750" indent="-285750">
+              <a:buFont typeface="Arial" panose="020B0604020202020204" pitchFamily="34" charset="0"/>
+              <a:buChar char="•"/>
+            </a:pPr>
+            <a:r>
+              <a:rPr lang="en-US" sz="2400" dirty="0" smtClean="0"/>
+              <a:t>Two </a:t>
+            </a:r>
+            <a:r>
+              <a:rPr lang="en-US" sz="2400" dirty="0"/>
+              <a:t>integration tests for the devices were completed before uploading the final </a:t>
+            </a:r>
+            <a:r>
+              <a:rPr lang="en-US" sz="2400" dirty="0" smtClean="0"/>
+              <a:t>code.</a:t>
+            </a:r>
+          </a:p>
+          <a:p>
+            <a:pPr marL="285750" indent="-285750">
+              <a:buFont typeface="Arial" panose="020B0604020202020204" pitchFamily="34" charset="0"/>
+              <a:buChar char="•"/>
+            </a:pPr>
+            <a:endParaRPr lang="en-US" sz="2400" dirty="0"/>
+          </a:p>
+          <a:p>
+            <a:pPr marL="742950" lvl="1" indent="-285750">
+              <a:buFont typeface="Arial" panose="020B0604020202020204" pitchFamily="34" charset="0"/>
+              <a:buChar char="•"/>
+            </a:pPr>
+            <a:r>
+              <a:rPr lang="en-US" sz="2400" dirty="0" smtClean="0"/>
+              <a:t>Integration Test One: Step through all possible input codes from processor board to Display.</a:t>
+            </a:r>
+          </a:p>
+          <a:p>
+            <a:pPr marL="285750" indent="-285750">
+              <a:buFont typeface="Arial" panose="020B0604020202020204" pitchFamily="34" charset="0"/>
+              <a:buChar char="•"/>
+            </a:pPr>
+            <a:endParaRPr lang="en-US" sz="2400" dirty="0"/>
+          </a:p>
+          <a:p>
+            <a:pPr marL="742950" lvl="1" indent="-285750">
+              <a:buFont typeface="Arial" panose="020B0604020202020204" pitchFamily="34" charset="0"/>
+              <a:buChar char="•"/>
+            </a:pPr>
+            <a:r>
+              <a:rPr lang="en-US" sz="2400" dirty="0" smtClean="0"/>
+              <a:t>Integration Test Two: Connect sensor boards to processor and run the short distance detection code.</a:t>
+            </a:r>
+          </a:p>
+          <a:p>
+            <a:pPr marL="285750" indent="-285750">
+              <a:buFont typeface="Arial" panose="020B0604020202020204" pitchFamily="34" charset="0"/>
+              <a:buChar char="•"/>
+            </a:pPr>
+            <a:endParaRPr lang="en-US" sz="2400" dirty="0"/>
+          </a:p>
+          <a:p>
+            <a:endParaRPr lang="en-US" dirty="0"/>
+          </a:p>
+          <a:p>
+            <a:endParaRPr lang="en-US" dirty="0"/>
+          </a:p>
+        </p:txBody>
+      </p:sp>
+    </p:spTree>
+    <p:extLst>
+      <p:ext uri="{BB962C8B-B14F-4D97-AF65-F5344CB8AC3E}">
+        <p14:creationId xmlns:p14="http://schemas.microsoft.com/office/powerpoint/2010/main" val="4216677911"/>
+      </p:ext>
+    </p:extLst>
+  </p:cSld>
+  <p:clrMapOvr>
+    <a:masterClrMapping/>
+  </p:clrMapOvr>
+  <p:timing>
+    <p:tnLst>
+      <p:par>
+        <p:cTn id="1" dur="indefinite" restart="never" nodeType="tmRoot"/>
+      </p:par>
+    </p:tnLst>
+  </p:timing>
+</p:sld>
+</file>
+
+<file path=ppt/slides/slide12.xml><?xml version="1.0" encoding="utf-8"?>
+<p:sld xmlns:a="http://schemas.openxmlformats.org/drawingml/2006/main" xmlns:r="http://schemas.openxmlformats.org/officeDocument/2006/relationships" xmlns:p="http://schemas.openxmlformats.org/presentationml/2006/main">
+  <p:cSld>
+    <p:spTree>
+      <p:nvGrpSpPr>
+        <p:cNvPr id="1" name=""/>
+        <p:cNvGrpSpPr/>
+        <p:nvPr/>
+      </p:nvGrpSpPr>
+      <p:grpSpPr>
+        <a:xfrm>
+          <a:off x="0" y="0"/>
+          <a:ext cx="0" cy="0"/>
+          <a:chOff x="0" y="0"/>
+          <a:chExt cx="0" cy="0"/>
+        </a:xfrm>
+      </p:grpSpPr>
+      <p:sp>
+        <p:nvSpPr>
+          <p:cNvPr id="7" name="Slide Number Placeholder 6"/>
+          <p:cNvSpPr>
+            <a:spLocks noGrp="1"/>
+          </p:cNvSpPr>
+          <p:nvPr>
+            <p:ph type="sldNum" sz="quarter" idx="12"/>
+          </p:nvPr>
+        </p:nvSpPr>
+        <p:spPr/>
+        <p:txBody>
+          <a:bodyPr/>
+          <a:lstStyle/>
+          <a:p>
+            <a:fld id="{B6F15528-21DE-4FAA-801E-634DDDAF4B2B}" type="slidenum">
+              <a:rPr lang="en-US" smtClean="0"/>
+              <a:pPr/>
+              <a:t>12</a:t>
+            </a:fld>
+            <a:endParaRPr lang="en-US"/>
+          </a:p>
+        </p:txBody>
+      </p:sp>
+      <p:pic>
+        <p:nvPicPr>
+          <p:cNvPr id="8" name="Picture 2" descr="C:\Users\noaht_000\Documents\ECE411\Practicum2014\Wiki Images\logo.bmp"/>
+          <p:cNvPicPr>
+            <a:picLocks noChangeAspect="1" noChangeArrowheads="1"/>
+          </p:cNvPicPr>
+          <p:nvPr/>
+        </p:nvPicPr>
+        <p:blipFill>
+          <a:blip r:embed="rId2" cstate="print">
+            <a:extLst>
+              <a:ext uri="{28A0092B-C50C-407E-A947-70E740481C1C}">
+                <a14:useLocalDpi xmlns:a14="http://schemas.microsoft.com/office/drawing/2010/main" val="0"/>
+              </a:ext>
+            </a:extLst>
+          </a:blip>
+          <a:srcRect/>
+          <a:stretch>
+            <a:fillRect/>
+          </a:stretch>
+        </p:blipFill>
+        <p:spPr bwMode="auto">
+          <a:xfrm>
+            <a:off x="7391399" y="199181"/>
+            <a:ext cx="1477731" cy="639019"/>
+          </a:xfrm>
+          <a:prstGeom prst="rect">
+            <a:avLst/>
+          </a:prstGeom>
+          <a:noFill/>
+          <a:extLst>
+            <a:ext uri="{909E8E84-426E-40DD-AFC4-6F175D3DCCD1}">
+              <a14:hiddenFill xmlns:a14="http://schemas.microsoft.com/office/drawing/2010/main">
+                <a:solidFill>
+                  <a:srgbClr val="FFFFFF"/>
+                </a:solidFill>
+              </a14:hiddenFill>
+            </a:ext>
+          </a:extLst>
+        </p:spPr>
+      </p:pic>
+      <p:cxnSp>
+        <p:nvCxnSpPr>
+          <p:cNvPr id="9" name="Straight Connector 8"/>
+          <p:cNvCxnSpPr/>
+          <p:nvPr/>
+        </p:nvCxnSpPr>
+        <p:spPr>
+          <a:xfrm flipH="1">
+            <a:off x="533398" y="762000"/>
+            <a:ext cx="6857999" cy="0"/>
+          </a:xfrm>
+          <a:prstGeom prst="line">
+            <a:avLst/>
+          </a:prstGeom>
+          <a:ln w="38100">
+            <a:solidFill>
+              <a:schemeClr val="tx1"/>
+            </a:solidFill>
+          </a:ln>
+        </p:spPr>
+        <p:style>
+          <a:lnRef idx="1">
+            <a:schemeClr val="accent1"/>
+          </a:lnRef>
+          <a:fillRef idx="0">
+            <a:schemeClr val="accent1"/>
+          </a:fillRef>
+          <a:effectRef idx="0">
+            <a:schemeClr val="accent1"/>
+          </a:effectRef>
+          <a:fontRef idx="minor">
+            <a:schemeClr val="tx1"/>
+          </a:fontRef>
+        </p:style>
+      </p:cxnSp>
+    </p:spTree>
+    <p:extLst>
+      <p:ext uri="{BB962C8B-B14F-4D97-AF65-F5344CB8AC3E}">
+        <p14:creationId xmlns:p14="http://schemas.microsoft.com/office/powerpoint/2010/main" val="3942031900"/>
+      </p:ext>
+    </p:extLst>
+  </p:cSld>
+  <p:clrMapOvr>
+    <a:masterClrMapping/>
+  </p:clrMapOvr>
+  <p:timing>
+    <p:tnLst>
+      <p:par>
+        <p:cTn id="1" dur="indefinite" restart="never" nodeType="tmRoot"/>
+      </p:par>
+    </p:tnLst>
+  </p:timing>
+</p:sld>
+</file>
+
+<file path=ppt/slides/slide13.xml><?xml version="1.0" encoding="utf-8"?>
+<p:sld xmlns:a="http://schemas.openxmlformats.org/drawingml/2006/main" xmlns:r="http://schemas.openxmlformats.org/officeDocument/2006/relationships" xmlns:p="http://schemas.openxmlformats.org/presentationml/2006/main">
+  <p:cSld>
+    <p:spTree>
+      <p:nvGrpSpPr>
+        <p:cNvPr id="1" name=""/>
+        <p:cNvGrpSpPr/>
+        <p:nvPr/>
+      </p:nvGrpSpPr>
+      <p:grpSpPr>
+        <a:xfrm>
+          <a:off x="0" y="0"/>
+          <a:ext cx="0" cy="0"/>
+          <a:chOff x="0" y="0"/>
+          <a:chExt cx="0" cy="0"/>
+        </a:xfrm>
+      </p:grpSpPr>
+      <p:sp>
+        <p:nvSpPr>
+          <p:cNvPr id="7" name="Slide Number Placeholder 6"/>
+          <p:cNvSpPr>
+            <a:spLocks noGrp="1"/>
+          </p:cNvSpPr>
+          <p:nvPr>
+            <p:ph type="sldNum" sz="quarter" idx="12"/>
+          </p:nvPr>
+        </p:nvSpPr>
+        <p:spPr/>
+        <p:txBody>
+          <a:bodyPr/>
+          <a:lstStyle/>
+          <a:p>
+            <a:fld id="{B6F15528-21DE-4FAA-801E-634DDDAF4B2B}" type="slidenum">
+              <a:rPr lang="en-US" smtClean="0"/>
+              <a:pPr/>
+              <a:t>13</a:t>
             </a:fld>
             <a:endParaRPr lang="en-US"/>
           </a:p>
@@ -3865,7 +4426,7 @@
 </p:sld>
 </file>
 
-<file path=ppt/slides/slide12.xml><?xml version="1.0" encoding="utf-8"?>
+<file path=ppt/slides/slide14.xml><?xml version="1.0" encoding="utf-8"?>
 <p:sld xmlns:a="http://schemas.openxmlformats.org/drawingml/2006/main" xmlns:r="http://schemas.openxmlformats.org/officeDocument/2006/relationships" xmlns:p="http://schemas.openxmlformats.org/presentationml/2006/main">
   <p:cSld>
     <p:spTree>
@@ -3900,7 +4461,7 @@
             <a:fld id="{B6F15528-21DE-4FAA-801E-634DDDAF4B2B}" type="slidenum">
               <a:rPr lang="en-US" smtClean="0"/>
               <a:pPr/>
-              <a:t>12</a:t>
+              <a:t>14</a:t>
             </a:fld>
             <a:endParaRPr lang="en-US"/>
           </a:p>
@@ -4002,7 +4563,7 @@
 </p:sld>
 </file>
 
-<file path=ppt/slides/slide13.xml><?xml version="1.0" encoding="utf-8"?>
+<file path=ppt/slides/slide15.xml><?xml version="1.0" encoding="utf-8"?>
 <p:sld xmlns:a="http://schemas.openxmlformats.org/drawingml/2006/main" xmlns:r="http://schemas.openxmlformats.org/officeDocument/2006/relationships" xmlns:p="http://schemas.openxmlformats.org/presentationml/2006/main">
   <p:cSld>
     <p:spTree>
@@ -4037,7 +4598,7 @@
             <a:fld id="{B6F15528-21DE-4FAA-801E-634DDDAF4B2B}" type="slidenum">
               <a:rPr lang="en-US" smtClean="0"/>
               <a:pPr/>
-              <a:t>13</a:t>
+              <a:t>15</a:t>
             </a:fld>
             <a:endParaRPr lang="en-US"/>
           </a:p>
@@ -5351,220 +5912,64 @@
           </a:fontRef>
         </p:style>
       </p:cxnSp>
-      <p:sp>
-        <p:nvSpPr>
-          <p:cNvPr id="2" name="Rectangle 1"/>
-          <p:cNvSpPr/>
-          <p:nvPr/>
-        </p:nvSpPr>
-        <p:spPr>
-          <a:xfrm>
-            <a:off x="533398" y="990600"/>
-            <a:ext cx="5057776" cy="4659609"/>
-          </a:xfrm>
-          <a:prstGeom prst="rect">
-            <a:avLst/>
-          </a:prstGeom>
-        </p:spPr>
-        <p:txBody>
-          <a:bodyPr wrap="square">
-            <a:spAutoFit/>
-          </a:bodyPr>
-          <a:lstStyle/>
-          <a:p>
-            <a:pPr>
-              <a:lnSpc>
-                <a:spcPct val="107000"/>
-              </a:lnSpc>
-              <a:spcAft>
-                <a:spcPts val="800"/>
-              </a:spcAft>
-            </a:pPr>
-            <a:r>
-              <a:rPr lang="en-US" sz="2400" b="1" dirty="0" smtClean="0">
-                <a:latin typeface="Calibri" panose="020F0502020204030204" pitchFamily="34" charset="0"/>
-                <a:ea typeface="Calibri" panose="020F0502020204030204" pitchFamily="34" charset="0"/>
-                <a:cs typeface="Times New Roman" panose="02020603050405020304" pitchFamily="18" charset="0"/>
-              </a:rPr>
-              <a:t>Operation</a:t>
-            </a:r>
-          </a:p>
-          <a:p>
-            <a:pPr>
-              <a:lnSpc>
-                <a:spcPct val="107000"/>
-              </a:lnSpc>
-              <a:spcAft>
-                <a:spcPts val="800"/>
-              </a:spcAft>
-            </a:pPr>
-            <a:r>
-              <a:rPr lang="en-US" sz="2400" u="sng" dirty="0" smtClean="0">
-                <a:latin typeface="Calibri" panose="020F0502020204030204" pitchFamily="34" charset="0"/>
-                <a:cs typeface="Times New Roman" panose="02020603050405020304" pitchFamily="18" charset="0"/>
-              </a:rPr>
-              <a:t>Ultrasonic sensors </a:t>
-            </a:r>
-          </a:p>
-          <a:p>
-            <a:pPr marL="342900" indent="-342900">
-              <a:lnSpc>
-                <a:spcPct val="107000"/>
-              </a:lnSpc>
-              <a:spcAft>
-                <a:spcPts val="800"/>
-              </a:spcAft>
-              <a:buFont typeface="Arial" panose="020B0604020202020204" pitchFamily="34" charset="0"/>
-              <a:buChar char="•"/>
-            </a:pPr>
-            <a:r>
-              <a:rPr lang="en-US" sz="2400" dirty="0" smtClean="0">
-                <a:latin typeface="Calibri" panose="020F0502020204030204" pitchFamily="34" charset="0"/>
-                <a:cs typeface="Times New Roman" panose="02020603050405020304" pitchFamily="18" charset="0"/>
-              </a:rPr>
-              <a:t>HC-SR04</a:t>
-            </a:r>
-          </a:p>
-          <a:p>
-            <a:pPr marL="342900" indent="-342900">
-              <a:lnSpc>
-                <a:spcPct val="107000"/>
-              </a:lnSpc>
-              <a:spcAft>
-                <a:spcPts val="800"/>
-              </a:spcAft>
-              <a:buFont typeface="Arial" panose="020B0604020202020204" pitchFamily="34" charset="0"/>
-              <a:buChar char="•"/>
-            </a:pPr>
-            <a:r>
-              <a:rPr lang="en-US" sz="2400" dirty="0" smtClean="0">
-                <a:latin typeface="Calibri" panose="020F0502020204030204" pitchFamily="34" charset="0"/>
-                <a:cs typeface="Times New Roman" panose="02020603050405020304" pitchFamily="18" charset="0"/>
-              </a:rPr>
-              <a:t>Send and receive series of pulses when triggered</a:t>
-            </a:r>
-          </a:p>
-          <a:p>
-            <a:pPr marL="342900" indent="-342900">
-              <a:lnSpc>
-                <a:spcPct val="107000"/>
-              </a:lnSpc>
-              <a:spcAft>
-                <a:spcPts val="800"/>
-              </a:spcAft>
-              <a:buFont typeface="Arial" panose="020B0604020202020204" pitchFamily="34" charset="0"/>
-              <a:buChar char="•"/>
-            </a:pPr>
-            <a:r>
-              <a:rPr lang="en-US" sz="2400" dirty="0" smtClean="0">
-                <a:latin typeface="Calibri" panose="020F0502020204030204" pitchFamily="34" charset="0"/>
-                <a:cs typeface="Times New Roman" panose="02020603050405020304" pitchFamily="18" charset="0"/>
-              </a:rPr>
-              <a:t>Time between </a:t>
-            </a:r>
-            <a:r>
-              <a:rPr lang="en-US" sz="2400" dirty="0" err="1" smtClean="0">
-                <a:latin typeface="Calibri" panose="020F0502020204030204" pitchFamily="34" charset="0"/>
-                <a:cs typeface="Times New Roman" panose="02020603050405020304" pitchFamily="18" charset="0"/>
-              </a:rPr>
-              <a:t>tx</a:t>
-            </a:r>
-            <a:r>
-              <a:rPr lang="en-US" sz="2400" dirty="0" smtClean="0">
-                <a:latin typeface="Calibri" panose="020F0502020204030204" pitchFamily="34" charset="0"/>
-                <a:cs typeface="Times New Roman" panose="02020603050405020304" pitchFamily="18" charset="0"/>
-              </a:rPr>
-              <a:t> and </a:t>
-            </a:r>
-            <a:r>
-              <a:rPr lang="en-US" sz="2400" dirty="0" err="1" smtClean="0">
-                <a:latin typeface="Calibri" panose="020F0502020204030204" pitchFamily="34" charset="0"/>
-                <a:cs typeface="Times New Roman" panose="02020603050405020304" pitchFamily="18" charset="0"/>
-              </a:rPr>
-              <a:t>rx</a:t>
-            </a:r>
-            <a:r>
-              <a:rPr lang="en-US" sz="2400" dirty="0" smtClean="0">
-                <a:latin typeface="Calibri" panose="020F0502020204030204" pitchFamily="34" charset="0"/>
-                <a:cs typeface="Times New Roman" panose="02020603050405020304" pitchFamily="18" charset="0"/>
-              </a:rPr>
-              <a:t> passed as logic high</a:t>
-            </a:r>
-          </a:p>
-          <a:p>
-            <a:pPr marL="342900" indent="-342900">
-              <a:lnSpc>
-                <a:spcPct val="107000"/>
-              </a:lnSpc>
-              <a:spcAft>
-                <a:spcPts val="800"/>
-              </a:spcAft>
-              <a:buFont typeface="Arial" panose="020B0604020202020204" pitchFamily="34" charset="0"/>
-              <a:buChar char="•"/>
-            </a:pPr>
-            <a:r>
-              <a:rPr lang="en-US" sz="2400" dirty="0" smtClean="0">
-                <a:latin typeface="Calibri" panose="020F0502020204030204" pitchFamily="34" charset="0"/>
-                <a:cs typeface="Times New Roman" panose="02020603050405020304" pitchFamily="18" charset="0"/>
-              </a:rPr>
-              <a:t>Length of logic high tells timing to microprocessor</a:t>
-            </a:r>
-          </a:p>
-          <a:p>
-            <a:pPr marL="342900" indent="-342900">
-              <a:lnSpc>
-                <a:spcPct val="107000"/>
-              </a:lnSpc>
-              <a:spcAft>
-                <a:spcPts val="800"/>
-              </a:spcAft>
-              <a:buFont typeface="Arial" panose="020B0604020202020204" pitchFamily="34" charset="0"/>
-              <a:buChar char="•"/>
-            </a:pPr>
-            <a:r>
-              <a:rPr lang="en-US" sz="2400" dirty="0" smtClean="0">
-                <a:latin typeface="Calibri" panose="020F0502020204030204" pitchFamily="34" charset="0"/>
-                <a:cs typeface="Times New Roman" panose="02020603050405020304" pitchFamily="18" charset="0"/>
-              </a:rPr>
-              <a:t>Compatible with Arduino IDE</a:t>
-            </a:r>
-          </a:p>
-        </p:txBody>
-      </p:sp>
       <p:pic>
         <p:nvPicPr>
-          <p:cNvPr id="4" name="Picture 3"/>
-          <p:cNvPicPr>
-            <a:picLocks noChangeAspect="1"/>
-          </p:cNvPicPr>
+          <p:cNvPr id="5" name="image01.png"/>
+          <p:cNvPicPr/>
           <p:nvPr/>
         </p:nvPicPr>
         <p:blipFill>
-          <a:blip r:embed="rId3">
-            <a:extLst>
-              <a:ext uri="{28A0092B-C50C-407E-A947-70E740481C1C}">
-                <a14:useLocalDpi xmlns:a14="http://schemas.microsoft.com/office/drawing/2010/main" val="0"/>
-              </a:ext>
-            </a:extLst>
-          </a:blip>
+          <a:blip r:embed="rId3"/>
+          <a:srcRect/>
           <a:stretch>
             <a:fillRect/>
           </a:stretch>
         </p:blipFill>
         <p:spPr>
           <a:xfrm>
-            <a:off x="5567434" y="2755900"/>
-            <a:ext cx="3340100" cy="3340100"/>
+            <a:off x="762000" y="990600"/>
+            <a:ext cx="7696200" cy="5029200"/>
           </a:xfrm>
           <a:prstGeom prst="rect">
             <a:avLst/>
           </a:prstGeom>
+          <a:ln/>
         </p:spPr>
       </p:pic>
+      <p:sp>
+        <p:nvSpPr>
+          <p:cNvPr id="2" name="TextBox 1"/>
+          <p:cNvSpPr txBox="1"/>
+          <p:nvPr/>
+        </p:nvSpPr>
+        <p:spPr>
+          <a:xfrm>
+            <a:off x="533398" y="199181"/>
+            <a:ext cx="5867402" cy="369332"/>
+          </a:xfrm>
+          <a:prstGeom prst="rect">
+            <a:avLst/>
+          </a:prstGeom>
+          <a:noFill/>
+        </p:spPr>
+        <p:txBody>
+          <a:bodyPr wrap="square" rtlCol="0">
+            <a:spAutoFit/>
+          </a:bodyPr>
+          <a:lstStyle/>
+          <a:p>
+            <a:r>
+              <a:rPr lang="en-US" dirty="0" smtClean="0"/>
+              <a:t>System Operation</a:t>
+            </a:r>
+            <a:endParaRPr lang="en-US" dirty="0"/>
+          </a:p>
+        </p:txBody>
+      </p:sp>
     </p:spTree>
     <p:extLst>
       <p:ext uri="{BB962C8B-B14F-4D97-AF65-F5344CB8AC3E}">
-        <p14:creationId xmlns:p14="http://schemas.microsoft.com/office/powerpoint/2010/main" val="3828577778"/>
+        <p14:creationId xmlns:p14="http://schemas.microsoft.com/office/powerpoint/2010/main" val="2915456741"/>
       </p:ext>
     </p:extLst>
   </p:cSld>
@@ -5706,8 +6111,8 @@
         </p:nvSpPr>
         <p:spPr>
           <a:xfrm>
-            <a:off x="609600" y="1219200"/>
-            <a:ext cx="3657600" cy="3693319"/>
+            <a:off x="533398" y="1066800"/>
+            <a:ext cx="7543802" cy="5355312"/>
           </a:xfrm>
           <a:prstGeom prst="rect">
             <a:avLst/>
@@ -5721,66 +6126,811 @@
           <a:lstStyle/>
           <a:p>
             <a:r>
-              <a:rPr lang="en-US" u="sng" dirty="0" smtClean="0"/>
+              <a:rPr lang="en-US" dirty="0" smtClean="0"/>
+              <a:t>Sensor Module</a:t>
+            </a:r>
+          </a:p>
+          <a:p>
+            <a:pPr marL="285750" indent="-285750">
+              <a:buFont typeface="Arial" panose="020B0604020202020204" pitchFamily="34" charset="0"/>
+              <a:buChar char="•"/>
+            </a:pPr>
+            <a:r>
+              <a:rPr lang="en-US" dirty="0" smtClean="0"/>
+              <a:t>Sensor range ~15ft.</a:t>
+            </a:r>
+          </a:p>
+          <a:p>
+            <a:pPr marL="285750" indent="-285750">
+              <a:buFont typeface="Arial" panose="020B0604020202020204" pitchFamily="34" charset="0"/>
+              <a:buChar char="•"/>
+            </a:pPr>
+            <a:r>
+              <a:rPr lang="en-US" dirty="0" smtClean="0"/>
+              <a:t>Type of sensor (ultrasonic, IR, </a:t>
+            </a:r>
+            <a:r>
+              <a:rPr lang="en-US" dirty="0" err="1" smtClean="0"/>
+              <a:t>etc</a:t>
+            </a:r>
+            <a:r>
+              <a:rPr lang="en-US" dirty="0" smtClean="0"/>
+              <a:t>)</a:t>
+            </a:r>
+          </a:p>
+          <a:p>
+            <a:pPr marL="285750" indent="-285750">
+              <a:buFont typeface="Arial" panose="020B0604020202020204" pitchFamily="34" charset="0"/>
+              <a:buChar char="•"/>
+            </a:pPr>
+            <a:r>
+              <a:rPr lang="en-US" dirty="0" smtClean="0"/>
+              <a:t>Integration with microprocessor</a:t>
+            </a:r>
+          </a:p>
+          <a:p>
+            <a:endParaRPr lang="en-US" dirty="0"/>
+          </a:p>
+          <a:p>
+            <a:r>
+              <a:rPr lang="en-US" dirty="0" smtClean="0"/>
+              <a:t>Power</a:t>
+            </a:r>
+          </a:p>
+          <a:p>
+            <a:pPr marL="285750" indent="-285750">
+              <a:buFont typeface="Arial" panose="020B0604020202020204" pitchFamily="34" charset="0"/>
+              <a:buChar char="•"/>
+            </a:pPr>
+            <a:r>
+              <a:rPr lang="en-US" dirty="0" smtClean="0"/>
+              <a:t>Regulation</a:t>
+            </a:r>
+          </a:p>
+          <a:p>
+            <a:pPr marL="285750" indent="-285750">
+              <a:buFont typeface="Arial" panose="020B0604020202020204" pitchFamily="34" charset="0"/>
+              <a:buChar char="•"/>
+            </a:pPr>
+            <a:r>
+              <a:rPr lang="en-US" dirty="0" smtClean="0"/>
+              <a:t>Sources</a:t>
+            </a:r>
+          </a:p>
+          <a:p>
+            <a:endParaRPr lang="en-US" dirty="0"/>
+          </a:p>
+          <a:p>
+            <a:r>
+              <a:rPr lang="en-US" dirty="0" smtClean="0"/>
               <a:t>Microprocessor</a:t>
             </a:r>
           </a:p>
           <a:p>
-            <a:endParaRPr lang="en-US" u="sng" dirty="0"/>
-          </a:p>
-          <a:p>
+            <a:pPr marL="285750" indent="-285750">
+              <a:buFont typeface="Arial" panose="020B0604020202020204" pitchFamily="34" charset="0"/>
+              <a:buChar char="•"/>
+            </a:pPr>
             <a:r>
               <a:rPr lang="en-US" dirty="0" smtClean="0"/>
+              <a:t>Number/type of I/O ports</a:t>
+            </a:r>
+          </a:p>
+          <a:p>
+            <a:pPr marL="285750" indent="-285750">
+              <a:buFont typeface="Arial" panose="020B0604020202020204" pitchFamily="34" charset="0"/>
+              <a:buChar char="•"/>
+            </a:pPr>
+            <a:r>
+              <a:rPr lang="en-US" dirty="0" smtClean="0"/>
+              <a:t>IDE/support</a:t>
+            </a:r>
+          </a:p>
+          <a:p>
+            <a:pPr marL="285750" indent="-285750">
+              <a:buFont typeface="Arial" panose="020B0604020202020204" pitchFamily="34" charset="0"/>
+              <a:buChar char="•"/>
+            </a:pPr>
+            <a:r>
+              <a:rPr lang="en-US" dirty="0" smtClean="0"/>
+              <a:t>Power Consumption</a:t>
+            </a:r>
+          </a:p>
+          <a:p>
+            <a:pPr marL="285750" indent="-285750">
+              <a:buFont typeface="Arial" panose="020B0604020202020204" pitchFamily="34" charset="0"/>
+              <a:buChar char="•"/>
+            </a:pPr>
+            <a:r>
+              <a:rPr lang="en-US" dirty="0" smtClean="0"/>
+              <a:t>Simplicity</a:t>
+            </a:r>
+          </a:p>
+          <a:p>
+            <a:endParaRPr lang="en-US" dirty="0" smtClean="0"/>
+          </a:p>
+          <a:p>
+            <a:r>
+              <a:rPr lang="en-US" dirty="0" smtClean="0"/>
+              <a:t>Display</a:t>
+            </a:r>
+          </a:p>
+          <a:p>
+            <a:pPr marL="285750" indent="-285750">
+              <a:buFont typeface="Arial" panose="020B0604020202020204" pitchFamily="34" charset="0"/>
+              <a:buChar char="•"/>
+            </a:pPr>
+            <a:r>
+              <a:rPr lang="en-US" dirty="0" smtClean="0"/>
+              <a:t>Visibility</a:t>
+            </a:r>
+          </a:p>
+          <a:p>
+            <a:pPr marL="285750" indent="-285750">
+              <a:buFont typeface="Arial" panose="020B0604020202020204" pitchFamily="34" charset="0"/>
+              <a:buChar char="•"/>
+            </a:pPr>
+            <a:r>
+              <a:rPr lang="en-US" dirty="0" smtClean="0"/>
+              <a:t>Size</a:t>
+            </a:r>
+          </a:p>
+          <a:p>
+            <a:pPr marL="285750" indent="-285750">
+              <a:buFont typeface="Arial" panose="020B0604020202020204" pitchFamily="34" charset="0"/>
+              <a:buChar char="•"/>
+            </a:pPr>
+            <a:r>
+              <a:rPr lang="en-US" dirty="0" smtClean="0"/>
+              <a:t>Intuitive</a:t>
+            </a:r>
+          </a:p>
+        </p:txBody>
+      </p:sp>
+      <p:sp>
+        <p:nvSpPr>
+          <p:cNvPr id="3" name="TextBox 2"/>
+          <p:cNvSpPr txBox="1"/>
+          <p:nvPr/>
+        </p:nvSpPr>
+        <p:spPr>
+          <a:xfrm>
+            <a:off x="533398" y="304800"/>
+            <a:ext cx="6019802" cy="381000"/>
+          </a:xfrm>
+          <a:prstGeom prst="rect">
+            <a:avLst/>
+          </a:prstGeom>
+          <a:noFill/>
+        </p:spPr>
+        <p:txBody>
+          <a:bodyPr wrap="square" rtlCol="0">
+            <a:spAutoFit/>
+          </a:bodyPr>
+          <a:lstStyle/>
+          <a:p>
+            <a:r>
+              <a:rPr lang="en-US" b="1"/>
+              <a:t>Design</a:t>
+            </a:r>
+            <a:r>
+              <a:rPr lang="en-US"/>
+              <a:t> </a:t>
+            </a:r>
+            <a:r>
+              <a:rPr lang="en-US" b="1"/>
+              <a:t>Considerations</a:t>
+            </a:r>
+            <a:endParaRPr lang="en-US" b="1" dirty="0"/>
+          </a:p>
+        </p:txBody>
+      </p:sp>
+    </p:spTree>
+    <p:extLst>
+      <p:ext uri="{BB962C8B-B14F-4D97-AF65-F5344CB8AC3E}">
+        <p14:creationId xmlns:p14="http://schemas.microsoft.com/office/powerpoint/2010/main" val="3934321023"/>
+      </p:ext>
+    </p:extLst>
+  </p:cSld>
+  <p:clrMapOvr>
+    <a:masterClrMapping/>
+  </p:clrMapOvr>
+  <p:timing>
+    <p:tnLst>
+      <p:par>
+        <p:cTn id="1" dur="indefinite" restart="never" nodeType="tmRoot"/>
+      </p:par>
+    </p:tnLst>
+  </p:timing>
+</p:sld>
+</file>
+
+<file path=ppt/slides/slide7.xml><?xml version="1.0" encoding="utf-8"?>
+<p:sld xmlns:a="http://schemas.openxmlformats.org/drawingml/2006/main" xmlns:r="http://schemas.openxmlformats.org/officeDocument/2006/relationships" xmlns:p="http://schemas.openxmlformats.org/presentationml/2006/main">
+  <p:cSld>
+    <p:spTree>
+      <p:nvGrpSpPr>
+        <p:cNvPr id="1" name=""/>
+        <p:cNvGrpSpPr/>
+        <p:nvPr/>
+      </p:nvGrpSpPr>
+      <p:grpSpPr>
+        <a:xfrm>
+          <a:off x="0" y="0"/>
+          <a:ext cx="0" cy="0"/>
+          <a:chOff x="0" y="0"/>
+          <a:chExt cx="0" cy="0"/>
+        </a:xfrm>
+      </p:grpSpPr>
+      <p:sp>
+        <p:nvSpPr>
+          <p:cNvPr id="7" name="Slide Number Placeholder 6"/>
+          <p:cNvSpPr>
+            <a:spLocks noGrp="1"/>
+          </p:cNvSpPr>
+          <p:nvPr>
+            <p:ph type="sldNum" sz="quarter" idx="12"/>
+          </p:nvPr>
+        </p:nvSpPr>
+        <p:spPr/>
+        <p:txBody>
+          <a:bodyPr/>
+          <a:lstStyle/>
+          <a:p>
+            <a:fld id="{B6F15528-21DE-4FAA-801E-634DDDAF4B2B}" type="slidenum">
+              <a:rPr lang="en-US" smtClean="0"/>
+              <a:pPr/>
+              <a:t>7</a:t>
+            </a:fld>
+            <a:endParaRPr lang="en-US"/>
+          </a:p>
+        </p:txBody>
+      </p:sp>
+      <p:pic>
+        <p:nvPicPr>
+          <p:cNvPr id="8" name="Picture 2" descr="C:\Users\noaht_000\Documents\ECE411\Practicum2014\Wiki Images\logo.bmp"/>
+          <p:cNvPicPr>
+            <a:picLocks noChangeAspect="1" noChangeArrowheads="1"/>
+          </p:cNvPicPr>
+          <p:nvPr/>
+        </p:nvPicPr>
+        <p:blipFill>
+          <a:blip r:embed="rId2" cstate="print">
+            <a:extLst>
+              <a:ext uri="{28A0092B-C50C-407E-A947-70E740481C1C}">
+                <a14:useLocalDpi xmlns:a14="http://schemas.microsoft.com/office/drawing/2010/main" val="0"/>
+              </a:ext>
+            </a:extLst>
+          </a:blip>
+          <a:srcRect/>
+          <a:stretch>
+            <a:fillRect/>
+          </a:stretch>
+        </p:blipFill>
+        <p:spPr bwMode="auto">
+          <a:xfrm>
+            <a:off x="7391399" y="199181"/>
+            <a:ext cx="1477731" cy="639019"/>
+          </a:xfrm>
+          <a:prstGeom prst="rect">
+            <a:avLst/>
+          </a:prstGeom>
+          <a:noFill/>
+          <a:extLst>
+            <a:ext uri="{909E8E84-426E-40DD-AFC4-6F175D3DCCD1}">
+              <a14:hiddenFill xmlns:a14="http://schemas.microsoft.com/office/drawing/2010/main">
+                <a:solidFill>
+                  <a:srgbClr val="FFFFFF"/>
+                </a:solidFill>
+              </a14:hiddenFill>
+            </a:ext>
+          </a:extLst>
+        </p:spPr>
+      </p:pic>
+      <p:cxnSp>
+        <p:nvCxnSpPr>
+          <p:cNvPr id="9" name="Straight Connector 8"/>
+          <p:cNvCxnSpPr/>
+          <p:nvPr/>
+        </p:nvCxnSpPr>
+        <p:spPr>
+          <a:xfrm flipH="1">
+            <a:off x="533398" y="762000"/>
+            <a:ext cx="6857999" cy="0"/>
+          </a:xfrm>
+          <a:prstGeom prst="line">
+            <a:avLst/>
+          </a:prstGeom>
+          <a:ln w="38100">
+            <a:solidFill>
+              <a:schemeClr val="tx1"/>
+            </a:solidFill>
+          </a:ln>
+        </p:spPr>
+        <p:style>
+          <a:lnRef idx="1">
+            <a:schemeClr val="accent1"/>
+          </a:lnRef>
+          <a:fillRef idx="0">
+            <a:schemeClr val="accent1"/>
+          </a:fillRef>
+          <a:effectRef idx="0">
+            <a:schemeClr val="accent1"/>
+          </a:effectRef>
+          <a:fontRef idx="minor">
+            <a:schemeClr val="tx1"/>
+          </a:fontRef>
+        </p:style>
+      </p:cxnSp>
+      <p:sp>
+        <p:nvSpPr>
+          <p:cNvPr id="2" name="Rectangle 1"/>
+          <p:cNvSpPr/>
+          <p:nvPr/>
+        </p:nvSpPr>
+        <p:spPr>
+          <a:xfrm>
+            <a:off x="533398" y="990600"/>
+            <a:ext cx="5057776" cy="4659609"/>
+          </a:xfrm>
+          <a:prstGeom prst="rect">
+            <a:avLst/>
+          </a:prstGeom>
+        </p:spPr>
+        <p:txBody>
+          <a:bodyPr wrap="square">
+            <a:spAutoFit/>
+          </a:bodyPr>
+          <a:lstStyle/>
+          <a:p>
+            <a:pPr>
+              <a:lnSpc>
+                <a:spcPct val="107000"/>
+              </a:lnSpc>
+              <a:spcAft>
+                <a:spcPts val="800"/>
+              </a:spcAft>
+            </a:pPr>
+            <a:r>
+              <a:rPr lang="en-US" sz="2400" b="1" dirty="0" smtClean="0">
+                <a:latin typeface="Calibri" panose="020F0502020204030204" pitchFamily="34" charset="0"/>
+                <a:ea typeface="Calibri" panose="020F0502020204030204" pitchFamily="34" charset="0"/>
+                <a:cs typeface="Times New Roman" panose="02020603050405020304" pitchFamily="18" charset="0"/>
+              </a:rPr>
+              <a:t>Implementation</a:t>
+            </a:r>
+            <a:endParaRPr lang="en-US" sz="2400" b="1" dirty="0" smtClean="0">
+              <a:latin typeface="Calibri" panose="020F0502020204030204" pitchFamily="34" charset="0"/>
+              <a:ea typeface="Calibri" panose="020F0502020204030204" pitchFamily="34" charset="0"/>
+              <a:cs typeface="Times New Roman" panose="02020603050405020304" pitchFamily="18" charset="0"/>
+            </a:endParaRPr>
+          </a:p>
+          <a:p>
+            <a:pPr>
+              <a:lnSpc>
+                <a:spcPct val="107000"/>
+              </a:lnSpc>
+              <a:spcAft>
+                <a:spcPts val="800"/>
+              </a:spcAft>
+            </a:pPr>
+            <a:r>
+              <a:rPr lang="en-US" sz="2400" u="sng" dirty="0" smtClean="0">
+                <a:latin typeface="Calibri" panose="020F0502020204030204" pitchFamily="34" charset="0"/>
+                <a:cs typeface="Times New Roman" panose="02020603050405020304" pitchFamily="18" charset="0"/>
+              </a:rPr>
+              <a:t>Ultrasonic sensors </a:t>
+            </a:r>
+          </a:p>
+          <a:p>
+            <a:pPr marL="342900" indent="-342900">
+              <a:lnSpc>
+                <a:spcPct val="107000"/>
+              </a:lnSpc>
+              <a:spcAft>
+                <a:spcPts val="800"/>
+              </a:spcAft>
+              <a:buFont typeface="Arial" panose="020B0604020202020204" pitchFamily="34" charset="0"/>
+              <a:buChar char="•"/>
+            </a:pPr>
+            <a:r>
+              <a:rPr lang="en-US" sz="2400" dirty="0" smtClean="0">
+                <a:latin typeface="Calibri" panose="020F0502020204030204" pitchFamily="34" charset="0"/>
+                <a:cs typeface="Times New Roman" panose="02020603050405020304" pitchFamily="18" charset="0"/>
+              </a:rPr>
+              <a:t>HC-SR04</a:t>
+            </a:r>
+          </a:p>
+          <a:p>
+            <a:pPr marL="342900" indent="-342900">
+              <a:lnSpc>
+                <a:spcPct val="107000"/>
+              </a:lnSpc>
+              <a:spcAft>
+                <a:spcPts val="800"/>
+              </a:spcAft>
+              <a:buFont typeface="Arial" panose="020B0604020202020204" pitchFamily="34" charset="0"/>
+              <a:buChar char="•"/>
+            </a:pPr>
+            <a:r>
+              <a:rPr lang="en-US" sz="2400" dirty="0" smtClean="0">
+                <a:latin typeface="Calibri" panose="020F0502020204030204" pitchFamily="34" charset="0"/>
+                <a:cs typeface="Times New Roman" panose="02020603050405020304" pitchFamily="18" charset="0"/>
+              </a:rPr>
+              <a:t>Send and receive series of pulses when triggered</a:t>
+            </a:r>
+          </a:p>
+          <a:p>
+            <a:pPr marL="342900" indent="-342900">
+              <a:lnSpc>
+                <a:spcPct val="107000"/>
+              </a:lnSpc>
+              <a:spcAft>
+                <a:spcPts val="800"/>
+              </a:spcAft>
+              <a:buFont typeface="Arial" panose="020B0604020202020204" pitchFamily="34" charset="0"/>
+              <a:buChar char="•"/>
+            </a:pPr>
+            <a:r>
+              <a:rPr lang="en-US" sz="2400" dirty="0" smtClean="0">
+                <a:latin typeface="Calibri" panose="020F0502020204030204" pitchFamily="34" charset="0"/>
+                <a:cs typeface="Times New Roman" panose="02020603050405020304" pitchFamily="18" charset="0"/>
+              </a:rPr>
+              <a:t>Time between </a:t>
+            </a:r>
+            <a:r>
+              <a:rPr lang="en-US" sz="2400" dirty="0" err="1" smtClean="0">
+                <a:latin typeface="Calibri" panose="020F0502020204030204" pitchFamily="34" charset="0"/>
+                <a:cs typeface="Times New Roman" panose="02020603050405020304" pitchFamily="18" charset="0"/>
+              </a:rPr>
+              <a:t>tx</a:t>
+            </a:r>
+            <a:r>
+              <a:rPr lang="en-US" sz="2400" dirty="0" smtClean="0">
+                <a:latin typeface="Calibri" panose="020F0502020204030204" pitchFamily="34" charset="0"/>
+                <a:cs typeface="Times New Roman" panose="02020603050405020304" pitchFamily="18" charset="0"/>
+              </a:rPr>
+              <a:t> and </a:t>
+            </a:r>
+            <a:r>
+              <a:rPr lang="en-US" sz="2400" dirty="0" err="1" smtClean="0">
+                <a:latin typeface="Calibri" panose="020F0502020204030204" pitchFamily="34" charset="0"/>
+                <a:cs typeface="Times New Roman" panose="02020603050405020304" pitchFamily="18" charset="0"/>
+              </a:rPr>
+              <a:t>rx</a:t>
+            </a:r>
+            <a:r>
+              <a:rPr lang="en-US" sz="2400" dirty="0" smtClean="0">
+                <a:latin typeface="Calibri" panose="020F0502020204030204" pitchFamily="34" charset="0"/>
+                <a:cs typeface="Times New Roman" panose="02020603050405020304" pitchFamily="18" charset="0"/>
+              </a:rPr>
+              <a:t> passed as logic high</a:t>
+            </a:r>
+          </a:p>
+          <a:p>
+            <a:pPr marL="342900" indent="-342900">
+              <a:lnSpc>
+                <a:spcPct val="107000"/>
+              </a:lnSpc>
+              <a:spcAft>
+                <a:spcPts val="800"/>
+              </a:spcAft>
+              <a:buFont typeface="Arial" panose="020B0604020202020204" pitchFamily="34" charset="0"/>
+              <a:buChar char="•"/>
+            </a:pPr>
+            <a:r>
+              <a:rPr lang="en-US" sz="2400" dirty="0" smtClean="0">
+                <a:latin typeface="Calibri" panose="020F0502020204030204" pitchFamily="34" charset="0"/>
+                <a:cs typeface="Times New Roman" panose="02020603050405020304" pitchFamily="18" charset="0"/>
+              </a:rPr>
+              <a:t>Length of logic high tells timing to microprocessor</a:t>
+            </a:r>
+          </a:p>
+          <a:p>
+            <a:pPr marL="342900" indent="-342900">
+              <a:lnSpc>
+                <a:spcPct val="107000"/>
+              </a:lnSpc>
+              <a:spcAft>
+                <a:spcPts val="800"/>
+              </a:spcAft>
+              <a:buFont typeface="Arial" panose="020B0604020202020204" pitchFamily="34" charset="0"/>
+              <a:buChar char="•"/>
+            </a:pPr>
+            <a:r>
+              <a:rPr lang="en-US" sz="2400" dirty="0" smtClean="0">
+                <a:latin typeface="Calibri" panose="020F0502020204030204" pitchFamily="34" charset="0"/>
+                <a:cs typeface="Times New Roman" panose="02020603050405020304" pitchFamily="18" charset="0"/>
+              </a:rPr>
+              <a:t>Compatible with Arduino IDE</a:t>
+            </a:r>
+          </a:p>
+        </p:txBody>
+      </p:sp>
+      <p:pic>
+        <p:nvPicPr>
+          <p:cNvPr id="4" name="Picture 3"/>
+          <p:cNvPicPr>
+            <a:picLocks noChangeAspect="1"/>
+          </p:cNvPicPr>
+          <p:nvPr/>
+        </p:nvPicPr>
+        <p:blipFill>
+          <a:blip r:embed="rId3">
+            <a:extLst>
+              <a:ext uri="{28A0092B-C50C-407E-A947-70E740481C1C}">
+                <a14:useLocalDpi xmlns:a14="http://schemas.microsoft.com/office/drawing/2010/main" val="0"/>
+              </a:ext>
+            </a:extLst>
+          </a:blip>
+          <a:stretch>
+            <a:fillRect/>
+          </a:stretch>
+        </p:blipFill>
+        <p:spPr>
+          <a:xfrm>
+            <a:off x="5567434" y="2755900"/>
+            <a:ext cx="3340100" cy="3340100"/>
+          </a:xfrm>
+          <a:prstGeom prst="rect">
+            <a:avLst/>
+          </a:prstGeom>
+        </p:spPr>
+      </p:pic>
+    </p:spTree>
+    <p:extLst>
+      <p:ext uri="{BB962C8B-B14F-4D97-AF65-F5344CB8AC3E}">
+        <p14:creationId xmlns:p14="http://schemas.microsoft.com/office/powerpoint/2010/main" val="3828577778"/>
+      </p:ext>
+    </p:extLst>
+  </p:cSld>
+  <p:clrMapOvr>
+    <a:masterClrMapping/>
+  </p:clrMapOvr>
+  <p:timing>
+    <p:tnLst>
+      <p:par>
+        <p:cTn id="1" dur="indefinite" restart="never" nodeType="tmRoot"/>
+      </p:par>
+    </p:tnLst>
+  </p:timing>
+</p:sld>
+</file>
+
+<file path=ppt/slides/slide8.xml><?xml version="1.0" encoding="utf-8"?>
+<p:sld xmlns:a="http://schemas.openxmlformats.org/drawingml/2006/main" xmlns:r="http://schemas.openxmlformats.org/officeDocument/2006/relationships" xmlns:p="http://schemas.openxmlformats.org/presentationml/2006/main">
+  <p:cSld>
+    <p:spTree>
+      <p:nvGrpSpPr>
+        <p:cNvPr id="1" name=""/>
+        <p:cNvGrpSpPr/>
+        <p:nvPr/>
+      </p:nvGrpSpPr>
+      <p:grpSpPr>
+        <a:xfrm>
+          <a:off x="0" y="0"/>
+          <a:ext cx="0" cy="0"/>
+          <a:chOff x="0" y="0"/>
+          <a:chExt cx="0" cy="0"/>
+        </a:xfrm>
+      </p:grpSpPr>
+      <p:sp>
+        <p:nvSpPr>
+          <p:cNvPr id="7" name="Slide Number Placeholder 6"/>
+          <p:cNvSpPr>
+            <a:spLocks noGrp="1"/>
+          </p:cNvSpPr>
+          <p:nvPr>
+            <p:ph type="sldNum" sz="quarter" idx="12"/>
+          </p:nvPr>
+        </p:nvSpPr>
+        <p:spPr/>
+        <p:txBody>
+          <a:bodyPr/>
+          <a:lstStyle/>
+          <a:p>
+            <a:fld id="{B6F15528-21DE-4FAA-801E-634DDDAF4B2B}" type="slidenum">
+              <a:rPr lang="en-US" smtClean="0"/>
+              <a:pPr/>
+              <a:t>8</a:t>
+            </a:fld>
+            <a:endParaRPr lang="en-US"/>
+          </a:p>
+        </p:txBody>
+      </p:sp>
+      <p:pic>
+        <p:nvPicPr>
+          <p:cNvPr id="8" name="Picture 2" descr="C:\Users\noaht_000\Documents\ECE411\Practicum2014\Wiki Images\logo.bmp"/>
+          <p:cNvPicPr>
+            <a:picLocks noChangeAspect="1" noChangeArrowheads="1"/>
+          </p:cNvPicPr>
+          <p:nvPr/>
+        </p:nvPicPr>
+        <p:blipFill>
+          <a:blip r:embed="rId2" cstate="print">
+            <a:extLst>
+              <a:ext uri="{28A0092B-C50C-407E-A947-70E740481C1C}">
+                <a14:useLocalDpi xmlns:a14="http://schemas.microsoft.com/office/drawing/2010/main" val="0"/>
+              </a:ext>
+            </a:extLst>
+          </a:blip>
+          <a:srcRect/>
+          <a:stretch>
+            <a:fillRect/>
+          </a:stretch>
+        </p:blipFill>
+        <p:spPr bwMode="auto">
+          <a:xfrm>
+            <a:off x="7391399" y="199181"/>
+            <a:ext cx="1477731" cy="639019"/>
+          </a:xfrm>
+          <a:prstGeom prst="rect">
+            <a:avLst/>
+          </a:prstGeom>
+          <a:noFill/>
+          <a:extLst>
+            <a:ext uri="{909E8E84-426E-40DD-AFC4-6F175D3DCCD1}">
+              <a14:hiddenFill xmlns:a14="http://schemas.microsoft.com/office/drawing/2010/main">
+                <a:solidFill>
+                  <a:srgbClr val="FFFFFF"/>
+                </a:solidFill>
+              </a14:hiddenFill>
+            </a:ext>
+          </a:extLst>
+        </p:spPr>
+      </p:pic>
+      <p:cxnSp>
+        <p:nvCxnSpPr>
+          <p:cNvPr id="9" name="Straight Connector 8"/>
+          <p:cNvCxnSpPr/>
+          <p:nvPr/>
+        </p:nvCxnSpPr>
+        <p:spPr>
+          <a:xfrm flipH="1">
+            <a:off x="533398" y="762000"/>
+            <a:ext cx="6857999" cy="0"/>
+          </a:xfrm>
+          <a:prstGeom prst="line">
+            <a:avLst/>
+          </a:prstGeom>
+          <a:ln w="38100">
+            <a:solidFill>
+              <a:schemeClr val="tx1"/>
+            </a:solidFill>
+          </a:ln>
+        </p:spPr>
+        <p:style>
+          <a:lnRef idx="1">
+            <a:schemeClr val="accent1"/>
+          </a:lnRef>
+          <a:fillRef idx="0">
+            <a:schemeClr val="accent1"/>
+          </a:fillRef>
+          <a:effectRef idx="0">
+            <a:schemeClr val="accent1"/>
+          </a:effectRef>
+          <a:fontRef idx="minor">
+            <a:schemeClr val="tx1"/>
+          </a:fontRef>
+        </p:style>
+      </p:cxnSp>
+      <p:sp>
+        <p:nvSpPr>
+          <p:cNvPr id="2" name="TextBox 1"/>
+          <p:cNvSpPr txBox="1"/>
+          <p:nvPr/>
+        </p:nvSpPr>
+        <p:spPr>
+          <a:xfrm>
+            <a:off x="609600" y="1219200"/>
+            <a:ext cx="3657600" cy="5539978"/>
+          </a:xfrm>
+          <a:prstGeom prst="rect">
+            <a:avLst/>
+          </a:prstGeom>
+          <a:noFill/>
+        </p:spPr>
+        <p:txBody>
+          <a:bodyPr wrap="square" rtlCol="0">
+            <a:spAutoFit/>
+          </a:bodyPr>
+          <a:lstStyle/>
+          <a:p>
+            <a:r>
+              <a:rPr lang="en-US" sz="2400" u="sng" dirty="0" smtClean="0"/>
+              <a:t>Microprocessor</a:t>
+            </a:r>
+          </a:p>
+          <a:p>
+            <a:endParaRPr lang="en-US" sz="2400" u="sng" dirty="0"/>
+          </a:p>
+          <a:p>
+            <a:pPr marL="285750" indent="-285750">
+              <a:buFont typeface="Arial" panose="020B0604020202020204" pitchFamily="34" charset="0"/>
+              <a:buChar char="•"/>
+            </a:pPr>
+            <a:r>
+              <a:rPr lang="en-US" sz="2400" dirty="0" smtClean="0"/>
               <a:t>ATMega328-PU</a:t>
             </a:r>
           </a:p>
           <a:p>
-            <a:r>
-              <a:rPr lang="en-US" dirty="0" smtClean="0"/>
+            <a:pPr marL="285750" indent="-285750">
+              <a:buFont typeface="Arial" panose="020B0604020202020204" pitchFamily="34" charset="0"/>
+              <a:buChar char="•"/>
+            </a:pPr>
+            <a:r>
+              <a:rPr lang="en-US" sz="2400" dirty="0" smtClean="0"/>
               <a:t>8-bit microcontroller</a:t>
             </a:r>
           </a:p>
           <a:p>
-            <a:r>
-              <a:rPr lang="en-US" dirty="0" smtClean="0"/>
+            <a:pPr marL="285750" indent="-285750">
+              <a:buFont typeface="Arial" panose="020B0604020202020204" pitchFamily="34" charset="0"/>
+              <a:buChar char="•"/>
+            </a:pPr>
+            <a:r>
+              <a:rPr lang="en-US" sz="2400" dirty="0" smtClean="0"/>
               <a:t>RISC Architecture</a:t>
             </a:r>
           </a:p>
           <a:p>
-            <a:r>
-              <a:rPr lang="en-US" dirty="0" smtClean="0"/>
+            <a:pPr marL="285750" indent="-285750">
+              <a:buFont typeface="Arial" panose="020B0604020202020204" pitchFamily="34" charset="0"/>
+              <a:buChar char="•"/>
+            </a:pPr>
+            <a:r>
+              <a:rPr lang="en-US" sz="2400" dirty="0" smtClean="0"/>
               <a:t>Programmed with Arduino IDE</a:t>
             </a:r>
           </a:p>
           <a:p>
-            <a:endParaRPr lang="en-US" dirty="0" smtClean="0"/>
-          </a:p>
-          <a:p>
-            <a:r>
-              <a:rPr lang="en-US" u="sng" dirty="0" smtClean="0"/>
-              <a:t>Use</a:t>
-            </a:r>
-          </a:p>
-          <a:p>
-            <a:endParaRPr lang="en-US" dirty="0"/>
-          </a:p>
-          <a:p>
-            <a:r>
-              <a:rPr lang="en-US" dirty="0" smtClean="0"/>
+            <a:endParaRPr lang="en-US" sz="2400" dirty="0" smtClean="0"/>
+          </a:p>
+          <a:p>
+            <a:r>
+              <a:rPr lang="en-US" sz="2400" u="sng" dirty="0" smtClean="0"/>
+              <a:t>Functionality</a:t>
+            </a:r>
+            <a:endParaRPr lang="en-US" sz="2400" u="sng" dirty="0" smtClean="0"/>
+          </a:p>
+          <a:p>
+            <a:endParaRPr lang="en-US" sz="2400" dirty="0"/>
+          </a:p>
+          <a:p>
+            <a:pPr marL="285750" indent="-285750">
+              <a:buFont typeface="Arial" panose="020B0604020202020204" pitchFamily="34" charset="0"/>
+              <a:buChar char="•"/>
+            </a:pPr>
+            <a:r>
+              <a:rPr lang="en-US" sz="2400" dirty="0" smtClean="0"/>
               <a:t>Trigger sensors</a:t>
             </a:r>
           </a:p>
           <a:p>
-            <a:r>
-              <a:rPr lang="en-US" dirty="0" smtClean="0"/>
+            <a:pPr marL="285750" indent="-285750">
+              <a:buFont typeface="Arial" panose="020B0604020202020204" pitchFamily="34" charset="0"/>
+              <a:buChar char="•"/>
+            </a:pPr>
+            <a:r>
+              <a:rPr lang="en-US" sz="2400" dirty="0" smtClean="0"/>
               <a:t>Receive sensor data</a:t>
             </a:r>
           </a:p>
           <a:p>
-            <a:r>
-              <a:rPr lang="en-US" dirty="0" smtClean="0"/>
+            <a:pPr marL="285750" indent="-285750">
+              <a:buFont typeface="Arial" panose="020B0604020202020204" pitchFamily="34" charset="0"/>
+              <a:buChar char="•"/>
+            </a:pPr>
+            <a:r>
+              <a:rPr lang="en-US" sz="2400" dirty="0" smtClean="0"/>
               <a:t>Output binary </a:t>
             </a:r>
+            <a:r>
+              <a:rPr lang="en-US" sz="2400" dirty="0" smtClean="0"/>
+              <a:t>code for LED identification</a:t>
+            </a:r>
+            <a:endParaRPr lang="en-US" sz="2400" dirty="0" smtClean="0"/>
           </a:p>
           <a:p>
             <a:endParaRPr lang="en-US" dirty="0"/>
@@ -5837,7 +6987,7 @@
 </p:sld>
 </file>
 
-<file path=ppt/slides/slide7.xml><?xml version="1.0" encoding="utf-8"?>
+<file path=ppt/slides/slide9.xml><?xml version="1.0" encoding="utf-8"?>
 <p:sld xmlns:a="http://schemas.openxmlformats.org/drawingml/2006/main" xmlns:r="http://schemas.openxmlformats.org/officeDocument/2006/relationships" xmlns:p="http://schemas.openxmlformats.org/presentationml/2006/main">
   <p:cSld>
     <p:spTree>
@@ -5872,7 +7022,7 @@
             <a:fld id="{B6F15528-21DE-4FAA-801E-634DDDAF4B2B}" type="slidenum">
               <a:rPr lang="en-US" smtClean="0"/>
               <a:pPr/>
-              <a:t>7</a:t>
+              <a:t>9</a:t>
             </a:fld>
             <a:endParaRPr lang="en-US"/>
           </a:p>
@@ -5958,280 +7108,6 @@
     <p:extLst>
       <p:ext uri="{BB962C8B-B14F-4D97-AF65-F5344CB8AC3E}">
         <p14:creationId xmlns:p14="http://schemas.microsoft.com/office/powerpoint/2010/main" val="3893253114"/>
-      </p:ext>
-    </p:extLst>
-  </p:cSld>
-  <p:clrMapOvr>
-    <a:masterClrMapping/>
-  </p:clrMapOvr>
-  <p:timing>
-    <p:tnLst>
-      <p:par>
-        <p:cTn id="1" dur="indefinite" restart="never" nodeType="tmRoot"/>
-      </p:par>
-    </p:tnLst>
-  </p:timing>
-</p:sld>
-</file>
-
-<file path=ppt/slides/slide8.xml><?xml version="1.0" encoding="utf-8"?>
-<p:sld xmlns:a="http://schemas.openxmlformats.org/drawingml/2006/main" xmlns:r="http://schemas.openxmlformats.org/officeDocument/2006/relationships" xmlns:p="http://schemas.openxmlformats.org/presentationml/2006/main">
-  <p:cSld>
-    <p:spTree>
-      <p:nvGrpSpPr>
-        <p:cNvPr id="1" name=""/>
-        <p:cNvGrpSpPr/>
-        <p:nvPr/>
-      </p:nvGrpSpPr>
-      <p:grpSpPr>
-        <a:xfrm>
-          <a:off x="0" y="0"/>
-          <a:ext cx="0" cy="0"/>
-          <a:chOff x="0" y="0"/>
-          <a:chExt cx="0" cy="0"/>
-        </a:xfrm>
-      </p:grpSpPr>
-      <p:sp>
-        <p:nvSpPr>
-          <p:cNvPr id="7" name="Slide Number Placeholder 6"/>
-          <p:cNvSpPr>
-            <a:spLocks noGrp="1"/>
-          </p:cNvSpPr>
-          <p:nvPr>
-            <p:ph type="sldNum" sz="quarter" idx="12"/>
-          </p:nvPr>
-        </p:nvSpPr>
-        <p:spPr/>
-        <p:txBody>
-          <a:bodyPr/>
-          <a:lstStyle/>
-          <a:p>
-            <a:fld id="{B6F15528-21DE-4FAA-801E-634DDDAF4B2B}" type="slidenum">
-              <a:rPr lang="en-US" smtClean="0"/>
-              <a:pPr/>
-              <a:t>8</a:t>
-            </a:fld>
-            <a:endParaRPr lang="en-US"/>
-          </a:p>
-        </p:txBody>
-      </p:sp>
-      <p:pic>
-        <p:nvPicPr>
-          <p:cNvPr id="8" name="Picture 2" descr="C:\Users\noaht_000\Documents\ECE411\Practicum2014\Wiki Images\logo.bmp"/>
-          <p:cNvPicPr>
-            <a:picLocks noChangeAspect="1" noChangeArrowheads="1"/>
-          </p:cNvPicPr>
-          <p:nvPr/>
-        </p:nvPicPr>
-        <p:blipFill>
-          <a:blip r:embed="rId2" cstate="print">
-            <a:extLst>
-              <a:ext uri="{28A0092B-C50C-407E-A947-70E740481C1C}">
-                <a14:useLocalDpi xmlns:a14="http://schemas.microsoft.com/office/drawing/2010/main" val="0"/>
-              </a:ext>
-            </a:extLst>
-          </a:blip>
-          <a:srcRect/>
-          <a:stretch>
-            <a:fillRect/>
-          </a:stretch>
-        </p:blipFill>
-        <p:spPr bwMode="auto">
-          <a:xfrm>
-            <a:off x="7391399" y="199181"/>
-            <a:ext cx="1477731" cy="639019"/>
-          </a:xfrm>
-          <a:prstGeom prst="rect">
-            <a:avLst/>
-          </a:prstGeom>
-          <a:noFill/>
-          <a:extLst>
-            <a:ext uri="{909E8E84-426E-40DD-AFC4-6F175D3DCCD1}">
-              <a14:hiddenFill xmlns:a14="http://schemas.microsoft.com/office/drawing/2010/main">
-                <a:solidFill>
-                  <a:srgbClr val="FFFFFF"/>
-                </a:solidFill>
-              </a14:hiddenFill>
-            </a:ext>
-          </a:extLst>
-        </p:spPr>
-      </p:pic>
-      <p:cxnSp>
-        <p:nvCxnSpPr>
-          <p:cNvPr id="9" name="Straight Connector 8"/>
-          <p:cNvCxnSpPr/>
-          <p:nvPr/>
-        </p:nvCxnSpPr>
-        <p:spPr>
-          <a:xfrm flipH="1">
-            <a:off x="533398" y="762000"/>
-            <a:ext cx="6857999" cy="0"/>
-          </a:xfrm>
-          <a:prstGeom prst="line">
-            <a:avLst/>
-          </a:prstGeom>
-          <a:ln w="38100">
-            <a:solidFill>
-              <a:schemeClr val="tx1"/>
-            </a:solidFill>
-          </a:ln>
-        </p:spPr>
-        <p:style>
-          <a:lnRef idx="1">
-            <a:schemeClr val="accent1"/>
-          </a:lnRef>
-          <a:fillRef idx="0">
-            <a:schemeClr val="accent1"/>
-          </a:fillRef>
-          <a:effectRef idx="0">
-            <a:schemeClr val="accent1"/>
-          </a:effectRef>
-          <a:fontRef idx="minor">
-            <a:schemeClr val="tx1"/>
-          </a:fontRef>
-        </p:style>
-      </p:cxnSp>
-    </p:spTree>
-    <p:extLst>
-      <p:ext uri="{BB962C8B-B14F-4D97-AF65-F5344CB8AC3E}">
-        <p14:creationId xmlns:p14="http://schemas.microsoft.com/office/powerpoint/2010/main" val="1583150724"/>
-      </p:ext>
-    </p:extLst>
-  </p:cSld>
-  <p:clrMapOvr>
-    <a:masterClrMapping/>
-  </p:clrMapOvr>
-  <p:timing>
-    <p:tnLst>
-      <p:par>
-        <p:cTn id="1" dur="indefinite" restart="never" nodeType="tmRoot"/>
-      </p:par>
-    </p:tnLst>
-  </p:timing>
-</p:sld>
-</file>
-
-<file path=ppt/slides/slide9.xml><?xml version="1.0" encoding="utf-8"?>
-<p:sld xmlns:a="http://schemas.openxmlformats.org/drawingml/2006/main" xmlns:r="http://schemas.openxmlformats.org/officeDocument/2006/relationships" xmlns:p="http://schemas.openxmlformats.org/presentationml/2006/main">
-  <p:cSld>
-    <p:spTree>
-      <p:nvGrpSpPr>
-        <p:cNvPr id="1" name=""/>
-        <p:cNvGrpSpPr/>
-        <p:nvPr/>
-      </p:nvGrpSpPr>
-      <p:grpSpPr>
-        <a:xfrm>
-          <a:off x="0" y="0"/>
-          <a:ext cx="0" cy="0"/>
-          <a:chOff x="0" y="0"/>
-          <a:chExt cx="0" cy="0"/>
-        </a:xfrm>
-      </p:grpSpPr>
-      <p:sp>
-        <p:nvSpPr>
-          <p:cNvPr id="7" name="Slide Number Placeholder 6"/>
-          <p:cNvSpPr>
-            <a:spLocks noGrp="1"/>
-          </p:cNvSpPr>
-          <p:nvPr>
-            <p:ph type="sldNum" sz="quarter" idx="12"/>
-          </p:nvPr>
-        </p:nvSpPr>
-        <p:spPr/>
-        <p:txBody>
-          <a:bodyPr/>
-          <a:lstStyle/>
-          <a:p>
-            <a:fld id="{B6F15528-21DE-4FAA-801E-634DDDAF4B2B}" type="slidenum">
-              <a:rPr lang="en-US" smtClean="0"/>
-              <a:pPr/>
-              <a:t>9</a:t>
-            </a:fld>
-            <a:endParaRPr lang="en-US"/>
-          </a:p>
-        </p:txBody>
-      </p:sp>
-      <p:pic>
-        <p:nvPicPr>
-          <p:cNvPr id="8" name="Picture 2" descr="C:\Users\noaht_000\Documents\ECE411\Practicum2014\Wiki Images\logo.bmp"/>
-          <p:cNvPicPr>
-            <a:picLocks noChangeAspect="1" noChangeArrowheads="1"/>
-          </p:cNvPicPr>
-          <p:nvPr/>
-        </p:nvPicPr>
-        <p:blipFill>
-          <a:blip r:embed="rId2" cstate="print">
-            <a:extLst>
-              <a:ext uri="{28A0092B-C50C-407E-A947-70E740481C1C}">
-                <a14:useLocalDpi xmlns:a14="http://schemas.microsoft.com/office/drawing/2010/main" val="0"/>
-              </a:ext>
-            </a:extLst>
-          </a:blip>
-          <a:srcRect/>
-          <a:stretch>
-            <a:fillRect/>
-          </a:stretch>
-        </p:blipFill>
-        <p:spPr bwMode="auto">
-          <a:xfrm>
-            <a:off x="7391399" y="199181"/>
-            <a:ext cx="1477731" cy="639019"/>
-          </a:xfrm>
-          <a:prstGeom prst="rect">
-            <a:avLst/>
-          </a:prstGeom>
-          <a:noFill/>
-          <a:extLst>
-            <a:ext uri="{909E8E84-426E-40DD-AFC4-6F175D3DCCD1}">
-              <a14:hiddenFill xmlns:a14="http://schemas.microsoft.com/office/drawing/2010/main">
-                <a:solidFill>
-                  <a:srgbClr val="FFFFFF"/>
-                </a:solidFill>
-              </a14:hiddenFill>
-            </a:ext>
-          </a:extLst>
-        </p:spPr>
-      </p:pic>
-      <p:cxnSp>
-        <p:nvCxnSpPr>
-          <p:cNvPr id="9" name="Straight Connector 8"/>
-          <p:cNvCxnSpPr/>
-          <p:nvPr/>
-        </p:nvCxnSpPr>
-        <p:spPr>
-          <a:xfrm flipH="1">
-            <a:off x="533398" y="762000"/>
-            <a:ext cx="6857999" cy="0"/>
-          </a:xfrm>
-          <a:prstGeom prst="line">
-            <a:avLst/>
-          </a:prstGeom>
-          <a:ln w="38100">
-            <a:solidFill>
-              <a:schemeClr val="tx1"/>
-            </a:solidFill>
-          </a:ln>
-        </p:spPr>
-        <p:style>
-          <a:lnRef idx="1">
-            <a:schemeClr val="accent1"/>
-          </a:lnRef>
-          <a:fillRef idx="0">
-            <a:schemeClr val="accent1"/>
-          </a:fillRef>
-          <a:effectRef idx="0">
-            <a:schemeClr val="accent1"/>
-          </a:effectRef>
-          <a:fontRef idx="minor">
-            <a:schemeClr val="tx1"/>
-          </a:fontRef>
-        </p:style>
-      </p:cxnSp>
-    </p:spTree>
-    <p:extLst>
-      <p:ext uri="{BB962C8B-B14F-4D97-AF65-F5344CB8AC3E}">
-        <p14:creationId xmlns:p14="http://schemas.microsoft.com/office/powerpoint/2010/main" val="4216677911"/>
       </p:ext>
     </p:extLst>
   </p:cSld>

--- a/Presentation/T04_Presentation.pptx
+++ b/Presentation/T04_Presentation.pptx
@@ -5,24 +5,25 @@
     <p:sldMasterId id="2147483648" r:id="rId1"/>
   </p:sldMasterIdLst>
   <p:notesMasterIdLst>
-    <p:notesMasterId r:id="rId17"/>
+    <p:notesMasterId r:id="rId18"/>
   </p:notesMasterIdLst>
   <p:sldIdLst>
     <p:sldId id="256" r:id="rId2"/>
     <p:sldId id="257" r:id="rId3"/>
     <p:sldId id="258" r:id="rId4"/>
     <p:sldId id="259" r:id="rId5"/>
-    <p:sldId id="269" r:id="rId6"/>
-    <p:sldId id="270" r:id="rId7"/>
-    <p:sldId id="260" r:id="rId8"/>
-    <p:sldId id="261" r:id="rId9"/>
-    <p:sldId id="262" r:id="rId10"/>
-    <p:sldId id="263" r:id="rId11"/>
-    <p:sldId id="264" r:id="rId12"/>
-    <p:sldId id="265" r:id="rId13"/>
-    <p:sldId id="266" r:id="rId14"/>
+    <p:sldId id="270" r:id="rId6"/>
+    <p:sldId id="260" r:id="rId7"/>
+    <p:sldId id="261" r:id="rId8"/>
+    <p:sldId id="262" r:id="rId9"/>
+    <p:sldId id="271" r:id="rId10"/>
+    <p:sldId id="268" r:id="rId11"/>
+    <p:sldId id="263" r:id="rId12"/>
+    <p:sldId id="264" r:id="rId13"/>
+    <p:sldId id="265" r:id="rId14"/>
     <p:sldId id="267" r:id="rId15"/>
-    <p:sldId id="268" r:id="rId16"/>
+    <p:sldId id="266" r:id="rId16"/>
+    <p:sldId id="272" r:id="rId17"/>
   </p:sldIdLst>
   <p:sldSz cx="9144000" cy="6858000" type="screen4x3"/>
   <p:notesSz cx="6858000" cy="9144000"/>
@@ -488,6 +489,1338 @@
     </a:lvl9pPr>
   </p:notesStyle>
 </p:notesMaster>
+</file>
+
+<file path=ppt/notesSlides/notesSlide1.xml><?xml version="1.0" encoding="utf-8"?>
+<p:notes xmlns:a="http://schemas.openxmlformats.org/drawingml/2006/main" xmlns:r="http://schemas.openxmlformats.org/officeDocument/2006/relationships" xmlns:p="http://schemas.openxmlformats.org/presentationml/2006/main">
+  <p:cSld>
+    <p:spTree>
+      <p:nvGrpSpPr>
+        <p:cNvPr id="1" name=""/>
+        <p:cNvGrpSpPr/>
+        <p:nvPr/>
+      </p:nvGrpSpPr>
+      <p:grpSpPr>
+        <a:xfrm>
+          <a:off x="0" y="0"/>
+          <a:ext cx="0" cy="0"/>
+          <a:chOff x="0" y="0"/>
+          <a:chExt cx="0" cy="0"/>
+        </a:xfrm>
+      </p:grpSpPr>
+      <p:sp>
+        <p:nvSpPr>
+          <p:cNvPr id="2" name="Slide Image Placeholder 1"/>
+          <p:cNvSpPr>
+            <a:spLocks noGrp="1" noRot="1" noChangeAspect="1"/>
+          </p:cNvSpPr>
+          <p:nvPr>
+            <p:ph type="sldImg"/>
+          </p:nvPr>
+        </p:nvSpPr>
+        <p:spPr/>
+      </p:sp>
+      <p:sp>
+        <p:nvSpPr>
+          <p:cNvPr id="3" name="Notes Placeholder 2"/>
+          <p:cNvSpPr>
+            <a:spLocks noGrp="1"/>
+          </p:cNvSpPr>
+          <p:nvPr>
+            <p:ph type="body" idx="1"/>
+          </p:nvPr>
+        </p:nvSpPr>
+        <p:spPr/>
+        <p:txBody>
+          <a:bodyPr/>
+          <a:lstStyle/>
+          <a:p>
+            <a:endParaRPr lang="en-US" dirty="0"/>
+          </a:p>
+        </p:txBody>
+      </p:sp>
+      <p:sp>
+        <p:nvSpPr>
+          <p:cNvPr id="4" name="Slide Number Placeholder 3"/>
+          <p:cNvSpPr>
+            <a:spLocks noGrp="1"/>
+          </p:cNvSpPr>
+          <p:nvPr>
+            <p:ph type="sldNum" sz="quarter" idx="10"/>
+          </p:nvPr>
+        </p:nvSpPr>
+        <p:spPr/>
+        <p:txBody>
+          <a:bodyPr/>
+          <a:lstStyle/>
+          <a:p>
+            <a:fld id="{603E23E5-3609-43E5-8DC9-3CC5799A9D7E}" type="slidenum">
+              <a:rPr lang="en-US" smtClean="0"/>
+              <a:t>1</a:t>
+            </a:fld>
+            <a:endParaRPr lang="en-US"/>
+          </a:p>
+        </p:txBody>
+      </p:sp>
+    </p:spTree>
+    <p:extLst>
+      <p:ext uri="{BB962C8B-B14F-4D97-AF65-F5344CB8AC3E}">
+        <p14:creationId xmlns:p14="http://schemas.microsoft.com/office/powerpoint/2010/main" val="2778270946"/>
+      </p:ext>
+    </p:extLst>
+  </p:cSld>
+  <p:clrMapOvr>
+    <a:masterClrMapping/>
+  </p:clrMapOvr>
+</p:notes>
+</file>
+
+<file path=ppt/notesSlides/notesSlide10.xml><?xml version="1.0" encoding="utf-8"?>
+<p:notes xmlns:a="http://schemas.openxmlformats.org/drawingml/2006/main" xmlns:r="http://schemas.openxmlformats.org/officeDocument/2006/relationships" xmlns:p="http://schemas.openxmlformats.org/presentationml/2006/main">
+  <p:cSld>
+    <p:spTree>
+      <p:nvGrpSpPr>
+        <p:cNvPr id="1" name=""/>
+        <p:cNvGrpSpPr/>
+        <p:nvPr/>
+      </p:nvGrpSpPr>
+      <p:grpSpPr>
+        <a:xfrm>
+          <a:off x="0" y="0"/>
+          <a:ext cx="0" cy="0"/>
+          <a:chOff x="0" y="0"/>
+          <a:chExt cx="0" cy="0"/>
+        </a:xfrm>
+      </p:grpSpPr>
+      <p:sp>
+        <p:nvSpPr>
+          <p:cNvPr id="2" name="Slide Image Placeholder 1"/>
+          <p:cNvSpPr>
+            <a:spLocks noGrp="1" noRot="1" noChangeAspect="1"/>
+          </p:cNvSpPr>
+          <p:nvPr>
+            <p:ph type="sldImg"/>
+          </p:nvPr>
+        </p:nvSpPr>
+        <p:spPr/>
+      </p:sp>
+      <p:sp>
+        <p:nvSpPr>
+          <p:cNvPr id="3" name="Notes Placeholder 2"/>
+          <p:cNvSpPr>
+            <a:spLocks noGrp="1"/>
+          </p:cNvSpPr>
+          <p:nvPr>
+            <p:ph type="body" idx="1"/>
+          </p:nvPr>
+        </p:nvSpPr>
+        <p:spPr/>
+        <p:txBody>
+          <a:bodyPr/>
+          <a:lstStyle/>
+          <a:p>
+            <a:r>
+              <a:rPr lang="en-US" dirty="0" smtClean="0"/>
+              <a:t>Noah 1</a:t>
+            </a:r>
+            <a:r>
+              <a:rPr lang="en-US" baseline="0" dirty="0" smtClean="0"/>
+              <a:t> min</a:t>
+            </a:r>
+            <a:endParaRPr lang="en-US" dirty="0"/>
+          </a:p>
+        </p:txBody>
+      </p:sp>
+      <p:sp>
+        <p:nvSpPr>
+          <p:cNvPr id="4" name="Slide Number Placeholder 3"/>
+          <p:cNvSpPr>
+            <a:spLocks noGrp="1"/>
+          </p:cNvSpPr>
+          <p:nvPr>
+            <p:ph type="sldNum" sz="quarter" idx="10"/>
+          </p:nvPr>
+        </p:nvSpPr>
+        <p:spPr/>
+        <p:txBody>
+          <a:bodyPr/>
+          <a:lstStyle/>
+          <a:p>
+            <a:fld id="{603E23E5-3609-43E5-8DC9-3CC5799A9D7E}" type="slidenum">
+              <a:rPr lang="en-US" smtClean="0"/>
+              <a:t>10</a:t>
+            </a:fld>
+            <a:endParaRPr lang="en-US"/>
+          </a:p>
+        </p:txBody>
+      </p:sp>
+    </p:spTree>
+    <p:extLst>
+      <p:ext uri="{BB962C8B-B14F-4D97-AF65-F5344CB8AC3E}">
+        <p14:creationId xmlns:p14="http://schemas.microsoft.com/office/powerpoint/2010/main" val="274791553"/>
+      </p:ext>
+    </p:extLst>
+  </p:cSld>
+  <p:clrMapOvr>
+    <a:masterClrMapping/>
+  </p:clrMapOvr>
+</p:notes>
+</file>
+
+<file path=ppt/notesSlides/notesSlide11.xml><?xml version="1.0" encoding="utf-8"?>
+<p:notes xmlns:a="http://schemas.openxmlformats.org/drawingml/2006/main" xmlns:r="http://schemas.openxmlformats.org/officeDocument/2006/relationships" xmlns:p="http://schemas.openxmlformats.org/presentationml/2006/main">
+  <p:cSld>
+    <p:spTree>
+      <p:nvGrpSpPr>
+        <p:cNvPr id="1" name=""/>
+        <p:cNvGrpSpPr/>
+        <p:nvPr/>
+      </p:nvGrpSpPr>
+      <p:grpSpPr>
+        <a:xfrm>
+          <a:off x="0" y="0"/>
+          <a:ext cx="0" cy="0"/>
+          <a:chOff x="0" y="0"/>
+          <a:chExt cx="0" cy="0"/>
+        </a:xfrm>
+      </p:grpSpPr>
+      <p:sp>
+        <p:nvSpPr>
+          <p:cNvPr id="2" name="Slide Image Placeholder 1"/>
+          <p:cNvSpPr>
+            <a:spLocks noGrp="1" noRot="1" noChangeAspect="1"/>
+          </p:cNvSpPr>
+          <p:nvPr>
+            <p:ph type="sldImg"/>
+          </p:nvPr>
+        </p:nvSpPr>
+        <p:spPr/>
+      </p:sp>
+      <p:sp>
+        <p:nvSpPr>
+          <p:cNvPr id="3" name="Notes Placeholder 2"/>
+          <p:cNvSpPr>
+            <a:spLocks noGrp="1"/>
+          </p:cNvSpPr>
+          <p:nvPr>
+            <p:ph type="body" idx="1"/>
+          </p:nvPr>
+        </p:nvSpPr>
+        <p:spPr/>
+        <p:txBody>
+          <a:bodyPr/>
+          <a:lstStyle/>
+          <a:p>
+            <a:r>
+              <a:rPr lang="en-US" dirty="0" smtClean="0"/>
+              <a:t>Dan 1 min</a:t>
+            </a:r>
+            <a:endParaRPr lang="en-US" dirty="0"/>
+          </a:p>
+        </p:txBody>
+      </p:sp>
+      <p:sp>
+        <p:nvSpPr>
+          <p:cNvPr id="4" name="Slide Number Placeholder 3"/>
+          <p:cNvSpPr>
+            <a:spLocks noGrp="1"/>
+          </p:cNvSpPr>
+          <p:nvPr>
+            <p:ph type="sldNum" sz="quarter" idx="10"/>
+          </p:nvPr>
+        </p:nvSpPr>
+        <p:spPr/>
+        <p:txBody>
+          <a:bodyPr/>
+          <a:lstStyle/>
+          <a:p>
+            <a:fld id="{603E23E5-3609-43E5-8DC9-3CC5799A9D7E}" type="slidenum">
+              <a:rPr lang="en-US" smtClean="0"/>
+              <a:t>11</a:t>
+            </a:fld>
+            <a:endParaRPr lang="en-US"/>
+          </a:p>
+        </p:txBody>
+      </p:sp>
+    </p:spTree>
+    <p:extLst>
+      <p:ext uri="{BB962C8B-B14F-4D97-AF65-F5344CB8AC3E}">
+        <p14:creationId xmlns:p14="http://schemas.microsoft.com/office/powerpoint/2010/main" val="720708251"/>
+      </p:ext>
+    </p:extLst>
+  </p:cSld>
+  <p:clrMapOvr>
+    <a:masterClrMapping/>
+  </p:clrMapOvr>
+</p:notes>
+</file>
+
+<file path=ppt/notesSlides/notesSlide12.xml><?xml version="1.0" encoding="utf-8"?>
+<p:notes xmlns:a="http://schemas.openxmlformats.org/drawingml/2006/main" xmlns:r="http://schemas.openxmlformats.org/officeDocument/2006/relationships" xmlns:p="http://schemas.openxmlformats.org/presentationml/2006/main">
+  <p:cSld>
+    <p:spTree>
+      <p:nvGrpSpPr>
+        <p:cNvPr id="1" name=""/>
+        <p:cNvGrpSpPr/>
+        <p:nvPr/>
+      </p:nvGrpSpPr>
+      <p:grpSpPr>
+        <a:xfrm>
+          <a:off x="0" y="0"/>
+          <a:ext cx="0" cy="0"/>
+          <a:chOff x="0" y="0"/>
+          <a:chExt cx="0" cy="0"/>
+        </a:xfrm>
+      </p:grpSpPr>
+      <p:sp>
+        <p:nvSpPr>
+          <p:cNvPr id="2" name="Slide Image Placeholder 1"/>
+          <p:cNvSpPr>
+            <a:spLocks noGrp="1" noRot="1" noChangeAspect="1"/>
+          </p:cNvSpPr>
+          <p:nvPr>
+            <p:ph type="sldImg"/>
+          </p:nvPr>
+        </p:nvSpPr>
+        <p:spPr/>
+      </p:sp>
+      <p:sp>
+        <p:nvSpPr>
+          <p:cNvPr id="3" name="Notes Placeholder 2"/>
+          <p:cNvSpPr>
+            <a:spLocks noGrp="1"/>
+          </p:cNvSpPr>
+          <p:nvPr>
+            <p:ph type="body" idx="1"/>
+          </p:nvPr>
+        </p:nvSpPr>
+        <p:spPr/>
+        <p:txBody>
+          <a:bodyPr/>
+          <a:lstStyle/>
+          <a:p>
+            <a:r>
+              <a:rPr lang="en-US" dirty="0" smtClean="0"/>
+              <a:t>Dan 1 min</a:t>
+            </a:r>
+            <a:endParaRPr lang="en-US" dirty="0"/>
+          </a:p>
+        </p:txBody>
+      </p:sp>
+      <p:sp>
+        <p:nvSpPr>
+          <p:cNvPr id="4" name="Slide Number Placeholder 3"/>
+          <p:cNvSpPr>
+            <a:spLocks noGrp="1"/>
+          </p:cNvSpPr>
+          <p:nvPr>
+            <p:ph type="sldNum" sz="quarter" idx="10"/>
+          </p:nvPr>
+        </p:nvSpPr>
+        <p:spPr/>
+        <p:txBody>
+          <a:bodyPr/>
+          <a:lstStyle/>
+          <a:p>
+            <a:fld id="{603E23E5-3609-43E5-8DC9-3CC5799A9D7E}" type="slidenum">
+              <a:rPr lang="en-US" smtClean="0"/>
+              <a:t>12</a:t>
+            </a:fld>
+            <a:endParaRPr lang="en-US"/>
+          </a:p>
+        </p:txBody>
+      </p:sp>
+    </p:spTree>
+    <p:extLst>
+      <p:ext uri="{BB962C8B-B14F-4D97-AF65-F5344CB8AC3E}">
+        <p14:creationId xmlns:p14="http://schemas.microsoft.com/office/powerpoint/2010/main" val="4037312048"/>
+      </p:ext>
+    </p:extLst>
+  </p:cSld>
+  <p:clrMapOvr>
+    <a:masterClrMapping/>
+  </p:clrMapOvr>
+</p:notes>
+</file>
+
+<file path=ppt/notesSlides/notesSlide13.xml><?xml version="1.0" encoding="utf-8"?>
+<p:notes xmlns:a="http://schemas.openxmlformats.org/drawingml/2006/main" xmlns:r="http://schemas.openxmlformats.org/officeDocument/2006/relationships" xmlns:p="http://schemas.openxmlformats.org/presentationml/2006/main">
+  <p:cSld>
+    <p:spTree>
+      <p:nvGrpSpPr>
+        <p:cNvPr id="1" name=""/>
+        <p:cNvGrpSpPr/>
+        <p:nvPr/>
+      </p:nvGrpSpPr>
+      <p:grpSpPr>
+        <a:xfrm>
+          <a:off x="0" y="0"/>
+          <a:ext cx="0" cy="0"/>
+          <a:chOff x="0" y="0"/>
+          <a:chExt cx="0" cy="0"/>
+        </a:xfrm>
+      </p:grpSpPr>
+      <p:sp>
+        <p:nvSpPr>
+          <p:cNvPr id="2" name="Slide Image Placeholder 1"/>
+          <p:cNvSpPr>
+            <a:spLocks noGrp="1" noRot="1" noChangeAspect="1"/>
+          </p:cNvSpPr>
+          <p:nvPr>
+            <p:ph type="sldImg"/>
+          </p:nvPr>
+        </p:nvSpPr>
+        <p:spPr/>
+      </p:sp>
+      <p:sp>
+        <p:nvSpPr>
+          <p:cNvPr id="3" name="Notes Placeholder 2"/>
+          <p:cNvSpPr>
+            <a:spLocks noGrp="1"/>
+          </p:cNvSpPr>
+          <p:nvPr>
+            <p:ph type="body" idx="1"/>
+          </p:nvPr>
+        </p:nvSpPr>
+        <p:spPr/>
+        <p:txBody>
+          <a:bodyPr/>
+          <a:lstStyle/>
+          <a:p>
+            <a:r>
+              <a:rPr lang="en-US" dirty="0" smtClean="0"/>
+              <a:t>Dan 1 min</a:t>
+            </a:r>
+            <a:endParaRPr lang="en-US" dirty="0"/>
+          </a:p>
+        </p:txBody>
+      </p:sp>
+      <p:sp>
+        <p:nvSpPr>
+          <p:cNvPr id="4" name="Slide Number Placeholder 3"/>
+          <p:cNvSpPr>
+            <a:spLocks noGrp="1"/>
+          </p:cNvSpPr>
+          <p:nvPr>
+            <p:ph type="sldNum" sz="quarter" idx="10"/>
+          </p:nvPr>
+        </p:nvSpPr>
+        <p:spPr/>
+        <p:txBody>
+          <a:bodyPr/>
+          <a:lstStyle/>
+          <a:p>
+            <a:fld id="{603E23E5-3609-43E5-8DC9-3CC5799A9D7E}" type="slidenum">
+              <a:rPr lang="en-US" smtClean="0"/>
+              <a:t>13</a:t>
+            </a:fld>
+            <a:endParaRPr lang="en-US"/>
+          </a:p>
+        </p:txBody>
+      </p:sp>
+    </p:spTree>
+    <p:extLst>
+      <p:ext uri="{BB962C8B-B14F-4D97-AF65-F5344CB8AC3E}">
+        <p14:creationId xmlns:p14="http://schemas.microsoft.com/office/powerpoint/2010/main" val="2156783538"/>
+      </p:ext>
+    </p:extLst>
+  </p:cSld>
+  <p:clrMapOvr>
+    <a:masterClrMapping/>
+  </p:clrMapOvr>
+</p:notes>
+</file>
+
+<file path=ppt/notesSlides/notesSlide14.xml><?xml version="1.0" encoding="utf-8"?>
+<p:notes xmlns:a="http://schemas.openxmlformats.org/drawingml/2006/main" xmlns:r="http://schemas.openxmlformats.org/officeDocument/2006/relationships" xmlns:p="http://schemas.openxmlformats.org/presentationml/2006/main">
+  <p:cSld>
+    <p:spTree>
+      <p:nvGrpSpPr>
+        <p:cNvPr id="1" name=""/>
+        <p:cNvGrpSpPr/>
+        <p:nvPr/>
+      </p:nvGrpSpPr>
+      <p:grpSpPr>
+        <a:xfrm>
+          <a:off x="0" y="0"/>
+          <a:ext cx="0" cy="0"/>
+          <a:chOff x="0" y="0"/>
+          <a:chExt cx="0" cy="0"/>
+        </a:xfrm>
+      </p:grpSpPr>
+      <p:sp>
+        <p:nvSpPr>
+          <p:cNvPr id="2" name="Slide Image Placeholder 1"/>
+          <p:cNvSpPr>
+            <a:spLocks noGrp="1" noRot="1" noChangeAspect="1"/>
+          </p:cNvSpPr>
+          <p:nvPr>
+            <p:ph type="sldImg"/>
+          </p:nvPr>
+        </p:nvSpPr>
+        <p:spPr/>
+      </p:sp>
+      <p:sp>
+        <p:nvSpPr>
+          <p:cNvPr id="3" name="Notes Placeholder 2"/>
+          <p:cNvSpPr>
+            <a:spLocks noGrp="1"/>
+          </p:cNvSpPr>
+          <p:nvPr>
+            <p:ph type="body" idx="1"/>
+          </p:nvPr>
+        </p:nvSpPr>
+        <p:spPr/>
+        <p:txBody>
+          <a:bodyPr/>
+          <a:lstStyle/>
+          <a:p>
+            <a:r>
+              <a:rPr lang="en-US" dirty="0" smtClean="0"/>
+              <a:t>Dan </a:t>
+            </a:r>
+            <a:r>
+              <a:rPr lang="en-US" baseline="0" dirty="0" smtClean="0"/>
+              <a:t>1 min</a:t>
+            </a:r>
+            <a:endParaRPr lang="en-US" dirty="0"/>
+          </a:p>
+        </p:txBody>
+      </p:sp>
+      <p:sp>
+        <p:nvSpPr>
+          <p:cNvPr id="4" name="Slide Number Placeholder 3"/>
+          <p:cNvSpPr>
+            <a:spLocks noGrp="1"/>
+          </p:cNvSpPr>
+          <p:nvPr>
+            <p:ph type="sldNum" sz="quarter" idx="10"/>
+          </p:nvPr>
+        </p:nvSpPr>
+        <p:spPr/>
+        <p:txBody>
+          <a:bodyPr/>
+          <a:lstStyle/>
+          <a:p>
+            <a:fld id="{603E23E5-3609-43E5-8DC9-3CC5799A9D7E}" type="slidenum">
+              <a:rPr lang="en-US" smtClean="0"/>
+              <a:t>14</a:t>
+            </a:fld>
+            <a:endParaRPr lang="en-US"/>
+          </a:p>
+        </p:txBody>
+      </p:sp>
+    </p:spTree>
+    <p:extLst>
+      <p:ext uri="{BB962C8B-B14F-4D97-AF65-F5344CB8AC3E}">
+        <p14:creationId xmlns:p14="http://schemas.microsoft.com/office/powerpoint/2010/main" val="2195088023"/>
+      </p:ext>
+    </p:extLst>
+  </p:cSld>
+  <p:clrMapOvr>
+    <a:masterClrMapping/>
+  </p:clrMapOvr>
+</p:notes>
+</file>
+
+<file path=ppt/notesSlides/notesSlide15.xml><?xml version="1.0" encoding="utf-8"?>
+<p:notes xmlns:a="http://schemas.openxmlformats.org/drawingml/2006/main" xmlns:r="http://schemas.openxmlformats.org/officeDocument/2006/relationships" xmlns:p="http://schemas.openxmlformats.org/presentationml/2006/main">
+  <p:cSld>
+    <p:spTree>
+      <p:nvGrpSpPr>
+        <p:cNvPr id="1" name=""/>
+        <p:cNvGrpSpPr/>
+        <p:nvPr/>
+      </p:nvGrpSpPr>
+      <p:grpSpPr>
+        <a:xfrm>
+          <a:off x="0" y="0"/>
+          <a:ext cx="0" cy="0"/>
+          <a:chOff x="0" y="0"/>
+          <a:chExt cx="0" cy="0"/>
+        </a:xfrm>
+      </p:grpSpPr>
+      <p:sp>
+        <p:nvSpPr>
+          <p:cNvPr id="2" name="Slide Image Placeholder 1"/>
+          <p:cNvSpPr>
+            <a:spLocks noGrp="1" noRot="1" noChangeAspect="1"/>
+          </p:cNvSpPr>
+          <p:nvPr>
+            <p:ph type="sldImg"/>
+          </p:nvPr>
+        </p:nvSpPr>
+        <p:spPr/>
+      </p:sp>
+      <p:sp>
+        <p:nvSpPr>
+          <p:cNvPr id="3" name="Notes Placeholder 2"/>
+          <p:cNvSpPr>
+            <a:spLocks noGrp="1"/>
+          </p:cNvSpPr>
+          <p:nvPr>
+            <p:ph type="body" idx="1"/>
+          </p:nvPr>
+        </p:nvSpPr>
+        <p:spPr/>
+        <p:txBody>
+          <a:bodyPr/>
+          <a:lstStyle/>
+          <a:p>
+            <a:r>
+              <a:rPr lang="en-US" dirty="0" smtClean="0"/>
+              <a:t>Dan 1</a:t>
+            </a:r>
+            <a:r>
+              <a:rPr lang="en-US" baseline="0" dirty="0" smtClean="0"/>
+              <a:t> min</a:t>
+            </a:r>
+            <a:endParaRPr lang="en-US" dirty="0"/>
+          </a:p>
+        </p:txBody>
+      </p:sp>
+      <p:sp>
+        <p:nvSpPr>
+          <p:cNvPr id="4" name="Slide Number Placeholder 3"/>
+          <p:cNvSpPr>
+            <a:spLocks noGrp="1"/>
+          </p:cNvSpPr>
+          <p:nvPr>
+            <p:ph type="sldNum" sz="quarter" idx="10"/>
+          </p:nvPr>
+        </p:nvSpPr>
+        <p:spPr/>
+        <p:txBody>
+          <a:bodyPr/>
+          <a:lstStyle/>
+          <a:p>
+            <a:fld id="{603E23E5-3609-43E5-8DC9-3CC5799A9D7E}" type="slidenum">
+              <a:rPr lang="en-US" smtClean="0"/>
+              <a:t>15</a:t>
+            </a:fld>
+            <a:endParaRPr lang="en-US"/>
+          </a:p>
+        </p:txBody>
+      </p:sp>
+    </p:spTree>
+    <p:extLst>
+      <p:ext uri="{BB962C8B-B14F-4D97-AF65-F5344CB8AC3E}">
+        <p14:creationId xmlns:p14="http://schemas.microsoft.com/office/powerpoint/2010/main" val="1341719457"/>
+      </p:ext>
+    </p:extLst>
+  </p:cSld>
+  <p:clrMapOvr>
+    <a:masterClrMapping/>
+  </p:clrMapOvr>
+</p:notes>
+</file>
+
+<file path=ppt/notesSlides/notesSlide2.xml><?xml version="1.0" encoding="utf-8"?>
+<p:notes xmlns:a="http://schemas.openxmlformats.org/drawingml/2006/main" xmlns:r="http://schemas.openxmlformats.org/officeDocument/2006/relationships" xmlns:p="http://schemas.openxmlformats.org/presentationml/2006/main">
+  <p:cSld>
+    <p:spTree>
+      <p:nvGrpSpPr>
+        <p:cNvPr id="1" name=""/>
+        <p:cNvGrpSpPr/>
+        <p:nvPr/>
+      </p:nvGrpSpPr>
+      <p:grpSpPr>
+        <a:xfrm>
+          <a:off x="0" y="0"/>
+          <a:ext cx="0" cy="0"/>
+          <a:chOff x="0" y="0"/>
+          <a:chExt cx="0" cy="0"/>
+        </a:xfrm>
+      </p:grpSpPr>
+      <p:sp>
+        <p:nvSpPr>
+          <p:cNvPr id="2" name="Slide Image Placeholder 1"/>
+          <p:cNvSpPr>
+            <a:spLocks noGrp="1" noRot="1" noChangeAspect="1"/>
+          </p:cNvSpPr>
+          <p:nvPr>
+            <p:ph type="sldImg"/>
+          </p:nvPr>
+        </p:nvSpPr>
+        <p:spPr/>
+      </p:sp>
+      <p:sp>
+        <p:nvSpPr>
+          <p:cNvPr id="3" name="Notes Placeholder 2"/>
+          <p:cNvSpPr>
+            <a:spLocks noGrp="1"/>
+          </p:cNvSpPr>
+          <p:nvPr>
+            <p:ph type="body" idx="1"/>
+          </p:nvPr>
+        </p:nvSpPr>
+        <p:spPr/>
+        <p:txBody>
+          <a:bodyPr/>
+          <a:lstStyle/>
+          <a:p>
+            <a:r>
+              <a:rPr lang="en-US" dirty="0" smtClean="0"/>
+              <a:t>Rusty 1 min</a:t>
+            </a:r>
+            <a:endParaRPr lang="en-US" dirty="0"/>
+          </a:p>
+        </p:txBody>
+      </p:sp>
+      <p:sp>
+        <p:nvSpPr>
+          <p:cNvPr id="4" name="Slide Number Placeholder 3"/>
+          <p:cNvSpPr>
+            <a:spLocks noGrp="1"/>
+          </p:cNvSpPr>
+          <p:nvPr>
+            <p:ph type="sldNum" sz="quarter" idx="10"/>
+          </p:nvPr>
+        </p:nvSpPr>
+        <p:spPr/>
+        <p:txBody>
+          <a:bodyPr/>
+          <a:lstStyle/>
+          <a:p>
+            <a:fld id="{603E23E5-3609-43E5-8DC9-3CC5799A9D7E}" type="slidenum">
+              <a:rPr lang="en-US" smtClean="0"/>
+              <a:t>2</a:t>
+            </a:fld>
+            <a:endParaRPr lang="en-US"/>
+          </a:p>
+        </p:txBody>
+      </p:sp>
+    </p:spTree>
+    <p:extLst>
+      <p:ext uri="{BB962C8B-B14F-4D97-AF65-F5344CB8AC3E}">
+        <p14:creationId xmlns:p14="http://schemas.microsoft.com/office/powerpoint/2010/main" val="1172265755"/>
+      </p:ext>
+    </p:extLst>
+  </p:cSld>
+  <p:clrMapOvr>
+    <a:masterClrMapping/>
+  </p:clrMapOvr>
+</p:notes>
+</file>
+
+<file path=ppt/notesSlides/notesSlide3.xml><?xml version="1.0" encoding="utf-8"?>
+<p:notes xmlns:a="http://schemas.openxmlformats.org/drawingml/2006/main" xmlns:r="http://schemas.openxmlformats.org/officeDocument/2006/relationships" xmlns:p="http://schemas.openxmlformats.org/presentationml/2006/main">
+  <p:cSld>
+    <p:spTree>
+      <p:nvGrpSpPr>
+        <p:cNvPr id="1" name=""/>
+        <p:cNvGrpSpPr/>
+        <p:nvPr/>
+      </p:nvGrpSpPr>
+      <p:grpSpPr>
+        <a:xfrm>
+          <a:off x="0" y="0"/>
+          <a:ext cx="0" cy="0"/>
+          <a:chOff x="0" y="0"/>
+          <a:chExt cx="0" cy="0"/>
+        </a:xfrm>
+      </p:grpSpPr>
+      <p:sp>
+        <p:nvSpPr>
+          <p:cNvPr id="2" name="Slide Image Placeholder 1"/>
+          <p:cNvSpPr>
+            <a:spLocks noGrp="1" noRot="1" noChangeAspect="1"/>
+          </p:cNvSpPr>
+          <p:nvPr>
+            <p:ph type="sldImg"/>
+          </p:nvPr>
+        </p:nvSpPr>
+        <p:spPr/>
+      </p:sp>
+      <p:sp>
+        <p:nvSpPr>
+          <p:cNvPr id="3" name="Notes Placeholder 2"/>
+          <p:cNvSpPr>
+            <a:spLocks noGrp="1"/>
+          </p:cNvSpPr>
+          <p:nvPr>
+            <p:ph type="body" idx="1"/>
+          </p:nvPr>
+        </p:nvSpPr>
+        <p:spPr/>
+        <p:txBody>
+          <a:bodyPr/>
+          <a:lstStyle/>
+          <a:p>
+            <a:r>
+              <a:rPr lang="en-US" dirty="0" smtClean="0"/>
+              <a:t>Rusty 1 min</a:t>
+            </a:r>
+            <a:endParaRPr lang="en-US" dirty="0"/>
+          </a:p>
+        </p:txBody>
+      </p:sp>
+      <p:sp>
+        <p:nvSpPr>
+          <p:cNvPr id="4" name="Slide Number Placeholder 3"/>
+          <p:cNvSpPr>
+            <a:spLocks noGrp="1"/>
+          </p:cNvSpPr>
+          <p:nvPr>
+            <p:ph type="sldNum" sz="quarter" idx="10"/>
+          </p:nvPr>
+        </p:nvSpPr>
+        <p:spPr/>
+        <p:txBody>
+          <a:bodyPr/>
+          <a:lstStyle/>
+          <a:p>
+            <a:fld id="{603E23E5-3609-43E5-8DC9-3CC5799A9D7E}" type="slidenum">
+              <a:rPr lang="en-US" smtClean="0"/>
+              <a:t>3</a:t>
+            </a:fld>
+            <a:endParaRPr lang="en-US"/>
+          </a:p>
+        </p:txBody>
+      </p:sp>
+    </p:spTree>
+    <p:extLst>
+      <p:ext uri="{BB962C8B-B14F-4D97-AF65-F5344CB8AC3E}">
+        <p14:creationId xmlns:p14="http://schemas.microsoft.com/office/powerpoint/2010/main" val="2931472031"/>
+      </p:ext>
+    </p:extLst>
+  </p:cSld>
+  <p:clrMapOvr>
+    <a:masterClrMapping/>
+  </p:clrMapOvr>
+</p:notes>
+</file>
+
+<file path=ppt/notesSlides/notesSlide4.xml><?xml version="1.0" encoding="utf-8"?>
+<p:notes xmlns:a="http://schemas.openxmlformats.org/drawingml/2006/main" xmlns:r="http://schemas.openxmlformats.org/officeDocument/2006/relationships" xmlns:p="http://schemas.openxmlformats.org/presentationml/2006/main">
+  <p:cSld>
+    <p:spTree>
+      <p:nvGrpSpPr>
+        <p:cNvPr id="1" name=""/>
+        <p:cNvGrpSpPr/>
+        <p:nvPr/>
+      </p:nvGrpSpPr>
+      <p:grpSpPr>
+        <a:xfrm>
+          <a:off x="0" y="0"/>
+          <a:ext cx="0" cy="0"/>
+          <a:chOff x="0" y="0"/>
+          <a:chExt cx="0" cy="0"/>
+        </a:xfrm>
+      </p:grpSpPr>
+      <p:sp>
+        <p:nvSpPr>
+          <p:cNvPr id="2" name="Slide Image Placeholder 1"/>
+          <p:cNvSpPr>
+            <a:spLocks noGrp="1" noRot="1" noChangeAspect="1"/>
+          </p:cNvSpPr>
+          <p:nvPr>
+            <p:ph type="sldImg"/>
+          </p:nvPr>
+        </p:nvSpPr>
+        <p:spPr/>
+      </p:sp>
+      <p:sp>
+        <p:nvSpPr>
+          <p:cNvPr id="3" name="Notes Placeholder 2"/>
+          <p:cNvSpPr>
+            <a:spLocks noGrp="1"/>
+          </p:cNvSpPr>
+          <p:nvPr>
+            <p:ph type="body" idx="1"/>
+          </p:nvPr>
+        </p:nvSpPr>
+        <p:spPr/>
+        <p:txBody>
+          <a:bodyPr/>
+          <a:lstStyle/>
+          <a:p>
+            <a:r>
+              <a:rPr lang="en-US" dirty="0" smtClean="0"/>
+              <a:t>Rusty 1 min</a:t>
+            </a:r>
+            <a:endParaRPr lang="en-US" dirty="0"/>
+          </a:p>
+        </p:txBody>
+      </p:sp>
+      <p:sp>
+        <p:nvSpPr>
+          <p:cNvPr id="4" name="Slide Number Placeholder 3"/>
+          <p:cNvSpPr>
+            <a:spLocks noGrp="1"/>
+          </p:cNvSpPr>
+          <p:nvPr>
+            <p:ph type="sldNum" sz="quarter" idx="10"/>
+          </p:nvPr>
+        </p:nvSpPr>
+        <p:spPr/>
+        <p:txBody>
+          <a:bodyPr/>
+          <a:lstStyle/>
+          <a:p>
+            <a:fld id="{603E23E5-3609-43E5-8DC9-3CC5799A9D7E}" type="slidenum">
+              <a:rPr lang="en-US" smtClean="0"/>
+              <a:t>4</a:t>
+            </a:fld>
+            <a:endParaRPr lang="en-US"/>
+          </a:p>
+        </p:txBody>
+      </p:sp>
+    </p:spTree>
+    <p:extLst>
+      <p:ext uri="{BB962C8B-B14F-4D97-AF65-F5344CB8AC3E}">
+        <p14:creationId xmlns:p14="http://schemas.microsoft.com/office/powerpoint/2010/main" val="3656167635"/>
+      </p:ext>
+    </p:extLst>
+  </p:cSld>
+  <p:clrMapOvr>
+    <a:masterClrMapping/>
+  </p:clrMapOvr>
+</p:notes>
+</file>
+
+<file path=ppt/notesSlides/notesSlide5.xml><?xml version="1.0" encoding="utf-8"?>
+<p:notes xmlns:a="http://schemas.openxmlformats.org/drawingml/2006/main" xmlns:r="http://schemas.openxmlformats.org/officeDocument/2006/relationships" xmlns:p="http://schemas.openxmlformats.org/presentationml/2006/main">
+  <p:cSld>
+    <p:spTree>
+      <p:nvGrpSpPr>
+        <p:cNvPr id="1" name=""/>
+        <p:cNvGrpSpPr/>
+        <p:nvPr/>
+      </p:nvGrpSpPr>
+      <p:grpSpPr>
+        <a:xfrm>
+          <a:off x="0" y="0"/>
+          <a:ext cx="0" cy="0"/>
+          <a:chOff x="0" y="0"/>
+          <a:chExt cx="0" cy="0"/>
+        </a:xfrm>
+      </p:grpSpPr>
+      <p:sp>
+        <p:nvSpPr>
+          <p:cNvPr id="2" name="Slide Image Placeholder 1"/>
+          <p:cNvSpPr>
+            <a:spLocks noGrp="1" noRot="1" noChangeAspect="1"/>
+          </p:cNvSpPr>
+          <p:nvPr>
+            <p:ph type="sldImg"/>
+          </p:nvPr>
+        </p:nvSpPr>
+        <p:spPr/>
+      </p:sp>
+      <p:sp>
+        <p:nvSpPr>
+          <p:cNvPr id="3" name="Notes Placeholder 2"/>
+          <p:cNvSpPr>
+            <a:spLocks noGrp="1"/>
+          </p:cNvSpPr>
+          <p:nvPr>
+            <p:ph type="body" idx="1"/>
+          </p:nvPr>
+        </p:nvSpPr>
+        <p:spPr/>
+        <p:txBody>
+          <a:bodyPr/>
+          <a:lstStyle/>
+          <a:p>
+            <a:r>
+              <a:rPr lang="en-US" dirty="0" smtClean="0"/>
+              <a:t>Brande</a:t>
+            </a:r>
+            <a:r>
+              <a:rPr lang="en-US" baseline="0" dirty="0" smtClean="0"/>
+              <a:t>n 1 min</a:t>
+            </a:r>
+            <a:endParaRPr lang="en-US" dirty="0"/>
+          </a:p>
+        </p:txBody>
+      </p:sp>
+      <p:sp>
+        <p:nvSpPr>
+          <p:cNvPr id="4" name="Slide Number Placeholder 3"/>
+          <p:cNvSpPr>
+            <a:spLocks noGrp="1"/>
+          </p:cNvSpPr>
+          <p:nvPr>
+            <p:ph type="sldNum" sz="quarter" idx="10"/>
+          </p:nvPr>
+        </p:nvSpPr>
+        <p:spPr/>
+        <p:txBody>
+          <a:bodyPr/>
+          <a:lstStyle/>
+          <a:p>
+            <a:fld id="{603E23E5-3609-43E5-8DC9-3CC5799A9D7E}" type="slidenum">
+              <a:rPr lang="en-US" smtClean="0"/>
+              <a:t>5</a:t>
+            </a:fld>
+            <a:endParaRPr lang="en-US"/>
+          </a:p>
+        </p:txBody>
+      </p:sp>
+    </p:spTree>
+    <p:extLst>
+      <p:ext uri="{BB962C8B-B14F-4D97-AF65-F5344CB8AC3E}">
+        <p14:creationId xmlns:p14="http://schemas.microsoft.com/office/powerpoint/2010/main" val="4090225854"/>
+      </p:ext>
+    </p:extLst>
+  </p:cSld>
+  <p:clrMapOvr>
+    <a:masterClrMapping/>
+  </p:clrMapOvr>
+</p:notes>
+</file>
+
+<file path=ppt/notesSlides/notesSlide6.xml><?xml version="1.0" encoding="utf-8"?>
+<p:notes xmlns:a="http://schemas.openxmlformats.org/drawingml/2006/main" xmlns:r="http://schemas.openxmlformats.org/officeDocument/2006/relationships" xmlns:p="http://schemas.openxmlformats.org/presentationml/2006/main">
+  <p:cSld>
+    <p:spTree>
+      <p:nvGrpSpPr>
+        <p:cNvPr id="1" name=""/>
+        <p:cNvGrpSpPr/>
+        <p:nvPr/>
+      </p:nvGrpSpPr>
+      <p:grpSpPr>
+        <a:xfrm>
+          <a:off x="0" y="0"/>
+          <a:ext cx="0" cy="0"/>
+          <a:chOff x="0" y="0"/>
+          <a:chExt cx="0" cy="0"/>
+        </a:xfrm>
+      </p:grpSpPr>
+      <p:sp>
+        <p:nvSpPr>
+          <p:cNvPr id="2" name="Slide Image Placeholder 1"/>
+          <p:cNvSpPr>
+            <a:spLocks noGrp="1" noRot="1" noChangeAspect="1"/>
+          </p:cNvSpPr>
+          <p:nvPr>
+            <p:ph type="sldImg"/>
+          </p:nvPr>
+        </p:nvSpPr>
+        <p:spPr/>
+      </p:sp>
+      <p:sp>
+        <p:nvSpPr>
+          <p:cNvPr id="3" name="Notes Placeholder 2"/>
+          <p:cNvSpPr>
+            <a:spLocks noGrp="1"/>
+          </p:cNvSpPr>
+          <p:nvPr>
+            <p:ph type="body" idx="1"/>
+          </p:nvPr>
+        </p:nvSpPr>
+        <p:spPr/>
+        <p:txBody>
+          <a:bodyPr/>
+          <a:lstStyle/>
+          <a:p>
+            <a:r>
+              <a:rPr lang="en-US" dirty="0" smtClean="0"/>
+              <a:t>Branden 1 min</a:t>
+            </a:r>
+            <a:endParaRPr lang="en-US" dirty="0"/>
+          </a:p>
+        </p:txBody>
+      </p:sp>
+      <p:sp>
+        <p:nvSpPr>
+          <p:cNvPr id="4" name="Slide Number Placeholder 3"/>
+          <p:cNvSpPr>
+            <a:spLocks noGrp="1"/>
+          </p:cNvSpPr>
+          <p:nvPr>
+            <p:ph type="sldNum" sz="quarter" idx="10"/>
+          </p:nvPr>
+        </p:nvSpPr>
+        <p:spPr/>
+        <p:txBody>
+          <a:bodyPr/>
+          <a:lstStyle/>
+          <a:p>
+            <a:fld id="{603E23E5-3609-43E5-8DC9-3CC5799A9D7E}" type="slidenum">
+              <a:rPr lang="en-US" smtClean="0"/>
+              <a:t>6</a:t>
+            </a:fld>
+            <a:endParaRPr lang="en-US"/>
+          </a:p>
+        </p:txBody>
+      </p:sp>
+    </p:spTree>
+    <p:extLst>
+      <p:ext uri="{BB962C8B-B14F-4D97-AF65-F5344CB8AC3E}">
+        <p14:creationId xmlns:p14="http://schemas.microsoft.com/office/powerpoint/2010/main" val="3310262497"/>
+      </p:ext>
+    </p:extLst>
+  </p:cSld>
+  <p:clrMapOvr>
+    <a:masterClrMapping/>
+  </p:clrMapOvr>
+</p:notes>
+</file>
+
+<file path=ppt/notesSlides/notesSlide7.xml><?xml version="1.0" encoding="utf-8"?>
+<p:notes xmlns:a="http://schemas.openxmlformats.org/drawingml/2006/main" xmlns:r="http://schemas.openxmlformats.org/officeDocument/2006/relationships" xmlns:p="http://schemas.openxmlformats.org/presentationml/2006/main">
+  <p:cSld>
+    <p:spTree>
+      <p:nvGrpSpPr>
+        <p:cNvPr id="1" name=""/>
+        <p:cNvGrpSpPr/>
+        <p:nvPr/>
+      </p:nvGrpSpPr>
+      <p:grpSpPr>
+        <a:xfrm>
+          <a:off x="0" y="0"/>
+          <a:ext cx="0" cy="0"/>
+          <a:chOff x="0" y="0"/>
+          <a:chExt cx="0" cy="0"/>
+        </a:xfrm>
+      </p:grpSpPr>
+      <p:sp>
+        <p:nvSpPr>
+          <p:cNvPr id="2" name="Slide Image Placeholder 1"/>
+          <p:cNvSpPr>
+            <a:spLocks noGrp="1" noRot="1" noChangeAspect="1"/>
+          </p:cNvSpPr>
+          <p:nvPr>
+            <p:ph type="sldImg"/>
+          </p:nvPr>
+        </p:nvSpPr>
+        <p:spPr/>
+      </p:sp>
+      <p:sp>
+        <p:nvSpPr>
+          <p:cNvPr id="3" name="Notes Placeholder 2"/>
+          <p:cNvSpPr>
+            <a:spLocks noGrp="1"/>
+          </p:cNvSpPr>
+          <p:nvPr>
+            <p:ph type="body" idx="1"/>
+          </p:nvPr>
+        </p:nvSpPr>
+        <p:spPr/>
+        <p:txBody>
+          <a:bodyPr/>
+          <a:lstStyle/>
+          <a:p>
+            <a:r>
+              <a:rPr lang="en-US" dirty="0" smtClean="0"/>
+              <a:t>Branden 1 min</a:t>
+            </a:r>
+            <a:endParaRPr lang="en-US" dirty="0"/>
+          </a:p>
+        </p:txBody>
+      </p:sp>
+      <p:sp>
+        <p:nvSpPr>
+          <p:cNvPr id="4" name="Slide Number Placeholder 3"/>
+          <p:cNvSpPr>
+            <a:spLocks noGrp="1"/>
+          </p:cNvSpPr>
+          <p:nvPr>
+            <p:ph type="sldNum" sz="quarter" idx="10"/>
+          </p:nvPr>
+        </p:nvSpPr>
+        <p:spPr/>
+        <p:txBody>
+          <a:bodyPr/>
+          <a:lstStyle/>
+          <a:p>
+            <a:fld id="{603E23E5-3609-43E5-8DC9-3CC5799A9D7E}" type="slidenum">
+              <a:rPr lang="en-US" smtClean="0"/>
+              <a:t>7</a:t>
+            </a:fld>
+            <a:endParaRPr lang="en-US"/>
+          </a:p>
+        </p:txBody>
+      </p:sp>
+    </p:spTree>
+    <p:extLst>
+      <p:ext uri="{BB962C8B-B14F-4D97-AF65-F5344CB8AC3E}">
+        <p14:creationId xmlns:p14="http://schemas.microsoft.com/office/powerpoint/2010/main" val="1577036899"/>
+      </p:ext>
+    </p:extLst>
+  </p:cSld>
+  <p:clrMapOvr>
+    <a:masterClrMapping/>
+  </p:clrMapOvr>
+</p:notes>
+</file>
+
+<file path=ppt/notesSlides/notesSlide8.xml><?xml version="1.0" encoding="utf-8"?>
+<p:notes xmlns:a="http://schemas.openxmlformats.org/drawingml/2006/main" xmlns:r="http://schemas.openxmlformats.org/officeDocument/2006/relationships" xmlns:p="http://schemas.openxmlformats.org/presentationml/2006/main">
+  <p:cSld>
+    <p:spTree>
+      <p:nvGrpSpPr>
+        <p:cNvPr id="1" name=""/>
+        <p:cNvGrpSpPr/>
+        <p:nvPr/>
+      </p:nvGrpSpPr>
+      <p:grpSpPr>
+        <a:xfrm>
+          <a:off x="0" y="0"/>
+          <a:ext cx="0" cy="0"/>
+          <a:chOff x="0" y="0"/>
+          <a:chExt cx="0" cy="0"/>
+        </a:xfrm>
+      </p:grpSpPr>
+      <p:sp>
+        <p:nvSpPr>
+          <p:cNvPr id="2" name="Slide Image Placeholder 1"/>
+          <p:cNvSpPr>
+            <a:spLocks noGrp="1" noRot="1" noChangeAspect="1"/>
+          </p:cNvSpPr>
+          <p:nvPr>
+            <p:ph type="sldImg"/>
+          </p:nvPr>
+        </p:nvSpPr>
+        <p:spPr/>
+      </p:sp>
+      <p:sp>
+        <p:nvSpPr>
+          <p:cNvPr id="3" name="Notes Placeholder 2"/>
+          <p:cNvSpPr>
+            <a:spLocks noGrp="1"/>
+          </p:cNvSpPr>
+          <p:nvPr>
+            <p:ph type="body" idx="1"/>
+          </p:nvPr>
+        </p:nvSpPr>
+        <p:spPr/>
+        <p:txBody>
+          <a:bodyPr/>
+          <a:lstStyle/>
+          <a:p>
+            <a:r>
+              <a:rPr lang="en-US" dirty="0" smtClean="0"/>
+              <a:t>Branden 1 min</a:t>
+            </a:r>
+            <a:endParaRPr lang="en-US" dirty="0"/>
+          </a:p>
+        </p:txBody>
+      </p:sp>
+      <p:sp>
+        <p:nvSpPr>
+          <p:cNvPr id="4" name="Slide Number Placeholder 3"/>
+          <p:cNvSpPr>
+            <a:spLocks noGrp="1"/>
+          </p:cNvSpPr>
+          <p:nvPr>
+            <p:ph type="sldNum" sz="quarter" idx="10"/>
+          </p:nvPr>
+        </p:nvSpPr>
+        <p:spPr/>
+        <p:txBody>
+          <a:bodyPr/>
+          <a:lstStyle/>
+          <a:p>
+            <a:fld id="{603E23E5-3609-43E5-8DC9-3CC5799A9D7E}" type="slidenum">
+              <a:rPr lang="en-US" smtClean="0"/>
+              <a:t>8</a:t>
+            </a:fld>
+            <a:endParaRPr lang="en-US"/>
+          </a:p>
+        </p:txBody>
+      </p:sp>
+    </p:spTree>
+    <p:extLst>
+      <p:ext uri="{BB962C8B-B14F-4D97-AF65-F5344CB8AC3E}">
+        <p14:creationId xmlns:p14="http://schemas.microsoft.com/office/powerpoint/2010/main" val="3547922150"/>
+      </p:ext>
+    </p:extLst>
+  </p:cSld>
+  <p:clrMapOvr>
+    <a:masterClrMapping/>
+  </p:clrMapOvr>
+</p:notes>
+</file>
+
+<file path=ppt/notesSlides/notesSlide9.xml><?xml version="1.0" encoding="utf-8"?>
+<p:notes xmlns:a="http://schemas.openxmlformats.org/drawingml/2006/main" xmlns:r="http://schemas.openxmlformats.org/officeDocument/2006/relationships" xmlns:p="http://schemas.openxmlformats.org/presentationml/2006/main">
+  <p:cSld>
+    <p:spTree>
+      <p:nvGrpSpPr>
+        <p:cNvPr id="1" name=""/>
+        <p:cNvGrpSpPr/>
+        <p:nvPr/>
+      </p:nvGrpSpPr>
+      <p:grpSpPr>
+        <a:xfrm>
+          <a:off x="0" y="0"/>
+          <a:ext cx="0" cy="0"/>
+          <a:chOff x="0" y="0"/>
+          <a:chExt cx="0" cy="0"/>
+        </a:xfrm>
+      </p:grpSpPr>
+      <p:sp>
+        <p:nvSpPr>
+          <p:cNvPr id="2" name="Slide Image Placeholder 1"/>
+          <p:cNvSpPr>
+            <a:spLocks noGrp="1" noRot="1" noChangeAspect="1"/>
+          </p:cNvSpPr>
+          <p:nvPr>
+            <p:ph type="sldImg"/>
+          </p:nvPr>
+        </p:nvSpPr>
+        <p:spPr/>
+      </p:sp>
+      <p:sp>
+        <p:nvSpPr>
+          <p:cNvPr id="3" name="Notes Placeholder 2"/>
+          <p:cNvSpPr>
+            <a:spLocks noGrp="1"/>
+          </p:cNvSpPr>
+          <p:nvPr>
+            <p:ph type="body" idx="1"/>
+          </p:nvPr>
+        </p:nvSpPr>
+        <p:spPr/>
+        <p:txBody>
+          <a:bodyPr/>
+          <a:lstStyle/>
+          <a:p>
+            <a:r>
+              <a:rPr lang="en-US" dirty="0" smtClean="0"/>
+              <a:t>Noah 3 min</a:t>
+            </a:r>
+            <a:endParaRPr lang="en-US" dirty="0"/>
+          </a:p>
+        </p:txBody>
+      </p:sp>
+      <p:sp>
+        <p:nvSpPr>
+          <p:cNvPr id="4" name="Slide Number Placeholder 3"/>
+          <p:cNvSpPr>
+            <a:spLocks noGrp="1"/>
+          </p:cNvSpPr>
+          <p:nvPr>
+            <p:ph type="sldNum" sz="quarter" idx="10"/>
+          </p:nvPr>
+        </p:nvSpPr>
+        <p:spPr/>
+        <p:txBody>
+          <a:bodyPr/>
+          <a:lstStyle/>
+          <a:p>
+            <a:fld id="{603E23E5-3609-43E5-8DC9-3CC5799A9D7E}" type="slidenum">
+              <a:rPr lang="en-US" smtClean="0"/>
+              <a:t>9</a:t>
+            </a:fld>
+            <a:endParaRPr lang="en-US"/>
+          </a:p>
+        </p:txBody>
+      </p:sp>
+    </p:spTree>
+    <p:extLst>
+      <p:ext uri="{BB962C8B-B14F-4D97-AF65-F5344CB8AC3E}">
+        <p14:creationId xmlns:p14="http://schemas.microsoft.com/office/powerpoint/2010/main" val="3608261679"/>
+      </p:ext>
+    </p:extLst>
+  </p:cSld>
+  <p:clrMapOvr>
+    <a:masterClrMapping/>
+  </p:clrMapOvr>
+</p:notes>
 </file>
 
 <file path=ppt/slideLayouts/slideLayout1.xml><?xml version="1.0" encoding="utf-8"?>
@@ -3440,7 +4773,7 @@
           <p:nvPr/>
         </p:nvPicPr>
         <p:blipFill>
-          <a:blip r:embed="rId2">
+          <a:blip r:embed="rId3">
             <a:extLst>
               <a:ext uri="{28A0092B-C50C-407E-A947-70E740481C1C}">
                 <a14:useLocalDpi xmlns:a14="http://schemas.microsoft.com/office/drawing/2010/main" val="0"/>
@@ -3532,7 +4865,11 @@
             <a:pPr algn="ctr"/>
             <a:r>
               <a:rPr lang="en-US" sz="2800" dirty="0" smtClean="0"/>
-              <a:t>Noah Erickson</a:t>
+              <a:t>Noah </a:t>
+            </a:r>
+            <a:r>
+              <a:rPr lang="en-US" sz="2800" dirty="0" smtClean="0"/>
+              <a:t>Erickson</a:t>
             </a:r>
             <a:endParaRPr lang="en-US" sz="2800" dirty="0"/>
           </a:p>
@@ -3573,6 +4910,36 @@
           </a:fontRef>
         </p:style>
       </p:cxnSp>
+      <p:sp>
+        <p:nvSpPr>
+          <p:cNvPr id="2" name="TextBox 1"/>
+          <p:cNvSpPr txBox="1"/>
+          <p:nvPr/>
+        </p:nvSpPr>
+        <p:spPr>
+          <a:xfrm>
+            <a:off x="3505200" y="5738809"/>
+            <a:ext cx="2590800" cy="646331"/>
+          </a:xfrm>
+          <a:prstGeom prst="rect">
+            <a:avLst/>
+          </a:prstGeom>
+          <a:noFill/>
+        </p:spPr>
+        <p:txBody>
+          <a:bodyPr wrap="square" rtlCol="0">
+            <a:spAutoFit/>
+          </a:bodyPr>
+          <a:lstStyle/>
+          <a:p>
+            <a:r>
+              <a:rPr lang="en-US" sz="3600" dirty="0" smtClean="0"/>
+              <a:t>Team T04</a:t>
+            </a:r>
+            <a:endParaRPr lang="en-US" sz="3600" dirty="0"/>
+          </a:p>
+        </p:txBody>
+      </p:sp>
     </p:spTree>
     <p:extLst>
       <p:ext uri="{BB962C8B-B14F-4D97-AF65-F5344CB8AC3E}">
@@ -3643,7 +5010,7 @@
           <p:nvPr/>
         </p:nvPicPr>
         <p:blipFill>
-          <a:blip r:embed="rId2" cstate="print">
+          <a:blip r:embed="rId3" cstate="print">
             <a:extLst>
               <a:ext uri="{28A0092B-C50C-407E-A947-70E740481C1C}">
                 <a14:useLocalDpi xmlns:a14="http://schemas.microsoft.com/office/drawing/2010/main" val="0"/>
@@ -3712,14 +5079,77 @@
       </p:cxnSp>
       <p:sp>
         <p:nvSpPr>
-          <p:cNvPr id="2" name="TextBox 1"/>
+          <p:cNvPr id="2" name="Rectangle 2"/>
+          <p:cNvSpPr>
+            <a:spLocks noChangeArrowheads="1"/>
+          </p:cNvSpPr>
+          <p:nvPr/>
+        </p:nvSpPr>
+        <p:spPr bwMode="auto">
+          <a:xfrm>
+            <a:off x="1524000" y="146050"/>
+            <a:ext cx="8414724" cy="0"/>
+          </a:xfrm>
+          <a:prstGeom prst="rect">
+            <a:avLst/>
+          </a:prstGeom>
+          <a:noFill/>
+          <a:ln>
+            <a:noFill/>
+          </a:ln>
+          <a:effectLst/>
+          <a:extLst>
+            <a:ext uri="{909E8E84-426E-40DD-AFC4-6F175D3DCCD1}">
+              <a14:hiddenFill xmlns:a14="http://schemas.microsoft.com/office/drawing/2010/main">
+                <a:solidFill>
+                  <a:schemeClr val="accent1"/>
+                </a:solidFill>
+              </a14:hiddenFill>
+            </a:ext>
+            <a:ext uri="{91240B29-F687-4F45-9708-019B960494DF}">
+              <a14:hiddenLine xmlns:a14="http://schemas.microsoft.com/office/drawing/2010/main" w="9525">
+                <a:solidFill>
+                  <a:schemeClr val="tx1"/>
+                </a:solidFill>
+                <a:miter lim="800000"/>
+                <a:headEnd/>
+                <a:tailEnd/>
+              </a14:hiddenLine>
+            </a:ext>
+            <a:ext uri="{AF507438-7753-43E0-B8FC-AC1667EBCBE1}">
+              <a14:hiddenEffects xmlns:a14="http://schemas.microsoft.com/office/drawing/2010/main">
+                <a:effectLst>
+                  <a:outerShdw dist="35921" dir="2700000" algn="ctr" rotWithShape="0">
+                    <a:schemeClr val="bg2"/>
+                  </a:outerShdw>
+                </a:effectLst>
+              </a14:hiddenEffects>
+            </a:ext>
+          </a:extLst>
+        </p:spPr>
+        <p:txBody>
+          <a:bodyPr vert="horz" wrap="square" lIns="91440" tIns="45720" rIns="91440" bIns="45720" numCol="1" anchor="ctr" anchorCtr="0" compatLnSpc="1">
+            <a:prstTxWarp prst="textNoShape">
+              <a:avLst/>
+            </a:prstTxWarp>
+            <a:spAutoFit/>
+          </a:bodyPr>
+          <a:lstStyle/>
+          <a:p>
+            <a:endParaRPr lang="en-US"/>
+          </a:p>
+        </p:txBody>
+      </p:sp>
+      <p:sp>
+        <p:nvSpPr>
+          <p:cNvPr id="4" name="TextBox 3"/>
           <p:cNvSpPr txBox="1"/>
           <p:nvPr/>
         </p:nvSpPr>
         <p:spPr>
           <a:xfrm>
-            <a:off x="914400" y="1143000"/>
-            <a:ext cx="7772400" cy="6278642"/>
+            <a:off x="685800" y="1066800"/>
+            <a:ext cx="7543800" cy="4524315"/>
           </a:xfrm>
           <a:prstGeom prst="rect">
             <a:avLst/>
@@ -3733,171 +5163,157 @@
           <a:lstStyle/>
           <a:p>
             <a:r>
-              <a:rPr lang="en-US" sz="2400" u="sng" dirty="0" smtClean="0"/>
-              <a:t>PCB Module Testing</a:t>
-            </a:r>
-            <a:r>
-              <a:rPr lang="en-US" u="sng" dirty="0" smtClean="0"/>
-              <a:t>:</a:t>
-            </a:r>
-          </a:p>
-          <a:p>
-            <a:endParaRPr lang="en-US" u="sng" dirty="0"/>
-          </a:p>
-          <a:p>
-            <a:pPr marL="285750" indent="-285750">
-              <a:buFont typeface="Arial" panose="020B0604020202020204" pitchFamily="34" charset="0"/>
-              <a:buChar char="•"/>
-            </a:pPr>
+              <a:rPr lang="en-US" sz="2400" dirty="0"/>
+              <a:t>While </a:t>
+            </a:r>
+            <a:r>
+              <a:rPr lang="en-US" sz="2400" dirty="0" smtClean="0"/>
+              <a:t>device is </a:t>
+            </a:r>
+            <a:r>
+              <a:rPr lang="en-US" sz="2400" dirty="0"/>
+              <a:t>powered:</a:t>
+            </a:r>
+          </a:p>
+          <a:p>
+            <a:r>
+              <a:rPr lang="en-US" sz="2400" dirty="0" smtClean="0"/>
+              <a:t>	Trigger </a:t>
+            </a:r>
+            <a:r>
+              <a:rPr lang="en-US" sz="2400" dirty="0"/>
+              <a:t>Left Sensor, wait for echo signal</a:t>
+            </a:r>
+          </a:p>
+          <a:p>
+            <a:r>
+              <a:rPr lang="en-US" sz="2400" dirty="0" smtClean="0"/>
+              <a:t>	Calculate </a:t>
+            </a:r>
+            <a:r>
+              <a:rPr lang="en-US" sz="2400" dirty="0"/>
+              <a:t>left distance with echo signal</a:t>
+            </a:r>
+          </a:p>
+          <a:p>
+            <a:r>
+              <a:rPr lang="en-US" sz="2400" dirty="0" smtClean="0"/>
+              <a:t>	Trigger </a:t>
+            </a:r>
+            <a:r>
+              <a:rPr lang="en-US" sz="2400" dirty="0"/>
+              <a:t>Right Sensor, wait for echo signal</a:t>
+            </a:r>
+          </a:p>
+          <a:p>
+            <a:r>
+              <a:rPr lang="en-US" sz="2400" dirty="0" smtClean="0"/>
+              <a:t>	Calculate </a:t>
+            </a:r>
+            <a:r>
+              <a:rPr lang="en-US" sz="2400" dirty="0"/>
+              <a:t>right distance with echo signal</a:t>
+            </a:r>
+          </a:p>
+          <a:p>
+            <a:r>
+              <a:rPr lang="en-US" sz="2400" dirty="0" smtClean="0"/>
+              <a:t>	Trigger </a:t>
+            </a:r>
+            <a:r>
+              <a:rPr lang="en-US" sz="2400" dirty="0"/>
+              <a:t>rear Sensor, wait for echo signal</a:t>
+            </a:r>
+          </a:p>
+          <a:p>
+            <a:r>
+              <a:rPr lang="en-US" sz="2400" dirty="0" smtClean="0"/>
+              <a:t>	Calculate </a:t>
+            </a:r>
+            <a:r>
+              <a:rPr lang="en-US" sz="2400" dirty="0"/>
+              <a:t>rear distance with echo signal</a:t>
+            </a:r>
+          </a:p>
+          <a:p>
+            <a:r>
+              <a:rPr lang="en-US" sz="2400" dirty="0" smtClean="0"/>
+              <a:t>	Send </a:t>
+            </a:r>
+            <a:r>
+              <a:rPr lang="en-US" sz="2400" dirty="0"/>
+              <a:t>all reset codes to MUX</a:t>
+            </a:r>
+          </a:p>
+          <a:p>
+            <a:r>
+              <a:rPr lang="en-US" sz="2400" dirty="0" smtClean="0"/>
+              <a:t>	Send </a:t>
+            </a:r>
+            <a:r>
+              <a:rPr lang="en-US" sz="2400" dirty="0"/>
+              <a:t>left LED array codes by distance calculated</a:t>
+            </a:r>
+          </a:p>
+          <a:p>
+            <a:r>
+              <a:rPr lang="en-US" sz="2400" dirty="0" smtClean="0"/>
+              <a:t>	Send </a:t>
+            </a:r>
+            <a:r>
+              <a:rPr lang="en-US" sz="2400" dirty="0"/>
+              <a:t>right LED array codes by distance calculated</a:t>
+            </a:r>
+          </a:p>
+          <a:p>
+            <a:r>
+              <a:rPr lang="en-US" sz="2400" dirty="0" smtClean="0"/>
+              <a:t>	Send </a:t>
+            </a:r>
+            <a:r>
+              <a:rPr lang="en-US" sz="2400" dirty="0"/>
+              <a:t>rear LED array codes by distance calculated</a:t>
+            </a:r>
+          </a:p>
+          <a:p>
+            <a:endParaRPr lang="en-US" sz="2400" dirty="0"/>
+          </a:p>
+        </p:txBody>
+      </p:sp>
+      <p:sp>
+        <p:nvSpPr>
+          <p:cNvPr id="6" name="TextBox 5"/>
+          <p:cNvSpPr txBox="1"/>
+          <p:nvPr/>
+        </p:nvSpPr>
+        <p:spPr>
+          <a:xfrm>
+            <a:off x="914400" y="304800"/>
+            <a:ext cx="1705019" cy="369332"/>
+          </a:xfrm>
+          <a:prstGeom prst="rect">
+            <a:avLst/>
+          </a:prstGeom>
+          <a:noFill/>
+        </p:spPr>
+        <p:txBody>
+          <a:bodyPr wrap="none" rtlCol="0">
+            <a:spAutoFit/>
+          </a:bodyPr>
+          <a:lstStyle/>
+          <a:p>
             <a:r>
               <a:rPr lang="en-US" dirty="0" smtClean="0"/>
-              <a:t>System consists of three separate boards, each with its own testing plan.</a:t>
-            </a:r>
-          </a:p>
-          <a:p>
-            <a:pPr lvl="1"/>
-            <a:endParaRPr lang="en-US" dirty="0" smtClean="0"/>
-          </a:p>
-          <a:p>
-            <a:pPr marL="742950" lvl="1" indent="-285750">
-              <a:buFont typeface="Arial" panose="020B0604020202020204" pitchFamily="34" charset="0"/>
-              <a:buChar char="•"/>
-            </a:pPr>
-            <a:r>
-              <a:rPr lang="en-US" dirty="0" smtClean="0"/>
-              <a:t>Display Board</a:t>
-            </a:r>
-          </a:p>
-          <a:p>
-            <a:pPr marL="1200150" lvl="2" indent="-285750">
-              <a:buFont typeface="Arial" panose="020B0604020202020204" pitchFamily="34" charset="0"/>
-              <a:buChar char="•"/>
-            </a:pPr>
-            <a:r>
-              <a:rPr lang="en-US" dirty="0" smtClean="0"/>
-              <a:t>Voltage and current checks on full power.</a:t>
-            </a:r>
-          </a:p>
-          <a:p>
-            <a:pPr marL="1200150" lvl="2" indent="-285750">
-              <a:buFont typeface="Arial" panose="020B0604020202020204" pitchFamily="34" charset="0"/>
-              <a:buChar char="•"/>
-            </a:pPr>
-            <a:r>
-              <a:rPr lang="en-US" dirty="0" smtClean="0"/>
-              <a:t>Pin by pin check of latches with Mux disabled.</a:t>
-            </a:r>
-          </a:p>
-          <a:p>
-            <a:pPr lvl="2"/>
+              <a:t>Code Algorithm</a:t>
+            </a:r>
             <a:endParaRPr lang="en-US" dirty="0"/>
-          </a:p>
-          <a:p>
-            <a:pPr marL="742950" lvl="1" indent="-285750">
-              <a:buFont typeface="Arial" panose="020B0604020202020204" pitchFamily="34" charset="0"/>
-              <a:buChar char="•"/>
-            </a:pPr>
-            <a:r>
-              <a:rPr lang="en-US" dirty="0" smtClean="0"/>
-              <a:t>Processor Board</a:t>
-            </a:r>
-          </a:p>
-          <a:p>
-            <a:pPr marL="1200150" lvl="2" indent="-285750">
-              <a:buFont typeface="Arial" panose="020B0604020202020204" pitchFamily="34" charset="0"/>
-              <a:buChar char="•"/>
-            </a:pPr>
-            <a:r>
-              <a:rPr lang="en-US" dirty="0" smtClean="0"/>
-              <a:t>Voltage check for power supply.</a:t>
-            </a:r>
-          </a:p>
-          <a:p>
-            <a:pPr marL="1200150" lvl="2" indent="-285750">
-              <a:buFont typeface="Arial" panose="020B0604020202020204" pitchFamily="34" charset="0"/>
-              <a:buChar char="•"/>
-            </a:pPr>
-            <a:r>
-              <a:rPr lang="en-US" dirty="0" smtClean="0"/>
-              <a:t>Simple “Blink” output using serial pin loader. </a:t>
-            </a:r>
-          </a:p>
-          <a:p>
-            <a:pPr marL="1200150" lvl="2" indent="-285750">
-              <a:buFont typeface="Arial" panose="020B0604020202020204" pitchFamily="34" charset="0"/>
-              <a:buChar char="•"/>
-            </a:pPr>
-            <a:endParaRPr lang="en-US" dirty="0" smtClean="0"/>
-          </a:p>
-          <a:p>
-            <a:pPr marL="742950" lvl="1" indent="-285750">
-              <a:buFont typeface="Arial" panose="020B0604020202020204" pitchFamily="34" charset="0"/>
-              <a:buChar char="•"/>
-            </a:pPr>
-            <a:r>
-              <a:rPr lang="en-US" dirty="0" smtClean="0"/>
-              <a:t>Sensor Breakout</a:t>
-            </a:r>
-            <a:endParaRPr lang="en-US" dirty="0"/>
-          </a:p>
-          <a:p>
-            <a:pPr marL="1200150" lvl="2" indent="-285750">
-              <a:buFont typeface="Arial" panose="020B0604020202020204" pitchFamily="34" charset="0"/>
-              <a:buChar char="•"/>
-            </a:pPr>
-            <a:r>
-              <a:rPr lang="en-US" dirty="0" smtClean="0"/>
-              <a:t>Tested each sensor using Arduino Uno.</a:t>
-            </a:r>
-          </a:p>
-          <a:p>
-            <a:pPr marL="1200150" lvl="2" indent="-285750">
-              <a:buFont typeface="Arial" panose="020B0604020202020204" pitchFamily="34" charset="0"/>
-              <a:buChar char="•"/>
-            </a:pPr>
-            <a:r>
-              <a:rPr lang="en-US" dirty="0" smtClean="0"/>
-              <a:t>Verified  pin continuity once assembled.</a:t>
-            </a:r>
-          </a:p>
-          <a:p>
-            <a:pPr marL="285750" indent="-285750">
-              <a:buFont typeface="Arial" panose="020B0604020202020204" pitchFamily="34" charset="0"/>
-              <a:buChar char="•"/>
-            </a:pPr>
-            <a:endParaRPr lang="en-US" dirty="0"/>
-          </a:p>
-          <a:p>
-            <a:r>
-              <a:rPr lang="en-US" dirty="0" smtClean="0"/>
-              <a:t> </a:t>
-            </a:r>
-          </a:p>
-          <a:p>
-            <a:pPr marL="285750" indent="-285750">
-              <a:buFont typeface="Arial" panose="020B0604020202020204" pitchFamily="34" charset="0"/>
-              <a:buChar char="•"/>
-            </a:pPr>
-            <a:endParaRPr lang="en-US" dirty="0" smtClean="0"/>
-          </a:p>
-          <a:p>
-            <a:endParaRPr lang="en-US" u="sng" dirty="0"/>
-          </a:p>
-          <a:p>
-            <a:endParaRPr lang="en-US" dirty="0" smtClean="0"/>
-          </a:p>
-          <a:p>
-            <a:endParaRPr lang="en-US" u="sng" dirty="0"/>
-          </a:p>
-          <a:p>
-            <a:endParaRPr lang="en-US" u="sng" dirty="0"/>
           </a:p>
         </p:txBody>
       </p:sp>
     </p:spTree>
     <p:extLst>
       <p:ext uri="{BB962C8B-B14F-4D97-AF65-F5344CB8AC3E}">
-        <p14:creationId xmlns:p14="http://schemas.microsoft.com/office/powerpoint/2010/main" val="1583150724"/>
+        <p14:creationId xmlns:p14="http://schemas.microsoft.com/office/powerpoint/2010/main" val="1605659540"/>
       </p:ext>
     </p:extLst>
   </p:cSld>
@@ -3964,7 +5380,7 @@
           <p:nvPr/>
         </p:nvPicPr>
         <p:blipFill>
-          <a:blip r:embed="rId2" cstate="print">
+          <a:blip r:embed="rId3" cstate="print">
             <a:extLst>
               <a:ext uri="{28A0092B-C50C-407E-A947-70E740481C1C}">
                 <a14:useLocalDpi xmlns:a14="http://schemas.microsoft.com/office/drawing/2010/main" val="0"/>
@@ -4039,8 +5455,8 @@
         </p:nvSpPr>
         <p:spPr>
           <a:xfrm>
-            <a:off x="533398" y="1371600"/>
-            <a:ext cx="8153402" cy="4616648"/>
+            <a:off x="914400" y="1143000"/>
+            <a:ext cx="7772400" cy="6278642"/>
           </a:xfrm>
           <a:prstGeom prst="rect">
             <a:avLst/>
@@ -4055,15 +5471,15 @@
           <a:p>
             <a:r>
               <a:rPr lang="en-US" sz="2400" u="sng" dirty="0" smtClean="0"/>
-              <a:t>Integration </a:t>
-            </a:r>
-            <a:r>
-              <a:rPr lang="en-US" sz="2400" u="sng" dirty="0"/>
-              <a:t>Testing:</a:t>
-            </a:r>
-          </a:p>
-          <a:p>
-            <a:endParaRPr lang="en-US" dirty="0"/>
+              <a:t>PCB Module Testing</a:t>
+            </a:r>
+            <a:r>
+              <a:rPr lang="en-US" u="sng" dirty="0" smtClean="0"/>
+              <a:t>:</a:t>
+            </a:r>
+          </a:p>
+          <a:p>
+            <a:endParaRPr lang="en-US" u="sng" dirty="0"/>
           </a:p>
           <a:p>
             <a:pPr marL="285750" indent="-285750">
@@ -4071,16 +5487,114 @@
               <a:buChar char="•"/>
             </a:pPr>
             <a:r>
-              <a:rPr lang="en-US" sz="2400" dirty="0" smtClean="0"/>
-              <a:t>Two </a:t>
-            </a:r>
-            <a:r>
-              <a:rPr lang="en-US" sz="2400" dirty="0"/>
-              <a:t>integration tests for the devices were completed before uploading the final </a:t>
-            </a:r>
-            <a:r>
-              <a:rPr lang="en-US" sz="2400" dirty="0" smtClean="0"/>
-              <a:t>code.</a:t>
+              <a:rPr lang="en-US" dirty="0" smtClean="0"/>
+              <a:t>System consists of three separate boards, each with its own testing plan.</a:t>
+            </a:r>
+          </a:p>
+          <a:p>
+            <a:pPr lvl="1"/>
+            <a:endParaRPr lang="en-US" dirty="0" smtClean="0"/>
+          </a:p>
+          <a:p>
+            <a:pPr marL="742950" lvl="1" indent="-285750">
+              <a:buFont typeface="Arial" panose="020B0604020202020204" pitchFamily="34" charset="0"/>
+              <a:buChar char="•"/>
+            </a:pPr>
+            <a:r>
+              <a:rPr lang="en-US" dirty="0" smtClean="0"/>
+              <a:t>Display Board</a:t>
+            </a:r>
+          </a:p>
+          <a:p>
+            <a:pPr marL="1200150" lvl="2" indent="-285750">
+              <a:buFont typeface="Arial" panose="020B0604020202020204" pitchFamily="34" charset="0"/>
+              <a:buChar char="•"/>
+            </a:pPr>
+            <a:r>
+              <a:rPr lang="en-US" dirty="0" smtClean="0"/>
+              <a:t>Voltage and current checks on full power.</a:t>
+            </a:r>
+          </a:p>
+          <a:p>
+            <a:pPr marL="1200150" lvl="2" indent="-285750">
+              <a:buFont typeface="Arial" panose="020B0604020202020204" pitchFamily="34" charset="0"/>
+              <a:buChar char="•"/>
+            </a:pPr>
+            <a:r>
+              <a:rPr lang="en-US" dirty="0" smtClean="0"/>
+              <a:t>Pin by pin check of latches with Mux disabled.</a:t>
+            </a:r>
+          </a:p>
+          <a:p>
+            <a:pPr lvl="2"/>
+            <a:endParaRPr lang="en-US" dirty="0"/>
+          </a:p>
+          <a:p>
+            <a:pPr marL="742950" lvl="1" indent="-285750">
+              <a:buFont typeface="Arial" panose="020B0604020202020204" pitchFamily="34" charset="0"/>
+              <a:buChar char="•"/>
+            </a:pPr>
+            <a:r>
+              <a:rPr lang="en-US" dirty="0" smtClean="0"/>
+              <a:t>Processor Board</a:t>
+            </a:r>
+          </a:p>
+          <a:p>
+            <a:pPr marL="1200150" lvl="2" indent="-285750">
+              <a:buFont typeface="Arial" panose="020B0604020202020204" pitchFamily="34" charset="0"/>
+              <a:buChar char="•"/>
+            </a:pPr>
+            <a:r>
+              <a:rPr lang="en-US" dirty="0" smtClean="0"/>
+              <a:t>Voltage check for power supply.</a:t>
+            </a:r>
+          </a:p>
+          <a:p>
+            <a:pPr marL="1200150" lvl="2" indent="-285750">
+              <a:buFont typeface="Arial" panose="020B0604020202020204" pitchFamily="34" charset="0"/>
+              <a:buChar char="•"/>
+            </a:pPr>
+            <a:r>
+              <a:rPr lang="en-US" dirty="0" smtClean="0"/>
+              <a:t>Simple “Blink” output using serial pin loader. </a:t>
+            </a:r>
+          </a:p>
+          <a:p>
+            <a:pPr marL="1200150" lvl="2" indent="-285750">
+              <a:buFont typeface="Arial" panose="020B0604020202020204" pitchFamily="34" charset="0"/>
+              <a:buChar char="•"/>
+            </a:pPr>
+            <a:endParaRPr lang="en-US" dirty="0" smtClean="0"/>
+          </a:p>
+          <a:p>
+            <a:pPr marL="742950" lvl="1" indent="-285750">
+              <a:buFont typeface="Arial" panose="020B0604020202020204" pitchFamily="34" charset="0"/>
+              <a:buChar char="•"/>
+            </a:pPr>
+            <a:r>
+              <a:rPr lang="en-US" dirty="0" smtClean="0"/>
+              <a:t>Sensor Breakout</a:t>
+            </a:r>
+            <a:endParaRPr lang="en-US" dirty="0"/>
+          </a:p>
+          <a:p>
+            <a:pPr marL="1200150" lvl="2" indent="-285750">
+              <a:buFont typeface="Arial" panose="020B0604020202020204" pitchFamily="34" charset="0"/>
+              <a:buChar char="•"/>
+            </a:pPr>
+            <a:r>
+              <a:rPr lang="en-US" dirty="0" smtClean="0"/>
+              <a:t>Tested each sensor using Arduino Uno.</a:t>
+            </a:r>
+          </a:p>
+          <a:p>
+            <a:pPr marL="1200150" lvl="2" indent="-285750">
+              <a:buFont typeface="Arial" panose="020B0604020202020204" pitchFamily="34" charset="0"/>
+              <a:buChar char="•"/>
+            </a:pPr>
+            <a:r>
+              <a:rPr lang="en-US" dirty="0" smtClean="0"/>
+              <a:t>Verified  pin continuity once assembled.</a:t>
             </a:r>
           </a:p>
           <a:p>
@@ -4088,16 +5602,12 @@
               <a:buFont typeface="Arial" panose="020B0604020202020204" pitchFamily="34" charset="0"/>
               <a:buChar char="•"/>
             </a:pPr>
-            <a:endParaRPr lang="en-US" sz="2400" dirty="0"/>
-          </a:p>
-          <a:p>
-            <a:pPr marL="742950" lvl="1" indent="-285750">
-              <a:buFont typeface="Arial" panose="020B0604020202020204" pitchFamily="34" charset="0"/>
-              <a:buChar char="•"/>
-            </a:pPr>
-            <a:r>
-              <a:rPr lang="en-US" sz="2400" dirty="0" smtClean="0"/>
-              <a:t>Integration Test One: Step through all possible input codes from processor board to Display.</a:t>
+            <a:endParaRPr lang="en-US" dirty="0"/>
+          </a:p>
+          <a:p>
+            <a:r>
+              <a:rPr lang="en-US" dirty="0" smtClean="0"/>
+              <a:t> </a:t>
             </a:r>
           </a:p>
           <a:p>
@@ -4105,37 +5615,26 @@
               <a:buFont typeface="Arial" panose="020B0604020202020204" pitchFamily="34" charset="0"/>
               <a:buChar char="•"/>
             </a:pPr>
-            <a:endParaRPr lang="en-US" sz="2400" dirty="0"/>
-          </a:p>
-          <a:p>
-            <a:pPr marL="742950" lvl="1" indent="-285750">
-              <a:buFont typeface="Arial" panose="020B0604020202020204" pitchFamily="34" charset="0"/>
-              <a:buChar char="•"/>
-            </a:pPr>
-            <a:r>
-              <a:rPr lang="en-US" sz="2400" dirty="0" smtClean="0"/>
-              <a:t>Integration Test Two: Connect sensor boards to processor and run the short distance detection code.</a:t>
-            </a:r>
-          </a:p>
-          <a:p>
-            <a:pPr marL="285750" indent="-285750">
-              <a:buFont typeface="Arial" panose="020B0604020202020204" pitchFamily="34" charset="0"/>
-              <a:buChar char="•"/>
-            </a:pPr>
-            <a:endParaRPr lang="en-US" sz="2400" dirty="0"/>
-          </a:p>
-          <a:p>
-            <a:endParaRPr lang="en-US" dirty="0"/>
-          </a:p>
-          <a:p>
-            <a:endParaRPr lang="en-US" dirty="0"/>
+            <a:endParaRPr lang="en-US" dirty="0" smtClean="0"/>
+          </a:p>
+          <a:p>
+            <a:endParaRPr lang="en-US" u="sng" dirty="0"/>
+          </a:p>
+          <a:p>
+            <a:endParaRPr lang="en-US" dirty="0" smtClean="0"/>
+          </a:p>
+          <a:p>
+            <a:endParaRPr lang="en-US" u="sng" dirty="0"/>
+          </a:p>
+          <a:p>
+            <a:endParaRPr lang="en-US" u="sng" dirty="0"/>
           </a:p>
         </p:txBody>
       </p:sp>
     </p:spTree>
     <p:extLst>
       <p:ext uri="{BB962C8B-B14F-4D97-AF65-F5344CB8AC3E}">
-        <p14:creationId xmlns:p14="http://schemas.microsoft.com/office/powerpoint/2010/main" val="4216677911"/>
+        <p14:creationId xmlns:p14="http://schemas.microsoft.com/office/powerpoint/2010/main" val="1583150724"/>
       </p:ext>
     </p:extLst>
   </p:cSld>
@@ -4202,7 +5701,7 @@
           <p:nvPr/>
         </p:nvPicPr>
         <p:blipFill>
-          <a:blip r:embed="rId2" cstate="print">
+          <a:blip r:embed="rId3" cstate="print">
             <a:extLst>
               <a:ext uri="{28A0092B-C50C-407E-A947-70E740481C1C}">
                 <a14:useLocalDpi xmlns:a14="http://schemas.microsoft.com/office/drawing/2010/main" val="0"/>
@@ -4269,10 +5768,111 @@
           </a:fontRef>
         </p:style>
       </p:cxnSp>
+      <p:sp>
+        <p:nvSpPr>
+          <p:cNvPr id="2" name="TextBox 1"/>
+          <p:cNvSpPr txBox="1"/>
+          <p:nvPr/>
+        </p:nvSpPr>
+        <p:spPr>
+          <a:xfrm>
+            <a:off x="533398" y="1371600"/>
+            <a:ext cx="8153402" cy="4616648"/>
+          </a:xfrm>
+          <a:prstGeom prst="rect">
+            <a:avLst/>
+          </a:prstGeom>
+          <a:noFill/>
+        </p:spPr>
+        <p:txBody>
+          <a:bodyPr wrap="square" rtlCol="0">
+            <a:spAutoFit/>
+          </a:bodyPr>
+          <a:lstStyle/>
+          <a:p>
+            <a:r>
+              <a:rPr lang="en-US" sz="2400" u="sng" dirty="0" smtClean="0"/>
+              <a:t>Integration </a:t>
+            </a:r>
+            <a:r>
+              <a:rPr lang="en-US" sz="2400" u="sng" dirty="0"/>
+              <a:t>Testing:</a:t>
+            </a:r>
+          </a:p>
+          <a:p>
+            <a:endParaRPr lang="en-US" dirty="0"/>
+          </a:p>
+          <a:p>
+            <a:pPr marL="285750" indent="-285750">
+              <a:buFont typeface="Arial" panose="020B0604020202020204" pitchFamily="34" charset="0"/>
+              <a:buChar char="•"/>
+            </a:pPr>
+            <a:r>
+              <a:rPr lang="en-US" sz="2400" dirty="0" smtClean="0"/>
+              <a:t>Two </a:t>
+            </a:r>
+            <a:r>
+              <a:rPr lang="en-US" sz="2400" dirty="0"/>
+              <a:t>integration tests for the devices were completed before uploading the final </a:t>
+            </a:r>
+            <a:r>
+              <a:rPr lang="en-US" sz="2400" dirty="0" smtClean="0"/>
+              <a:t>code.</a:t>
+            </a:r>
+          </a:p>
+          <a:p>
+            <a:pPr marL="285750" indent="-285750">
+              <a:buFont typeface="Arial" panose="020B0604020202020204" pitchFamily="34" charset="0"/>
+              <a:buChar char="•"/>
+            </a:pPr>
+            <a:endParaRPr lang="en-US" sz="2400" dirty="0"/>
+          </a:p>
+          <a:p>
+            <a:pPr marL="742950" lvl="1" indent="-285750">
+              <a:buFont typeface="Arial" panose="020B0604020202020204" pitchFamily="34" charset="0"/>
+              <a:buChar char="•"/>
+            </a:pPr>
+            <a:r>
+              <a:rPr lang="en-US" sz="2400" dirty="0" smtClean="0"/>
+              <a:t>Integration Test One: Step through all possible input codes from processor board to Display.</a:t>
+            </a:r>
+          </a:p>
+          <a:p>
+            <a:pPr marL="285750" indent="-285750">
+              <a:buFont typeface="Arial" panose="020B0604020202020204" pitchFamily="34" charset="0"/>
+              <a:buChar char="•"/>
+            </a:pPr>
+            <a:endParaRPr lang="en-US" sz="2400" dirty="0"/>
+          </a:p>
+          <a:p>
+            <a:pPr marL="742950" lvl="1" indent="-285750">
+              <a:buFont typeface="Arial" panose="020B0604020202020204" pitchFamily="34" charset="0"/>
+              <a:buChar char="•"/>
+            </a:pPr>
+            <a:r>
+              <a:rPr lang="en-US" sz="2400" dirty="0" smtClean="0"/>
+              <a:t>Integration Test Two: Connect sensor boards to processor and run the short distance detection code.</a:t>
+            </a:r>
+          </a:p>
+          <a:p>
+            <a:pPr marL="285750" indent="-285750">
+              <a:buFont typeface="Arial" panose="020B0604020202020204" pitchFamily="34" charset="0"/>
+              <a:buChar char="•"/>
+            </a:pPr>
+            <a:endParaRPr lang="en-US" sz="2400" dirty="0"/>
+          </a:p>
+          <a:p>
+            <a:endParaRPr lang="en-US" dirty="0"/>
+          </a:p>
+          <a:p>
+            <a:endParaRPr lang="en-US" dirty="0"/>
+          </a:p>
+        </p:txBody>
+      </p:sp>
     </p:spTree>
     <p:extLst>
       <p:ext uri="{BB962C8B-B14F-4D97-AF65-F5344CB8AC3E}">
-        <p14:creationId xmlns:p14="http://schemas.microsoft.com/office/powerpoint/2010/main" val="3942031900"/>
+        <p14:creationId xmlns:p14="http://schemas.microsoft.com/office/powerpoint/2010/main" val="4216677911"/>
       </p:ext>
     </p:extLst>
   </p:cSld>
@@ -4339,7 +5939,7 @@
           <p:nvPr/>
         </p:nvPicPr>
         <p:blipFill>
-          <a:blip r:embed="rId2" cstate="print">
+          <a:blip r:embed="rId3" cstate="print">
             <a:extLst>
               <a:ext uri="{28A0092B-C50C-407E-A947-70E740481C1C}">
                 <a14:useLocalDpi xmlns:a14="http://schemas.microsoft.com/office/drawing/2010/main" val="0"/>
@@ -4406,10 +6006,96 @@
           </a:fontRef>
         </p:style>
       </p:cxnSp>
+      <p:sp>
+        <p:nvSpPr>
+          <p:cNvPr id="2" name="TextBox 1"/>
+          <p:cNvSpPr txBox="1"/>
+          <p:nvPr/>
+        </p:nvSpPr>
+        <p:spPr>
+          <a:xfrm>
+            <a:off x="533398" y="228342"/>
+            <a:ext cx="5486402" cy="461665"/>
+          </a:xfrm>
+          <a:prstGeom prst="rect">
+            <a:avLst/>
+          </a:prstGeom>
+          <a:noFill/>
+        </p:spPr>
+        <p:txBody>
+          <a:bodyPr wrap="square" rtlCol="0">
+            <a:spAutoFit/>
+          </a:bodyPr>
+          <a:lstStyle/>
+          <a:p>
+            <a:r>
+              <a:rPr lang="en-US" sz="2400" dirty="0" smtClean="0"/>
+              <a:t>Results</a:t>
+            </a:r>
+            <a:endParaRPr lang="en-US" sz="2400" dirty="0"/>
+          </a:p>
+        </p:txBody>
+      </p:sp>
+      <p:sp>
+        <p:nvSpPr>
+          <p:cNvPr id="3" name="TextBox 2"/>
+          <p:cNvSpPr txBox="1"/>
+          <p:nvPr/>
+        </p:nvSpPr>
+        <p:spPr>
+          <a:xfrm>
+            <a:off x="533398" y="990600"/>
+            <a:ext cx="7924802" cy="4832092"/>
+          </a:xfrm>
+          <a:prstGeom prst="rect">
+            <a:avLst/>
+          </a:prstGeom>
+          <a:noFill/>
+        </p:spPr>
+        <p:txBody>
+          <a:bodyPr wrap="square" rtlCol="0">
+            <a:spAutoFit/>
+          </a:bodyPr>
+          <a:lstStyle/>
+          <a:p>
+            <a:r>
+              <a:rPr lang="en-US" sz="2800" b="1" dirty="0" smtClean="0"/>
+              <a:t>NO MOD WIRES ON OUR LAYOUTS!</a:t>
+            </a:r>
+          </a:p>
+          <a:p>
+            <a:endParaRPr lang="en-US" sz="2800" b="1" dirty="0"/>
+          </a:p>
+          <a:p>
+            <a:r>
+              <a:rPr lang="en-US" sz="2800" dirty="0" smtClean="0"/>
+              <a:t>Some minor code modifications were made to iron timing when polling sensors. </a:t>
+            </a:r>
+          </a:p>
+          <a:p>
+            <a:endParaRPr lang="en-US" sz="2800" dirty="0"/>
+          </a:p>
+          <a:p>
+            <a:r>
+              <a:rPr lang="en-US" sz="2800" dirty="0" smtClean="0"/>
+              <a:t>Thorough testing procedures on the breadboard prototype helped us avoid any major failures with the final build.</a:t>
+            </a:r>
+          </a:p>
+          <a:p>
+            <a:endParaRPr lang="en-US" sz="2800" dirty="0"/>
+          </a:p>
+          <a:p>
+            <a:r>
+              <a:rPr lang="en-US" sz="2800" dirty="0" smtClean="0"/>
+              <a:t>Rusty did manage to put 1 amp through a latch (installed backwards) but it survived.</a:t>
+            </a:r>
+          </a:p>
+        </p:txBody>
+      </p:sp>
     </p:spTree>
     <p:extLst>
       <p:ext uri="{BB962C8B-B14F-4D97-AF65-F5344CB8AC3E}">
-        <p14:creationId xmlns:p14="http://schemas.microsoft.com/office/powerpoint/2010/main" val="2140353892"/>
+        <p14:creationId xmlns:p14="http://schemas.microsoft.com/office/powerpoint/2010/main" val="3942031900"/>
       </p:ext>
     </p:extLst>
   </p:cSld>
@@ -4476,7 +6162,7 @@
           <p:nvPr/>
         </p:nvPicPr>
         <p:blipFill>
-          <a:blip r:embed="rId2" cstate="print">
+          <a:blip r:embed="rId3" cstate="print">
             <a:extLst>
               <a:ext uri="{28A0092B-C50C-407E-A947-70E740481C1C}">
                 <a14:useLocalDpi xmlns:a14="http://schemas.microsoft.com/office/drawing/2010/main" val="0"/>
@@ -4543,6 +6229,120 @@
           </a:fontRef>
         </p:style>
       </p:cxnSp>
+      <p:sp>
+        <p:nvSpPr>
+          <p:cNvPr id="2" name="TextBox 1"/>
+          <p:cNvSpPr txBox="1"/>
+          <p:nvPr/>
+        </p:nvSpPr>
+        <p:spPr>
+          <a:xfrm>
+            <a:off x="533398" y="199181"/>
+            <a:ext cx="6019802" cy="369332"/>
+          </a:xfrm>
+          <a:prstGeom prst="rect">
+            <a:avLst/>
+          </a:prstGeom>
+          <a:noFill/>
+        </p:spPr>
+        <p:txBody>
+          <a:bodyPr wrap="square" rtlCol="0">
+            <a:spAutoFit/>
+          </a:bodyPr>
+          <a:lstStyle/>
+          <a:p>
+            <a:r>
+              <a:rPr lang="en-US" dirty="0" smtClean="0"/>
+              <a:t>Lessons Learned</a:t>
+            </a:r>
+            <a:endParaRPr lang="en-US" dirty="0"/>
+          </a:p>
+        </p:txBody>
+      </p:sp>
+      <p:sp>
+        <p:nvSpPr>
+          <p:cNvPr id="3" name="TextBox 2"/>
+          <p:cNvSpPr txBox="1"/>
+          <p:nvPr/>
+        </p:nvSpPr>
+        <p:spPr>
+          <a:xfrm>
+            <a:off x="533398" y="1066800"/>
+            <a:ext cx="7696202" cy="2677656"/>
+          </a:xfrm>
+          <a:prstGeom prst="rect">
+            <a:avLst/>
+          </a:prstGeom>
+          <a:noFill/>
+        </p:spPr>
+        <p:txBody>
+          <a:bodyPr wrap="square" rtlCol="0">
+            <a:spAutoFit/>
+          </a:bodyPr>
+          <a:lstStyle/>
+          <a:p>
+            <a:pPr marL="285750" indent="-285750">
+              <a:buFont typeface="Arial" panose="020B0604020202020204" pitchFamily="34" charset="0"/>
+              <a:buChar char="•"/>
+            </a:pPr>
+            <a:r>
+              <a:rPr lang="en-US" sz="2400" dirty="0" smtClean="0"/>
+              <a:t>Mark pin 1 on all ICs and connector headers on board layout</a:t>
+            </a:r>
+          </a:p>
+          <a:p>
+            <a:pPr marL="285750" indent="-285750">
+              <a:buFont typeface="Arial" panose="020B0604020202020204" pitchFamily="34" charset="0"/>
+              <a:buChar char="•"/>
+            </a:pPr>
+            <a:r>
+              <a:rPr lang="en-US" sz="2400" dirty="0" smtClean="0"/>
+              <a:t>Write project schedule before beginning project</a:t>
+            </a:r>
+          </a:p>
+          <a:p>
+            <a:pPr marL="285750" indent="-285750">
+              <a:buFont typeface="Arial" panose="020B0604020202020204" pitchFamily="34" charset="0"/>
+              <a:buChar char="•"/>
+            </a:pPr>
+            <a:r>
+              <a:rPr lang="en-US" sz="2400" dirty="0" smtClean="0"/>
+              <a:t>Breadboard prototyping is extremely valuable</a:t>
+            </a:r>
+          </a:p>
+          <a:p>
+            <a:pPr marL="285750" indent="-285750">
+              <a:buFont typeface="Arial" panose="020B0604020202020204" pitchFamily="34" charset="0"/>
+              <a:buChar char="•"/>
+            </a:pPr>
+            <a:r>
+              <a:rPr lang="en-US" sz="2400" dirty="0" smtClean="0"/>
+              <a:t>Component package selection earlier in project</a:t>
+            </a:r>
+          </a:p>
+          <a:p>
+            <a:pPr marL="285750" indent="-285750">
+              <a:buFont typeface="Arial" panose="020B0604020202020204" pitchFamily="34" charset="0"/>
+              <a:buChar char="•"/>
+            </a:pPr>
+            <a:r>
+              <a:rPr lang="en-US" sz="2400" dirty="0" smtClean="0"/>
+              <a:t>Design boards for easy reflow</a:t>
+            </a:r>
+          </a:p>
+          <a:p>
+            <a:pPr marL="285750" indent="-285750">
+              <a:buFont typeface="Arial" panose="020B0604020202020204" pitchFamily="34" charset="0"/>
+              <a:buChar char="•"/>
+            </a:pPr>
+            <a:r>
+              <a:rPr lang="en-US" sz="2400" dirty="0" smtClean="0"/>
+              <a:t>Minimize number of boards</a:t>
+            </a:r>
+            <a:endParaRPr lang="en-US" sz="2400" dirty="0"/>
+          </a:p>
+        </p:txBody>
+      </p:sp>
     </p:spTree>
     <p:extLst>
       <p:ext uri="{BB962C8B-B14F-4D97-AF65-F5344CB8AC3E}">
@@ -4613,7 +6413,7 @@
           <p:nvPr/>
         </p:nvPicPr>
         <p:blipFill>
-          <a:blip r:embed="rId2" cstate="print">
+          <a:blip r:embed="rId3" cstate="print">
             <a:extLst>
               <a:ext uri="{28A0092B-C50C-407E-A947-70E740481C1C}">
                 <a14:useLocalDpi xmlns:a14="http://schemas.microsoft.com/office/drawing/2010/main" val="0"/>
@@ -4680,10 +6480,342 @@
           </a:fontRef>
         </p:style>
       </p:cxnSp>
+      <p:sp>
+        <p:nvSpPr>
+          <p:cNvPr id="2" name="TextBox 1"/>
+          <p:cNvSpPr txBox="1"/>
+          <p:nvPr/>
+        </p:nvSpPr>
+        <p:spPr>
+          <a:xfrm>
+            <a:off x="533398" y="199181"/>
+            <a:ext cx="6096002" cy="369332"/>
+          </a:xfrm>
+          <a:prstGeom prst="rect">
+            <a:avLst/>
+          </a:prstGeom>
+          <a:noFill/>
+        </p:spPr>
+        <p:txBody>
+          <a:bodyPr wrap="square" rtlCol="0">
+            <a:spAutoFit/>
+          </a:bodyPr>
+          <a:lstStyle/>
+          <a:p>
+            <a:r>
+              <a:rPr lang="en-US" b="1" dirty="0" smtClean="0"/>
+              <a:t>Contributions</a:t>
+            </a:r>
+            <a:endParaRPr lang="en-US" b="1" dirty="0"/>
+          </a:p>
+        </p:txBody>
+      </p:sp>
+      <p:sp>
+        <p:nvSpPr>
+          <p:cNvPr id="3" name="TextBox 2"/>
+          <p:cNvSpPr txBox="1"/>
+          <p:nvPr/>
+        </p:nvSpPr>
+        <p:spPr>
+          <a:xfrm>
+            <a:off x="533398" y="1143001"/>
+            <a:ext cx="3581402" cy="5016758"/>
+          </a:xfrm>
+          <a:prstGeom prst="rect">
+            <a:avLst/>
+          </a:prstGeom>
+          <a:noFill/>
+        </p:spPr>
+        <p:txBody>
+          <a:bodyPr wrap="square" rtlCol="0">
+            <a:spAutoFit/>
+          </a:bodyPr>
+          <a:lstStyle/>
+          <a:p>
+            <a:r>
+              <a:rPr lang="en-US" sz="2000" dirty="0" smtClean="0"/>
+              <a:t>Circuit design</a:t>
+            </a:r>
+          </a:p>
+          <a:p>
+            <a:pPr marL="285750" indent="-285750">
+              <a:buFont typeface="Arial" panose="020B0604020202020204" pitchFamily="34" charset="0"/>
+              <a:buChar char="•"/>
+            </a:pPr>
+            <a:r>
+              <a:rPr lang="en-US" sz="2000" dirty="0" smtClean="0"/>
+              <a:t>Dan</a:t>
+            </a:r>
+          </a:p>
+          <a:p>
+            <a:pPr marL="285750" indent="-285750">
+              <a:buFont typeface="Arial" panose="020B0604020202020204" pitchFamily="34" charset="0"/>
+              <a:buChar char="•"/>
+            </a:pPr>
+            <a:r>
+              <a:rPr lang="en-US" sz="2000" dirty="0" smtClean="0"/>
+              <a:t>Noah</a:t>
+            </a:r>
+          </a:p>
+          <a:p>
+            <a:pPr marL="285750" indent="-285750">
+              <a:buFont typeface="Arial" panose="020B0604020202020204" pitchFamily="34" charset="0"/>
+              <a:buChar char="•"/>
+            </a:pPr>
+            <a:r>
+              <a:rPr lang="en-US" sz="2000" dirty="0" smtClean="0"/>
+              <a:t>Branden</a:t>
+            </a:r>
+          </a:p>
+          <a:p>
+            <a:endParaRPr lang="en-US" sz="2000" dirty="0" smtClean="0"/>
+          </a:p>
+          <a:p>
+            <a:r>
+              <a:rPr lang="en-US" sz="2000" dirty="0" smtClean="0"/>
+              <a:t>Board layout</a:t>
+            </a:r>
+          </a:p>
+          <a:p>
+            <a:pPr marL="285750" indent="-285750">
+              <a:buFont typeface="Arial" panose="020B0604020202020204" pitchFamily="34" charset="0"/>
+              <a:buChar char="•"/>
+            </a:pPr>
+            <a:r>
+              <a:rPr lang="en-US" sz="2000" dirty="0" smtClean="0"/>
+              <a:t>Branden</a:t>
+            </a:r>
+          </a:p>
+          <a:p>
+            <a:pPr marL="285750" indent="-285750">
+              <a:buFont typeface="Arial" panose="020B0604020202020204" pitchFamily="34" charset="0"/>
+              <a:buChar char="•"/>
+            </a:pPr>
+            <a:r>
+              <a:rPr lang="en-US" sz="2000" dirty="0" smtClean="0"/>
+              <a:t>Dan</a:t>
+            </a:r>
+          </a:p>
+          <a:p>
+            <a:endParaRPr lang="en-US" sz="2000" dirty="0" smtClean="0"/>
+          </a:p>
+          <a:p>
+            <a:r>
+              <a:rPr lang="en-US" sz="2000" dirty="0" smtClean="0"/>
+              <a:t>Enclosure design</a:t>
+            </a:r>
+          </a:p>
+          <a:p>
+            <a:pPr marL="285750" indent="-285750">
+              <a:buFont typeface="Arial" panose="020B0604020202020204" pitchFamily="34" charset="0"/>
+              <a:buChar char="•"/>
+            </a:pPr>
+            <a:r>
+              <a:rPr lang="en-US" sz="2000" dirty="0" smtClean="0"/>
+              <a:t>Rusty </a:t>
+            </a:r>
+          </a:p>
+          <a:p>
+            <a:pPr marL="285750" indent="-285750">
+              <a:buFont typeface="Arial" panose="020B0604020202020204" pitchFamily="34" charset="0"/>
+              <a:buChar char="•"/>
+            </a:pPr>
+            <a:r>
+              <a:rPr lang="en-US" sz="2000" dirty="0" smtClean="0"/>
+              <a:t>Branden</a:t>
+            </a:r>
+          </a:p>
+          <a:p>
+            <a:endParaRPr lang="en-US" sz="2000" dirty="0" smtClean="0"/>
+          </a:p>
+          <a:p>
+            <a:r>
+              <a:rPr lang="en-US" sz="2000" dirty="0" smtClean="0"/>
+              <a:t>Code</a:t>
+            </a:r>
+          </a:p>
+          <a:p>
+            <a:pPr marL="285750" indent="-285750">
+              <a:buFont typeface="Arial" panose="020B0604020202020204" pitchFamily="34" charset="0"/>
+              <a:buChar char="•"/>
+            </a:pPr>
+            <a:r>
+              <a:rPr lang="en-US" sz="2000" dirty="0" smtClean="0"/>
+              <a:t>Noah</a:t>
+            </a:r>
+          </a:p>
+          <a:p>
+            <a:pPr marL="285750" indent="-285750">
+              <a:buFont typeface="Arial" panose="020B0604020202020204" pitchFamily="34" charset="0"/>
+              <a:buChar char="•"/>
+            </a:pPr>
+            <a:r>
+              <a:rPr lang="en-US" sz="2000" dirty="0" smtClean="0"/>
+              <a:t>Dan</a:t>
+            </a:r>
+          </a:p>
+        </p:txBody>
+      </p:sp>
+      <p:sp>
+        <p:nvSpPr>
+          <p:cNvPr id="4" name="TextBox 3"/>
+          <p:cNvSpPr txBox="1"/>
+          <p:nvPr/>
+        </p:nvSpPr>
+        <p:spPr>
+          <a:xfrm>
+            <a:off x="4419600" y="1143001"/>
+            <a:ext cx="4267200" cy="4985980"/>
+          </a:xfrm>
+          <a:prstGeom prst="rect">
+            <a:avLst/>
+          </a:prstGeom>
+          <a:noFill/>
+        </p:spPr>
+        <p:txBody>
+          <a:bodyPr wrap="square" rtlCol="0">
+            <a:spAutoFit/>
+          </a:bodyPr>
+          <a:lstStyle/>
+          <a:p>
+            <a:r>
+              <a:rPr lang="en-US" sz="2000" dirty="0"/>
+              <a:t>Parts </a:t>
+            </a:r>
+            <a:r>
+              <a:rPr lang="en-US" sz="2000" dirty="0" smtClean="0"/>
+              <a:t>requisition</a:t>
+            </a:r>
+          </a:p>
+          <a:p>
+            <a:pPr marL="285750" indent="-285750">
+              <a:buFont typeface="Arial" panose="020B0604020202020204" pitchFamily="34" charset="0"/>
+              <a:buChar char="•"/>
+            </a:pPr>
+            <a:r>
+              <a:rPr lang="en-US" sz="2000" dirty="0" smtClean="0"/>
+              <a:t>Rusty</a:t>
+            </a:r>
+          </a:p>
+          <a:p>
+            <a:pPr marL="285750" indent="-285750">
+              <a:buFont typeface="Arial" panose="020B0604020202020204" pitchFamily="34" charset="0"/>
+              <a:buChar char="•"/>
+            </a:pPr>
+            <a:r>
+              <a:rPr lang="en-US" sz="2000" dirty="0" smtClean="0"/>
+              <a:t>Dan</a:t>
+            </a:r>
+          </a:p>
+          <a:p>
+            <a:endParaRPr lang="en-US" sz="2000" dirty="0"/>
+          </a:p>
+          <a:p>
+            <a:r>
+              <a:rPr lang="en-US" sz="2000" dirty="0"/>
+              <a:t>Presentation </a:t>
+            </a:r>
+            <a:r>
+              <a:rPr lang="en-US" sz="2000" dirty="0" smtClean="0"/>
+              <a:t>preparation</a:t>
+            </a:r>
+          </a:p>
+          <a:p>
+            <a:pPr marL="285750" indent="-285750">
+              <a:buFont typeface="Arial" panose="020B0604020202020204" pitchFamily="34" charset="0"/>
+              <a:buChar char="•"/>
+            </a:pPr>
+            <a:r>
+              <a:rPr lang="en-US" sz="2000" dirty="0" smtClean="0"/>
+              <a:t>All</a:t>
+            </a:r>
+          </a:p>
+          <a:p>
+            <a:endParaRPr lang="en-US" sz="2000" dirty="0"/>
+          </a:p>
+          <a:p>
+            <a:r>
+              <a:rPr lang="en-US" sz="2000" dirty="0"/>
+              <a:t>Testing and </a:t>
+            </a:r>
+            <a:r>
+              <a:rPr lang="en-US" sz="2000" dirty="0" smtClean="0"/>
+              <a:t>debug</a:t>
+            </a:r>
+          </a:p>
+          <a:p>
+            <a:pPr marL="285750" indent="-285750">
+              <a:buFont typeface="Arial" panose="020B0604020202020204" pitchFamily="34" charset="0"/>
+              <a:buChar char="•"/>
+            </a:pPr>
+            <a:r>
+              <a:rPr lang="en-US" sz="2000" dirty="0" smtClean="0"/>
+              <a:t>Dan</a:t>
+            </a:r>
+          </a:p>
+          <a:p>
+            <a:pPr marL="285750" indent="-285750">
+              <a:buFont typeface="Arial" panose="020B0604020202020204" pitchFamily="34" charset="0"/>
+              <a:buChar char="•"/>
+            </a:pPr>
+            <a:r>
+              <a:rPr lang="en-US" sz="2000" dirty="0" smtClean="0"/>
+              <a:t>Noah</a:t>
+            </a:r>
+          </a:p>
+          <a:p>
+            <a:pPr marL="285750" indent="-285750">
+              <a:buFont typeface="Arial" panose="020B0604020202020204" pitchFamily="34" charset="0"/>
+              <a:buChar char="•"/>
+            </a:pPr>
+            <a:r>
+              <a:rPr lang="en-US" sz="2000" dirty="0" smtClean="0"/>
+              <a:t>Rusty</a:t>
+            </a:r>
+          </a:p>
+          <a:p>
+            <a:pPr marL="285750" indent="-285750">
+              <a:buFont typeface="Arial" panose="020B0604020202020204" pitchFamily="34" charset="0"/>
+              <a:buChar char="•"/>
+            </a:pPr>
+            <a:endParaRPr lang="en-US" sz="2000" dirty="0"/>
+          </a:p>
+          <a:p>
+            <a:r>
+              <a:rPr lang="en-US" sz="2000" dirty="0"/>
+              <a:t>Scheduling and management</a:t>
+            </a:r>
+          </a:p>
+          <a:p>
+            <a:pPr marL="285750" indent="-285750">
+              <a:buFont typeface="Arial" panose="020B0604020202020204" pitchFamily="34" charset="0"/>
+              <a:buChar char="•"/>
+            </a:pPr>
+            <a:r>
+              <a:rPr lang="en-US" sz="2000" dirty="0" smtClean="0"/>
+              <a:t>Rusty</a:t>
+            </a:r>
+          </a:p>
+          <a:p>
+            <a:pPr marL="285750" indent="-285750">
+              <a:buFont typeface="Arial" panose="020B0604020202020204" pitchFamily="34" charset="0"/>
+              <a:buChar char="•"/>
+            </a:pPr>
+            <a:r>
+              <a:rPr lang="en-US" sz="2000" dirty="0" smtClean="0"/>
+              <a:t>Dan</a:t>
+            </a:r>
+            <a:endParaRPr lang="en-US" sz="2000" dirty="0"/>
+          </a:p>
+          <a:p>
+            <a:endParaRPr lang="en-US" dirty="0"/>
+          </a:p>
+        </p:txBody>
+      </p:sp>
     </p:spTree>
     <p:extLst>
       <p:ext uri="{BB962C8B-B14F-4D97-AF65-F5344CB8AC3E}">
-        <p14:creationId xmlns:p14="http://schemas.microsoft.com/office/powerpoint/2010/main" val="1605659540"/>
+        <p14:creationId xmlns:p14="http://schemas.microsoft.com/office/powerpoint/2010/main" val="2140353892"/>
       </p:ext>
     </p:extLst>
   </p:cSld>
@@ -4697,6 +6829,118 @@
       </p:par>
     </p:tnLst>
   </p:timing>
+</p:sld>
+</file>
+
+<file path=ppt/slides/slide16.xml><?xml version="1.0" encoding="utf-8"?>
+<p:sld xmlns:a="http://schemas.openxmlformats.org/drawingml/2006/main" xmlns:r="http://schemas.openxmlformats.org/officeDocument/2006/relationships" xmlns:p="http://schemas.openxmlformats.org/presentationml/2006/main">
+  <p:cSld>
+    <p:spTree>
+      <p:nvGrpSpPr>
+        <p:cNvPr id="1" name=""/>
+        <p:cNvGrpSpPr/>
+        <p:nvPr/>
+      </p:nvGrpSpPr>
+      <p:grpSpPr>
+        <a:xfrm>
+          <a:off x="0" y="0"/>
+          <a:ext cx="0" cy="0"/>
+          <a:chOff x="0" y="0"/>
+          <a:chExt cx="0" cy="0"/>
+        </a:xfrm>
+      </p:grpSpPr>
+      <p:sp>
+        <p:nvSpPr>
+          <p:cNvPr id="2" name="Title 1"/>
+          <p:cNvSpPr>
+            <a:spLocks noGrp="1"/>
+          </p:cNvSpPr>
+          <p:nvPr>
+            <p:ph type="title"/>
+          </p:nvPr>
+        </p:nvSpPr>
+        <p:spPr>
+          <a:xfrm>
+            <a:off x="457200" y="457200"/>
+            <a:ext cx="8229600" cy="1143000"/>
+          </a:xfrm>
+        </p:spPr>
+        <p:txBody>
+          <a:bodyPr/>
+          <a:lstStyle/>
+          <a:p>
+            <a:r>
+              <a:rPr lang="en-US" dirty="0" smtClean="0"/>
+              <a:t>Questions?</a:t>
+            </a:r>
+            <a:endParaRPr lang="en-US" dirty="0"/>
+          </a:p>
+        </p:txBody>
+      </p:sp>
+      <p:sp>
+        <p:nvSpPr>
+          <p:cNvPr id="4" name="Slide Number Placeholder 3"/>
+          <p:cNvSpPr>
+            <a:spLocks noGrp="1"/>
+          </p:cNvSpPr>
+          <p:nvPr>
+            <p:ph type="sldNum" sz="quarter" idx="12"/>
+          </p:nvPr>
+        </p:nvSpPr>
+        <p:spPr/>
+        <p:txBody>
+          <a:bodyPr/>
+          <a:lstStyle/>
+          <a:p>
+            <a:fld id="{B6F15528-21DE-4FAA-801E-634DDDAF4B2B}" type="slidenum">
+              <a:rPr lang="en-US" smtClean="0"/>
+              <a:pPr/>
+              <a:t>16</a:t>
+            </a:fld>
+            <a:endParaRPr lang="en-US"/>
+          </a:p>
+        </p:txBody>
+      </p:sp>
+      <p:pic>
+        <p:nvPicPr>
+          <p:cNvPr id="5" name="Picture 4"/>
+          <p:cNvPicPr>
+            <a:picLocks noChangeAspect="1"/>
+          </p:cNvPicPr>
+          <p:nvPr/>
+        </p:nvPicPr>
+        <p:blipFill>
+          <a:blip r:embed="rId2">
+            <a:extLst>
+              <a:ext uri="{28A0092B-C50C-407E-A947-70E740481C1C}">
+                <a14:useLocalDpi xmlns:a14="http://schemas.microsoft.com/office/drawing/2010/main" val="0"/>
+              </a:ext>
+            </a:extLst>
+          </a:blip>
+          <a:stretch>
+            <a:fillRect/>
+          </a:stretch>
+        </p:blipFill>
+        <p:spPr>
+          <a:xfrm>
+            <a:off x="722193" y="1600200"/>
+            <a:ext cx="7450667" cy="4191000"/>
+          </a:xfrm>
+          <a:prstGeom prst="rect">
+            <a:avLst/>
+          </a:prstGeom>
+        </p:spPr>
+      </p:pic>
+    </p:spTree>
+    <p:extLst>
+      <p:ext uri="{BB962C8B-B14F-4D97-AF65-F5344CB8AC3E}">
+        <p14:creationId xmlns:p14="http://schemas.microsoft.com/office/powerpoint/2010/main" val="1890726335"/>
+      </p:ext>
+    </p:extLst>
+  </p:cSld>
+  <p:clrMapOvr>
+    <a:masterClrMapping/>
+  </p:clrMapOvr>
 </p:sld>
 </file>
 
@@ -4750,7 +6994,7 @@
           <p:nvPr/>
         </p:nvPicPr>
         <p:blipFill>
-          <a:blip r:embed="rId2" cstate="print">
+          <a:blip r:embed="rId3" cstate="print">
             <a:extLst>
               <a:ext uri="{28A0092B-C50C-407E-A947-70E740481C1C}">
                 <a14:useLocalDpi xmlns:a14="http://schemas.microsoft.com/office/drawing/2010/main" val="0"/>
@@ -5130,7 +7374,7 @@
           <p:nvPr/>
         </p:nvPicPr>
         <p:blipFill>
-          <a:blip r:embed="rId2" cstate="print">
+          <a:blip r:embed="rId3" cstate="print">
             <a:extLst>
               <a:ext uri="{28A0092B-C50C-407E-A947-70E740481C1C}">
                 <a14:useLocalDpi xmlns:a14="http://schemas.microsoft.com/office/drawing/2010/main" val="0"/>
@@ -5444,7 +7688,7 @@
           <p:nvPr/>
         </p:nvPicPr>
         <p:blipFill>
-          <a:blip r:embed="rId2" cstate="print">
+          <a:blip r:embed="rId3" cstate="print">
             <a:extLst>
               <a:ext uri="{28A0092B-C50C-407E-A947-70E740481C1C}">
                 <a14:useLocalDpi xmlns:a14="http://schemas.microsoft.com/office/drawing/2010/main" val="0"/>
@@ -5520,7 +7764,7 @@
         <p:spPr>
           <a:xfrm>
             <a:off x="524298" y="1003608"/>
-            <a:ext cx="8162501" cy="4367029"/>
+            <a:ext cx="8162501" cy="3751476"/>
           </a:xfrm>
           <a:prstGeom prst="rect">
             <a:avLst/>
@@ -5565,8 +7809,8 @@
               <a:spcAft>
                 <a:spcPts val="0"/>
               </a:spcAft>
-              <a:buFont typeface="Symbol" panose="05050102010706020507" pitchFamily="18" charset="2"/>
-              <a:buChar char=""/>
+              <a:buFont typeface="Arial" panose="020B0604020202020204" pitchFamily="34" charset="0"/>
+              <a:buChar char="•"/>
             </a:pPr>
             <a:r>
               <a:rPr lang="en-US" sz="2400" dirty="0">
@@ -5574,8 +7818,21 @@
                 <a:ea typeface="Calibri" panose="020F0502020204030204" pitchFamily="34" charset="0"/>
                 <a:cs typeface="Times New Roman" panose="02020603050405020304" pitchFamily="18" charset="0"/>
               </a:rPr>
-              <a:t>Easy to use</a:t>
-            </a:r>
+              <a:t>Easy to </a:t>
+            </a:r>
+            <a:r>
+              <a:rPr lang="en-US" sz="2400" dirty="0" smtClean="0">
+                <a:latin typeface="Calibri" panose="020F0502020204030204" pitchFamily="34" charset="0"/>
+                <a:ea typeface="Calibri" panose="020F0502020204030204" pitchFamily="34" charset="0"/>
+                <a:cs typeface="Times New Roman" panose="02020603050405020304" pitchFamily="18" charset="0"/>
+              </a:rPr>
+              <a:t>use</a:t>
+            </a:r>
+            <a:endParaRPr lang="en-US" sz="2400" dirty="0">
+              <a:latin typeface="Calibri" panose="020F0502020204030204" pitchFamily="34" charset="0"/>
+              <a:ea typeface="Calibri" panose="020F0502020204030204" pitchFamily="34" charset="0"/>
+              <a:cs typeface="Times New Roman" panose="02020603050405020304" pitchFamily="18" charset="0"/>
+            </a:endParaRPr>
           </a:p>
           <a:p>
             <a:pPr marL="342900" marR="0" lvl="0" indent="-342900">
@@ -5586,10 +7843,10 @@
                 <a:spcPts val="0"/>
               </a:spcBef>
               <a:spcAft>
-                <a:spcPts val="800"/>
+                <a:spcPts val="0"/>
               </a:spcAft>
-              <a:buFont typeface="Symbol" panose="05050102010706020507" pitchFamily="18" charset="2"/>
-              <a:buChar char=""/>
+              <a:buFont typeface="Arial" panose="020B0604020202020204" pitchFamily="34" charset="0"/>
+              <a:buChar char="•"/>
             </a:pPr>
             <a:r>
               <a:rPr lang="en-US" sz="2400" dirty="0" smtClean="0">
@@ -5598,7 +7855,25 @@
                 <a:ea typeface="Calibri" panose="020F0502020204030204" pitchFamily="34" charset="0"/>
                 <a:cs typeface="Times New Roman" panose="02020603050405020304" pitchFamily="18" charset="0"/>
               </a:rPr>
-              <a:t>Real-time visual indication of distance to rear and sides</a:t>
+              <a:t>Real-time </a:t>
+            </a:r>
+            <a:r>
+              <a:rPr lang="en-US" sz="2400" dirty="0" smtClean="0">
+                <a:effectLst/>
+                <a:latin typeface="Calibri" panose="020F0502020204030204" pitchFamily="34" charset="0"/>
+                <a:ea typeface="Calibri" panose="020F0502020204030204" pitchFamily="34" charset="0"/>
+                <a:cs typeface="Times New Roman" panose="02020603050405020304" pitchFamily="18" charset="0"/>
+              </a:rPr>
+              <a:t>visual indication of distance to rear and </a:t>
+            </a:r>
+            <a:r>
+              <a:rPr lang="en-US" sz="2400" dirty="0" smtClean="0">
+                <a:effectLst/>
+                <a:latin typeface="Calibri" panose="020F0502020204030204" pitchFamily="34" charset="0"/>
+                <a:ea typeface="Calibri" panose="020F0502020204030204" pitchFamily="34" charset="0"/>
+                <a:cs typeface="Times New Roman" panose="02020603050405020304" pitchFamily="18" charset="0"/>
+              </a:rPr>
+              <a:t>sides</a:t>
             </a:r>
           </a:p>
           <a:p>
@@ -5610,10 +7885,10 @@
                 <a:spcPts val="0"/>
               </a:spcBef>
               <a:spcAft>
-                <a:spcPts val="800"/>
+                <a:spcPts val="0"/>
               </a:spcAft>
-              <a:buFont typeface="Symbol" panose="05050102010706020507" pitchFamily="18" charset="2"/>
-              <a:buChar char=""/>
+              <a:buFont typeface="Arial" panose="020B0604020202020204" pitchFamily="34" charset="0"/>
+              <a:buChar char="•"/>
             </a:pPr>
             <a:r>
               <a:rPr lang="en-US" sz="2400" dirty="0" smtClean="0">
@@ -5633,10 +7908,10 @@
                 <a:spcPts val="0"/>
               </a:spcBef>
               <a:spcAft>
-                <a:spcPts val="800"/>
+                <a:spcPts val="0"/>
               </a:spcAft>
-              <a:buFont typeface="Symbol" panose="05050102010706020507" pitchFamily="18" charset="2"/>
-              <a:buChar char=""/>
+              <a:buFont typeface="Arial" panose="020B0604020202020204" pitchFamily="34" charset="0"/>
+              <a:buChar char="•"/>
             </a:pPr>
             <a:r>
               <a:rPr lang="en-US" sz="2400" dirty="0" smtClean="0">
@@ -5686,22 +7961,25 @@
               </a:rPr>
               <a:t>ft</a:t>
             </a:r>
-            <a:endParaRPr lang="en-US" sz="2400" dirty="0" smtClean="0">
+            <a:endParaRPr lang="en-US" sz="2400" dirty="0">
               <a:latin typeface="Calibri" panose="020F0502020204030204" pitchFamily="34" charset="0"/>
               <a:ea typeface="Calibri" panose="020F0502020204030204" pitchFamily="34" charset="0"/>
               <a:cs typeface="Times New Roman" panose="02020603050405020304" pitchFamily="18" charset="0"/>
             </a:endParaRPr>
           </a:p>
           <a:p>
-            <a:pPr marL="342900" indent="-342900">
+            <a:pPr marL="342900" marR="0" lvl="0" indent="-342900">
               <a:lnSpc>
                 <a:spcPct val="107000"/>
               </a:lnSpc>
+              <a:spcBef>
+                <a:spcPts val="0"/>
+              </a:spcBef>
               <a:spcAft>
-                <a:spcPts val="800"/>
+                <a:spcPts val="0"/>
               </a:spcAft>
-              <a:buFont typeface="Symbol" panose="05050102010706020507" pitchFamily="18" charset="2"/>
-              <a:buChar char=""/>
+              <a:buFont typeface="Arial" panose="020B0604020202020204" pitchFamily="34" charset="0"/>
+              <a:buChar char="•"/>
             </a:pPr>
             <a:r>
               <a:rPr lang="en-US" sz="2400" dirty="0" smtClean="0">
@@ -5714,15 +7992,18 @@
             </a:r>
           </a:p>
           <a:p>
-            <a:pPr marL="342900" indent="-342900">
+            <a:pPr marL="342900" marR="0" lvl="0" indent="-342900">
               <a:lnSpc>
                 <a:spcPct val="107000"/>
               </a:lnSpc>
+              <a:spcBef>
+                <a:spcPts val="0"/>
+              </a:spcBef>
               <a:spcAft>
-                <a:spcPts val="800"/>
+                <a:spcPts val="0"/>
               </a:spcAft>
-              <a:buFont typeface="Symbol" panose="05050102010706020507" pitchFamily="18" charset="2"/>
-              <a:buChar char=""/>
+              <a:buFont typeface="Arial" panose="020B0604020202020204" pitchFamily="34" charset="0"/>
+              <a:buChar char="•"/>
             </a:pPr>
             <a:r>
               <a:rPr lang="en-US" sz="2400" dirty="0" smtClean="0">
@@ -5734,15 +8015,18 @@
             </a:r>
           </a:p>
           <a:p>
-            <a:pPr marL="342900" indent="-342900">
+            <a:pPr marL="342900" marR="0" lvl="0" indent="-342900">
               <a:lnSpc>
                 <a:spcPct val="107000"/>
               </a:lnSpc>
+              <a:spcBef>
+                <a:spcPts val="0"/>
+              </a:spcBef>
               <a:spcAft>
-                <a:spcPts val="800"/>
+                <a:spcPts val="0"/>
               </a:spcAft>
-              <a:buFont typeface="Symbol" panose="05050102010706020507" pitchFamily="18" charset="2"/>
-              <a:buChar char=""/>
+              <a:buFont typeface="Arial" panose="020B0604020202020204" pitchFamily="34" charset="0"/>
+              <a:buChar char="•"/>
             </a:pPr>
             <a:r>
               <a:rPr lang="en-US" sz="2400" dirty="0" smtClean="0">
@@ -5750,27 +8034,51 @@
                 <a:ea typeface="Calibri" panose="020F0502020204030204" pitchFamily="34" charset="0"/>
                 <a:cs typeface="Times New Roman" panose="02020603050405020304" pitchFamily="18" charset="0"/>
               </a:rPr>
-              <a:t>Bright enough for sunlit conditions.	</a:t>
-            </a:r>
-          </a:p>
-          <a:p>
-            <a:pPr marL="342900" indent="-342900">
-              <a:lnSpc>
-                <a:spcPct val="107000"/>
-              </a:lnSpc>
-              <a:spcAft>
-                <a:spcPts val="800"/>
-              </a:spcAft>
-              <a:buFont typeface="Symbol" panose="05050102010706020507" pitchFamily="18" charset="2"/>
-              <a:buChar char=""/>
-            </a:pPr>
+              <a:t>Bright </a:t>
+            </a:r>
             <a:r>
               <a:rPr lang="en-US" sz="2400" dirty="0" smtClean="0">
                 <a:latin typeface="Calibri" panose="020F0502020204030204" pitchFamily="34" charset="0"/>
                 <a:ea typeface="Calibri" panose="020F0502020204030204" pitchFamily="34" charset="0"/>
                 <a:cs typeface="Times New Roman" panose="02020603050405020304" pitchFamily="18" charset="0"/>
               </a:rPr>
-              <a:t>Low profile and easily mounted</a:t>
+              <a:t>enough for sunlit conditions.	</a:t>
+            </a:r>
+            <a:endParaRPr lang="en-US" sz="2400" dirty="0" smtClean="0">
+              <a:latin typeface="Calibri" panose="020F0502020204030204" pitchFamily="34" charset="0"/>
+              <a:ea typeface="Calibri" panose="020F0502020204030204" pitchFamily="34" charset="0"/>
+              <a:cs typeface="Times New Roman" panose="02020603050405020304" pitchFamily="18" charset="0"/>
+            </a:endParaRPr>
+          </a:p>
+          <a:p>
+            <a:pPr marL="342900" marR="0" lvl="0" indent="-342900">
+              <a:lnSpc>
+                <a:spcPct val="107000"/>
+              </a:lnSpc>
+              <a:spcBef>
+                <a:spcPts val="0"/>
+              </a:spcBef>
+              <a:spcAft>
+                <a:spcPts val="0"/>
+              </a:spcAft>
+              <a:buFont typeface="Arial" panose="020B0604020202020204" pitchFamily="34" charset="0"/>
+              <a:buChar char="•"/>
+            </a:pPr>
+            <a:r>
+              <a:rPr lang="en-US" sz="2400" dirty="0" smtClean="0">
+                <a:latin typeface="Calibri" panose="020F0502020204030204" pitchFamily="34" charset="0"/>
+                <a:ea typeface="Calibri" panose="020F0502020204030204" pitchFamily="34" charset="0"/>
+                <a:cs typeface="Times New Roman" panose="02020603050405020304" pitchFamily="18" charset="0"/>
+              </a:rPr>
+              <a:t>Low </a:t>
+            </a:r>
+            <a:r>
+              <a:rPr lang="en-US" sz="2400" dirty="0" smtClean="0">
+                <a:latin typeface="Calibri" panose="020F0502020204030204" pitchFamily="34" charset="0"/>
+                <a:ea typeface="Calibri" panose="020F0502020204030204" pitchFamily="34" charset="0"/>
+                <a:cs typeface="Times New Roman" panose="02020603050405020304" pitchFamily="18" charset="0"/>
+              </a:rPr>
+              <a:t>profile and easily mounted</a:t>
             </a:r>
           </a:p>
         </p:txBody>
@@ -5845,7 +8153,1323 @@
           <p:nvPr/>
         </p:nvPicPr>
         <p:blipFill>
-          <a:blip r:embed="rId2" cstate="print">
+          <a:blip r:embed="rId3" cstate="print">
+            <a:extLst>
+              <a:ext uri="{28A0092B-C50C-407E-A947-70E740481C1C}">
+                <a14:useLocalDpi xmlns:a14="http://schemas.microsoft.com/office/drawing/2010/main" val="0"/>
+              </a:ext>
+            </a:extLst>
+          </a:blip>
+          <a:srcRect/>
+          <a:stretch>
+            <a:fillRect/>
+          </a:stretch>
+        </p:blipFill>
+        <p:spPr bwMode="auto">
+          <a:xfrm>
+            <a:off x="7391399" y="199181"/>
+            <a:ext cx="1477731" cy="639019"/>
+          </a:xfrm>
+          <a:prstGeom prst="rect">
+            <a:avLst/>
+          </a:prstGeom>
+          <a:noFill/>
+          <a:extLst>
+            <a:ext uri="{909E8E84-426E-40DD-AFC4-6F175D3DCCD1}">
+              <a14:hiddenFill xmlns:a14="http://schemas.microsoft.com/office/drawing/2010/main">
+                <a:solidFill>
+                  <a:srgbClr val="FFFFFF"/>
+                </a:solidFill>
+              </a14:hiddenFill>
+            </a:ext>
+          </a:extLst>
+        </p:spPr>
+      </p:pic>
+      <p:cxnSp>
+        <p:nvCxnSpPr>
+          <p:cNvPr id="9" name="Straight Connector 8"/>
+          <p:cNvCxnSpPr/>
+          <p:nvPr/>
+        </p:nvCxnSpPr>
+        <p:spPr>
+          <a:xfrm flipH="1">
+            <a:off x="533398" y="762000"/>
+            <a:ext cx="6857999" cy="0"/>
+          </a:xfrm>
+          <a:prstGeom prst="line">
+            <a:avLst/>
+          </a:prstGeom>
+          <a:ln w="38100">
+            <a:solidFill>
+              <a:schemeClr val="tx1"/>
+            </a:solidFill>
+          </a:ln>
+        </p:spPr>
+        <p:style>
+          <a:lnRef idx="1">
+            <a:schemeClr val="accent1"/>
+          </a:lnRef>
+          <a:fillRef idx="0">
+            <a:schemeClr val="accent1"/>
+          </a:fillRef>
+          <a:effectRef idx="0">
+            <a:schemeClr val="accent1"/>
+          </a:effectRef>
+          <a:fontRef idx="minor">
+            <a:schemeClr val="tx1"/>
+          </a:fontRef>
+        </p:style>
+      </p:cxnSp>
+      <p:sp>
+        <p:nvSpPr>
+          <p:cNvPr id="2" name="TextBox 1"/>
+          <p:cNvSpPr txBox="1"/>
+          <p:nvPr/>
+        </p:nvSpPr>
+        <p:spPr>
+          <a:xfrm>
+            <a:off x="533398" y="1066800"/>
+            <a:ext cx="7543802" cy="5355312"/>
+          </a:xfrm>
+          <a:prstGeom prst="rect">
+            <a:avLst/>
+          </a:prstGeom>
+          <a:noFill/>
+        </p:spPr>
+        <p:txBody>
+          <a:bodyPr wrap="square" rtlCol="0">
+            <a:spAutoFit/>
+          </a:bodyPr>
+          <a:lstStyle/>
+          <a:p>
+            <a:r>
+              <a:rPr lang="en-US" dirty="0" smtClean="0"/>
+              <a:t>Sensor Module</a:t>
+            </a:r>
+          </a:p>
+          <a:p>
+            <a:pPr marL="285750" indent="-285750">
+              <a:buFont typeface="Arial" panose="020B0604020202020204" pitchFamily="34" charset="0"/>
+              <a:buChar char="•"/>
+            </a:pPr>
+            <a:r>
+              <a:rPr lang="en-US" dirty="0" smtClean="0"/>
+              <a:t>Sensor range ~15ft.</a:t>
+            </a:r>
+          </a:p>
+          <a:p>
+            <a:pPr marL="285750" indent="-285750">
+              <a:buFont typeface="Arial" panose="020B0604020202020204" pitchFamily="34" charset="0"/>
+              <a:buChar char="•"/>
+            </a:pPr>
+            <a:r>
+              <a:rPr lang="en-US" dirty="0" smtClean="0"/>
+              <a:t>Type of sensor (ultrasonic, IR, </a:t>
+            </a:r>
+            <a:r>
+              <a:rPr lang="en-US" dirty="0" err="1" smtClean="0"/>
+              <a:t>etc</a:t>
+            </a:r>
+            <a:r>
+              <a:rPr lang="en-US" dirty="0" smtClean="0"/>
+              <a:t>)</a:t>
+            </a:r>
+          </a:p>
+          <a:p>
+            <a:pPr marL="285750" indent="-285750">
+              <a:buFont typeface="Arial" panose="020B0604020202020204" pitchFamily="34" charset="0"/>
+              <a:buChar char="•"/>
+            </a:pPr>
+            <a:r>
+              <a:rPr lang="en-US" dirty="0" smtClean="0"/>
+              <a:t>Integration with microprocessor</a:t>
+            </a:r>
+          </a:p>
+          <a:p>
+            <a:endParaRPr lang="en-US" dirty="0"/>
+          </a:p>
+          <a:p>
+            <a:r>
+              <a:rPr lang="en-US" dirty="0" smtClean="0"/>
+              <a:t>Power</a:t>
+            </a:r>
+          </a:p>
+          <a:p>
+            <a:pPr marL="285750" indent="-285750">
+              <a:buFont typeface="Arial" panose="020B0604020202020204" pitchFamily="34" charset="0"/>
+              <a:buChar char="•"/>
+            </a:pPr>
+            <a:r>
+              <a:rPr lang="en-US" dirty="0" smtClean="0"/>
+              <a:t>Regulation</a:t>
+            </a:r>
+          </a:p>
+          <a:p>
+            <a:pPr marL="285750" indent="-285750">
+              <a:buFont typeface="Arial" panose="020B0604020202020204" pitchFamily="34" charset="0"/>
+              <a:buChar char="•"/>
+            </a:pPr>
+            <a:r>
+              <a:rPr lang="en-US" dirty="0" smtClean="0"/>
+              <a:t>Sources</a:t>
+            </a:r>
+          </a:p>
+          <a:p>
+            <a:endParaRPr lang="en-US" dirty="0"/>
+          </a:p>
+          <a:p>
+            <a:r>
+              <a:rPr lang="en-US" dirty="0" smtClean="0"/>
+              <a:t>Microprocessor</a:t>
+            </a:r>
+          </a:p>
+          <a:p>
+            <a:pPr marL="285750" indent="-285750">
+              <a:buFont typeface="Arial" panose="020B0604020202020204" pitchFamily="34" charset="0"/>
+              <a:buChar char="•"/>
+            </a:pPr>
+            <a:r>
+              <a:rPr lang="en-US" dirty="0" smtClean="0"/>
+              <a:t>Number/type of I/O ports</a:t>
+            </a:r>
+          </a:p>
+          <a:p>
+            <a:pPr marL="285750" indent="-285750">
+              <a:buFont typeface="Arial" panose="020B0604020202020204" pitchFamily="34" charset="0"/>
+              <a:buChar char="•"/>
+            </a:pPr>
+            <a:r>
+              <a:rPr lang="en-US" dirty="0" smtClean="0"/>
+              <a:t>IDE/support</a:t>
+            </a:r>
+          </a:p>
+          <a:p>
+            <a:pPr marL="285750" indent="-285750">
+              <a:buFont typeface="Arial" panose="020B0604020202020204" pitchFamily="34" charset="0"/>
+              <a:buChar char="•"/>
+            </a:pPr>
+            <a:r>
+              <a:rPr lang="en-US" dirty="0" smtClean="0"/>
+              <a:t>Power Consumption</a:t>
+            </a:r>
+          </a:p>
+          <a:p>
+            <a:pPr marL="285750" indent="-285750">
+              <a:buFont typeface="Arial" panose="020B0604020202020204" pitchFamily="34" charset="0"/>
+              <a:buChar char="•"/>
+            </a:pPr>
+            <a:r>
+              <a:rPr lang="en-US" dirty="0" smtClean="0"/>
+              <a:t>Simplicity</a:t>
+            </a:r>
+          </a:p>
+          <a:p>
+            <a:endParaRPr lang="en-US" dirty="0" smtClean="0"/>
+          </a:p>
+          <a:p>
+            <a:r>
+              <a:rPr lang="en-US" dirty="0" smtClean="0"/>
+              <a:t>Display</a:t>
+            </a:r>
+          </a:p>
+          <a:p>
+            <a:pPr marL="285750" indent="-285750">
+              <a:buFont typeface="Arial" panose="020B0604020202020204" pitchFamily="34" charset="0"/>
+              <a:buChar char="•"/>
+            </a:pPr>
+            <a:r>
+              <a:rPr lang="en-US" dirty="0" smtClean="0"/>
+              <a:t>Visibility</a:t>
+            </a:r>
+          </a:p>
+          <a:p>
+            <a:pPr marL="285750" indent="-285750">
+              <a:buFont typeface="Arial" panose="020B0604020202020204" pitchFamily="34" charset="0"/>
+              <a:buChar char="•"/>
+            </a:pPr>
+            <a:r>
+              <a:rPr lang="en-US" dirty="0" smtClean="0"/>
+              <a:t>Size</a:t>
+            </a:r>
+          </a:p>
+          <a:p>
+            <a:pPr marL="285750" indent="-285750">
+              <a:buFont typeface="Arial" panose="020B0604020202020204" pitchFamily="34" charset="0"/>
+              <a:buChar char="•"/>
+            </a:pPr>
+            <a:r>
+              <a:rPr lang="en-US" dirty="0" smtClean="0"/>
+              <a:t>Intuitive</a:t>
+            </a:r>
+          </a:p>
+        </p:txBody>
+      </p:sp>
+      <p:sp>
+        <p:nvSpPr>
+          <p:cNvPr id="3" name="TextBox 2"/>
+          <p:cNvSpPr txBox="1"/>
+          <p:nvPr/>
+        </p:nvSpPr>
+        <p:spPr>
+          <a:xfrm>
+            <a:off x="533398" y="304800"/>
+            <a:ext cx="6019802" cy="381000"/>
+          </a:xfrm>
+          <a:prstGeom prst="rect">
+            <a:avLst/>
+          </a:prstGeom>
+          <a:noFill/>
+        </p:spPr>
+        <p:txBody>
+          <a:bodyPr wrap="square" rtlCol="0">
+            <a:spAutoFit/>
+          </a:bodyPr>
+          <a:lstStyle/>
+          <a:p>
+            <a:r>
+              <a:rPr lang="en-US" b="1"/>
+              <a:t>Design</a:t>
+            </a:r>
+            <a:r>
+              <a:rPr lang="en-US"/>
+              <a:t> </a:t>
+            </a:r>
+            <a:r>
+              <a:rPr lang="en-US" b="1"/>
+              <a:t>Considerations</a:t>
+            </a:r>
+            <a:endParaRPr lang="en-US" b="1" dirty="0"/>
+          </a:p>
+        </p:txBody>
+      </p:sp>
+    </p:spTree>
+    <p:extLst>
+      <p:ext uri="{BB962C8B-B14F-4D97-AF65-F5344CB8AC3E}">
+        <p14:creationId xmlns:p14="http://schemas.microsoft.com/office/powerpoint/2010/main" val="3934321023"/>
+      </p:ext>
+    </p:extLst>
+  </p:cSld>
+  <p:clrMapOvr>
+    <a:masterClrMapping/>
+  </p:clrMapOvr>
+  <p:timing>
+    <p:tnLst>
+      <p:par>
+        <p:cTn id="1" dur="indefinite" restart="never" nodeType="tmRoot"/>
+      </p:par>
+    </p:tnLst>
+  </p:timing>
+</p:sld>
+</file>
+
+<file path=ppt/slides/slide6.xml><?xml version="1.0" encoding="utf-8"?>
+<p:sld xmlns:a="http://schemas.openxmlformats.org/drawingml/2006/main" xmlns:r="http://schemas.openxmlformats.org/officeDocument/2006/relationships" xmlns:p="http://schemas.openxmlformats.org/presentationml/2006/main">
+  <p:cSld>
+    <p:spTree>
+      <p:nvGrpSpPr>
+        <p:cNvPr id="1" name=""/>
+        <p:cNvGrpSpPr/>
+        <p:nvPr/>
+      </p:nvGrpSpPr>
+      <p:grpSpPr>
+        <a:xfrm>
+          <a:off x="0" y="0"/>
+          <a:ext cx="0" cy="0"/>
+          <a:chOff x="0" y="0"/>
+          <a:chExt cx="0" cy="0"/>
+        </a:xfrm>
+      </p:grpSpPr>
+      <p:sp>
+        <p:nvSpPr>
+          <p:cNvPr id="7" name="Slide Number Placeholder 6"/>
+          <p:cNvSpPr>
+            <a:spLocks noGrp="1"/>
+          </p:cNvSpPr>
+          <p:nvPr>
+            <p:ph type="sldNum" sz="quarter" idx="12"/>
+          </p:nvPr>
+        </p:nvSpPr>
+        <p:spPr/>
+        <p:txBody>
+          <a:bodyPr/>
+          <a:lstStyle/>
+          <a:p>
+            <a:fld id="{B6F15528-21DE-4FAA-801E-634DDDAF4B2B}" type="slidenum">
+              <a:rPr lang="en-US" smtClean="0"/>
+              <a:pPr/>
+              <a:t>6</a:t>
+            </a:fld>
+            <a:endParaRPr lang="en-US"/>
+          </a:p>
+        </p:txBody>
+      </p:sp>
+      <p:pic>
+        <p:nvPicPr>
+          <p:cNvPr id="8" name="Picture 2" descr="C:\Users\noaht_000\Documents\ECE411\Practicum2014\Wiki Images\logo.bmp"/>
+          <p:cNvPicPr>
+            <a:picLocks noChangeAspect="1" noChangeArrowheads="1"/>
+          </p:cNvPicPr>
+          <p:nvPr/>
+        </p:nvPicPr>
+        <p:blipFill>
+          <a:blip r:embed="rId3" cstate="print">
+            <a:extLst>
+              <a:ext uri="{28A0092B-C50C-407E-A947-70E740481C1C}">
+                <a14:useLocalDpi xmlns:a14="http://schemas.microsoft.com/office/drawing/2010/main" val="0"/>
+              </a:ext>
+            </a:extLst>
+          </a:blip>
+          <a:srcRect/>
+          <a:stretch>
+            <a:fillRect/>
+          </a:stretch>
+        </p:blipFill>
+        <p:spPr bwMode="auto">
+          <a:xfrm>
+            <a:off x="7391399" y="199181"/>
+            <a:ext cx="1477731" cy="639019"/>
+          </a:xfrm>
+          <a:prstGeom prst="rect">
+            <a:avLst/>
+          </a:prstGeom>
+          <a:noFill/>
+          <a:extLst>
+            <a:ext uri="{909E8E84-426E-40DD-AFC4-6F175D3DCCD1}">
+              <a14:hiddenFill xmlns:a14="http://schemas.microsoft.com/office/drawing/2010/main">
+                <a:solidFill>
+                  <a:srgbClr val="FFFFFF"/>
+                </a:solidFill>
+              </a14:hiddenFill>
+            </a:ext>
+          </a:extLst>
+        </p:spPr>
+      </p:pic>
+      <p:cxnSp>
+        <p:nvCxnSpPr>
+          <p:cNvPr id="9" name="Straight Connector 8"/>
+          <p:cNvCxnSpPr/>
+          <p:nvPr/>
+        </p:nvCxnSpPr>
+        <p:spPr>
+          <a:xfrm flipH="1">
+            <a:off x="533398" y="762000"/>
+            <a:ext cx="6857999" cy="0"/>
+          </a:xfrm>
+          <a:prstGeom prst="line">
+            <a:avLst/>
+          </a:prstGeom>
+          <a:ln w="38100">
+            <a:solidFill>
+              <a:schemeClr val="tx1"/>
+            </a:solidFill>
+          </a:ln>
+        </p:spPr>
+        <p:style>
+          <a:lnRef idx="1">
+            <a:schemeClr val="accent1"/>
+          </a:lnRef>
+          <a:fillRef idx="0">
+            <a:schemeClr val="accent1"/>
+          </a:fillRef>
+          <a:effectRef idx="0">
+            <a:schemeClr val="accent1"/>
+          </a:effectRef>
+          <a:fontRef idx="minor">
+            <a:schemeClr val="tx1"/>
+          </a:fontRef>
+        </p:style>
+      </p:cxnSp>
+      <p:sp>
+        <p:nvSpPr>
+          <p:cNvPr id="2" name="Rectangle 1"/>
+          <p:cNvSpPr/>
+          <p:nvPr/>
+        </p:nvSpPr>
+        <p:spPr>
+          <a:xfrm>
+            <a:off x="533398" y="990600"/>
+            <a:ext cx="5057776" cy="4659609"/>
+          </a:xfrm>
+          <a:prstGeom prst="rect">
+            <a:avLst/>
+          </a:prstGeom>
+        </p:spPr>
+        <p:txBody>
+          <a:bodyPr wrap="square">
+            <a:spAutoFit/>
+          </a:bodyPr>
+          <a:lstStyle/>
+          <a:p>
+            <a:pPr>
+              <a:lnSpc>
+                <a:spcPct val="107000"/>
+              </a:lnSpc>
+              <a:spcAft>
+                <a:spcPts val="800"/>
+              </a:spcAft>
+            </a:pPr>
+            <a:r>
+              <a:rPr lang="en-US" sz="2400" b="1" dirty="0" smtClean="0">
+                <a:latin typeface="Calibri" panose="020F0502020204030204" pitchFamily="34" charset="0"/>
+                <a:ea typeface="Calibri" panose="020F0502020204030204" pitchFamily="34" charset="0"/>
+                <a:cs typeface="Times New Roman" panose="02020603050405020304" pitchFamily="18" charset="0"/>
+              </a:rPr>
+              <a:t>Implementation</a:t>
+            </a:r>
+          </a:p>
+          <a:p>
+            <a:pPr>
+              <a:lnSpc>
+                <a:spcPct val="107000"/>
+              </a:lnSpc>
+              <a:spcAft>
+                <a:spcPts val="800"/>
+              </a:spcAft>
+            </a:pPr>
+            <a:r>
+              <a:rPr lang="en-US" sz="2400" u="sng" dirty="0" smtClean="0">
+                <a:latin typeface="Calibri" panose="020F0502020204030204" pitchFamily="34" charset="0"/>
+                <a:cs typeface="Times New Roman" panose="02020603050405020304" pitchFamily="18" charset="0"/>
+              </a:rPr>
+              <a:t>Ultrasonic sensors </a:t>
+            </a:r>
+          </a:p>
+          <a:p>
+            <a:pPr marL="342900" indent="-342900">
+              <a:lnSpc>
+                <a:spcPct val="107000"/>
+              </a:lnSpc>
+              <a:spcAft>
+                <a:spcPts val="800"/>
+              </a:spcAft>
+              <a:buFont typeface="Arial" panose="020B0604020202020204" pitchFamily="34" charset="0"/>
+              <a:buChar char="•"/>
+            </a:pPr>
+            <a:r>
+              <a:rPr lang="en-US" sz="2400" dirty="0" smtClean="0">
+                <a:latin typeface="Calibri" panose="020F0502020204030204" pitchFamily="34" charset="0"/>
+                <a:cs typeface="Times New Roman" panose="02020603050405020304" pitchFamily="18" charset="0"/>
+              </a:rPr>
+              <a:t>HC-SR04</a:t>
+            </a:r>
+          </a:p>
+          <a:p>
+            <a:pPr marL="342900" indent="-342900">
+              <a:lnSpc>
+                <a:spcPct val="107000"/>
+              </a:lnSpc>
+              <a:spcAft>
+                <a:spcPts val="800"/>
+              </a:spcAft>
+              <a:buFont typeface="Arial" panose="020B0604020202020204" pitchFamily="34" charset="0"/>
+              <a:buChar char="•"/>
+            </a:pPr>
+            <a:r>
+              <a:rPr lang="en-US" sz="2400" dirty="0" smtClean="0">
+                <a:latin typeface="Calibri" panose="020F0502020204030204" pitchFamily="34" charset="0"/>
+                <a:cs typeface="Times New Roman" panose="02020603050405020304" pitchFamily="18" charset="0"/>
+              </a:rPr>
+              <a:t>Send and receive series of pulses when triggered</a:t>
+            </a:r>
+          </a:p>
+          <a:p>
+            <a:pPr marL="342900" indent="-342900">
+              <a:lnSpc>
+                <a:spcPct val="107000"/>
+              </a:lnSpc>
+              <a:spcAft>
+                <a:spcPts val="800"/>
+              </a:spcAft>
+              <a:buFont typeface="Arial" panose="020B0604020202020204" pitchFamily="34" charset="0"/>
+              <a:buChar char="•"/>
+            </a:pPr>
+            <a:r>
+              <a:rPr lang="en-US" sz="2400" dirty="0" smtClean="0">
+                <a:latin typeface="Calibri" panose="020F0502020204030204" pitchFamily="34" charset="0"/>
+                <a:cs typeface="Times New Roman" panose="02020603050405020304" pitchFamily="18" charset="0"/>
+              </a:rPr>
+              <a:t>Time between </a:t>
+            </a:r>
+            <a:r>
+              <a:rPr lang="en-US" sz="2400" dirty="0" err="1" smtClean="0">
+                <a:latin typeface="Calibri" panose="020F0502020204030204" pitchFamily="34" charset="0"/>
+                <a:cs typeface="Times New Roman" panose="02020603050405020304" pitchFamily="18" charset="0"/>
+              </a:rPr>
+              <a:t>tx</a:t>
+            </a:r>
+            <a:r>
+              <a:rPr lang="en-US" sz="2400" dirty="0" smtClean="0">
+                <a:latin typeface="Calibri" panose="020F0502020204030204" pitchFamily="34" charset="0"/>
+                <a:cs typeface="Times New Roman" panose="02020603050405020304" pitchFamily="18" charset="0"/>
+              </a:rPr>
+              <a:t> and </a:t>
+            </a:r>
+            <a:r>
+              <a:rPr lang="en-US" sz="2400" dirty="0" err="1" smtClean="0">
+                <a:latin typeface="Calibri" panose="020F0502020204030204" pitchFamily="34" charset="0"/>
+                <a:cs typeface="Times New Roman" panose="02020603050405020304" pitchFamily="18" charset="0"/>
+              </a:rPr>
+              <a:t>rx</a:t>
+            </a:r>
+            <a:r>
+              <a:rPr lang="en-US" sz="2400" dirty="0" smtClean="0">
+                <a:latin typeface="Calibri" panose="020F0502020204030204" pitchFamily="34" charset="0"/>
+                <a:cs typeface="Times New Roman" panose="02020603050405020304" pitchFamily="18" charset="0"/>
+              </a:rPr>
+              <a:t> passed as logic high</a:t>
+            </a:r>
+          </a:p>
+          <a:p>
+            <a:pPr marL="342900" indent="-342900">
+              <a:lnSpc>
+                <a:spcPct val="107000"/>
+              </a:lnSpc>
+              <a:spcAft>
+                <a:spcPts val="800"/>
+              </a:spcAft>
+              <a:buFont typeface="Arial" panose="020B0604020202020204" pitchFamily="34" charset="0"/>
+              <a:buChar char="•"/>
+            </a:pPr>
+            <a:r>
+              <a:rPr lang="en-US" sz="2400" dirty="0" smtClean="0">
+                <a:latin typeface="Calibri" panose="020F0502020204030204" pitchFamily="34" charset="0"/>
+                <a:cs typeface="Times New Roman" panose="02020603050405020304" pitchFamily="18" charset="0"/>
+              </a:rPr>
+              <a:t>Length of logic high tells timing to microprocessor</a:t>
+            </a:r>
+          </a:p>
+          <a:p>
+            <a:pPr marL="342900" indent="-342900">
+              <a:lnSpc>
+                <a:spcPct val="107000"/>
+              </a:lnSpc>
+              <a:spcAft>
+                <a:spcPts val="800"/>
+              </a:spcAft>
+              <a:buFont typeface="Arial" panose="020B0604020202020204" pitchFamily="34" charset="0"/>
+              <a:buChar char="•"/>
+            </a:pPr>
+            <a:r>
+              <a:rPr lang="en-US" sz="2400" dirty="0" smtClean="0">
+                <a:latin typeface="Calibri" panose="020F0502020204030204" pitchFamily="34" charset="0"/>
+                <a:cs typeface="Times New Roman" panose="02020603050405020304" pitchFamily="18" charset="0"/>
+              </a:rPr>
+              <a:t>Compatible with Arduino IDE</a:t>
+            </a:r>
+          </a:p>
+        </p:txBody>
+      </p:sp>
+      <p:pic>
+        <p:nvPicPr>
+          <p:cNvPr id="4" name="Picture 3"/>
+          <p:cNvPicPr>
+            <a:picLocks noChangeAspect="1"/>
+          </p:cNvPicPr>
+          <p:nvPr/>
+        </p:nvPicPr>
+        <p:blipFill>
+          <a:blip r:embed="rId4">
+            <a:extLst>
+              <a:ext uri="{28A0092B-C50C-407E-A947-70E740481C1C}">
+                <a14:useLocalDpi xmlns:a14="http://schemas.microsoft.com/office/drawing/2010/main" val="0"/>
+              </a:ext>
+            </a:extLst>
+          </a:blip>
+          <a:stretch>
+            <a:fillRect/>
+          </a:stretch>
+        </p:blipFill>
+        <p:spPr>
+          <a:xfrm>
+            <a:off x="5567434" y="2755900"/>
+            <a:ext cx="3340100" cy="3340100"/>
+          </a:xfrm>
+          <a:prstGeom prst="rect">
+            <a:avLst/>
+          </a:prstGeom>
+        </p:spPr>
+      </p:pic>
+    </p:spTree>
+    <p:extLst>
+      <p:ext uri="{BB962C8B-B14F-4D97-AF65-F5344CB8AC3E}">
+        <p14:creationId xmlns:p14="http://schemas.microsoft.com/office/powerpoint/2010/main" val="3828577778"/>
+      </p:ext>
+    </p:extLst>
+  </p:cSld>
+  <p:clrMapOvr>
+    <a:masterClrMapping/>
+  </p:clrMapOvr>
+  <p:timing>
+    <p:tnLst>
+      <p:par>
+        <p:cTn id="1" dur="indefinite" restart="never" nodeType="tmRoot"/>
+      </p:par>
+    </p:tnLst>
+  </p:timing>
+</p:sld>
+</file>
+
+<file path=ppt/slides/slide7.xml><?xml version="1.0" encoding="utf-8"?>
+<p:sld xmlns:a="http://schemas.openxmlformats.org/drawingml/2006/main" xmlns:r="http://schemas.openxmlformats.org/officeDocument/2006/relationships" xmlns:p="http://schemas.openxmlformats.org/presentationml/2006/main">
+  <p:cSld>
+    <p:spTree>
+      <p:nvGrpSpPr>
+        <p:cNvPr id="1" name=""/>
+        <p:cNvGrpSpPr/>
+        <p:nvPr/>
+      </p:nvGrpSpPr>
+      <p:grpSpPr>
+        <a:xfrm>
+          <a:off x="0" y="0"/>
+          <a:ext cx="0" cy="0"/>
+          <a:chOff x="0" y="0"/>
+          <a:chExt cx="0" cy="0"/>
+        </a:xfrm>
+      </p:grpSpPr>
+      <p:sp>
+        <p:nvSpPr>
+          <p:cNvPr id="7" name="Slide Number Placeholder 6"/>
+          <p:cNvSpPr>
+            <a:spLocks noGrp="1"/>
+          </p:cNvSpPr>
+          <p:nvPr>
+            <p:ph type="sldNum" sz="quarter" idx="12"/>
+          </p:nvPr>
+        </p:nvSpPr>
+        <p:spPr/>
+        <p:txBody>
+          <a:bodyPr/>
+          <a:lstStyle/>
+          <a:p>
+            <a:fld id="{B6F15528-21DE-4FAA-801E-634DDDAF4B2B}" type="slidenum">
+              <a:rPr lang="en-US" smtClean="0"/>
+              <a:pPr/>
+              <a:t>7</a:t>
+            </a:fld>
+            <a:endParaRPr lang="en-US"/>
+          </a:p>
+        </p:txBody>
+      </p:sp>
+      <p:pic>
+        <p:nvPicPr>
+          <p:cNvPr id="8" name="Picture 2" descr="C:\Users\noaht_000\Documents\ECE411\Practicum2014\Wiki Images\logo.bmp"/>
+          <p:cNvPicPr>
+            <a:picLocks noChangeAspect="1" noChangeArrowheads="1"/>
+          </p:cNvPicPr>
+          <p:nvPr/>
+        </p:nvPicPr>
+        <p:blipFill>
+          <a:blip r:embed="rId3" cstate="print">
+            <a:extLst>
+              <a:ext uri="{28A0092B-C50C-407E-A947-70E740481C1C}">
+                <a14:useLocalDpi xmlns:a14="http://schemas.microsoft.com/office/drawing/2010/main" val="0"/>
+              </a:ext>
+            </a:extLst>
+          </a:blip>
+          <a:srcRect/>
+          <a:stretch>
+            <a:fillRect/>
+          </a:stretch>
+        </p:blipFill>
+        <p:spPr bwMode="auto">
+          <a:xfrm>
+            <a:off x="7391399" y="199181"/>
+            <a:ext cx="1477731" cy="639019"/>
+          </a:xfrm>
+          <a:prstGeom prst="rect">
+            <a:avLst/>
+          </a:prstGeom>
+          <a:noFill/>
+          <a:extLst>
+            <a:ext uri="{909E8E84-426E-40DD-AFC4-6F175D3DCCD1}">
+              <a14:hiddenFill xmlns:a14="http://schemas.microsoft.com/office/drawing/2010/main">
+                <a:solidFill>
+                  <a:srgbClr val="FFFFFF"/>
+                </a:solidFill>
+              </a14:hiddenFill>
+            </a:ext>
+          </a:extLst>
+        </p:spPr>
+      </p:pic>
+      <p:cxnSp>
+        <p:nvCxnSpPr>
+          <p:cNvPr id="9" name="Straight Connector 8"/>
+          <p:cNvCxnSpPr/>
+          <p:nvPr/>
+        </p:nvCxnSpPr>
+        <p:spPr>
+          <a:xfrm flipH="1">
+            <a:off x="533398" y="762000"/>
+            <a:ext cx="6857999" cy="0"/>
+          </a:xfrm>
+          <a:prstGeom prst="line">
+            <a:avLst/>
+          </a:prstGeom>
+          <a:ln w="38100">
+            <a:solidFill>
+              <a:schemeClr val="tx1"/>
+            </a:solidFill>
+          </a:ln>
+        </p:spPr>
+        <p:style>
+          <a:lnRef idx="1">
+            <a:schemeClr val="accent1"/>
+          </a:lnRef>
+          <a:fillRef idx="0">
+            <a:schemeClr val="accent1"/>
+          </a:fillRef>
+          <a:effectRef idx="0">
+            <a:schemeClr val="accent1"/>
+          </a:effectRef>
+          <a:fontRef idx="minor">
+            <a:schemeClr val="tx1"/>
+          </a:fontRef>
+        </p:style>
+      </p:cxnSp>
+      <p:sp>
+        <p:nvSpPr>
+          <p:cNvPr id="2" name="TextBox 1"/>
+          <p:cNvSpPr txBox="1"/>
+          <p:nvPr/>
+        </p:nvSpPr>
+        <p:spPr>
+          <a:xfrm>
+            <a:off x="609600" y="1219200"/>
+            <a:ext cx="3657600" cy="5539978"/>
+          </a:xfrm>
+          <a:prstGeom prst="rect">
+            <a:avLst/>
+          </a:prstGeom>
+          <a:noFill/>
+        </p:spPr>
+        <p:txBody>
+          <a:bodyPr wrap="square" rtlCol="0">
+            <a:spAutoFit/>
+          </a:bodyPr>
+          <a:lstStyle/>
+          <a:p>
+            <a:r>
+              <a:rPr lang="en-US" sz="2400" u="sng" dirty="0" smtClean="0"/>
+              <a:t>Microprocessor</a:t>
+            </a:r>
+          </a:p>
+          <a:p>
+            <a:endParaRPr lang="en-US" sz="2400" u="sng" dirty="0"/>
+          </a:p>
+          <a:p>
+            <a:pPr marL="285750" indent="-285750">
+              <a:buFont typeface="Arial" panose="020B0604020202020204" pitchFamily="34" charset="0"/>
+              <a:buChar char="•"/>
+            </a:pPr>
+            <a:r>
+              <a:rPr lang="en-US" sz="2400" dirty="0" smtClean="0"/>
+              <a:t>ATMega328-PU</a:t>
+            </a:r>
+          </a:p>
+          <a:p>
+            <a:pPr marL="285750" indent="-285750">
+              <a:buFont typeface="Arial" panose="020B0604020202020204" pitchFamily="34" charset="0"/>
+              <a:buChar char="•"/>
+            </a:pPr>
+            <a:r>
+              <a:rPr lang="en-US" sz="2400" dirty="0" smtClean="0"/>
+              <a:t>8-bit microcontroller</a:t>
+            </a:r>
+          </a:p>
+          <a:p>
+            <a:pPr marL="285750" indent="-285750">
+              <a:buFont typeface="Arial" panose="020B0604020202020204" pitchFamily="34" charset="0"/>
+              <a:buChar char="•"/>
+            </a:pPr>
+            <a:r>
+              <a:rPr lang="en-US" sz="2400" dirty="0" smtClean="0"/>
+              <a:t>RISC Architecture</a:t>
+            </a:r>
+          </a:p>
+          <a:p>
+            <a:pPr marL="285750" indent="-285750">
+              <a:buFont typeface="Arial" panose="020B0604020202020204" pitchFamily="34" charset="0"/>
+              <a:buChar char="•"/>
+            </a:pPr>
+            <a:r>
+              <a:rPr lang="en-US" sz="2400" dirty="0" smtClean="0"/>
+              <a:t>Programmed with Arduino IDE</a:t>
+            </a:r>
+          </a:p>
+          <a:p>
+            <a:endParaRPr lang="en-US" sz="2400" dirty="0" smtClean="0"/>
+          </a:p>
+          <a:p>
+            <a:r>
+              <a:rPr lang="en-US" sz="2400" u="sng" dirty="0" smtClean="0"/>
+              <a:t>Functionality</a:t>
+            </a:r>
+          </a:p>
+          <a:p>
+            <a:endParaRPr lang="en-US" sz="2400" dirty="0"/>
+          </a:p>
+          <a:p>
+            <a:pPr marL="285750" indent="-285750">
+              <a:buFont typeface="Arial" panose="020B0604020202020204" pitchFamily="34" charset="0"/>
+              <a:buChar char="•"/>
+            </a:pPr>
+            <a:r>
+              <a:rPr lang="en-US" sz="2400" dirty="0" smtClean="0"/>
+              <a:t>Trigger sensors</a:t>
+            </a:r>
+          </a:p>
+          <a:p>
+            <a:pPr marL="285750" indent="-285750">
+              <a:buFont typeface="Arial" panose="020B0604020202020204" pitchFamily="34" charset="0"/>
+              <a:buChar char="•"/>
+            </a:pPr>
+            <a:r>
+              <a:rPr lang="en-US" sz="2400" dirty="0" smtClean="0"/>
+              <a:t>Receive sensor data</a:t>
+            </a:r>
+          </a:p>
+          <a:p>
+            <a:pPr marL="285750" indent="-285750">
+              <a:buFont typeface="Arial" panose="020B0604020202020204" pitchFamily="34" charset="0"/>
+              <a:buChar char="•"/>
+            </a:pPr>
+            <a:r>
+              <a:rPr lang="en-US" sz="2400" dirty="0" smtClean="0"/>
+              <a:t>Output binary code for LED identification</a:t>
+            </a:r>
+          </a:p>
+          <a:p>
+            <a:endParaRPr lang="en-US" dirty="0"/>
+          </a:p>
+        </p:txBody>
+      </p:sp>
+      <p:pic>
+        <p:nvPicPr>
+          <p:cNvPr id="3" name="Picture 2"/>
+          <p:cNvPicPr>
+            <a:picLocks noChangeAspect="1"/>
+          </p:cNvPicPr>
+          <p:nvPr/>
+        </p:nvPicPr>
+        <p:blipFill>
+          <a:blip r:embed="rId4">
+            <a:extLst>
+              <a:ext uri="{28A0092B-C50C-407E-A947-70E740481C1C}">
+                <a14:useLocalDpi xmlns:a14="http://schemas.microsoft.com/office/drawing/2010/main" val="0"/>
+              </a:ext>
+            </a:extLst>
+          </a:blip>
+          <a:stretch>
+            <a:fillRect/>
+          </a:stretch>
+        </p:blipFill>
+        <p:spPr>
+          <a:xfrm>
+            <a:off x="4267200" y="1483636"/>
+            <a:ext cx="4267200" cy="3200400"/>
+          </a:xfrm>
+          <a:prstGeom prst="rect">
+            <a:avLst/>
+          </a:prstGeom>
+        </p:spPr>
+      </p:pic>
+    </p:spTree>
+    <p:extLst>
+      <p:ext uri="{BB962C8B-B14F-4D97-AF65-F5344CB8AC3E}">
+        <p14:creationId xmlns:p14="http://schemas.microsoft.com/office/powerpoint/2010/main" val="1403058786"/>
+      </p:ext>
+    </p:extLst>
+  </p:cSld>
+  <p:clrMapOvr>
+    <a:masterClrMapping/>
+  </p:clrMapOvr>
+  <p:timing>
+    <p:tnLst>
+      <p:par>
+        <p:cTn id="1" dur="indefinite" restart="never" nodeType="tmRoot"/>
+      </p:par>
+    </p:tnLst>
+  </p:timing>
+</p:sld>
+</file>
+
+<file path=ppt/slides/slide8.xml><?xml version="1.0" encoding="utf-8"?>
+<p:sld xmlns:a="http://schemas.openxmlformats.org/drawingml/2006/main" xmlns:r="http://schemas.openxmlformats.org/officeDocument/2006/relationships" xmlns:p="http://schemas.openxmlformats.org/presentationml/2006/main">
+  <p:cSld>
+    <p:spTree>
+      <p:nvGrpSpPr>
+        <p:cNvPr id="1" name=""/>
+        <p:cNvGrpSpPr/>
+        <p:nvPr/>
+      </p:nvGrpSpPr>
+      <p:grpSpPr>
+        <a:xfrm>
+          <a:off x="0" y="0"/>
+          <a:ext cx="0" cy="0"/>
+          <a:chOff x="0" y="0"/>
+          <a:chExt cx="0" cy="0"/>
+        </a:xfrm>
+      </p:grpSpPr>
+      <p:sp>
+        <p:nvSpPr>
+          <p:cNvPr id="7" name="Slide Number Placeholder 6"/>
+          <p:cNvSpPr>
+            <a:spLocks noGrp="1"/>
+          </p:cNvSpPr>
+          <p:nvPr>
+            <p:ph type="sldNum" sz="quarter" idx="12"/>
+          </p:nvPr>
+        </p:nvSpPr>
+        <p:spPr/>
+        <p:txBody>
+          <a:bodyPr/>
+          <a:lstStyle/>
+          <a:p>
+            <a:fld id="{B6F15528-21DE-4FAA-801E-634DDDAF4B2B}" type="slidenum">
+              <a:rPr lang="en-US" smtClean="0"/>
+              <a:pPr/>
+              <a:t>8</a:t>
+            </a:fld>
+            <a:endParaRPr lang="en-US"/>
+          </a:p>
+        </p:txBody>
+      </p:sp>
+      <p:pic>
+        <p:nvPicPr>
+          <p:cNvPr id="8" name="Picture 2" descr="C:\Users\noaht_000\Documents\ECE411\Practicum2014\Wiki Images\logo.bmp"/>
+          <p:cNvPicPr>
+            <a:picLocks noChangeAspect="1" noChangeArrowheads="1"/>
+          </p:cNvPicPr>
+          <p:nvPr/>
+        </p:nvPicPr>
+        <p:blipFill>
+          <a:blip r:embed="rId3" cstate="print">
+            <a:extLst>
+              <a:ext uri="{28A0092B-C50C-407E-A947-70E740481C1C}">
+                <a14:useLocalDpi xmlns:a14="http://schemas.microsoft.com/office/drawing/2010/main" val="0"/>
+              </a:ext>
+            </a:extLst>
+          </a:blip>
+          <a:srcRect/>
+          <a:stretch>
+            <a:fillRect/>
+          </a:stretch>
+        </p:blipFill>
+        <p:spPr bwMode="auto">
+          <a:xfrm>
+            <a:off x="7391399" y="199181"/>
+            <a:ext cx="1477731" cy="639019"/>
+          </a:xfrm>
+          <a:prstGeom prst="rect">
+            <a:avLst/>
+          </a:prstGeom>
+          <a:noFill/>
+          <a:extLst>
+            <a:ext uri="{909E8E84-426E-40DD-AFC4-6F175D3DCCD1}">
+              <a14:hiddenFill xmlns:a14="http://schemas.microsoft.com/office/drawing/2010/main">
+                <a:solidFill>
+                  <a:srgbClr val="FFFFFF"/>
+                </a:solidFill>
+              </a14:hiddenFill>
+            </a:ext>
+          </a:extLst>
+        </p:spPr>
+      </p:pic>
+      <p:cxnSp>
+        <p:nvCxnSpPr>
+          <p:cNvPr id="9" name="Straight Connector 8"/>
+          <p:cNvCxnSpPr/>
+          <p:nvPr/>
+        </p:nvCxnSpPr>
+        <p:spPr>
+          <a:xfrm flipH="1">
+            <a:off x="533398" y="762000"/>
+            <a:ext cx="6857999" cy="0"/>
+          </a:xfrm>
+          <a:prstGeom prst="line">
+            <a:avLst/>
+          </a:prstGeom>
+          <a:ln w="38100">
+            <a:solidFill>
+              <a:schemeClr val="tx1"/>
+            </a:solidFill>
+          </a:ln>
+        </p:spPr>
+        <p:style>
+          <a:lnRef idx="1">
+            <a:schemeClr val="accent1"/>
+          </a:lnRef>
+          <a:fillRef idx="0">
+            <a:schemeClr val="accent1"/>
+          </a:fillRef>
+          <a:effectRef idx="0">
+            <a:schemeClr val="accent1"/>
+          </a:effectRef>
+          <a:fontRef idx="minor">
+            <a:schemeClr val="tx1"/>
+          </a:fontRef>
+        </p:style>
+      </p:cxnSp>
+      <p:sp>
+        <p:nvSpPr>
+          <p:cNvPr id="3" name="TextBox 2"/>
+          <p:cNvSpPr txBox="1"/>
+          <p:nvPr/>
+        </p:nvSpPr>
+        <p:spPr>
+          <a:xfrm>
+            <a:off x="533398" y="199181"/>
+            <a:ext cx="5562602" cy="369332"/>
+          </a:xfrm>
+          <a:prstGeom prst="rect">
+            <a:avLst/>
+          </a:prstGeom>
+          <a:noFill/>
+        </p:spPr>
+        <p:txBody>
+          <a:bodyPr wrap="square" rtlCol="0">
+            <a:spAutoFit/>
+          </a:bodyPr>
+          <a:lstStyle/>
+          <a:p>
+            <a:r>
+              <a:rPr lang="en-US" dirty="0" smtClean="0"/>
+              <a:t>Display and Power</a:t>
+            </a:r>
+            <a:endParaRPr lang="en-US" dirty="0"/>
+          </a:p>
+        </p:txBody>
+      </p:sp>
+      <p:sp>
+        <p:nvSpPr>
+          <p:cNvPr id="4" name="TextBox 3"/>
+          <p:cNvSpPr txBox="1"/>
+          <p:nvPr/>
+        </p:nvSpPr>
+        <p:spPr>
+          <a:xfrm>
+            <a:off x="609600" y="1066800"/>
+            <a:ext cx="7848600" cy="5447645"/>
+          </a:xfrm>
+          <a:prstGeom prst="rect">
+            <a:avLst/>
+          </a:prstGeom>
+          <a:noFill/>
+        </p:spPr>
+        <p:txBody>
+          <a:bodyPr wrap="square" rtlCol="0">
+            <a:spAutoFit/>
+          </a:bodyPr>
+          <a:lstStyle/>
+          <a:p>
+            <a:r>
+              <a:rPr lang="en-US" sz="2400" b="1" dirty="0" smtClean="0"/>
+              <a:t>Display</a:t>
+            </a:r>
+          </a:p>
+          <a:p>
+            <a:pPr marL="285750" indent="-285750">
+              <a:buFont typeface="Arial" panose="020B0604020202020204" pitchFamily="34" charset="0"/>
+              <a:buChar char="•"/>
+            </a:pPr>
+            <a:r>
+              <a:rPr lang="en-US" sz="2400" dirty="0" smtClean="0"/>
+              <a:t>Receive binary code from microprocessor</a:t>
+            </a:r>
+          </a:p>
+          <a:p>
+            <a:pPr marL="285750" indent="-285750">
+              <a:buFont typeface="Arial" panose="020B0604020202020204" pitchFamily="34" charset="0"/>
+              <a:buChar char="•"/>
+            </a:pPr>
+            <a:r>
+              <a:rPr lang="en-US" sz="2400" dirty="0" smtClean="0"/>
+              <a:t>4-16 </a:t>
+            </a:r>
+            <a:r>
+              <a:rPr lang="en-US" sz="2400" dirty="0" err="1" smtClean="0"/>
+              <a:t>Demux</a:t>
+            </a:r>
+            <a:r>
+              <a:rPr lang="en-US" sz="2400" dirty="0" smtClean="0"/>
+              <a:t> for LED selection</a:t>
+            </a:r>
+          </a:p>
+          <a:p>
+            <a:pPr marL="285750" indent="-285750">
+              <a:buFont typeface="Arial" panose="020B0604020202020204" pitchFamily="34" charset="0"/>
+              <a:buChar char="•"/>
+            </a:pPr>
+            <a:r>
+              <a:rPr lang="en-US" sz="2400" dirty="0" smtClean="0"/>
+              <a:t>Quad SR latch for each LED array</a:t>
+            </a:r>
+          </a:p>
+          <a:p>
+            <a:pPr marL="285750" indent="-285750">
+              <a:buFont typeface="Arial" panose="020B0604020202020204" pitchFamily="34" charset="0"/>
+              <a:buChar char="•"/>
+            </a:pPr>
+            <a:r>
+              <a:rPr lang="en-US" sz="2400" dirty="0" smtClean="0"/>
+              <a:t>One LED array per sensor</a:t>
+            </a:r>
+          </a:p>
+          <a:p>
+            <a:pPr marL="742950" lvl="1" indent="-285750">
+              <a:buFont typeface="Arial" panose="020B0604020202020204" pitchFamily="34" charset="0"/>
+              <a:buChar char="•"/>
+            </a:pPr>
+            <a:r>
+              <a:rPr lang="en-US" sz="2400" dirty="0" smtClean="0"/>
+              <a:t>Short range &lt; 5ft. (Red)</a:t>
+            </a:r>
+          </a:p>
+          <a:p>
+            <a:pPr marL="742950" lvl="1" indent="-285750">
+              <a:buFont typeface="Arial" panose="020B0604020202020204" pitchFamily="34" charset="0"/>
+              <a:buChar char="•"/>
+            </a:pPr>
+            <a:r>
+              <a:rPr lang="en-US" sz="2400" dirty="0" smtClean="0"/>
+              <a:t>Med range 5-10ft. (Yellow)</a:t>
+            </a:r>
+          </a:p>
+          <a:p>
+            <a:pPr marL="742950" lvl="1" indent="-285750">
+              <a:buFont typeface="Arial" panose="020B0604020202020204" pitchFamily="34" charset="0"/>
+              <a:buChar char="•"/>
+            </a:pPr>
+            <a:r>
+              <a:rPr lang="en-US" sz="2400" dirty="0" smtClean="0"/>
+              <a:t>Long range 10-15ft. (Green)</a:t>
+            </a:r>
+          </a:p>
+          <a:p>
+            <a:pPr marL="285750" indent="-285750">
+              <a:buFont typeface="Arial" panose="020B0604020202020204" pitchFamily="34" charset="0"/>
+              <a:buChar char="•"/>
+            </a:pPr>
+            <a:r>
+              <a:rPr lang="en-US" sz="2400" dirty="0" smtClean="0"/>
+              <a:t>FET switch for each LED</a:t>
+            </a:r>
+          </a:p>
+          <a:p>
+            <a:endParaRPr lang="en-US" dirty="0" smtClean="0"/>
+          </a:p>
+          <a:p>
+            <a:r>
+              <a:rPr lang="en-US" sz="2400" b="1" dirty="0" smtClean="0"/>
+              <a:t>Power</a:t>
+            </a:r>
+          </a:p>
+          <a:p>
+            <a:pPr marL="342900" indent="-342900">
+              <a:buFont typeface="Arial" panose="020B0604020202020204" pitchFamily="34" charset="0"/>
+              <a:buChar char="•"/>
+            </a:pPr>
+            <a:r>
+              <a:rPr lang="en-US" sz="2400" dirty="0" smtClean="0"/>
+              <a:t>Up to 15V DC supply</a:t>
+            </a:r>
+          </a:p>
+          <a:p>
+            <a:pPr marL="342900" indent="-342900">
+              <a:buFont typeface="Arial" panose="020B0604020202020204" pitchFamily="34" charset="0"/>
+              <a:buChar char="•"/>
+            </a:pPr>
+            <a:r>
+              <a:rPr lang="en-US" sz="2400" dirty="0" smtClean="0"/>
+              <a:t>LM7805 linear regulator</a:t>
+            </a:r>
+          </a:p>
+          <a:p>
+            <a:pPr marL="342900" indent="-342900">
+              <a:buFont typeface="Arial" panose="020B0604020202020204" pitchFamily="34" charset="0"/>
+              <a:buChar char="•"/>
+            </a:pPr>
+            <a:r>
+              <a:rPr lang="en-US" sz="2400" dirty="0" smtClean="0"/>
+              <a:t>5V rail for operation</a:t>
+            </a:r>
+          </a:p>
+          <a:p>
+            <a:endParaRPr lang="en-US" dirty="0"/>
+          </a:p>
+        </p:txBody>
+      </p:sp>
+    </p:spTree>
+    <p:extLst>
+      <p:ext uri="{BB962C8B-B14F-4D97-AF65-F5344CB8AC3E}">
+        <p14:creationId xmlns:p14="http://schemas.microsoft.com/office/powerpoint/2010/main" val="3893253114"/>
+      </p:ext>
+    </p:extLst>
+  </p:cSld>
+  <p:clrMapOvr>
+    <a:masterClrMapping/>
+  </p:clrMapOvr>
+  <p:timing>
+    <p:tnLst>
+      <p:par>
+        <p:cTn id="1" dur="indefinite" restart="never" nodeType="tmRoot"/>
+      </p:par>
+    </p:tnLst>
+  </p:timing>
+</p:sld>
+</file>
+
+<file path=ppt/slides/slide9.xml><?xml version="1.0" encoding="utf-8"?>
+<p:sld xmlns:a="http://schemas.openxmlformats.org/drawingml/2006/main" xmlns:r="http://schemas.openxmlformats.org/officeDocument/2006/relationships" xmlns:p="http://schemas.openxmlformats.org/presentationml/2006/main">
+  <p:cSld>
+    <p:spTree>
+      <p:nvGrpSpPr>
+        <p:cNvPr id="1" name=""/>
+        <p:cNvGrpSpPr/>
+        <p:nvPr/>
+      </p:nvGrpSpPr>
+      <p:grpSpPr>
+        <a:xfrm>
+          <a:off x="0" y="0"/>
+          <a:ext cx="0" cy="0"/>
+          <a:chOff x="0" y="0"/>
+          <a:chExt cx="0" cy="0"/>
+        </a:xfrm>
+      </p:grpSpPr>
+      <p:sp>
+        <p:nvSpPr>
+          <p:cNvPr id="7" name="Slide Number Placeholder 6"/>
+          <p:cNvSpPr>
+            <a:spLocks noGrp="1"/>
+          </p:cNvSpPr>
+          <p:nvPr>
+            <p:ph type="sldNum" sz="quarter" idx="12"/>
+          </p:nvPr>
+        </p:nvSpPr>
+        <p:spPr/>
+        <p:txBody>
+          <a:bodyPr/>
+          <a:lstStyle/>
+          <a:p>
+            <a:fld id="{B6F15528-21DE-4FAA-801E-634DDDAF4B2B}" type="slidenum">
+              <a:rPr lang="en-US" smtClean="0"/>
+              <a:pPr/>
+              <a:t>9</a:t>
+            </a:fld>
+            <a:endParaRPr lang="en-US"/>
+          </a:p>
+        </p:txBody>
+      </p:sp>
+      <p:pic>
+        <p:nvPicPr>
+          <p:cNvPr id="8" name="Picture 2" descr="C:\Users\noaht_000\Documents\ECE411\Practicum2014\Wiki Images\logo.bmp"/>
+          <p:cNvPicPr>
+            <a:picLocks noChangeAspect="1" noChangeArrowheads="1"/>
+          </p:cNvPicPr>
+          <p:nvPr/>
+        </p:nvPicPr>
+        <p:blipFill>
+          <a:blip r:embed="rId3" cstate="print">
             <a:extLst>
               <a:ext uri="{28A0092B-C50C-407E-A947-70E740481C1C}">
                 <a14:useLocalDpi xmlns:a14="http://schemas.microsoft.com/office/drawing/2010/main" val="0"/>
@@ -5919,7 +9543,7 @@
           <p:nvPr/>
         </p:nvPicPr>
         <p:blipFill>
-          <a:blip r:embed="rId3"/>
+          <a:blip r:embed="rId4"/>
           <a:srcRect/>
           <a:stretch>
             <a:fillRect/>
@@ -5969,1145 +9593,7 @@
     </p:spTree>
     <p:extLst>
       <p:ext uri="{BB962C8B-B14F-4D97-AF65-F5344CB8AC3E}">
-        <p14:creationId xmlns:p14="http://schemas.microsoft.com/office/powerpoint/2010/main" val="2915456741"/>
-      </p:ext>
-    </p:extLst>
-  </p:cSld>
-  <p:clrMapOvr>
-    <a:masterClrMapping/>
-  </p:clrMapOvr>
-  <p:timing>
-    <p:tnLst>
-      <p:par>
-        <p:cTn id="1" dur="indefinite" restart="never" nodeType="tmRoot"/>
-      </p:par>
-    </p:tnLst>
-  </p:timing>
-</p:sld>
-</file>
-
-<file path=ppt/slides/slide6.xml><?xml version="1.0" encoding="utf-8"?>
-<p:sld xmlns:a="http://schemas.openxmlformats.org/drawingml/2006/main" xmlns:r="http://schemas.openxmlformats.org/officeDocument/2006/relationships" xmlns:p="http://schemas.openxmlformats.org/presentationml/2006/main">
-  <p:cSld>
-    <p:spTree>
-      <p:nvGrpSpPr>
-        <p:cNvPr id="1" name=""/>
-        <p:cNvGrpSpPr/>
-        <p:nvPr/>
-      </p:nvGrpSpPr>
-      <p:grpSpPr>
-        <a:xfrm>
-          <a:off x="0" y="0"/>
-          <a:ext cx="0" cy="0"/>
-          <a:chOff x="0" y="0"/>
-          <a:chExt cx="0" cy="0"/>
-        </a:xfrm>
-      </p:grpSpPr>
-      <p:sp>
-        <p:nvSpPr>
-          <p:cNvPr id="7" name="Slide Number Placeholder 6"/>
-          <p:cNvSpPr>
-            <a:spLocks noGrp="1"/>
-          </p:cNvSpPr>
-          <p:nvPr>
-            <p:ph type="sldNum" sz="quarter" idx="12"/>
-          </p:nvPr>
-        </p:nvSpPr>
-        <p:spPr/>
-        <p:txBody>
-          <a:bodyPr/>
-          <a:lstStyle/>
-          <a:p>
-            <a:fld id="{B6F15528-21DE-4FAA-801E-634DDDAF4B2B}" type="slidenum">
-              <a:rPr lang="en-US" smtClean="0"/>
-              <a:pPr/>
-              <a:t>6</a:t>
-            </a:fld>
-            <a:endParaRPr lang="en-US"/>
-          </a:p>
-        </p:txBody>
-      </p:sp>
-      <p:pic>
-        <p:nvPicPr>
-          <p:cNvPr id="8" name="Picture 2" descr="C:\Users\noaht_000\Documents\ECE411\Practicum2014\Wiki Images\logo.bmp"/>
-          <p:cNvPicPr>
-            <a:picLocks noChangeAspect="1" noChangeArrowheads="1"/>
-          </p:cNvPicPr>
-          <p:nvPr/>
-        </p:nvPicPr>
-        <p:blipFill>
-          <a:blip r:embed="rId2" cstate="print">
-            <a:extLst>
-              <a:ext uri="{28A0092B-C50C-407E-A947-70E740481C1C}">
-                <a14:useLocalDpi xmlns:a14="http://schemas.microsoft.com/office/drawing/2010/main" val="0"/>
-              </a:ext>
-            </a:extLst>
-          </a:blip>
-          <a:srcRect/>
-          <a:stretch>
-            <a:fillRect/>
-          </a:stretch>
-        </p:blipFill>
-        <p:spPr bwMode="auto">
-          <a:xfrm>
-            <a:off x="7391399" y="199181"/>
-            <a:ext cx="1477731" cy="639019"/>
-          </a:xfrm>
-          <a:prstGeom prst="rect">
-            <a:avLst/>
-          </a:prstGeom>
-          <a:noFill/>
-          <a:extLst>
-            <a:ext uri="{909E8E84-426E-40DD-AFC4-6F175D3DCCD1}">
-              <a14:hiddenFill xmlns:a14="http://schemas.microsoft.com/office/drawing/2010/main">
-                <a:solidFill>
-                  <a:srgbClr val="FFFFFF"/>
-                </a:solidFill>
-              </a14:hiddenFill>
-            </a:ext>
-          </a:extLst>
-        </p:spPr>
-      </p:pic>
-      <p:cxnSp>
-        <p:nvCxnSpPr>
-          <p:cNvPr id="9" name="Straight Connector 8"/>
-          <p:cNvCxnSpPr/>
-          <p:nvPr/>
-        </p:nvCxnSpPr>
-        <p:spPr>
-          <a:xfrm flipH="1">
-            <a:off x="533398" y="762000"/>
-            <a:ext cx="6857999" cy="0"/>
-          </a:xfrm>
-          <a:prstGeom prst="line">
-            <a:avLst/>
-          </a:prstGeom>
-          <a:ln w="38100">
-            <a:solidFill>
-              <a:schemeClr val="tx1"/>
-            </a:solidFill>
-          </a:ln>
-        </p:spPr>
-        <p:style>
-          <a:lnRef idx="1">
-            <a:schemeClr val="accent1"/>
-          </a:lnRef>
-          <a:fillRef idx="0">
-            <a:schemeClr val="accent1"/>
-          </a:fillRef>
-          <a:effectRef idx="0">
-            <a:schemeClr val="accent1"/>
-          </a:effectRef>
-          <a:fontRef idx="minor">
-            <a:schemeClr val="tx1"/>
-          </a:fontRef>
-        </p:style>
-      </p:cxnSp>
-      <p:sp>
-        <p:nvSpPr>
-          <p:cNvPr id="2" name="TextBox 1"/>
-          <p:cNvSpPr txBox="1"/>
-          <p:nvPr/>
-        </p:nvSpPr>
-        <p:spPr>
-          <a:xfrm>
-            <a:off x="533398" y="1066800"/>
-            <a:ext cx="7543802" cy="5355312"/>
-          </a:xfrm>
-          <a:prstGeom prst="rect">
-            <a:avLst/>
-          </a:prstGeom>
-          <a:noFill/>
-        </p:spPr>
-        <p:txBody>
-          <a:bodyPr wrap="square" rtlCol="0">
-            <a:spAutoFit/>
-          </a:bodyPr>
-          <a:lstStyle/>
-          <a:p>
-            <a:r>
-              <a:rPr lang="en-US" dirty="0" smtClean="0"/>
-              <a:t>Sensor Module</a:t>
-            </a:r>
-          </a:p>
-          <a:p>
-            <a:pPr marL="285750" indent="-285750">
-              <a:buFont typeface="Arial" panose="020B0604020202020204" pitchFamily="34" charset="0"/>
-              <a:buChar char="•"/>
-            </a:pPr>
-            <a:r>
-              <a:rPr lang="en-US" dirty="0" smtClean="0"/>
-              <a:t>Sensor range ~15ft.</a:t>
-            </a:r>
-          </a:p>
-          <a:p>
-            <a:pPr marL="285750" indent="-285750">
-              <a:buFont typeface="Arial" panose="020B0604020202020204" pitchFamily="34" charset="0"/>
-              <a:buChar char="•"/>
-            </a:pPr>
-            <a:r>
-              <a:rPr lang="en-US" dirty="0" smtClean="0"/>
-              <a:t>Type of sensor (ultrasonic, IR, </a:t>
-            </a:r>
-            <a:r>
-              <a:rPr lang="en-US" dirty="0" err="1" smtClean="0"/>
-              <a:t>etc</a:t>
-            </a:r>
-            <a:r>
-              <a:rPr lang="en-US" dirty="0" smtClean="0"/>
-              <a:t>)</a:t>
-            </a:r>
-          </a:p>
-          <a:p>
-            <a:pPr marL="285750" indent="-285750">
-              <a:buFont typeface="Arial" panose="020B0604020202020204" pitchFamily="34" charset="0"/>
-              <a:buChar char="•"/>
-            </a:pPr>
-            <a:r>
-              <a:rPr lang="en-US" dirty="0" smtClean="0"/>
-              <a:t>Integration with microprocessor</a:t>
-            </a:r>
-          </a:p>
-          <a:p>
-            <a:endParaRPr lang="en-US" dirty="0"/>
-          </a:p>
-          <a:p>
-            <a:r>
-              <a:rPr lang="en-US" dirty="0" smtClean="0"/>
-              <a:t>Power</a:t>
-            </a:r>
-          </a:p>
-          <a:p>
-            <a:pPr marL="285750" indent="-285750">
-              <a:buFont typeface="Arial" panose="020B0604020202020204" pitchFamily="34" charset="0"/>
-              <a:buChar char="•"/>
-            </a:pPr>
-            <a:r>
-              <a:rPr lang="en-US" dirty="0" smtClean="0"/>
-              <a:t>Regulation</a:t>
-            </a:r>
-          </a:p>
-          <a:p>
-            <a:pPr marL="285750" indent="-285750">
-              <a:buFont typeface="Arial" panose="020B0604020202020204" pitchFamily="34" charset="0"/>
-              <a:buChar char="•"/>
-            </a:pPr>
-            <a:r>
-              <a:rPr lang="en-US" dirty="0" smtClean="0"/>
-              <a:t>Sources</a:t>
-            </a:r>
-          </a:p>
-          <a:p>
-            <a:endParaRPr lang="en-US" dirty="0"/>
-          </a:p>
-          <a:p>
-            <a:r>
-              <a:rPr lang="en-US" dirty="0" smtClean="0"/>
-              <a:t>Microprocessor</a:t>
-            </a:r>
-          </a:p>
-          <a:p>
-            <a:pPr marL="285750" indent="-285750">
-              <a:buFont typeface="Arial" panose="020B0604020202020204" pitchFamily="34" charset="0"/>
-              <a:buChar char="•"/>
-            </a:pPr>
-            <a:r>
-              <a:rPr lang="en-US" dirty="0" smtClean="0"/>
-              <a:t>Number/type of I/O ports</a:t>
-            </a:r>
-          </a:p>
-          <a:p>
-            <a:pPr marL="285750" indent="-285750">
-              <a:buFont typeface="Arial" panose="020B0604020202020204" pitchFamily="34" charset="0"/>
-              <a:buChar char="•"/>
-            </a:pPr>
-            <a:r>
-              <a:rPr lang="en-US" dirty="0" smtClean="0"/>
-              <a:t>IDE/support</a:t>
-            </a:r>
-          </a:p>
-          <a:p>
-            <a:pPr marL="285750" indent="-285750">
-              <a:buFont typeface="Arial" panose="020B0604020202020204" pitchFamily="34" charset="0"/>
-              <a:buChar char="•"/>
-            </a:pPr>
-            <a:r>
-              <a:rPr lang="en-US" dirty="0" smtClean="0"/>
-              <a:t>Power Consumption</a:t>
-            </a:r>
-          </a:p>
-          <a:p>
-            <a:pPr marL="285750" indent="-285750">
-              <a:buFont typeface="Arial" panose="020B0604020202020204" pitchFamily="34" charset="0"/>
-              <a:buChar char="•"/>
-            </a:pPr>
-            <a:r>
-              <a:rPr lang="en-US" dirty="0" smtClean="0"/>
-              <a:t>Simplicity</a:t>
-            </a:r>
-          </a:p>
-          <a:p>
-            <a:endParaRPr lang="en-US" dirty="0" smtClean="0"/>
-          </a:p>
-          <a:p>
-            <a:r>
-              <a:rPr lang="en-US" dirty="0" smtClean="0"/>
-              <a:t>Display</a:t>
-            </a:r>
-          </a:p>
-          <a:p>
-            <a:pPr marL="285750" indent="-285750">
-              <a:buFont typeface="Arial" panose="020B0604020202020204" pitchFamily="34" charset="0"/>
-              <a:buChar char="•"/>
-            </a:pPr>
-            <a:r>
-              <a:rPr lang="en-US" dirty="0" smtClean="0"/>
-              <a:t>Visibility</a:t>
-            </a:r>
-          </a:p>
-          <a:p>
-            <a:pPr marL="285750" indent="-285750">
-              <a:buFont typeface="Arial" panose="020B0604020202020204" pitchFamily="34" charset="0"/>
-              <a:buChar char="•"/>
-            </a:pPr>
-            <a:r>
-              <a:rPr lang="en-US" dirty="0" smtClean="0"/>
-              <a:t>Size</a:t>
-            </a:r>
-          </a:p>
-          <a:p>
-            <a:pPr marL="285750" indent="-285750">
-              <a:buFont typeface="Arial" panose="020B0604020202020204" pitchFamily="34" charset="0"/>
-              <a:buChar char="•"/>
-            </a:pPr>
-            <a:r>
-              <a:rPr lang="en-US" dirty="0" smtClean="0"/>
-              <a:t>Intuitive</a:t>
-            </a:r>
-          </a:p>
-        </p:txBody>
-      </p:sp>
-      <p:sp>
-        <p:nvSpPr>
-          <p:cNvPr id="3" name="TextBox 2"/>
-          <p:cNvSpPr txBox="1"/>
-          <p:nvPr/>
-        </p:nvSpPr>
-        <p:spPr>
-          <a:xfrm>
-            <a:off x="533398" y="304800"/>
-            <a:ext cx="6019802" cy="381000"/>
-          </a:xfrm>
-          <a:prstGeom prst="rect">
-            <a:avLst/>
-          </a:prstGeom>
-          <a:noFill/>
-        </p:spPr>
-        <p:txBody>
-          <a:bodyPr wrap="square" rtlCol="0">
-            <a:spAutoFit/>
-          </a:bodyPr>
-          <a:lstStyle/>
-          <a:p>
-            <a:r>
-              <a:rPr lang="en-US" b="1"/>
-              <a:t>Design</a:t>
-            </a:r>
-            <a:r>
-              <a:rPr lang="en-US"/>
-              <a:t> </a:t>
-            </a:r>
-            <a:r>
-              <a:rPr lang="en-US" b="1"/>
-              <a:t>Considerations</a:t>
-            </a:r>
-            <a:endParaRPr lang="en-US" b="1" dirty="0"/>
-          </a:p>
-        </p:txBody>
-      </p:sp>
-    </p:spTree>
-    <p:extLst>
-      <p:ext uri="{BB962C8B-B14F-4D97-AF65-F5344CB8AC3E}">
-        <p14:creationId xmlns:p14="http://schemas.microsoft.com/office/powerpoint/2010/main" val="3934321023"/>
-      </p:ext>
-    </p:extLst>
-  </p:cSld>
-  <p:clrMapOvr>
-    <a:masterClrMapping/>
-  </p:clrMapOvr>
-  <p:timing>
-    <p:tnLst>
-      <p:par>
-        <p:cTn id="1" dur="indefinite" restart="never" nodeType="tmRoot"/>
-      </p:par>
-    </p:tnLst>
-  </p:timing>
-</p:sld>
-</file>
-
-<file path=ppt/slides/slide7.xml><?xml version="1.0" encoding="utf-8"?>
-<p:sld xmlns:a="http://schemas.openxmlformats.org/drawingml/2006/main" xmlns:r="http://schemas.openxmlformats.org/officeDocument/2006/relationships" xmlns:p="http://schemas.openxmlformats.org/presentationml/2006/main">
-  <p:cSld>
-    <p:spTree>
-      <p:nvGrpSpPr>
-        <p:cNvPr id="1" name=""/>
-        <p:cNvGrpSpPr/>
-        <p:nvPr/>
-      </p:nvGrpSpPr>
-      <p:grpSpPr>
-        <a:xfrm>
-          <a:off x="0" y="0"/>
-          <a:ext cx="0" cy="0"/>
-          <a:chOff x="0" y="0"/>
-          <a:chExt cx="0" cy="0"/>
-        </a:xfrm>
-      </p:grpSpPr>
-      <p:sp>
-        <p:nvSpPr>
-          <p:cNvPr id="7" name="Slide Number Placeholder 6"/>
-          <p:cNvSpPr>
-            <a:spLocks noGrp="1"/>
-          </p:cNvSpPr>
-          <p:nvPr>
-            <p:ph type="sldNum" sz="quarter" idx="12"/>
-          </p:nvPr>
-        </p:nvSpPr>
-        <p:spPr/>
-        <p:txBody>
-          <a:bodyPr/>
-          <a:lstStyle/>
-          <a:p>
-            <a:fld id="{B6F15528-21DE-4FAA-801E-634DDDAF4B2B}" type="slidenum">
-              <a:rPr lang="en-US" smtClean="0"/>
-              <a:pPr/>
-              <a:t>7</a:t>
-            </a:fld>
-            <a:endParaRPr lang="en-US"/>
-          </a:p>
-        </p:txBody>
-      </p:sp>
-      <p:pic>
-        <p:nvPicPr>
-          <p:cNvPr id="8" name="Picture 2" descr="C:\Users\noaht_000\Documents\ECE411\Practicum2014\Wiki Images\logo.bmp"/>
-          <p:cNvPicPr>
-            <a:picLocks noChangeAspect="1" noChangeArrowheads="1"/>
-          </p:cNvPicPr>
-          <p:nvPr/>
-        </p:nvPicPr>
-        <p:blipFill>
-          <a:blip r:embed="rId2" cstate="print">
-            <a:extLst>
-              <a:ext uri="{28A0092B-C50C-407E-A947-70E740481C1C}">
-                <a14:useLocalDpi xmlns:a14="http://schemas.microsoft.com/office/drawing/2010/main" val="0"/>
-              </a:ext>
-            </a:extLst>
-          </a:blip>
-          <a:srcRect/>
-          <a:stretch>
-            <a:fillRect/>
-          </a:stretch>
-        </p:blipFill>
-        <p:spPr bwMode="auto">
-          <a:xfrm>
-            <a:off x="7391399" y="199181"/>
-            <a:ext cx="1477731" cy="639019"/>
-          </a:xfrm>
-          <a:prstGeom prst="rect">
-            <a:avLst/>
-          </a:prstGeom>
-          <a:noFill/>
-          <a:extLst>
-            <a:ext uri="{909E8E84-426E-40DD-AFC4-6F175D3DCCD1}">
-              <a14:hiddenFill xmlns:a14="http://schemas.microsoft.com/office/drawing/2010/main">
-                <a:solidFill>
-                  <a:srgbClr val="FFFFFF"/>
-                </a:solidFill>
-              </a14:hiddenFill>
-            </a:ext>
-          </a:extLst>
-        </p:spPr>
-      </p:pic>
-      <p:cxnSp>
-        <p:nvCxnSpPr>
-          <p:cNvPr id="9" name="Straight Connector 8"/>
-          <p:cNvCxnSpPr/>
-          <p:nvPr/>
-        </p:nvCxnSpPr>
-        <p:spPr>
-          <a:xfrm flipH="1">
-            <a:off x="533398" y="762000"/>
-            <a:ext cx="6857999" cy="0"/>
-          </a:xfrm>
-          <a:prstGeom prst="line">
-            <a:avLst/>
-          </a:prstGeom>
-          <a:ln w="38100">
-            <a:solidFill>
-              <a:schemeClr val="tx1"/>
-            </a:solidFill>
-          </a:ln>
-        </p:spPr>
-        <p:style>
-          <a:lnRef idx="1">
-            <a:schemeClr val="accent1"/>
-          </a:lnRef>
-          <a:fillRef idx="0">
-            <a:schemeClr val="accent1"/>
-          </a:fillRef>
-          <a:effectRef idx="0">
-            <a:schemeClr val="accent1"/>
-          </a:effectRef>
-          <a:fontRef idx="minor">
-            <a:schemeClr val="tx1"/>
-          </a:fontRef>
-        </p:style>
-      </p:cxnSp>
-      <p:sp>
-        <p:nvSpPr>
-          <p:cNvPr id="2" name="Rectangle 1"/>
-          <p:cNvSpPr/>
-          <p:nvPr/>
-        </p:nvSpPr>
-        <p:spPr>
-          <a:xfrm>
-            <a:off x="533398" y="990600"/>
-            <a:ext cx="5057776" cy="4659609"/>
-          </a:xfrm>
-          <a:prstGeom prst="rect">
-            <a:avLst/>
-          </a:prstGeom>
-        </p:spPr>
-        <p:txBody>
-          <a:bodyPr wrap="square">
-            <a:spAutoFit/>
-          </a:bodyPr>
-          <a:lstStyle/>
-          <a:p>
-            <a:pPr>
-              <a:lnSpc>
-                <a:spcPct val="107000"/>
-              </a:lnSpc>
-              <a:spcAft>
-                <a:spcPts val="800"/>
-              </a:spcAft>
-            </a:pPr>
-            <a:r>
-              <a:rPr lang="en-US" sz="2400" b="1" dirty="0" smtClean="0">
-                <a:latin typeface="Calibri" panose="020F0502020204030204" pitchFamily="34" charset="0"/>
-                <a:ea typeface="Calibri" panose="020F0502020204030204" pitchFamily="34" charset="0"/>
-                <a:cs typeface="Times New Roman" panose="02020603050405020304" pitchFamily="18" charset="0"/>
-              </a:rPr>
-              <a:t>Implementation</a:t>
-            </a:r>
-            <a:endParaRPr lang="en-US" sz="2400" b="1" dirty="0" smtClean="0">
-              <a:latin typeface="Calibri" panose="020F0502020204030204" pitchFamily="34" charset="0"/>
-              <a:ea typeface="Calibri" panose="020F0502020204030204" pitchFamily="34" charset="0"/>
-              <a:cs typeface="Times New Roman" panose="02020603050405020304" pitchFamily="18" charset="0"/>
-            </a:endParaRPr>
-          </a:p>
-          <a:p>
-            <a:pPr>
-              <a:lnSpc>
-                <a:spcPct val="107000"/>
-              </a:lnSpc>
-              <a:spcAft>
-                <a:spcPts val="800"/>
-              </a:spcAft>
-            </a:pPr>
-            <a:r>
-              <a:rPr lang="en-US" sz="2400" u="sng" dirty="0" smtClean="0">
-                <a:latin typeface="Calibri" panose="020F0502020204030204" pitchFamily="34" charset="0"/>
-                <a:cs typeface="Times New Roman" panose="02020603050405020304" pitchFamily="18" charset="0"/>
-              </a:rPr>
-              <a:t>Ultrasonic sensors </a:t>
-            </a:r>
-          </a:p>
-          <a:p>
-            <a:pPr marL="342900" indent="-342900">
-              <a:lnSpc>
-                <a:spcPct val="107000"/>
-              </a:lnSpc>
-              <a:spcAft>
-                <a:spcPts val="800"/>
-              </a:spcAft>
-              <a:buFont typeface="Arial" panose="020B0604020202020204" pitchFamily="34" charset="0"/>
-              <a:buChar char="•"/>
-            </a:pPr>
-            <a:r>
-              <a:rPr lang="en-US" sz="2400" dirty="0" smtClean="0">
-                <a:latin typeface="Calibri" panose="020F0502020204030204" pitchFamily="34" charset="0"/>
-                <a:cs typeface="Times New Roman" panose="02020603050405020304" pitchFamily="18" charset="0"/>
-              </a:rPr>
-              <a:t>HC-SR04</a:t>
-            </a:r>
-          </a:p>
-          <a:p>
-            <a:pPr marL="342900" indent="-342900">
-              <a:lnSpc>
-                <a:spcPct val="107000"/>
-              </a:lnSpc>
-              <a:spcAft>
-                <a:spcPts val="800"/>
-              </a:spcAft>
-              <a:buFont typeface="Arial" panose="020B0604020202020204" pitchFamily="34" charset="0"/>
-              <a:buChar char="•"/>
-            </a:pPr>
-            <a:r>
-              <a:rPr lang="en-US" sz="2400" dirty="0" smtClean="0">
-                <a:latin typeface="Calibri" panose="020F0502020204030204" pitchFamily="34" charset="0"/>
-                <a:cs typeface="Times New Roman" panose="02020603050405020304" pitchFamily="18" charset="0"/>
-              </a:rPr>
-              <a:t>Send and receive series of pulses when triggered</a:t>
-            </a:r>
-          </a:p>
-          <a:p>
-            <a:pPr marL="342900" indent="-342900">
-              <a:lnSpc>
-                <a:spcPct val="107000"/>
-              </a:lnSpc>
-              <a:spcAft>
-                <a:spcPts val="800"/>
-              </a:spcAft>
-              <a:buFont typeface="Arial" panose="020B0604020202020204" pitchFamily="34" charset="0"/>
-              <a:buChar char="•"/>
-            </a:pPr>
-            <a:r>
-              <a:rPr lang="en-US" sz="2400" dirty="0" smtClean="0">
-                <a:latin typeface="Calibri" panose="020F0502020204030204" pitchFamily="34" charset="0"/>
-                <a:cs typeface="Times New Roman" panose="02020603050405020304" pitchFamily="18" charset="0"/>
-              </a:rPr>
-              <a:t>Time between </a:t>
-            </a:r>
-            <a:r>
-              <a:rPr lang="en-US" sz="2400" dirty="0" err="1" smtClean="0">
-                <a:latin typeface="Calibri" panose="020F0502020204030204" pitchFamily="34" charset="0"/>
-                <a:cs typeface="Times New Roman" panose="02020603050405020304" pitchFamily="18" charset="0"/>
-              </a:rPr>
-              <a:t>tx</a:t>
-            </a:r>
-            <a:r>
-              <a:rPr lang="en-US" sz="2400" dirty="0" smtClean="0">
-                <a:latin typeface="Calibri" panose="020F0502020204030204" pitchFamily="34" charset="0"/>
-                <a:cs typeface="Times New Roman" panose="02020603050405020304" pitchFamily="18" charset="0"/>
-              </a:rPr>
-              <a:t> and </a:t>
-            </a:r>
-            <a:r>
-              <a:rPr lang="en-US" sz="2400" dirty="0" err="1" smtClean="0">
-                <a:latin typeface="Calibri" panose="020F0502020204030204" pitchFamily="34" charset="0"/>
-                <a:cs typeface="Times New Roman" panose="02020603050405020304" pitchFamily="18" charset="0"/>
-              </a:rPr>
-              <a:t>rx</a:t>
-            </a:r>
-            <a:r>
-              <a:rPr lang="en-US" sz="2400" dirty="0" smtClean="0">
-                <a:latin typeface="Calibri" panose="020F0502020204030204" pitchFamily="34" charset="0"/>
-                <a:cs typeface="Times New Roman" panose="02020603050405020304" pitchFamily="18" charset="0"/>
-              </a:rPr>
-              <a:t> passed as logic high</a:t>
-            </a:r>
-          </a:p>
-          <a:p>
-            <a:pPr marL="342900" indent="-342900">
-              <a:lnSpc>
-                <a:spcPct val="107000"/>
-              </a:lnSpc>
-              <a:spcAft>
-                <a:spcPts val="800"/>
-              </a:spcAft>
-              <a:buFont typeface="Arial" panose="020B0604020202020204" pitchFamily="34" charset="0"/>
-              <a:buChar char="•"/>
-            </a:pPr>
-            <a:r>
-              <a:rPr lang="en-US" sz="2400" dirty="0" smtClean="0">
-                <a:latin typeface="Calibri" panose="020F0502020204030204" pitchFamily="34" charset="0"/>
-                <a:cs typeface="Times New Roman" panose="02020603050405020304" pitchFamily="18" charset="0"/>
-              </a:rPr>
-              <a:t>Length of logic high tells timing to microprocessor</a:t>
-            </a:r>
-          </a:p>
-          <a:p>
-            <a:pPr marL="342900" indent="-342900">
-              <a:lnSpc>
-                <a:spcPct val="107000"/>
-              </a:lnSpc>
-              <a:spcAft>
-                <a:spcPts val="800"/>
-              </a:spcAft>
-              <a:buFont typeface="Arial" panose="020B0604020202020204" pitchFamily="34" charset="0"/>
-              <a:buChar char="•"/>
-            </a:pPr>
-            <a:r>
-              <a:rPr lang="en-US" sz="2400" dirty="0" smtClean="0">
-                <a:latin typeface="Calibri" panose="020F0502020204030204" pitchFamily="34" charset="0"/>
-                <a:cs typeface="Times New Roman" panose="02020603050405020304" pitchFamily="18" charset="0"/>
-              </a:rPr>
-              <a:t>Compatible with Arduino IDE</a:t>
-            </a:r>
-          </a:p>
-        </p:txBody>
-      </p:sp>
-      <p:pic>
-        <p:nvPicPr>
-          <p:cNvPr id="4" name="Picture 3"/>
-          <p:cNvPicPr>
-            <a:picLocks noChangeAspect="1"/>
-          </p:cNvPicPr>
-          <p:nvPr/>
-        </p:nvPicPr>
-        <p:blipFill>
-          <a:blip r:embed="rId3">
-            <a:extLst>
-              <a:ext uri="{28A0092B-C50C-407E-A947-70E740481C1C}">
-                <a14:useLocalDpi xmlns:a14="http://schemas.microsoft.com/office/drawing/2010/main" val="0"/>
-              </a:ext>
-            </a:extLst>
-          </a:blip>
-          <a:stretch>
-            <a:fillRect/>
-          </a:stretch>
-        </p:blipFill>
-        <p:spPr>
-          <a:xfrm>
-            <a:off x="5567434" y="2755900"/>
-            <a:ext cx="3340100" cy="3340100"/>
-          </a:xfrm>
-          <a:prstGeom prst="rect">
-            <a:avLst/>
-          </a:prstGeom>
-        </p:spPr>
-      </p:pic>
-    </p:spTree>
-    <p:extLst>
-      <p:ext uri="{BB962C8B-B14F-4D97-AF65-F5344CB8AC3E}">
-        <p14:creationId xmlns:p14="http://schemas.microsoft.com/office/powerpoint/2010/main" val="3828577778"/>
-      </p:ext>
-    </p:extLst>
-  </p:cSld>
-  <p:clrMapOvr>
-    <a:masterClrMapping/>
-  </p:clrMapOvr>
-  <p:timing>
-    <p:tnLst>
-      <p:par>
-        <p:cTn id="1" dur="indefinite" restart="never" nodeType="tmRoot"/>
-      </p:par>
-    </p:tnLst>
-  </p:timing>
-</p:sld>
-</file>
-
-<file path=ppt/slides/slide8.xml><?xml version="1.0" encoding="utf-8"?>
-<p:sld xmlns:a="http://schemas.openxmlformats.org/drawingml/2006/main" xmlns:r="http://schemas.openxmlformats.org/officeDocument/2006/relationships" xmlns:p="http://schemas.openxmlformats.org/presentationml/2006/main">
-  <p:cSld>
-    <p:spTree>
-      <p:nvGrpSpPr>
-        <p:cNvPr id="1" name=""/>
-        <p:cNvGrpSpPr/>
-        <p:nvPr/>
-      </p:nvGrpSpPr>
-      <p:grpSpPr>
-        <a:xfrm>
-          <a:off x="0" y="0"/>
-          <a:ext cx="0" cy="0"/>
-          <a:chOff x="0" y="0"/>
-          <a:chExt cx="0" cy="0"/>
-        </a:xfrm>
-      </p:grpSpPr>
-      <p:sp>
-        <p:nvSpPr>
-          <p:cNvPr id="7" name="Slide Number Placeholder 6"/>
-          <p:cNvSpPr>
-            <a:spLocks noGrp="1"/>
-          </p:cNvSpPr>
-          <p:nvPr>
-            <p:ph type="sldNum" sz="quarter" idx="12"/>
-          </p:nvPr>
-        </p:nvSpPr>
-        <p:spPr/>
-        <p:txBody>
-          <a:bodyPr/>
-          <a:lstStyle/>
-          <a:p>
-            <a:fld id="{B6F15528-21DE-4FAA-801E-634DDDAF4B2B}" type="slidenum">
-              <a:rPr lang="en-US" smtClean="0"/>
-              <a:pPr/>
-              <a:t>8</a:t>
-            </a:fld>
-            <a:endParaRPr lang="en-US"/>
-          </a:p>
-        </p:txBody>
-      </p:sp>
-      <p:pic>
-        <p:nvPicPr>
-          <p:cNvPr id="8" name="Picture 2" descr="C:\Users\noaht_000\Documents\ECE411\Practicum2014\Wiki Images\logo.bmp"/>
-          <p:cNvPicPr>
-            <a:picLocks noChangeAspect="1" noChangeArrowheads="1"/>
-          </p:cNvPicPr>
-          <p:nvPr/>
-        </p:nvPicPr>
-        <p:blipFill>
-          <a:blip r:embed="rId2" cstate="print">
-            <a:extLst>
-              <a:ext uri="{28A0092B-C50C-407E-A947-70E740481C1C}">
-                <a14:useLocalDpi xmlns:a14="http://schemas.microsoft.com/office/drawing/2010/main" val="0"/>
-              </a:ext>
-            </a:extLst>
-          </a:blip>
-          <a:srcRect/>
-          <a:stretch>
-            <a:fillRect/>
-          </a:stretch>
-        </p:blipFill>
-        <p:spPr bwMode="auto">
-          <a:xfrm>
-            <a:off x="7391399" y="199181"/>
-            <a:ext cx="1477731" cy="639019"/>
-          </a:xfrm>
-          <a:prstGeom prst="rect">
-            <a:avLst/>
-          </a:prstGeom>
-          <a:noFill/>
-          <a:extLst>
-            <a:ext uri="{909E8E84-426E-40DD-AFC4-6F175D3DCCD1}">
-              <a14:hiddenFill xmlns:a14="http://schemas.microsoft.com/office/drawing/2010/main">
-                <a:solidFill>
-                  <a:srgbClr val="FFFFFF"/>
-                </a:solidFill>
-              </a14:hiddenFill>
-            </a:ext>
-          </a:extLst>
-        </p:spPr>
-      </p:pic>
-      <p:cxnSp>
-        <p:nvCxnSpPr>
-          <p:cNvPr id="9" name="Straight Connector 8"/>
-          <p:cNvCxnSpPr/>
-          <p:nvPr/>
-        </p:nvCxnSpPr>
-        <p:spPr>
-          <a:xfrm flipH="1">
-            <a:off x="533398" y="762000"/>
-            <a:ext cx="6857999" cy="0"/>
-          </a:xfrm>
-          <a:prstGeom prst="line">
-            <a:avLst/>
-          </a:prstGeom>
-          <a:ln w="38100">
-            <a:solidFill>
-              <a:schemeClr val="tx1"/>
-            </a:solidFill>
-          </a:ln>
-        </p:spPr>
-        <p:style>
-          <a:lnRef idx="1">
-            <a:schemeClr val="accent1"/>
-          </a:lnRef>
-          <a:fillRef idx="0">
-            <a:schemeClr val="accent1"/>
-          </a:fillRef>
-          <a:effectRef idx="0">
-            <a:schemeClr val="accent1"/>
-          </a:effectRef>
-          <a:fontRef idx="minor">
-            <a:schemeClr val="tx1"/>
-          </a:fontRef>
-        </p:style>
-      </p:cxnSp>
-      <p:sp>
-        <p:nvSpPr>
-          <p:cNvPr id="2" name="TextBox 1"/>
-          <p:cNvSpPr txBox="1"/>
-          <p:nvPr/>
-        </p:nvSpPr>
-        <p:spPr>
-          <a:xfrm>
-            <a:off x="609600" y="1219200"/>
-            <a:ext cx="3657600" cy="5539978"/>
-          </a:xfrm>
-          <a:prstGeom prst="rect">
-            <a:avLst/>
-          </a:prstGeom>
-          <a:noFill/>
-        </p:spPr>
-        <p:txBody>
-          <a:bodyPr wrap="square" rtlCol="0">
-            <a:spAutoFit/>
-          </a:bodyPr>
-          <a:lstStyle/>
-          <a:p>
-            <a:r>
-              <a:rPr lang="en-US" sz="2400" u="sng" dirty="0" smtClean="0"/>
-              <a:t>Microprocessor</a:t>
-            </a:r>
-          </a:p>
-          <a:p>
-            <a:endParaRPr lang="en-US" sz="2400" u="sng" dirty="0"/>
-          </a:p>
-          <a:p>
-            <a:pPr marL="285750" indent="-285750">
-              <a:buFont typeface="Arial" panose="020B0604020202020204" pitchFamily="34" charset="0"/>
-              <a:buChar char="•"/>
-            </a:pPr>
-            <a:r>
-              <a:rPr lang="en-US" sz="2400" dirty="0" smtClean="0"/>
-              <a:t>ATMega328-PU</a:t>
-            </a:r>
-          </a:p>
-          <a:p>
-            <a:pPr marL="285750" indent="-285750">
-              <a:buFont typeface="Arial" panose="020B0604020202020204" pitchFamily="34" charset="0"/>
-              <a:buChar char="•"/>
-            </a:pPr>
-            <a:r>
-              <a:rPr lang="en-US" sz="2400" dirty="0" smtClean="0"/>
-              <a:t>8-bit microcontroller</a:t>
-            </a:r>
-          </a:p>
-          <a:p>
-            <a:pPr marL="285750" indent="-285750">
-              <a:buFont typeface="Arial" panose="020B0604020202020204" pitchFamily="34" charset="0"/>
-              <a:buChar char="•"/>
-            </a:pPr>
-            <a:r>
-              <a:rPr lang="en-US" sz="2400" dirty="0" smtClean="0"/>
-              <a:t>RISC Architecture</a:t>
-            </a:r>
-          </a:p>
-          <a:p>
-            <a:pPr marL="285750" indent="-285750">
-              <a:buFont typeface="Arial" panose="020B0604020202020204" pitchFamily="34" charset="0"/>
-              <a:buChar char="•"/>
-            </a:pPr>
-            <a:r>
-              <a:rPr lang="en-US" sz="2400" dirty="0" smtClean="0"/>
-              <a:t>Programmed with Arduino IDE</a:t>
-            </a:r>
-          </a:p>
-          <a:p>
-            <a:endParaRPr lang="en-US" sz="2400" dirty="0" smtClean="0"/>
-          </a:p>
-          <a:p>
-            <a:r>
-              <a:rPr lang="en-US" sz="2400" u="sng" dirty="0" smtClean="0"/>
-              <a:t>Functionality</a:t>
-            </a:r>
-            <a:endParaRPr lang="en-US" sz="2400" u="sng" dirty="0" smtClean="0"/>
-          </a:p>
-          <a:p>
-            <a:endParaRPr lang="en-US" sz="2400" dirty="0"/>
-          </a:p>
-          <a:p>
-            <a:pPr marL="285750" indent="-285750">
-              <a:buFont typeface="Arial" panose="020B0604020202020204" pitchFamily="34" charset="0"/>
-              <a:buChar char="•"/>
-            </a:pPr>
-            <a:r>
-              <a:rPr lang="en-US" sz="2400" dirty="0" smtClean="0"/>
-              <a:t>Trigger sensors</a:t>
-            </a:r>
-          </a:p>
-          <a:p>
-            <a:pPr marL="285750" indent="-285750">
-              <a:buFont typeface="Arial" panose="020B0604020202020204" pitchFamily="34" charset="0"/>
-              <a:buChar char="•"/>
-            </a:pPr>
-            <a:r>
-              <a:rPr lang="en-US" sz="2400" dirty="0" smtClean="0"/>
-              <a:t>Receive sensor data</a:t>
-            </a:r>
-          </a:p>
-          <a:p>
-            <a:pPr marL="285750" indent="-285750">
-              <a:buFont typeface="Arial" panose="020B0604020202020204" pitchFamily="34" charset="0"/>
-              <a:buChar char="•"/>
-            </a:pPr>
-            <a:r>
-              <a:rPr lang="en-US" sz="2400" dirty="0" smtClean="0"/>
-              <a:t>Output binary </a:t>
-            </a:r>
-            <a:r>
-              <a:rPr lang="en-US" sz="2400" dirty="0" smtClean="0"/>
-              <a:t>code for LED identification</a:t>
-            </a:r>
-            <a:endParaRPr lang="en-US" sz="2400" dirty="0" smtClean="0"/>
-          </a:p>
-          <a:p>
-            <a:endParaRPr lang="en-US" dirty="0"/>
-          </a:p>
-        </p:txBody>
-      </p:sp>
-      <p:pic>
-        <p:nvPicPr>
-          <p:cNvPr id="3" name="Picture 2"/>
-          <p:cNvPicPr>
-            <a:picLocks noChangeAspect="1"/>
-          </p:cNvPicPr>
-          <p:nvPr/>
-        </p:nvPicPr>
-        <p:blipFill>
-          <a:blip r:embed="rId3">
-            <a:extLst>
-              <a:ext uri="{28A0092B-C50C-407E-A947-70E740481C1C}">
-                <a14:useLocalDpi xmlns:a14="http://schemas.microsoft.com/office/drawing/2010/main" val="0"/>
-              </a:ext>
-            </a:extLst>
-          </a:blip>
-          <a:stretch>
-            <a:fillRect/>
-          </a:stretch>
-        </p:blipFill>
-        <p:spPr>
-          <a:xfrm>
-            <a:off x="4267200" y="1483636"/>
-            <a:ext cx="4267200" cy="3200400"/>
-          </a:xfrm>
-          <a:prstGeom prst="rect">
-            <a:avLst/>
-          </a:prstGeom>
-        </p:spPr>
-      </p:pic>
-    </p:spTree>
-    <p:extLst>
-      <p:ext uri="{BB962C8B-B14F-4D97-AF65-F5344CB8AC3E}">
-        <p14:creationId xmlns:p14="http://schemas.microsoft.com/office/powerpoint/2010/main" val="1403058786"/>
-      </p:ext>
-    </p:extLst>
-  </p:cSld>
-  <p:clrMapOvr>
-    <a:masterClrMapping/>
-  </p:clrMapOvr>
-  <p:timing>
-    <p:tnLst>
-      <p:par>
-        <p:cTn id="1" dur="indefinite" restart="never" nodeType="tmRoot"/>
-      </p:par>
-    </p:tnLst>
-  </p:timing>
-</p:sld>
-</file>
-
-<file path=ppt/slides/slide9.xml><?xml version="1.0" encoding="utf-8"?>
-<p:sld xmlns:a="http://schemas.openxmlformats.org/drawingml/2006/main" xmlns:r="http://schemas.openxmlformats.org/officeDocument/2006/relationships" xmlns:p="http://schemas.openxmlformats.org/presentationml/2006/main">
-  <p:cSld>
-    <p:spTree>
-      <p:nvGrpSpPr>
-        <p:cNvPr id="1" name=""/>
-        <p:cNvGrpSpPr/>
-        <p:nvPr/>
-      </p:nvGrpSpPr>
-      <p:grpSpPr>
-        <a:xfrm>
-          <a:off x="0" y="0"/>
-          <a:ext cx="0" cy="0"/>
-          <a:chOff x="0" y="0"/>
-          <a:chExt cx="0" cy="0"/>
-        </a:xfrm>
-      </p:grpSpPr>
-      <p:sp>
-        <p:nvSpPr>
-          <p:cNvPr id="7" name="Slide Number Placeholder 6"/>
-          <p:cNvSpPr>
-            <a:spLocks noGrp="1"/>
-          </p:cNvSpPr>
-          <p:nvPr>
-            <p:ph type="sldNum" sz="quarter" idx="12"/>
-          </p:nvPr>
-        </p:nvSpPr>
-        <p:spPr/>
-        <p:txBody>
-          <a:bodyPr/>
-          <a:lstStyle/>
-          <a:p>
-            <a:fld id="{B6F15528-21DE-4FAA-801E-634DDDAF4B2B}" type="slidenum">
-              <a:rPr lang="en-US" smtClean="0"/>
-              <a:pPr/>
-              <a:t>9</a:t>
-            </a:fld>
-            <a:endParaRPr lang="en-US"/>
-          </a:p>
-        </p:txBody>
-      </p:sp>
-      <p:pic>
-        <p:nvPicPr>
-          <p:cNvPr id="8" name="Picture 2" descr="C:\Users\noaht_000\Documents\ECE411\Practicum2014\Wiki Images\logo.bmp"/>
-          <p:cNvPicPr>
-            <a:picLocks noChangeAspect="1" noChangeArrowheads="1"/>
-          </p:cNvPicPr>
-          <p:nvPr/>
-        </p:nvPicPr>
-        <p:blipFill>
-          <a:blip r:embed="rId2" cstate="print">
-            <a:extLst>
-              <a:ext uri="{28A0092B-C50C-407E-A947-70E740481C1C}">
-                <a14:useLocalDpi xmlns:a14="http://schemas.microsoft.com/office/drawing/2010/main" val="0"/>
-              </a:ext>
-            </a:extLst>
-          </a:blip>
-          <a:srcRect/>
-          <a:stretch>
-            <a:fillRect/>
-          </a:stretch>
-        </p:blipFill>
-        <p:spPr bwMode="auto">
-          <a:xfrm>
-            <a:off x="7391399" y="199181"/>
-            <a:ext cx="1477731" cy="639019"/>
-          </a:xfrm>
-          <a:prstGeom prst="rect">
-            <a:avLst/>
-          </a:prstGeom>
-          <a:noFill/>
-          <a:extLst>
-            <a:ext uri="{909E8E84-426E-40DD-AFC4-6F175D3DCCD1}">
-              <a14:hiddenFill xmlns:a14="http://schemas.microsoft.com/office/drawing/2010/main">
-                <a:solidFill>
-                  <a:srgbClr val="FFFFFF"/>
-                </a:solidFill>
-              </a14:hiddenFill>
-            </a:ext>
-          </a:extLst>
-        </p:spPr>
-      </p:pic>
-      <p:cxnSp>
-        <p:nvCxnSpPr>
-          <p:cNvPr id="9" name="Straight Connector 8"/>
-          <p:cNvCxnSpPr/>
-          <p:nvPr/>
-        </p:nvCxnSpPr>
-        <p:spPr>
-          <a:xfrm flipH="1">
-            <a:off x="533398" y="762000"/>
-            <a:ext cx="6857999" cy="0"/>
-          </a:xfrm>
-          <a:prstGeom prst="line">
-            <a:avLst/>
-          </a:prstGeom>
-          <a:ln w="38100">
-            <a:solidFill>
-              <a:schemeClr val="tx1"/>
-            </a:solidFill>
-          </a:ln>
-        </p:spPr>
-        <p:style>
-          <a:lnRef idx="1">
-            <a:schemeClr val="accent1"/>
-          </a:lnRef>
-          <a:fillRef idx="0">
-            <a:schemeClr val="accent1"/>
-          </a:fillRef>
-          <a:effectRef idx="0">
-            <a:schemeClr val="accent1"/>
-          </a:effectRef>
-          <a:fontRef idx="minor">
-            <a:schemeClr val="tx1"/>
-          </a:fontRef>
-        </p:style>
-      </p:cxnSp>
-    </p:spTree>
-    <p:extLst>
-      <p:ext uri="{BB962C8B-B14F-4D97-AF65-F5344CB8AC3E}">
-        <p14:creationId xmlns:p14="http://schemas.microsoft.com/office/powerpoint/2010/main" val="3893253114"/>
+        <p14:creationId xmlns:p14="http://schemas.microsoft.com/office/powerpoint/2010/main" val="3268885243"/>
       </p:ext>
     </p:extLst>
   </p:cSld>

--- a/Presentation/T04_Presentation.pptx
+++ b/Presentation/T04_Presentation.pptx
@@ -1,6 +1,6 @@
 
 <file path=ppt/presentation.xml><?xml version="1.0" encoding="utf-8"?>
-<p:presentation xmlns:a="http://schemas.openxmlformats.org/drawingml/2006/main" xmlns:r="http://schemas.openxmlformats.org/officeDocument/2006/relationships" xmlns:p="http://schemas.openxmlformats.org/presentationml/2006/main" showSpecialPlsOnTitleSld="0" saveSubsetFonts="1">
+<p:presentation xmlns:a="http://schemas.openxmlformats.org/drawingml/2006/main" xmlns:r="http://schemas.openxmlformats.org/officeDocument/2006/relationships" xmlns:p="http://schemas.openxmlformats.org/presentationml/2006/main" showSpecialPlsOnTitleSld="0" embedTrueTypeFonts="1">
   <p:sldMasterIdLst>
     <p:sldMasterId id="2147483648" r:id="rId1"/>
   </p:sldMasterIdLst>
@@ -27,6 +27,19 @@
   </p:sldIdLst>
   <p:sldSz cx="9144000" cy="6858000" type="screen4x3"/>
   <p:notesSz cx="6858000" cy="9144000"/>
+  <p:embeddedFontLst>
+    <p:embeddedFont>
+      <p:font typeface="Fast Money" pitchFamily="2" charset="0"/>
+      <p:regular r:id="rId19"/>
+    </p:embeddedFont>
+    <p:embeddedFont>
+      <p:font typeface="Calibri" pitchFamily="34" charset="0"/>
+      <p:regular r:id="rId20"/>
+      <p:bold r:id="rId21"/>
+      <p:italic r:id="rId22"/>
+      <p:boldItalic r:id="rId23"/>
+    </p:embeddedFont>
+  </p:embeddedFontLst>
   <p:defaultTextStyle>
     <a:defPPr>
       <a:defRPr lang="en-US"/>
@@ -124,7 +137,7 @@
   </p:defaultTextStyle>
   <p:extLst>
     <p:ext uri="{EFAFB233-063F-42B5-8137-9DF3F51BA10A}">
-      <p15:sldGuideLst xmlns:p15="http://schemas.microsoft.com/office/powerpoint/2012/main">
+      <p15:sldGuideLst xmlns:p15="http://schemas.microsoft.com/office/powerpoint/2012/main" xmlns="">
         <p15:guide id="1" orient="horz" pos="2160">
           <p15:clr>
             <a:srgbClr val="A4A3A4"/>
@@ -223,7 +236,7 @@
           <a:p>
             <a:fld id="{7D2BA66B-4B43-4B31-8C46-01F4587945DE}" type="datetimeFigureOut">
               <a:rPr lang="en-US" smtClean="0"/>
-              <a:t>12/10/2014</a:t>
+              <a:t>12/11/2014</a:t>
             </a:fld>
             <a:endParaRPr lang="en-US"/>
           </a:p>
@@ -2004,7 +2017,7 @@
           <a:p>
             <a:fld id="{025B5F04-3DD3-4015-B751-EB091AF79283}" type="datetime1">
               <a:rPr lang="en-US" smtClean="0"/>
-              <a:t>12/10/2014</a:t>
+              <a:t>12/11/2014</a:t>
             </a:fld>
             <a:endParaRPr lang="en-US"/>
           </a:p>
@@ -2170,7 +2183,7 @@
           <a:p>
             <a:fld id="{90BEF6DF-84C5-4CB9-A878-58935F46D0CB}" type="datetime1">
               <a:rPr lang="en-US" smtClean="0"/>
-              <a:t>12/10/2014</a:t>
+              <a:t>12/11/2014</a:t>
             </a:fld>
             <a:endParaRPr lang="en-US"/>
           </a:p>
@@ -2346,7 +2359,7 @@
           <a:p>
             <a:fld id="{926F7C8E-82A0-4137-A012-6AB94CC2C3D0}" type="datetime1">
               <a:rPr lang="en-US" smtClean="0"/>
-              <a:t>12/10/2014</a:t>
+              <a:t>12/11/2014</a:t>
             </a:fld>
             <a:endParaRPr lang="en-US"/>
           </a:p>
@@ -2512,7 +2525,7 @@
           <a:p>
             <a:fld id="{6A159409-9D08-4690-825E-5ED9F03EE865}" type="datetime1">
               <a:rPr lang="en-US" smtClean="0"/>
-              <a:t>12/10/2014</a:t>
+              <a:t>12/11/2014</a:t>
             </a:fld>
             <a:endParaRPr lang="en-US"/>
           </a:p>
@@ -2754,7 +2767,7 @@
           <a:p>
             <a:fld id="{F1E2C436-A717-4F84-8496-7EEC60793F47}" type="datetime1">
               <a:rPr lang="en-US" smtClean="0"/>
-              <a:t>12/10/2014</a:t>
+              <a:t>12/11/2014</a:t>
             </a:fld>
             <a:endParaRPr lang="en-US"/>
           </a:p>
@@ -3038,7 +3051,7 @@
           <a:p>
             <a:fld id="{19304878-91CF-49FF-BB18-4640DC08F114}" type="datetime1">
               <a:rPr lang="en-US" smtClean="0"/>
-              <a:t>12/10/2014</a:t>
+              <a:t>12/11/2014</a:t>
             </a:fld>
             <a:endParaRPr lang="en-US"/>
           </a:p>
@@ -3456,7 +3469,7 @@
           <a:p>
             <a:fld id="{DE440A11-7842-4023-B4B1-5DAD949EF209}" type="datetime1">
               <a:rPr lang="en-US" smtClean="0"/>
-              <a:t>12/10/2014</a:t>
+              <a:t>12/11/2014</a:t>
             </a:fld>
             <a:endParaRPr lang="en-US"/>
           </a:p>
@@ -3570,7 +3583,7 @@
           <a:p>
             <a:fld id="{2E101D02-24BF-4BFB-80A5-AE8E6DB0539A}" type="datetime1">
               <a:rPr lang="en-US" smtClean="0"/>
-              <a:t>12/10/2014</a:t>
+              <a:t>12/11/2014</a:t>
             </a:fld>
             <a:endParaRPr lang="en-US"/>
           </a:p>
@@ -3661,7 +3674,7 @@
           <a:p>
             <a:fld id="{5E2FF4E6-EE57-4D29-829B-C404F7C131C6}" type="datetime1">
               <a:rPr lang="en-US" smtClean="0"/>
-              <a:t>12/10/2014</a:t>
+              <a:t>12/11/2014</a:t>
             </a:fld>
             <a:endParaRPr lang="en-US"/>
           </a:p>
@@ -3934,7 +3947,7 @@
           <a:p>
             <a:fld id="{BAAF4B9B-620F-499E-AF3A-2F71910048FD}" type="datetime1">
               <a:rPr lang="en-US" smtClean="0"/>
-              <a:t>12/10/2014</a:t>
+              <a:t>12/11/2014</a:t>
             </a:fld>
             <a:endParaRPr lang="en-US"/>
           </a:p>
@@ -4183,7 +4196,7 @@
           <a:p>
             <a:fld id="{136A608F-68E0-4239-BD3E-E06A458AFA0A}" type="datetime1">
               <a:rPr lang="en-US" smtClean="0"/>
-              <a:t>12/10/2014</a:t>
+              <a:t>12/11/2014</a:t>
             </a:fld>
             <a:endParaRPr lang="en-US"/>
           </a:p>
@@ -4392,7 +4405,7 @@
           <a:p>
             <a:fld id="{5211721D-4FFA-4AB5-9DBE-AEF9FD825DF9}" type="datetime1">
               <a:rPr lang="en-US" smtClean="0"/>
-              <a:t>12/10/2014</a:t>
+              <a:t>12/11/2014</a:t>
             </a:fld>
             <a:endParaRPr lang="en-US"/>
           </a:p>
@@ -4865,11 +4878,7 @@
             <a:pPr algn="ctr"/>
             <a:r>
               <a:rPr lang="en-US" sz="2800" dirty="0" smtClean="0"/>
-              <a:t>Noah </a:t>
-            </a:r>
-            <a:r>
-              <a:rPr lang="en-US" sz="2800" dirty="0" smtClean="0"/>
-              <a:t>Erickson</a:t>
+              <a:t>Noah Erickson</a:t>
             </a:r>
             <a:endParaRPr lang="en-US" sz="2800" dirty="0"/>
           </a:p>
@@ -4883,7 +4892,7 @@
         </p:nvCxnSpPr>
         <p:spPr>
           <a:xfrm flipH="1">
-            <a:off x="1109661" y="4038600"/>
+            <a:off x="1109662" y="4038600"/>
             <a:ext cx="6857999" cy="0"/>
           </a:xfrm>
           <a:prstGeom prst="line">
@@ -4918,8 +4927,8 @@
         </p:nvSpPr>
         <p:spPr>
           <a:xfrm>
-            <a:off x="3505200" y="5738809"/>
-            <a:ext cx="2590800" cy="646331"/>
+            <a:off x="2519361" y="5640058"/>
+            <a:ext cx="4038600" cy="646331"/>
           </a:xfrm>
           <a:prstGeom prst="rect">
             <a:avLst/>
@@ -4933,10 +4942,20 @@
           <a:lstStyle/>
           <a:p>
             <a:r>
-              <a:rPr lang="en-US" sz="3600" dirty="0" smtClean="0"/>
+              <a:rPr lang="en-US" sz="3600" dirty="0" smtClean="0">
+                <a:solidFill>
+                  <a:srgbClr val="0090FF"/>
+                </a:solidFill>
+                <a:latin typeface="Fast Money" pitchFamily="2" charset="0"/>
+              </a:rPr>
               <a:t>Team T04</a:t>
             </a:r>
-            <a:endParaRPr lang="en-US" sz="3600" dirty="0"/>
+            <a:endParaRPr lang="en-US" sz="3600" dirty="0">
+              <a:solidFill>
+                <a:srgbClr val="0090FF"/>
+              </a:solidFill>
+              <a:latin typeface="Fast Money" pitchFamily="2" charset="0"/>
+            </a:endParaRPr>
           </a:p>
         </p:txBody>
       </p:sp>
@@ -5282,14 +5301,14 @@
       </p:sp>
       <p:sp>
         <p:nvSpPr>
-          <p:cNvPr id="6" name="TextBox 5"/>
+          <p:cNvPr id="10" name="TextBox 9"/>
           <p:cNvSpPr txBox="1"/>
           <p:nvPr/>
         </p:nvSpPr>
         <p:spPr>
           <a:xfrm>
-            <a:off x="914400" y="304800"/>
-            <a:ext cx="1705019" cy="369332"/>
+            <a:off x="457200" y="199181"/>
+            <a:ext cx="4876800" cy="461665"/>
           </a:xfrm>
           <a:prstGeom prst="rect">
             <a:avLst/>
@@ -5297,16 +5316,26 @@
           <a:noFill/>
         </p:spPr>
         <p:txBody>
-          <a:bodyPr wrap="none" rtlCol="0">
+          <a:bodyPr wrap="square" rtlCol="0">
             <a:spAutoFit/>
           </a:bodyPr>
           <a:lstStyle/>
           <a:p>
             <a:r>
-              <a:rPr lang="en-US" dirty="0" smtClean="0"/>
-              <a:t>Code Algorithm</a:t>
-            </a:r>
-            <a:endParaRPr lang="en-US" dirty="0"/>
+              <a:rPr lang="en-US" sz="2400" dirty="0" smtClean="0">
+                <a:solidFill>
+                  <a:srgbClr val="0090F1"/>
+                </a:solidFill>
+                <a:latin typeface="Fast Money" pitchFamily="2" charset="0"/>
+              </a:rPr>
+              <a:t>Code algorithm</a:t>
+            </a:r>
+            <a:endParaRPr lang="en-US" sz="2400" dirty="0">
+              <a:solidFill>
+                <a:srgbClr val="0090F1"/>
+              </a:solidFill>
+              <a:latin typeface="Fast Money" pitchFamily="2" charset="0"/>
+            </a:endParaRPr>
           </a:p>
         </p:txBody>
       </p:sp>
@@ -5456,7 +5485,7 @@
         <p:spPr>
           <a:xfrm>
             <a:off x="914400" y="1143000"/>
-            <a:ext cx="7772400" cy="6278642"/>
+            <a:ext cx="7772400" cy="2031325"/>
           </a:xfrm>
           <a:prstGeom prst="rect">
             <a:avLst/>
@@ -5469,135 +5498,6 @@
           </a:bodyPr>
           <a:lstStyle/>
           <a:p>
-            <a:r>
-              <a:rPr lang="en-US" sz="2400" u="sng" dirty="0" smtClean="0"/>
-              <a:t>PCB Module Testing</a:t>
-            </a:r>
-            <a:r>
-              <a:rPr lang="en-US" u="sng" dirty="0" smtClean="0"/>
-              <a:t>:</a:t>
-            </a:r>
-          </a:p>
-          <a:p>
-            <a:endParaRPr lang="en-US" u="sng" dirty="0"/>
-          </a:p>
-          <a:p>
-            <a:pPr marL="285750" indent="-285750">
-              <a:buFont typeface="Arial" panose="020B0604020202020204" pitchFamily="34" charset="0"/>
-              <a:buChar char="•"/>
-            </a:pPr>
-            <a:r>
-              <a:rPr lang="en-US" dirty="0" smtClean="0"/>
-              <a:t>System consists of three separate boards, each with its own testing plan.</a:t>
-            </a:r>
-          </a:p>
-          <a:p>
-            <a:pPr lvl="1"/>
-            <a:endParaRPr lang="en-US" dirty="0" smtClean="0"/>
-          </a:p>
-          <a:p>
-            <a:pPr marL="742950" lvl="1" indent="-285750">
-              <a:buFont typeface="Arial" panose="020B0604020202020204" pitchFamily="34" charset="0"/>
-              <a:buChar char="•"/>
-            </a:pPr>
-            <a:r>
-              <a:rPr lang="en-US" dirty="0" smtClean="0"/>
-              <a:t>Display Board</a:t>
-            </a:r>
-          </a:p>
-          <a:p>
-            <a:pPr marL="1200150" lvl="2" indent="-285750">
-              <a:buFont typeface="Arial" panose="020B0604020202020204" pitchFamily="34" charset="0"/>
-              <a:buChar char="•"/>
-            </a:pPr>
-            <a:r>
-              <a:rPr lang="en-US" dirty="0" smtClean="0"/>
-              <a:t>Voltage and current checks on full power.</a:t>
-            </a:r>
-          </a:p>
-          <a:p>
-            <a:pPr marL="1200150" lvl="2" indent="-285750">
-              <a:buFont typeface="Arial" panose="020B0604020202020204" pitchFamily="34" charset="0"/>
-              <a:buChar char="•"/>
-            </a:pPr>
-            <a:r>
-              <a:rPr lang="en-US" dirty="0" smtClean="0"/>
-              <a:t>Pin by pin check of latches with Mux disabled.</a:t>
-            </a:r>
-          </a:p>
-          <a:p>
-            <a:pPr lvl="2"/>
-            <a:endParaRPr lang="en-US" dirty="0"/>
-          </a:p>
-          <a:p>
-            <a:pPr marL="742950" lvl="1" indent="-285750">
-              <a:buFont typeface="Arial" panose="020B0604020202020204" pitchFamily="34" charset="0"/>
-              <a:buChar char="•"/>
-            </a:pPr>
-            <a:r>
-              <a:rPr lang="en-US" dirty="0" smtClean="0"/>
-              <a:t>Processor Board</a:t>
-            </a:r>
-          </a:p>
-          <a:p>
-            <a:pPr marL="1200150" lvl="2" indent="-285750">
-              <a:buFont typeface="Arial" panose="020B0604020202020204" pitchFamily="34" charset="0"/>
-              <a:buChar char="•"/>
-            </a:pPr>
-            <a:r>
-              <a:rPr lang="en-US" dirty="0" smtClean="0"/>
-              <a:t>Voltage check for power supply.</a:t>
-            </a:r>
-          </a:p>
-          <a:p>
-            <a:pPr marL="1200150" lvl="2" indent="-285750">
-              <a:buFont typeface="Arial" panose="020B0604020202020204" pitchFamily="34" charset="0"/>
-              <a:buChar char="•"/>
-            </a:pPr>
-            <a:r>
-              <a:rPr lang="en-US" dirty="0" smtClean="0"/>
-              <a:t>Simple “Blink” output using serial pin loader. </a:t>
-            </a:r>
-          </a:p>
-          <a:p>
-            <a:pPr marL="1200150" lvl="2" indent="-285750">
-              <a:buFont typeface="Arial" panose="020B0604020202020204" pitchFamily="34" charset="0"/>
-              <a:buChar char="•"/>
-            </a:pPr>
-            <a:endParaRPr lang="en-US" dirty="0" smtClean="0"/>
-          </a:p>
-          <a:p>
-            <a:pPr marL="742950" lvl="1" indent="-285750">
-              <a:buFont typeface="Arial" panose="020B0604020202020204" pitchFamily="34" charset="0"/>
-              <a:buChar char="•"/>
-            </a:pPr>
-            <a:r>
-              <a:rPr lang="en-US" dirty="0" smtClean="0"/>
-              <a:t>Sensor Breakout</a:t>
-            </a:r>
-            <a:endParaRPr lang="en-US" dirty="0"/>
-          </a:p>
-          <a:p>
-            <a:pPr marL="1200150" lvl="2" indent="-285750">
-              <a:buFont typeface="Arial" panose="020B0604020202020204" pitchFamily="34" charset="0"/>
-              <a:buChar char="•"/>
-            </a:pPr>
-            <a:r>
-              <a:rPr lang="en-US" dirty="0" smtClean="0"/>
-              <a:t>Tested each sensor using Arduino Uno.</a:t>
-            </a:r>
-          </a:p>
-          <a:p>
-            <a:pPr marL="1200150" lvl="2" indent="-285750">
-              <a:buFont typeface="Arial" panose="020B0604020202020204" pitchFamily="34" charset="0"/>
-              <a:buChar char="•"/>
-            </a:pPr>
-            <a:r>
-              <a:rPr lang="en-US" dirty="0" smtClean="0"/>
-              <a:t>Verified  pin continuity once assembled.</a:t>
-            </a:r>
-          </a:p>
-          <a:p>
             <a:pPr marL="285750" indent="-285750">
               <a:buFont typeface="Arial" panose="020B0604020202020204" pitchFamily="34" charset="0"/>
               <a:buChar char="•"/>
@@ -5628,6 +5528,178 @@
           </a:p>
           <a:p>
             <a:endParaRPr lang="en-US" u="sng" dirty="0"/>
+          </a:p>
+        </p:txBody>
+      </p:sp>
+      <p:sp>
+        <p:nvSpPr>
+          <p:cNvPr id="6" name="TextBox 5"/>
+          <p:cNvSpPr txBox="1"/>
+          <p:nvPr/>
+        </p:nvSpPr>
+        <p:spPr>
+          <a:xfrm>
+            <a:off x="457200" y="199181"/>
+            <a:ext cx="5867400" cy="461665"/>
+          </a:xfrm>
+          <a:prstGeom prst="rect">
+            <a:avLst/>
+          </a:prstGeom>
+          <a:noFill/>
+        </p:spPr>
+        <p:txBody>
+          <a:bodyPr wrap="square" rtlCol="0">
+            <a:spAutoFit/>
+          </a:bodyPr>
+          <a:lstStyle/>
+          <a:p>
+            <a:r>
+              <a:rPr lang="en-US" sz="2400" dirty="0" err="1" smtClean="0">
+                <a:solidFill>
+                  <a:srgbClr val="0090F1"/>
+                </a:solidFill>
+                <a:latin typeface="Fast Money" pitchFamily="2" charset="0"/>
+              </a:rPr>
+              <a:t>Pcb</a:t>
+            </a:r>
+            <a:r>
+              <a:rPr lang="en-US" sz="2400" dirty="0" smtClean="0">
+                <a:solidFill>
+                  <a:srgbClr val="0090F1"/>
+                </a:solidFill>
+                <a:latin typeface="Fast Money" pitchFamily="2" charset="0"/>
+              </a:rPr>
+              <a:t> module testing</a:t>
+            </a:r>
+            <a:endParaRPr lang="en-US" sz="2400" dirty="0">
+              <a:solidFill>
+                <a:srgbClr val="0090F1"/>
+              </a:solidFill>
+              <a:latin typeface="Fast Money" pitchFamily="2" charset="0"/>
+            </a:endParaRPr>
+          </a:p>
+        </p:txBody>
+      </p:sp>
+      <p:sp>
+        <p:nvSpPr>
+          <p:cNvPr id="4" name="TextBox 3"/>
+          <p:cNvSpPr txBox="1"/>
+          <p:nvPr/>
+        </p:nvSpPr>
+        <p:spPr>
+          <a:xfrm>
+            <a:off x="609600" y="1143000"/>
+            <a:ext cx="6122061" cy="4154984"/>
+          </a:xfrm>
+          <a:prstGeom prst="rect">
+            <a:avLst/>
+          </a:prstGeom>
+          <a:noFill/>
+        </p:spPr>
+        <p:txBody>
+          <a:bodyPr wrap="none" rtlCol="0">
+            <a:spAutoFit/>
+          </a:bodyPr>
+          <a:lstStyle/>
+          <a:p>
+            <a:r>
+              <a:rPr lang="en-US" sz="2400" b="1" dirty="0" smtClean="0"/>
+              <a:t>Display Board</a:t>
+            </a:r>
+            <a:endParaRPr lang="en-US" sz="2400" dirty="0" smtClean="0"/>
+          </a:p>
+          <a:p>
+            <a:pPr marL="285750" indent="-285750">
+              <a:buFont typeface="Arial" pitchFamily="34" charset="0"/>
+              <a:buChar char="•"/>
+            </a:pPr>
+            <a:r>
+              <a:rPr lang="en-US" sz="2400" dirty="0" smtClean="0"/>
+              <a:t>Voltage and current checks on full power</a:t>
+            </a:r>
+          </a:p>
+          <a:p>
+            <a:pPr marL="285750" indent="-285750">
+              <a:buFont typeface="Arial" pitchFamily="34" charset="0"/>
+              <a:buChar char="•"/>
+            </a:pPr>
+            <a:r>
+              <a:rPr lang="en-US" sz="2400" dirty="0" smtClean="0"/>
+              <a:t>Pin by pin check of latches with Mux disabled</a:t>
+            </a:r>
+          </a:p>
+          <a:p>
+            <a:endParaRPr lang="en-US" sz="2400" dirty="0"/>
+          </a:p>
+          <a:p>
+            <a:r>
+              <a:rPr lang="en-US" sz="2400" b="1" dirty="0" smtClean="0"/>
+              <a:t>Processor Board</a:t>
+            </a:r>
+            <a:endParaRPr lang="en-US" sz="2400" dirty="0" smtClean="0"/>
+          </a:p>
+          <a:p>
+            <a:pPr marL="285750" indent="-285750">
+              <a:buFont typeface="Arial" pitchFamily="34" charset="0"/>
+              <a:buChar char="•"/>
+            </a:pPr>
+            <a:r>
+              <a:rPr lang="en-US" sz="2400" dirty="0" smtClean="0"/>
+              <a:t>Voltage check for power supply</a:t>
+            </a:r>
+          </a:p>
+          <a:p>
+            <a:pPr marL="285750" indent="-285750">
+              <a:buFont typeface="Arial" pitchFamily="34" charset="0"/>
+              <a:buChar char="•"/>
+            </a:pPr>
+            <a:r>
+              <a:rPr lang="en-US" sz="2400" dirty="0" smtClean="0"/>
+              <a:t>Simple “Blink” output using serial pin loader</a:t>
+            </a:r>
+          </a:p>
+          <a:p>
+            <a:pPr marL="285750" indent="-285750">
+              <a:buFont typeface="Arial" pitchFamily="34" charset="0"/>
+              <a:buChar char="•"/>
+            </a:pPr>
+            <a:endParaRPr lang="en-US" sz="2400" dirty="0"/>
+          </a:p>
+          <a:p>
+            <a:r>
+              <a:rPr lang="en-US" sz="2400" b="1" dirty="0" smtClean="0"/>
+              <a:t>Sensor Breakout</a:t>
+            </a:r>
+            <a:endParaRPr lang="en-US" sz="2400" dirty="0" smtClean="0"/>
+          </a:p>
+          <a:p>
+            <a:pPr marL="285750" indent="-285750">
+              <a:buFont typeface="Arial" pitchFamily="34" charset="0"/>
+              <a:buChar char="•"/>
+            </a:pPr>
+            <a:r>
+              <a:rPr lang="en-US" sz="2400" dirty="0" smtClean="0"/>
+              <a:t>Tested each sensor using an </a:t>
+            </a:r>
+            <a:r>
+              <a:rPr lang="en-US" sz="2400" dirty="0" err="1" smtClean="0"/>
+              <a:t>Arduino</a:t>
+            </a:r>
+            <a:r>
+              <a:rPr lang="en-US" sz="2400" dirty="0" smtClean="0"/>
+              <a:t> Uno</a:t>
+            </a:r>
+          </a:p>
+          <a:p>
+            <a:pPr marL="285750" indent="-285750">
+              <a:buFont typeface="Arial" pitchFamily="34" charset="0"/>
+              <a:buChar char="•"/>
+            </a:pPr>
+            <a:r>
+              <a:rPr lang="en-US" sz="2400" dirty="0" smtClean="0"/>
+              <a:t>Verified pin continuity once assembled</a:t>
+            </a:r>
+            <a:endParaRPr lang="en-US" sz="2400" dirty="0"/>
           </a:p>
         </p:txBody>
       </p:sp>
@@ -5777,7 +5849,7 @@
         <p:spPr>
           <a:xfrm>
             <a:off x="533398" y="1371600"/>
-            <a:ext cx="8153402" cy="4616648"/>
+            <a:ext cx="8153402" cy="3046988"/>
           </a:xfrm>
           <a:prstGeom prst="rect">
             <a:avLst/>
@@ -5790,19 +5862,6 @@
           </a:bodyPr>
           <a:lstStyle/>
           <a:p>
-            <a:r>
-              <a:rPr lang="en-US" sz="2400" u="sng" dirty="0" smtClean="0"/>
-              <a:t>Integration </a:t>
-            </a:r>
-            <a:r>
-              <a:rPr lang="en-US" sz="2400" u="sng" dirty="0"/>
-              <a:t>Testing:</a:t>
-            </a:r>
-          </a:p>
-          <a:p>
-            <a:endParaRPr lang="en-US" dirty="0"/>
-          </a:p>
-          <a:p>
             <a:pPr marL="285750" indent="-285750">
               <a:buFont typeface="Arial" panose="020B0604020202020204" pitchFamily="34" charset="0"/>
               <a:buChar char="•"/>
@@ -5851,21 +5910,53 @@
             </a:pPr>
             <a:r>
               <a:rPr lang="en-US" sz="2400" dirty="0" smtClean="0"/>
-              <a:t>Integration Test Two: Connect sensor boards to processor and run the short distance detection code.</a:t>
-            </a:r>
-          </a:p>
-          <a:p>
-            <a:pPr marL="285750" indent="-285750">
-              <a:buFont typeface="Arial" panose="020B0604020202020204" pitchFamily="34" charset="0"/>
-              <a:buChar char="•"/>
-            </a:pPr>
-            <a:endParaRPr lang="en-US" sz="2400" dirty="0"/>
-          </a:p>
-          <a:p>
-            <a:endParaRPr lang="en-US" dirty="0"/>
-          </a:p>
-          <a:p>
-            <a:endParaRPr lang="en-US" dirty="0"/>
+              <a:t>Integration Test Two: Connect sensor boards to processor and run the short distance detection code</a:t>
+            </a:r>
+            <a:r>
+              <a:rPr lang="en-US" sz="2400" dirty="0" smtClean="0"/>
+              <a:t>.</a:t>
+            </a:r>
+            <a:endParaRPr lang="en-US" sz="2400" dirty="0" smtClean="0"/>
+          </a:p>
+        </p:txBody>
+      </p:sp>
+      <p:sp>
+        <p:nvSpPr>
+          <p:cNvPr id="6" name="TextBox 5"/>
+          <p:cNvSpPr txBox="1"/>
+          <p:nvPr/>
+        </p:nvSpPr>
+        <p:spPr>
+          <a:xfrm>
+            <a:off x="457200" y="199181"/>
+            <a:ext cx="6629400" cy="461665"/>
+          </a:xfrm>
+          <a:prstGeom prst="rect">
+            <a:avLst/>
+          </a:prstGeom>
+          <a:noFill/>
+        </p:spPr>
+        <p:txBody>
+          <a:bodyPr wrap="square" rtlCol="0">
+            <a:spAutoFit/>
+          </a:bodyPr>
+          <a:lstStyle/>
+          <a:p>
+            <a:r>
+              <a:rPr lang="en-US" sz="2400" dirty="0" smtClean="0">
+                <a:solidFill>
+                  <a:srgbClr val="0090F1"/>
+                </a:solidFill>
+                <a:latin typeface="Fast Money" pitchFamily="2" charset="0"/>
+              </a:rPr>
+              <a:t>Integration testing</a:t>
+            </a:r>
+            <a:endParaRPr lang="en-US" sz="2400" dirty="0">
+              <a:solidFill>
+                <a:srgbClr val="0090F1"/>
+              </a:solidFill>
+              <a:latin typeface="Fast Money" pitchFamily="2" charset="0"/>
+            </a:endParaRPr>
           </a:p>
         </p:txBody>
       </p:sp>
@@ -6008,14 +6099,14 @@
       </p:cxnSp>
       <p:sp>
         <p:nvSpPr>
-          <p:cNvPr id="2" name="TextBox 1"/>
+          <p:cNvPr id="3" name="TextBox 2"/>
           <p:cNvSpPr txBox="1"/>
           <p:nvPr/>
         </p:nvSpPr>
         <p:spPr>
           <a:xfrm>
-            <a:off x="533398" y="228342"/>
-            <a:ext cx="5486402" cy="461665"/>
+            <a:off x="533398" y="990600"/>
+            <a:ext cx="7924802" cy="3785652"/>
           </a:xfrm>
           <a:prstGeom prst="rect">
             <a:avLst/>
@@ -6029,23 +6120,49 @@
           <a:lstStyle/>
           <a:p>
             <a:r>
+              <a:rPr lang="en-US" sz="2400" b="1" dirty="0" smtClean="0"/>
+              <a:t>NO MOD WIRES ON OUR LAYOUTS!</a:t>
+            </a:r>
+          </a:p>
+          <a:p>
+            <a:endParaRPr lang="en-US" sz="2400" b="1" dirty="0"/>
+          </a:p>
+          <a:p>
+            <a:r>
               <a:rPr lang="en-US" sz="2400" dirty="0" smtClean="0"/>
-              <a:t>Results</a:t>
-            </a:r>
+              <a:t>Some minor code modifications were made to iron timing when polling sensors. </a:t>
+            </a:r>
+          </a:p>
+          <a:p>
             <a:endParaRPr lang="en-US" sz="2400" dirty="0"/>
           </a:p>
-        </p:txBody>
-      </p:sp>
-      <p:sp>
-        <p:nvSpPr>
-          <p:cNvPr id="3" name="TextBox 2"/>
+          <a:p>
+            <a:r>
+              <a:rPr lang="en-US" sz="2400" dirty="0" smtClean="0"/>
+              <a:t>Thorough testing procedures on the breadboard prototype helped us avoid any major failures with the final build.</a:t>
+            </a:r>
+          </a:p>
+          <a:p>
+            <a:endParaRPr lang="en-US" sz="2400" dirty="0"/>
+          </a:p>
+          <a:p>
+            <a:r>
+              <a:rPr lang="en-US" sz="2400" dirty="0" smtClean="0"/>
+              <a:t>Rusty did manage to put 1 amp through a latch (installed backwards) but it survived.</a:t>
+            </a:r>
+          </a:p>
+        </p:txBody>
+      </p:sp>
+      <p:sp>
+        <p:nvSpPr>
+          <p:cNvPr id="10" name="TextBox 9"/>
           <p:cNvSpPr txBox="1"/>
           <p:nvPr/>
         </p:nvSpPr>
         <p:spPr>
           <a:xfrm>
-            <a:off x="533398" y="990600"/>
-            <a:ext cx="7924802" cy="4832092"/>
+            <a:off x="457200" y="199181"/>
+            <a:ext cx="4876800" cy="461665"/>
           </a:xfrm>
           <a:prstGeom prst="rect">
             <a:avLst/>
@@ -6059,36 +6176,20 @@
           <a:lstStyle/>
           <a:p>
             <a:r>
-              <a:rPr lang="en-US" sz="2800" b="1" dirty="0" smtClean="0"/>
-              <a:t>NO MOD WIRES ON OUR LAYOUTS!</a:t>
-            </a:r>
-          </a:p>
-          <a:p>
-            <a:endParaRPr lang="en-US" sz="2800" b="1" dirty="0"/>
-          </a:p>
-          <a:p>
-            <a:r>
-              <a:rPr lang="en-US" sz="2800" dirty="0" smtClean="0"/>
-              <a:t>Some minor code modifications were made to iron timing when polling sensors. </a:t>
-            </a:r>
-          </a:p>
-          <a:p>
-            <a:endParaRPr lang="en-US" sz="2800" dirty="0"/>
-          </a:p>
-          <a:p>
-            <a:r>
-              <a:rPr lang="en-US" sz="2800" dirty="0" smtClean="0"/>
-              <a:t>Thorough testing procedures on the breadboard prototype helped us avoid any major failures with the final build.</a:t>
-            </a:r>
-          </a:p>
-          <a:p>
-            <a:endParaRPr lang="en-US" sz="2800" dirty="0"/>
-          </a:p>
-          <a:p>
-            <a:r>
-              <a:rPr lang="en-US" sz="2800" dirty="0" smtClean="0"/>
-              <a:t>Rusty did manage to put 1 amp through a latch (installed backwards) but it survived.</a:t>
-            </a:r>
+              <a:rPr lang="en-US" sz="2400" dirty="0" smtClean="0">
+                <a:solidFill>
+                  <a:srgbClr val="0090F1"/>
+                </a:solidFill>
+                <a:latin typeface="Fast Money" pitchFamily="2" charset="0"/>
+              </a:rPr>
+              <a:t>results</a:t>
+            </a:r>
+            <a:endParaRPr lang="en-US" sz="2400" dirty="0">
+              <a:solidFill>
+                <a:srgbClr val="0090F1"/>
+              </a:solidFill>
+              <a:latin typeface="Fast Money" pitchFamily="2" charset="0"/>
+            </a:endParaRPr>
           </a:p>
         </p:txBody>
       </p:sp>
@@ -6231,36 +6332,6 @@
       </p:cxnSp>
       <p:sp>
         <p:nvSpPr>
-          <p:cNvPr id="2" name="TextBox 1"/>
-          <p:cNvSpPr txBox="1"/>
-          <p:nvPr/>
-        </p:nvSpPr>
-        <p:spPr>
-          <a:xfrm>
-            <a:off x="533398" y="199181"/>
-            <a:ext cx="6019802" cy="369332"/>
-          </a:xfrm>
-          <a:prstGeom prst="rect">
-            <a:avLst/>
-          </a:prstGeom>
-          <a:noFill/>
-        </p:spPr>
-        <p:txBody>
-          <a:bodyPr wrap="square" rtlCol="0">
-            <a:spAutoFit/>
-          </a:bodyPr>
-          <a:lstStyle/>
-          <a:p>
-            <a:r>
-              <a:rPr lang="en-US" dirty="0" smtClean="0"/>
-              <a:t>Lessons Learned</a:t>
-            </a:r>
-            <a:endParaRPr lang="en-US" dirty="0"/>
-          </a:p>
-        </p:txBody>
-      </p:sp>
-      <p:sp>
-        <p:nvSpPr>
           <p:cNvPr id="3" name="TextBox 2"/>
           <p:cNvSpPr txBox="1"/>
           <p:nvPr/>
@@ -6340,6 +6411,46 @@
               <a:t>Minimize number of boards</a:t>
             </a:r>
             <a:endParaRPr lang="en-US" sz="2400" dirty="0"/>
+          </a:p>
+        </p:txBody>
+      </p:sp>
+      <p:sp>
+        <p:nvSpPr>
+          <p:cNvPr id="10" name="TextBox 9"/>
+          <p:cNvSpPr txBox="1"/>
+          <p:nvPr/>
+        </p:nvSpPr>
+        <p:spPr>
+          <a:xfrm>
+            <a:off x="457200" y="199181"/>
+            <a:ext cx="4876800" cy="461665"/>
+          </a:xfrm>
+          <a:prstGeom prst="rect">
+            <a:avLst/>
+          </a:prstGeom>
+          <a:noFill/>
+        </p:spPr>
+        <p:txBody>
+          <a:bodyPr wrap="square" rtlCol="0">
+            <a:spAutoFit/>
+          </a:bodyPr>
+          <a:lstStyle/>
+          <a:p>
+            <a:r>
+              <a:rPr lang="en-US" sz="2400" dirty="0" smtClean="0">
+                <a:solidFill>
+                  <a:srgbClr val="0090F1"/>
+                </a:solidFill>
+                <a:latin typeface="Fast Money" pitchFamily="2" charset="0"/>
+              </a:rPr>
+              <a:t>Lessons learned</a:t>
+            </a:r>
+            <a:endParaRPr lang="en-US" sz="2400" dirty="0">
+              <a:solidFill>
+                <a:srgbClr val="0090F1"/>
+              </a:solidFill>
+              <a:latin typeface="Fast Money" pitchFamily="2" charset="0"/>
+            </a:endParaRPr>
           </a:p>
         </p:txBody>
       </p:sp>
@@ -6482,36 +6593,6 @@
       </p:cxnSp>
       <p:sp>
         <p:nvSpPr>
-          <p:cNvPr id="2" name="TextBox 1"/>
-          <p:cNvSpPr txBox="1"/>
-          <p:nvPr/>
-        </p:nvSpPr>
-        <p:spPr>
-          <a:xfrm>
-            <a:off x="533398" y="199181"/>
-            <a:ext cx="6096002" cy="369332"/>
-          </a:xfrm>
-          <a:prstGeom prst="rect">
-            <a:avLst/>
-          </a:prstGeom>
-          <a:noFill/>
-        </p:spPr>
-        <p:txBody>
-          <a:bodyPr wrap="square" rtlCol="0">
-            <a:spAutoFit/>
-          </a:bodyPr>
-          <a:lstStyle/>
-          <a:p>
-            <a:r>
-              <a:rPr lang="en-US" b="1" dirty="0" smtClean="0"/>
-              <a:t>Contributions</a:t>
-            </a:r>
-            <a:endParaRPr lang="en-US" b="1" dirty="0"/>
-          </a:p>
-        </p:txBody>
-      </p:sp>
-      <p:sp>
-        <p:nvSpPr>
           <p:cNvPr id="3" name="TextBox 2"/>
           <p:cNvSpPr txBox="1"/>
           <p:nvPr/>
@@ -6809,6 +6890,46 @@
           </a:p>
           <a:p>
             <a:endParaRPr lang="en-US" dirty="0"/>
+          </a:p>
+        </p:txBody>
+      </p:sp>
+      <p:sp>
+        <p:nvSpPr>
+          <p:cNvPr id="10" name="TextBox 9"/>
+          <p:cNvSpPr txBox="1"/>
+          <p:nvPr/>
+        </p:nvSpPr>
+        <p:spPr>
+          <a:xfrm>
+            <a:off x="457200" y="199181"/>
+            <a:ext cx="4876800" cy="461665"/>
+          </a:xfrm>
+          <a:prstGeom prst="rect">
+            <a:avLst/>
+          </a:prstGeom>
+          <a:noFill/>
+        </p:spPr>
+        <p:txBody>
+          <a:bodyPr wrap="square" rtlCol="0">
+            <a:spAutoFit/>
+          </a:bodyPr>
+          <a:lstStyle/>
+          <a:p>
+            <a:r>
+              <a:rPr lang="en-US" sz="2400" dirty="0" smtClean="0">
+                <a:solidFill>
+                  <a:srgbClr val="0090F1"/>
+                </a:solidFill>
+                <a:latin typeface="Fast Money" pitchFamily="2" charset="0"/>
+              </a:rPr>
+              <a:t>contributions</a:t>
+            </a:r>
+            <a:endParaRPr lang="en-US" sz="2400" dirty="0">
+              <a:solidFill>
+                <a:srgbClr val="0090F1"/>
+              </a:solidFill>
+              <a:latin typeface="Fast Money" pitchFamily="2" charset="0"/>
+            </a:endParaRPr>
           </a:p>
         </p:txBody>
       </p:sp>
@@ -6870,10 +6991,20 @@
           <a:lstStyle/>
           <a:p>
             <a:r>
-              <a:rPr lang="en-US" dirty="0" smtClean="0"/>
+              <a:rPr lang="en-US" dirty="0" smtClean="0">
+                <a:solidFill>
+                  <a:srgbClr val="0090F1"/>
+                </a:solidFill>
+                <a:latin typeface="Fast Money" pitchFamily="2" charset="0"/>
+              </a:rPr>
               <a:t>Questions?</a:t>
             </a:r>
-            <a:endParaRPr lang="en-US" dirty="0"/>
+            <a:endParaRPr lang="en-US" dirty="0">
+              <a:solidFill>
+                <a:srgbClr val="0090F1"/>
+              </a:solidFill>
+              <a:latin typeface="Fast Money" pitchFamily="2" charset="0"/>
+            </a:endParaRPr>
           </a:p>
         </p:txBody>
       </p:sp>
@@ -6923,7 +7054,7 @@
         </p:blipFill>
         <p:spPr>
           <a:xfrm>
-            <a:off x="722193" y="1600200"/>
+            <a:off x="846667" y="1600200"/>
             <a:ext cx="7450667" cy="4191000"/>
           </a:xfrm>
           <a:prstGeom prst="rect">
@@ -7070,7 +7201,7 @@
         <p:spPr>
           <a:xfrm>
             <a:off x="533397" y="1066800"/>
-            <a:ext cx="8153403" cy="4146648"/>
+            <a:ext cx="8153403" cy="3648884"/>
           </a:xfrm>
           <a:prstGeom prst="rect">
             <a:avLst/>
@@ -7081,29 +7212,6 @@
             <a:spAutoFit/>
           </a:bodyPr>
           <a:lstStyle/>
-          <a:p>
-            <a:pPr>
-              <a:lnSpc>
-                <a:spcPct val="107000"/>
-              </a:lnSpc>
-              <a:spcAft>
-                <a:spcPts val="800"/>
-              </a:spcAft>
-            </a:pPr>
-            <a:r>
-              <a:rPr lang="en-US" sz="2400" b="1" dirty="0" smtClean="0">
-                <a:latin typeface="Calibri" panose="020F0502020204030204" pitchFamily="34" charset="0"/>
-                <a:ea typeface="Calibri" panose="020F0502020204030204" pitchFamily="34" charset="0"/>
-                <a:cs typeface="Times New Roman" panose="02020603050405020304" pitchFamily="18" charset="0"/>
-              </a:rPr>
-              <a:t>Problem</a:t>
-            </a:r>
-            <a:endParaRPr lang="en-US" sz="2400" dirty="0" smtClean="0">
-              <a:latin typeface="Calibri" panose="020F0502020204030204" pitchFamily="34" charset="0"/>
-              <a:ea typeface="Calibri" panose="020F0502020204030204" pitchFamily="34" charset="0"/>
-              <a:cs typeface="Times New Roman" panose="02020603050405020304" pitchFamily="18" charset="0"/>
-            </a:endParaRPr>
-          </a:p>
           <a:p>
             <a:pPr marL="342900" marR="0" lvl="0" indent="-342900">
               <a:lnSpc>
@@ -7300,6 +7408,46 @@
               <a:latin typeface="Calibri" panose="020F0502020204030204" pitchFamily="34" charset="0"/>
               <a:ea typeface="Calibri" panose="020F0502020204030204" pitchFamily="34" charset="0"/>
               <a:cs typeface="Times New Roman" panose="02020603050405020304" pitchFamily="18" charset="0"/>
+            </a:endParaRPr>
+          </a:p>
+        </p:txBody>
+      </p:sp>
+      <p:sp>
+        <p:nvSpPr>
+          <p:cNvPr id="3" name="TextBox 2"/>
+          <p:cNvSpPr txBox="1"/>
+          <p:nvPr/>
+        </p:nvSpPr>
+        <p:spPr>
+          <a:xfrm>
+            <a:off x="457200" y="199181"/>
+            <a:ext cx="2971800" cy="461665"/>
+          </a:xfrm>
+          <a:prstGeom prst="rect">
+            <a:avLst/>
+          </a:prstGeom>
+          <a:noFill/>
+        </p:spPr>
+        <p:txBody>
+          <a:bodyPr wrap="square" rtlCol="0">
+            <a:spAutoFit/>
+          </a:bodyPr>
+          <a:lstStyle/>
+          <a:p>
+            <a:r>
+              <a:rPr lang="en-US" sz="2400" dirty="0" smtClean="0">
+                <a:solidFill>
+                  <a:srgbClr val="0090F1"/>
+                </a:solidFill>
+                <a:latin typeface="Fast Money" pitchFamily="2" charset="0"/>
+              </a:rPr>
+              <a:t>PROBLEM</a:t>
+            </a:r>
+            <a:endParaRPr lang="en-US" sz="2400" dirty="0">
+              <a:solidFill>
+                <a:srgbClr val="0090F1"/>
+              </a:solidFill>
+              <a:latin typeface="Fast Money" pitchFamily="2" charset="0"/>
             </a:endParaRPr>
           </a:p>
         </p:txBody>
@@ -7450,7 +7598,7 @@
         <p:spPr>
           <a:xfrm>
             <a:off x="555006" y="1062363"/>
-            <a:ext cx="8131793" cy="5652830"/>
+            <a:ext cx="8131793" cy="5155066"/>
           </a:xfrm>
           <a:prstGeom prst="rect">
             <a:avLst/>
@@ -7471,35 +7619,20 @@
               </a:spcAft>
             </a:pPr>
             <a:r>
-              <a:rPr lang="en-US" sz="2400" b="1" dirty="0">
-                <a:latin typeface="Calibri" panose="020F0502020204030204" pitchFamily="34" charset="0"/>
-                <a:ea typeface="Calibri" panose="020F0502020204030204" pitchFamily="34" charset="0"/>
-                <a:cs typeface="Times New Roman" panose="02020603050405020304" pitchFamily="18" charset="0"/>
-              </a:rPr>
-              <a:t>Objective</a:t>
-            </a:r>
-            <a:endParaRPr lang="en-US" sz="2400" dirty="0">
-              <a:latin typeface="Calibri" panose="020F0502020204030204" pitchFamily="34" charset="0"/>
-              <a:ea typeface="Calibri" panose="020F0502020204030204" pitchFamily="34" charset="0"/>
-              <a:cs typeface="Times New Roman" panose="02020603050405020304" pitchFamily="18" charset="0"/>
-            </a:endParaRPr>
-          </a:p>
-          <a:p>
-            <a:pPr>
-              <a:lnSpc>
-                <a:spcPct val="107000"/>
-              </a:lnSpc>
-              <a:spcAft>
-                <a:spcPts val="800"/>
-              </a:spcAft>
-            </a:pPr>
-            <a:r>
               <a:rPr lang="en-US" sz="2400" dirty="0" smtClean="0">
                 <a:latin typeface="Calibri" panose="020F0502020204030204" pitchFamily="34" charset="0"/>
                 <a:ea typeface="Calibri" panose="020F0502020204030204" pitchFamily="34" charset="0"/>
                 <a:cs typeface="Times New Roman" panose="02020603050405020304" pitchFamily="18" charset="0"/>
               </a:rPr>
-              <a:t>A working prototype that will give visual indication of position of close proximity traffic to the rear and sides of the motorcycle behind the rider’s field of view.  A simple non-video display will lend an old-school vibe to appeal to vintage enthusiasts.</a:t>
+              <a:t>A </a:t>
+            </a:r>
+            <a:r>
+              <a:rPr lang="en-US" sz="2400" dirty="0" smtClean="0">
+                <a:latin typeface="Calibri" panose="020F0502020204030204" pitchFamily="34" charset="0"/>
+                <a:ea typeface="Calibri" panose="020F0502020204030204" pitchFamily="34" charset="0"/>
+                <a:cs typeface="Times New Roman" panose="02020603050405020304" pitchFamily="18" charset="0"/>
+              </a:rPr>
+              <a:t>working prototype that will give visual indication of position of close proximity traffic to the rear and sides of the motorcycle behind the rider’s field of view.  A simple non-video display will lend an old-school vibe to appeal to vintage enthusiasts.</a:t>
             </a:r>
           </a:p>
           <a:p>
@@ -7614,6 +7747,46 @@
               <a:latin typeface="Calibri" panose="020F0502020204030204" pitchFamily="34" charset="0"/>
               <a:ea typeface="Calibri" panose="020F0502020204030204" pitchFamily="34" charset="0"/>
               <a:cs typeface="Times New Roman" panose="02020603050405020304" pitchFamily="18" charset="0"/>
+            </a:endParaRPr>
+          </a:p>
+        </p:txBody>
+      </p:sp>
+      <p:sp>
+        <p:nvSpPr>
+          <p:cNvPr id="11" name="TextBox 10"/>
+          <p:cNvSpPr txBox="1"/>
+          <p:nvPr/>
+        </p:nvSpPr>
+        <p:spPr>
+          <a:xfrm>
+            <a:off x="457200" y="199181"/>
+            <a:ext cx="2971800" cy="461665"/>
+          </a:xfrm>
+          <a:prstGeom prst="rect">
+            <a:avLst/>
+          </a:prstGeom>
+          <a:noFill/>
+        </p:spPr>
+        <p:txBody>
+          <a:bodyPr wrap="square" rtlCol="0">
+            <a:spAutoFit/>
+          </a:bodyPr>
+          <a:lstStyle/>
+          <a:p>
+            <a:r>
+              <a:rPr lang="en-US" sz="2400" dirty="0" smtClean="0">
+                <a:solidFill>
+                  <a:srgbClr val="0090F1"/>
+                </a:solidFill>
+                <a:latin typeface="Fast Money" pitchFamily="2" charset="0"/>
+              </a:rPr>
+              <a:t>Objective</a:t>
+            </a:r>
+            <a:endParaRPr lang="en-US" sz="2400" dirty="0">
+              <a:solidFill>
+                <a:srgbClr val="0090F1"/>
+              </a:solidFill>
+              <a:latin typeface="Fast Money" pitchFamily="2" charset="0"/>
             </a:endParaRPr>
           </a:p>
         </p:txBody>
@@ -7855,25 +8028,7 @@
                 <a:ea typeface="Calibri" panose="020F0502020204030204" pitchFamily="34" charset="0"/>
                 <a:cs typeface="Times New Roman" panose="02020603050405020304" pitchFamily="18" charset="0"/>
               </a:rPr>
-              <a:t>Real-time </a:t>
-            </a:r>
-            <a:r>
-              <a:rPr lang="en-US" sz="2400" dirty="0" smtClean="0">
-                <a:effectLst/>
-                <a:latin typeface="Calibri" panose="020F0502020204030204" pitchFamily="34" charset="0"/>
-                <a:ea typeface="Calibri" panose="020F0502020204030204" pitchFamily="34" charset="0"/>
-                <a:cs typeface="Times New Roman" panose="02020603050405020304" pitchFamily="18" charset="0"/>
-              </a:rPr>
-              <a:t>visual indication of distance to rear and </a:t>
-            </a:r>
-            <a:r>
-              <a:rPr lang="en-US" sz="2400" dirty="0" smtClean="0">
-                <a:effectLst/>
-                <a:latin typeface="Calibri" panose="020F0502020204030204" pitchFamily="34" charset="0"/>
-                <a:ea typeface="Calibri" panose="020F0502020204030204" pitchFamily="34" charset="0"/>
-                <a:cs typeface="Times New Roman" panose="02020603050405020304" pitchFamily="18" charset="0"/>
-              </a:rPr>
-              <a:t>sides</a:t>
+              <a:t>Real-time visual indication of distance to rear and sides</a:t>
             </a:r>
           </a:p>
           <a:p>
@@ -8034,21 +8189,8 @@
                 <a:ea typeface="Calibri" panose="020F0502020204030204" pitchFamily="34" charset="0"/>
                 <a:cs typeface="Times New Roman" panose="02020603050405020304" pitchFamily="18" charset="0"/>
               </a:rPr>
-              <a:t>Bright </a:t>
-            </a:r>
-            <a:r>
-              <a:rPr lang="en-US" sz="2400" dirty="0" smtClean="0">
-                <a:latin typeface="Calibri" panose="020F0502020204030204" pitchFamily="34" charset="0"/>
-                <a:ea typeface="Calibri" panose="020F0502020204030204" pitchFamily="34" charset="0"/>
-                <a:cs typeface="Times New Roman" panose="02020603050405020304" pitchFamily="18" charset="0"/>
-              </a:rPr>
-              <a:t>enough for sunlit conditions.	</a:t>
-            </a:r>
-            <a:endParaRPr lang="en-US" sz="2400" dirty="0" smtClean="0">
-              <a:latin typeface="Calibri" panose="020F0502020204030204" pitchFamily="34" charset="0"/>
-              <a:ea typeface="Calibri" panose="020F0502020204030204" pitchFamily="34" charset="0"/>
-              <a:cs typeface="Times New Roman" panose="02020603050405020304" pitchFamily="18" charset="0"/>
-            </a:endParaRPr>
+              <a:t>Bright enough for sunlit conditions.	</a:t>
+            </a:r>
           </a:p>
           <a:p>
             <a:pPr marL="342900" marR="0" lvl="0" indent="-342900">
@@ -8070,16 +8212,48 @@
                 <a:ea typeface="Calibri" panose="020F0502020204030204" pitchFamily="34" charset="0"/>
                 <a:cs typeface="Times New Roman" panose="02020603050405020304" pitchFamily="18" charset="0"/>
               </a:rPr>
-              <a:t>Low </a:t>
-            </a:r>
+              <a:t>Low profile and easily mounted</a:t>
+            </a:r>
+          </a:p>
+        </p:txBody>
+      </p:sp>
+      <p:sp>
+        <p:nvSpPr>
+          <p:cNvPr id="6" name="TextBox 5"/>
+          <p:cNvSpPr txBox="1"/>
+          <p:nvPr/>
+        </p:nvSpPr>
+        <p:spPr>
+          <a:xfrm>
+            <a:off x="457200" y="199181"/>
+            <a:ext cx="4648200" cy="461665"/>
+          </a:xfrm>
+          <a:prstGeom prst="rect">
+            <a:avLst/>
+          </a:prstGeom>
+          <a:noFill/>
+        </p:spPr>
+        <p:txBody>
+          <a:bodyPr wrap="square" rtlCol="0">
+            <a:spAutoFit/>
+          </a:bodyPr>
+          <a:lstStyle/>
+          <a:p>
             <a:r>
               <a:rPr lang="en-US" sz="2400" dirty="0" smtClean="0">
-                <a:latin typeface="Calibri" panose="020F0502020204030204" pitchFamily="34" charset="0"/>
-                <a:ea typeface="Calibri" panose="020F0502020204030204" pitchFamily="34" charset="0"/>
-                <a:cs typeface="Times New Roman" panose="02020603050405020304" pitchFamily="18" charset="0"/>
+                <a:solidFill>
+                  <a:srgbClr val="0090F1"/>
+                </a:solidFill>
+                <a:latin typeface="Fast Money" pitchFamily="2" charset="0"/>
               </a:rPr>
-              <a:t>profile and easily mounted</a:t>
-            </a:r>
+              <a:t>Requirements</a:t>
+            </a:r>
+            <a:endParaRPr lang="en-US" sz="2400" dirty="0">
+              <a:solidFill>
+                <a:srgbClr val="0090F1"/>
+              </a:solidFill>
+              <a:latin typeface="Fast Money" pitchFamily="2" charset="0"/>
+            </a:endParaRPr>
           </a:p>
         </p:txBody>
       </p:sp>
@@ -8406,14 +8580,14 @@
       </p:sp>
       <p:sp>
         <p:nvSpPr>
-          <p:cNvPr id="3" name="TextBox 2"/>
+          <p:cNvPr id="10" name="TextBox 9"/>
           <p:cNvSpPr txBox="1"/>
           <p:nvPr/>
         </p:nvSpPr>
         <p:spPr>
           <a:xfrm>
-            <a:off x="533398" y="304800"/>
-            <a:ext cx="6019802" cy="381000"/>
+            <a:off x="457200" y="199181"/>
+            <a:ext cx="6858000" cy="461665"/>
           </a:xfrm>
           <a:prstGeom prst="rect">
             <a:avLst/>
@@ -8427,18 +8601,38 @@
           <a:lstStyle/>
           <a:p>
             <a:r>
-              <a:rPr lang="en-US" b="1"/>
+              <a:rPr lang="en-US" sz="2400" dirty="0" smtClean="0">
+                <a:solidFill>
+                  <a:srgbClr val="0090F1"/>
+                </a:solidFill>
+                <a:latin typeface="Fast Money" pitchFamily="2" charset="0"/>
+              </a:rPr>
               <a:t>Design</a:t>
             </a:r>
             <a:r>
-              <a:rPr lang="en-US"/>
+              <a:rPr lang="en-US" sz="2400" dirty="0" smtClean="0">
+                <a:solidFill>
+                  <a:srgbClr val="41DCF1"/>
+                </a:solidFill>
+                <a:latin typeface="Fast Money" pitchFamily="2" charset="0"/>
+              </a:rPr>
               <a:t> </a:t>
             </a:r>
             <a:r>
-              <a:rPr lang="en-US" b="1"/>
-              <a:t>Considerations</a:t>
-            </a:r>
-            <a:endParaRPr lang="en-US" b="1" dirty="0"/>
+              <a:rPr lang="en-US" sz="2400" dirty="0" smtClean="0">
+                <a:solidFill>
+                  <a:srgbClr val="0090F1"/>
+                </a:solidFill>
+                <a:latin typeface="Fast Money" pitchFamily="2" charset="0"/>
+              </a:rPr>
+              <a:t>considerations</a:t>
+            </a:r>
+            <a:endParaRPr lang="en-US" sz="2400" dirty="0">
+              <a:solidFill>
+                <a:srgbClr val="0090F1"/>
+              </a:solidFill>
+              <a:latin typeface="Fast Money" pitchFamily="2" charset="0"/>
+            </a:endParaRPr>
           </a:p>
         </p:txBody>
       </p:sp>
@@ -8588,7 +8782,7 @@
         <p:spPr>
           <a:xfrm>
             <a:off x="533398" y="990600"/>
-            <a:ext cx="5057776" cy="4659609"/>
+            <a:ext cx="5057776" cy="4161845"/>
           </a:xfrm>
           <a:prstGeom prst="rect">
             <a:avLst/>
@@ -8611,27 +8805,16 @@
             <a:r>
               <a:rPr lang="en-US" sz="2400" b="1" dirty="0" smtClean="0">
                 <a:latin typeface="Calibri" panose="020F0502020204030204" pitchFamily="34" charset="0"/>
-                <a:ea typeface="Calibri" panose="020F0502020204030204" pitchFamily="34" charset="0"/>
                 <a:cs typeface="Times New Roman" panose="02020603050405020304" pitchFamily="18" charset="0"/>
               </a:rPr>
-              <a:t>Implementation</a:t>
-            </a:r>
-          </a:p>
-          <a:p>
-            <a:pPr>
-              <a:lnSpc>
-                <a:spcPct val="107000"/>
-              </a:lnSpc>
-              <a:spcAft>
-                <a:spcPts val="800"/>
-              </a:spcAft>
-            </a:pPr>
-            <a:r>
-              <a:rPr lang="en-US" sz="2400" u="sng" dirty="0" smtClean="0">
+              <a:t>Ultrasonic </a:t>
+            </a:r>
+            <a:r>
+              <a:rPr lang="en-US" sz="2400" b="1" dirty="0" smtClean="0">
                 <a:latin typeface="Calibri" panose="020F0502020204030204" pitchFamily="34" charset="0"/>
                 <a:cs typeface="Times New Roman" panose="02020603050405020304" pitchFamily="18" charset="0"/>
               </a:rPr>
-              <a:t>Ultrasonic sensors </a:t>
+              <a:t>sensors </a:t>
             </a:r>
           </a:p>
           <a:p>
@@ -8669,7 +8852,14 @@
                 <a:latin typeface="Calibri" panose="020F0502020204030204" pitchFamily="34" charset="0"/>
                 <a:cs typeface="Times New Roman" panose="02020603050405020304" pitchFamily="18" charset="0"/>
               </a:rPr>
-              <a:t>Send and receive series of pulses when triggered</a:t>
+              <a:t>Send </a:t>
+            </a:r>
+            <a:r>
+              <a:rPr lang="en-US" sz="2400" dirty="0" smtClean="0">
+                <a:latin typeface="Calibri" panose="020F0502020204030204" pitchFamily="34" charset="0"/>
+                <a:cs typeface="Times New Roman" panose="02020603050405020304" pitchFamily="18" charset="0"/>
+              </a:rPr>
+              <a:t>and receive series of pulses when triggered</a:t>
             </a:r>
           </a:p>
           <a:p>
@@ -8789,6 +8979,46 @@
           </a:prstGeom>
         </p:spPr>
       </p:pic>
+      <p:sp>
+        <p:nvSpPr>
+          <p:cNvPr id="10" name="TextBox 9"/>
+          <p:cNvSpPr txBox="1"/>
+          <p:nvPr/>
+        </p:nvSpPr>
+        <p:spPr>
+          <a:xfrm>
+            <a:off x="457200" y="199181"/>
+            <a:ext cx="4876800" cy="461665"/>
+          </a:xfrm>
+          <a:prstGeom prst="rect">
+            <a:avLst/>
+          </a:prstGeom>
+          <a:noFill/>
+        </p:spPr>
+        <p:txBody>
+          <a:bodyPr wrap="square" rtlCol="0">
+            <a:spAutoFit/>
+          </a:bodyPr>
+          <a:lstStyle/>
+          <a:p>
+            <a:r>
+              <a:rPr lang="en-US" sz="2400" dirty="0" smtClean="0">
+                <a:solidFill>
+                  <a:srgbClr val="0090F1"/>
+                </a:solidFill>
+                <a:latin typeface="Fast Money" pitchFamily="2" charset="0"/>
+              </a:rPr>
+              <a:t>Implementation</a:t>
+            </a:r>
+            <a:endParaRPr lang="en-US" sz="2400" dirty="0">
+              <a:solidFill>
+                <a:srgbClr val="0090F1"/>
+              </a:solidFill>
+              <a:latin typeface="Fast Money" pitchFamily="2" charset="0"/>
+            </a:endParaRPr>
+          </a:p>
+        </p:txBody>
+      </p:sp>
     </p:spTree>
     <p:extLst>
       <p:ext uri="{BB962C8B-B14F-4D97-AF65-F5344CB8AC3E}">
@@ -8934,8 +9164,8 @@
         </p:nvSpPr>
         <p:spPr>
           <a:xfrm>
-            <a:off x="609600" y="1219200"/>
-            <a:ext cx="3657600" cy="5539978"/>
+            <a:off x="609600" y="989886"/>
+            <a:ext cx="3657600" cy="4801314"/>
           </a:xfrm>
           <a:prstGeom prst="rect">
             <a:avLst/>
@@ -8949,12 +9179,10 @@
           <a:lstStyle/>
           <a:p>
             <a:r>
-              <a:rPr lang="en-US" sz="2400" u="sng" dirty="0" smtClean="0"/>
+              <a:rPr lang="en-US" sz="2400" b="1" dirty="0" smtClean="0"/>
               <a:t>Microprocessor</a:t>
             </a:r>
-          </a:p>
-          <a:p>
-            <a:endParaRPr lang="en-US" sz="2400" u="sng" dirty="0"/>
+            <a:endParaRPr lang="en-US" sz="2400" b="1" dirty="0"/>
           </a:p>
           <a:p>
             <a:pPr marL="285750" indent="-285750">
@@ -9001,12 +9229,10 @@
           </a:p>
           <a:p>
             <a:r>
-              <a:rPr lang="en-US" sz="2400" u="sng" dirty="0" smtClean="0"/>
+              <a:rPr lang="en-US" sz="2400" b="1" dirty="0" smtClean="0"/>
               <a:t>Functionality</a:t>
             </a:r>
-          </a:p>
-          <a:p>
-            <a:endParaRPr lang="en-US" sz="2400" dirty="0"/>
+            <a:endParaRPr lang="en-US" sz="2400" b="1" dirty="0"/>
           </a:p>
           <a:p>
             <a:pPr marL="285750" indent="-285750">
@@ -9073,6 +9299,46 @@
           </a:prstGeom>
         </p:spPr>
       </p:pic>
+      <p:sp>
+        <p:nvSpPr>
+          <p:cNvPr id="10" name="TextBox 9"/>
+          <p:cNvSpPr txBox="1"/>
+          <p:nvPr/>
+        </p:nvSpPr>
+        <p:spPr>
+          <a:xfrm>
+            <a:off x="457200" y="199181"/>
+            <a:ext cx="4876800" cy="461665"/>
+          </a:xfrm>
+          <a:prstGeom prst="rect">
+            <a:avLst/>
+          </a:prstGeom>
+          <a:noFill/>
+        </p:spPr>
+        <p:txBody>
+          <a:bodyPr wrap="square" rtlCol="0">
+            <a:spAutoFit/>
+          </a:bodyPr>
+          <a:lstStyle/>
+          <a:p>
+            <a:r>
+              <a:rPr lang="en-US" sz="2400" dirty="0" smtClean="0">
+                <a:solidFill>
+                  <a:srgbClr val="0090F1"/>
+                </a:solidFill>
+                <a:latin typeface="Fast Money" pitchFamily="2" charset="0"/>
+              </a:rPr>
+              <a:t>Implementation</a:t>
+            </a:r>
+            <a:endParaRPr lang="en-US" sz="2400" dirty="0">
+              <a:solidFill>
+                <a:srgbClr val="0090F1"/>
+              </a:solidFill>
+              <a:latin typeface="Fast Money" pitchFamily="2" charset="0"/>
+            </a:endParaRPr>
+          </a:p>
+        </p:txBody>
+      </p:sp>
     </p:spTree>
     <p:extLst>
       <p:ext uri="{BB962C8B-B14F-4D97-AF65-F5344CB8AC3E}">
@@ -9212,43 +9478,13 @@
       </p:cxnSp>
       <p:sp>
         <p:nvSpPr>
-          <p:cNvPr id="3" name="TextBox 2"/>
-          <p:cNvSpPr txBox="1"/>
-          <p:nvPr/>
-        </p:nvSpPr>
-        <p:spPr>
-          <a:xfrm>
-            <a:off x="533398" y="199181"/>
-            <a:ext cx="5562602" cy="369332"/>
-          </a:xfrm>
-          <a:prstGeom prst="rect">
-            <a:avLst/>
-          </a:prstGeom>
-          <a:noFill/>
-        </p:spPr>
-        <p:txBody>
-          <a:bodyPr wrap="square" rtlCol="0">
-            <a:spAutoFit/>
-          </a:bodyPr>
-          <a:lstStyle/>
-          <a:p>
-            <a:r>
-              <a:rPr lang="en-US" dirty="0" smtClean="0"/>
-              <a:t>Display and Power</a:t>
-            </a:r>
-            <a:endParaRPr lang="en-US" dirty="0"/>
-          </a:p>
-        </p:txBody>
-      </p:sp>
-      <p:sp>
-        <p:nvSpPr>
           <p:cNvPr id="4" name="TextBox 3"/>
           <p:cNvSpPr txBox="1"/>
           <p:nvPr/>
         </p:nvSpPr>
         <p:spPr>
           <a:xfrm>
-            <a:off x="609600" y="1066800"/>
+            <a:off x="609600" y="990600"/>
             <a:ext cx="7848600" cy="5447645"/>
           </a:xfrm>
           <a:prstGeom prst="rect">
@@ -9396,6 +9632,46 @@
           </a:p>
           <a:p>
             <a:endParaRPr lang="en-US" dirty="0"/>
+          </a:p>
+        </p:txBody>
+      </p:sp>
+      <p:sp>
+        <p:nvSpPr>
+          <p:cNvPr id="11" name="TextBox 10"/>
+          <p:cNvSpPr txBox="1"/>
+          <p:nvPr/>
+        </p:nvSpPr>
+        <p:spPr>
+          <a:xfrm>
+            <a:off x="457200" y="199181"/>
+            <a:ext cx="4876800" cy="461665"/>
+          </a:xfrm>
+          <a:prstGeom prst="rect">
+            <a:avLst/>
+          </a:prstGeom>
+          <a:noFill/>
+        </p:spPr>
+        <p:txBody>
+          <a:bodyPr wrap="square" rtlCol="0">
+            <a:spAutoFit/>
+          </a:bodyPr>
+          <a:lstStyle/>
+          <a:p>
+            <a:r>
+              <a:rPr lang="en-US" sz="2400" dirty="0" smtClean="0">
+                <a:solidFill>
+                  <a:srgbClr val="0090F1"/>
+                </a:solidFill>
+                <a:latin typeface="Fast Money" pitchFamily="2" charset="0"/>
+              </a:rPr>
+              <a:t>Implementation</a:t>
+            </a:r>
+            <a:endParaRPr lang="en-US" sz="2400" dirty="0">
+              <a:solidFill>
+                <a:srgbClr val="0090F1"/>
+              </a:solidFill>
+              <a:latin typeface="Fast Money" pitchFamily="2" charset="0"/>
+            </a:endParaRPr>
           </a:p>
         </p:txBody>
       </p:sp>
@@ -9562,14 +9838,14 @@
       </p:pic>
       <p:sp>
         <p:nvSpPr>
-          <p:cNvPr id="2" name="TextBox 1"/>
+          <p:cNvPr id="10" name="TextBox 9"/>
           <p:cNvSpPr txBox="1"/>
           <p:nvPr/>
         </p:nvSpPr>
         <p:spPr>
           <a:xfrm>
-            <a:off x="533398" y="199181"/>
-            <a:ext cx="5867402" cy="369332"/>
+            <a:off x="457200" y="199181"/>
+            <a:ext cx="6019800" cy="461665"/>
           </a:xfrm>
           <a:prstGeom prst="rect">
             <a:avLst/>
@@ -9583,10 +9859,38 @@
           <a:lstStyle/>
           <a:p>
             <a:r>
-              <a:rPr lang="en-US" dirty="0" smtClean="0"/>
-              <a:t>System Operation</a:t>
-            </a:r>
-            <a:endParaRPr lang="en-US" dirty="0"/>
+              <a:rPr lang="en-US" sz="2400" dirty="0" smtClean="0">
+                <a:solidFill>
+                  <a:srgbClr val="0090F1"/>
+                </a:solidFill>
+                <a:latin typeface="Fast Money" pitchFamily="2" charset="0"/>
+              </a:rPr>
+              <a:t>System</a:t>
+            </a:r>
+            <a:r>
+              <a:rPr lang="en-US" sz="2400" dirty="0" smtClean="0">
+                <a:solidFill>
+                  <a:srgbClr val="41DCF1"/>
+                </a:solidFill>
+                <a:latin typeface="Fast Money" pitchFamily="2" charset="0"/>
+              </a:rPr>
+              <a:t> </a:t>
+            </a:r>
+            <a:r>
+              <a:rPr lang="en-US" sz="2400" dirty="0" smtClean="0">
+                <a:solidFill>
+                  <a:srgbClr val="0090F1"/>
+                </a:solidFill>
+                <a:latin typeface="Fast Money" pitchFamily="2" charset="0"/>
+              </a:rPr>
+              <a:t>operation</a:t>
+            </a:r>
+            <a:endParaRPr lang="en-US" sz="2400" dirty="0">
+              <a:solidFill>
+                <a:srgbClr val="0090F1"/>
+              </a:solidFill>
+              <a:latin typeface="Fast Money" pitchFamily="2" charset="0"/>
+            </a:endParaRPr>
           </a:p>
         </p:txBody>
       </p:sp>

--- a/Presentation/T04_Presentation.pptx
+++ b/Presentation/T04_Presentation.pptx
@@ -5,7 +5,7 @@
     <p:sldMasterId id="2147483648" r:id="rId1"/>
   </p:sldMasterIdLst>
   <p:notesMasterIdLst>
-    <p:notesMasterId r:id="rId18"/>
+    <p:notesMasterId r:id="rId20"/>
   </p:notesMasterIdLst>
   <p:sldIdLst>
     <p:sldId id="256" r:id="rId2"/>
@@ -24,20 +24,22 @@
     <p:sldId id="267" r:id="rId15"/>
     <p:sldId id="266" r:id="rId16"/>
     <p:sldId id="272" r:id="rId17"/>
+    <p:sldId id="273" r:id="rId18"/>
+    <p:sldId id="274" r:id="rId19"/>
   </p:sldIdLst>
   <p:sldSz cx="9144000" cy="6858000" type="screen4x3"/>
   <p:notesSz cx="6858000" cy="9144000"/>
   <p:embeddedFontLst>
     <p:embeddedFont>
-      <p:font typeface="Fast Money" pitchFamily="2" charset="0"/>
-      <p:regular r:id="rId19"/>
+      <p:font typeface="Calibri" panose="020F0502020204030204" pitchFamily="34" charset="0"/>
+      <p:regular r:id="rId21"/>
+      <p:bold r:id="rId22"/>
+      <p:italic r:id="rId23"/>
+      <p:boldItalic r:id="rId24"/>
     </p:embeddedFont>
     <p:embeddedFont>
-      <p:font typeface="Calibri" pitchFamily="34" charset="0"/>
-      <p:regular r:id="rId20"/>
-      <p:bold r:id="rId21"/>
-      <p:italic r:id="rId22"/>
-      <p:boldItalic r:id="rId23"/>
+      <p:font typeface="Fast Money" panose="00000400000000000000" pitchFamily="2" charset="0"/>
+      <p:regular r:id="rId25"/>
     </p:embeddedFont>
   </p:embeddedFontLst>
   <p:defaultTextStyle>
@@ -137,7 +139,7 @@
   </p:defaultTextStyle>
   <p:extLst>
     <p:ext uri="{EFAFB233-063F-42B5-8137-9DF3F51BA10A}">
-      <p15:sldGuideLst xmlns:p15="http://schemas.microsoft.com/office/powerpoint/2012/main" xmlns="">
+      <p15:sldGuideLst xmlns:p15="http://schemas.microsoft.com/office/powerpoint/2012/main">
         <p15:guide id="1" orient="horz" pos="2160">
           <p15:clr>
             <a:srgbClr val="A4A3A4"/>
@@ -236,7 +238,7 @@
           <a:p>
             <a:fld id="{7D2BA66B-4B43-4B31-8C46-01F4587945DE}" type="datetimeFigureOut">
               <a:rPr lang="en-US" smtClean="0"/>
-              <a:t>12/11/2014</a:t>
+              <a:t>12/12/2014</a:t>
             </a:fld>
             <a:endParaRPr lang="en-US"/>
           </a:p>
@@ -1128,6 +1130,274 @@
 </p:notes>
 </file>
 
+<file path=ppt/notesSlides/notesSlide16.xml><?xml version="1.0" encoding="utf-8"?>
+<p:notes xmlns:a="http://schemas.openxmlformats.org/drawingml/2006/main" xmlns:r="http://schemas.openxmlformats.org/officeDocument/2006/relationships" xmlns:p="http://schemas.openxmlformats.org/presentationml/2006/main">
+  <p:cSld>
+    <p:spTree>
+      <p:nvGrpSpPr>
+        <p:cNvPr id="1" name=""/>
+        <p:cNvGrpSpPr/>
+        <p:nvPr/>
+      </p:nvGrpSpPr>
+      <p:grpSpPr>
+        <a:xfrm>
+          <a:off x="0" y="0"/>
+          <a:ext cx="0" cy="0"/>
+          <a:chOff x="0" y="0"/>
+          <a:chExt cx="0" cy="0"/>
+        </a:xfrm>
+      </p:grpSpPr>
+      <p:sp>
+        <p:nvSpPr>
+          <p:cNvPr id="2" name="Slide Image Placeholder 1"/>
+          <p:cNvSpPr>
+            <a:spLocks noGrp="1" noRot="1" noChangeAspect="1"/>
+          </p:cNvSpPr>
+          <p:nvPr>
+            <p:ph type="sldImg"/>
+          </p:nvPr>
+        </p:nvSpPr>
+        <p:spPr/>
+      </p:sp>
+      <p:sp>
+        <p:nvSpPr>
+          <p:cNvPr id="3" name="Notes Placeholder 2"/>
+          <p:cNvSpPr>
+            <a:spLocks noGrp="1"/>
+          </p:cNvSpPr>
+          <p:nvPr>
+            <p:ph type="body" idx="1"/>
+          </p:nvPr>
+        </p:nvSpPr>
+        <p:spPr/>
+        <p:txBody>
+          <a:bodyPr/>
+          <a:lstStyle/>
+          <a:p>
+            <a:endParaRPr lang="en-US"/>
+          </a:p>
+        </p:txBody>
+      </p:sp>
+      <p:sp>
+        <p:nvSpPr>
+          <p:cNvPr id="4" name="Slide Number Placeholder 3"/>
+          <p:cNvSpPr>
+            <a:spLocks noGrp="1"/>
+          </p:cNvSpPr>
+          <p:nvPr>
+            <p:ph type="sldNum" sz="quarter" idx="10"/>
+          </p:nvPr>
+        </p:nvSpPr>
+        <p:spPr/>
+        <p:txBody>
+          <a:bodyPr/>
+          <a:lstStyle/>
+          <a:p>
+            <a:fld id="{603E23E5-3609-43E5-8DC9-3CC5799A9D7E}" type="slidenum">
+              <a:rPr lang="en-US" smtClean="0"/>
+              <a:t>16</a:t>
+            </a:fld>
+            <a:endParaRPr lang="en-US"/>
+          </a:p>
+        </p:txBody>
+      </p:sp>
+    </p:spTree>
+    <p:extLst>
+      <p:ext uri="{BB962C8B-B14F-4D97-AF65-F5344CB8AC3E}">
+        <p14:creationId xmlns:p14="http://schemas.microsoft.com/office/powerpoint/2010/main" val="3581487043"/>
+      </p:ext>
+    </p:extLst>
+  </p:cSld>
+  <p:clrMapOvr>
+    <a:masterClrMapping/>
+  </p:clrMapOvr>
+</p:notes>
+</file>
+
+<file path=ppt/notesSlides/notesSlide17.xml><?xml version="1.0" encoding="utf-8"?>
+<p:notes xmlns:a="http://schemas.openxmlformats.org/drawingml/2006/main" xmlns:r="http://schemas.openxmlformats.org/officeDocument/2006/relationships" xmlns:p="http://schemas.openxmlformats.org/presentationml/2006/main">
+  <p:cSld>
+    <p:spTree>
+      <p:nvGrpSpPr>
+        <p:cNvPr id="1" name=""/>
+        <p:cNvGrpSpPr/>
+        <p:nvPr/>
+      </p:nvGrpSpPr>
+      <p:grpSpPr>
+        <a:xfrm>
+          <a:off x="0" y="0"/>
+          <a:ext cx="0" cy="0"/>
+          <a:chOff x="0" y="0"/>
+          <a:chExt cx="0" cy="0"/>
+        </a:xfrm>
+      </p:grpSpPr>
+      <p:sp>
+        <p:nvSpPr>
+          <p:cNvPr id="2" name="Slide Image Placeholder 1"/>
+          <p:cNvSpPr>
+            <a:spLocks noGrp="1" noRot="1" noChangeAspect="1"/>
+          </p:cNvSpPr>
+          <p:nvPr>
+            <p:ph type="sldImg"/>
+          </p:nvPr>
+        </p:nvSpPr>
+        <p:spPr/>
+      </p:sp>
+      <p:sp>
+        <p:nvSpPr>
+          <p:cNvPr id="3" name="Notes Placeholder 2"/>
+          <p:cNvSpPr>
+            <a:spLocks noGrp="1"/>
+          </p:cNvSpPr>
+          <p:nvPr>
+            <p:ph type="body" idx="1"/>
+          </p:nvPr>
+        </p:nvSpPr>
+        <p:spPr/>
+        <p:txBody>
+          <a:bodyPr/>
+          <a:lstStyle/>
+          <a:p>
+            <a:r>
+              <a:rPr lang="en-US" dirty="0" smtClean="0"/>
+              <a:t>Dan 1</a:t>
+            </a:r>
+            <a:r>
+              <a:rPr lang="en-US" baseline="0" dirty="0" smtClean="0"/>
+              <a:t> min</a:t>
+            </a:r>
+            <a:endParaRPr lang="en-US" dirty="0"/>
+          </a:p>
+        </p:txBody>
+      </p:sp>
+      <p:sp>
+        <p:nvSpPr>
+          <p:cNvPr id="4" name="Slide Number Placeholder 3"/>
+          <p:cNvSpPr>
+            <a:spLocks noGrp="1"/>
+          </p:cNvSpPr>
+          <p:nvPr>
+            <p:ph type="sldNum" sz="quarter" idx="10"/>
+          </p:nvPr>
+        </p:nvSpPr>
+        <p:spPr/>
+        <p:txBody>
+          <a:bodyPr/>
+          <a:lstStyle/>
+          <a:p>
+            <a:fld id="{603E23E5-3609-43E5-8DC9-3CC5799A9D7E}" type="slidenum">
+              <a:rPr lang="en-US" smtClean="0"/>
+              <a:t>17</a:t>
+            </a:fld>
+            <a:endParaRPr lang="en-US"/>
+          </a:p>
+        </p:txBody>
+      </p:sp>
+    </p:spTree>
+    <p:extLst>
+      <p:ext uri="{BB962C8B-B14F-4D97-AF65-F5344CB8AC3E}">
+        <p14:creationId xmlns:p14="http://schemas.microsoft.com/office/powerpoint/2010/main" val="3902255951"/>
+      </p:ext>
+    </p:extLst>
+  </p:cSld>
+  <p:clrMapOvr>
+    <a:masterClrMapping/>
+  </p:clrMapOvr>
+</p:notes>
+</file>
+
+<file path=ppt/notesSlides/notesSlide18.xml><?xml version="1.0" encoding="utf-8"?>
+<p:notes xmlns:a="http://schemas.openxmlformats.org/drawingml/2006/main" xmlns:r="http://schemas.openxmlformats.org/officeDocument/2006/relationships" xmlns:p="http://schemas.openxmlformats.org/presentationml/2006/main">
+  <p:cSld>
+    <p:spTree>
+      <p:nvGrpSpPr>
+        <p:cNvPr id="1" name=""/>
+        <p:cNvGrpSpPr/>
+        <p:nvPr/>
+      </p:nvGrpSpPr>
+      <p:grpSpPr>
+        <a:xfrm>
+          <a:off x="0" y="0"/>
+          <a:ext cx="0" cy="0"/>
+          <a:chOff x="0" y="0"/>
+          <a:chExt cx="0" cy="0"/>
+        </a:xfrm>
+      </p:grpSpPr>
+      <p:sp>
+        <p:nvSpPr>
+          <p:cNvPr id="2" name="Slide Image Placeholder 1"/>
+          <p:cNvSpPr>
+            <a:spLocks noGrp="1" noRot="1" noChangeAspect="1"/>
+          </p:cNvSpPr>
+          <p:nvPr>
+            <p:ph type="sldImg"/>
+          </p:nvPr>
+        </p:nvSpPr>
+        <p:spPr/>
+      </p:sp>
+      <p:sp>
+        <p:nvSpPr>
+          <p:cNvPr id="3" name="Notes Placeholder 2"/>
+          <p:cNvSpPr>
+            <a:spLocks noGrp="1"/>
+          </p:cNvSpPr>
+          <p:nvPr>
+            <p:ph type="body" idx="1"/>
+          </p:nvPr>
+        </p:nvSpPr>
+        <p:spPr/>
+        <p:txBody>
+          <a:bodyPr/>
+          <a:lstStyle/>
+          <a:p>
+            <a:r>
+              <a:rPr lang="en-US" dirty="0" smtClean="0"/>
+              <a:t>Dan 1</a:t>
+            </a:r>
+            <a:r>
+              <a:rPr lang="en-US" baseline="0" dirty="0" smtClean="0"/>
+              <a:t> min</a:t>
+            </a:r>
+            <a:endParaRPr lang="en-US" dirty="0"/>
+          </a:p>
+        </p:txBody>
+      </p:sp>
+      <p:sp>
+        <p:nvSpPr>
+          <p:cNvPr id="4" name="Slide Number Placeholder 3"/>
+          <p:cNvSpPr>
+            <a:spLocks noGrp="1"/>
+          </p:cNvSpPr>
+          <p:nvPr>
+            <p:ph type="sldNum" sz="quarter" idx="10"/>
+          </p:nvPr>
+        </p:nvSpPr>
+        <p:spPr/>
+        <p:txBody>
+          <a:bodyPr/>
+          <a:lstStyle/>
+          <a:p>
+            <a:fld id="{603E23E5-3609-43E5-8DC9-3CC5799A9D7E}" type="slidenum">
+              <a:rPr lang="en-US" smtClean="0"/>
+              <a:t>18</a:t>
+            </a:fld>
+            <a:endParaRPr lang="en-US"/>
+          </a:p>
+        </p:txBody>
+      </p:sp>
+    </p:spTree>
+    <p:extLst>
+      <p:ext uri="{BB962C8B-B14F-4D97-AF65-F5344CB8AC3E}">
+        <p14:creationId xmlns:p14="http://schemas.microsoft.com/office/powerpoint/2010/main" val="1749253616"/>
+      </p:ext>
+    </p:extLst>
+  </p:cSld>
+  <p:clrMapOvr>
+    <a:masterClrMapping/>
+  </p:clrMapOvr>
+</p:notes>
+</file>
+
 <file path=ppt/notesSlides/notesSlide2.xml><?xml version="1.0" encoding="utf-8"?>
 <p:notes xmlns:a="http://schemas.openxmlformats.org/drawingml/2006/main" xmlns:r="http://schemas.openxmlformats.org/officeDocument/2006/relationships" xmlns:p="http://schemas.openxmlformats.org/presentationml/2006/main">
   <p:cSld>
@@ -2017,7 +2287,7 @@
           <a:p>
             <a:fld id="{025B5F04-3DD3-4015-B751-EB091AF79283}" type="datetime1">
               <a:rPr lang="en-US" smtClean="0"/>
-              <a:t>12/11/2014</a:t>
+              <a:t>12/12/2014</a:t>
             </a:fld>
             <a:endParaRPr lang="en-US"/>
           </a:p>
@@ -2183,7 +2453,7 @@
           <a:p>
             <a:fld id="{90BEF6DF-84C5-4CB9-A878-58935F46D0CB}" type="datetime1">
               <a:rPr lang="en-US" smtClean="0"/>
-              <a:t>12/11/2014</a:t>
+              <a:t>12/12/2014</a:t>
             </a:fld>
             <a:endParaRPr lang="en-US"/>
           </a:p>
@@ -2359,7 +2629,7 @@
           <a:p>
             <a:fld id="{926F7C8E-82A0-4137-A012-6AB94CC2C3D0}" type="datetime1">
               <a:rPr lang="en-US" smtClean="0"/>
-              <a:t>12/11/2014</a:t>
+              <a:t>12/12/2014</a:t>
             </a:fld>
             <a:endParaRPr lang="en-US"/>
           </a:p>
@@ -2525,7 +2795,7 @@
           <a:p>
             <a:fld id="{6A159409-9D08-4690-825E-5ED9F03EE865}" type="datetime1">
               <a:rPr lang="en-US" smtClean="0"/>
-              <a:t>12/11/2014</a:t>
+              <a:t>12/12/2014</a:t>
             </a:fld>
             <a:endParaRPr lang="en-US"/>
           </a:p>
@@ -2767,7 +3037,7 @@
           <a:p>
             <a:fld id="{F1E2C436-A717-4F84-8496-7EEC60793F47}" type="datetime1">
               <a:rPr lang="en-US" smtClean="0"/>
-              <a:t>12/11/2014</a:t>
+              <a:t>12/12/2014</a:t>
             </a:fld>
             <a:endParaRPr lang="en-US"/>
           </a:p>
@@ -3051,7 +3321,7 @@
           <a:p>
             <a:fld id="{19304878-91CF-49FF-BB18-4640DC08F114}" type="datetime1">
               <a:rPr lang="en-US" smtClean="0"/>
-              <a:t>12/11/2014</a:t>
+              <a:t>12/12/2014</a:t>
             </a:fld>
             <a:endParaRPr lang="en-US"/>
           </a:p>
@@ -3469,7 +3739,7 @@
           <a:p>
             <a:fld id="{DE440A11-7842-4023-B4B1-5DAD949EF209}" type="datetime1">
               <a:rPr lang="en-US" smtClean="0"/>
-              <a:t>12/11/2014</a:t>
+              <a:t>12/12/2014</a:t>
             </a:fld>
             <a:endParaRPr lang="en-US"/>
           </a:p>
@@ -3583,7 +3853,7 @@
           <a:p>
             <a:fld id="{2E101D02-24BF-4BFB-80A5-AE8E6DB0539A}" type="datetime1">
               <a:rPr lang="en-US" smtClean="0"/>
-              <a:t>12/11/2014</a:t>
+              <a:t>12/12/2014</a:t>
             </a:fld>
             <a:endParaRPr lang="en-US"/>
           </a:p>
@@ -3674,7 +3944,7 @@
           <a:p>
             <a:fld id="{5E2FF4E6-EE57-4D29-829B-C404F7C131C6}" type="datetime1">
               <a:rPr lang="en-US" smtClean="0"/>
-              <a:t>12/11/2014</a:t>
+              <a:t>12/12/2014</a:t>
             </a:fld>
             <a:endParaRPr lang="en-US"/>
           </a:p>
@@ -3947,7 +4217,7 @@
           <a:p>
             <a:fld id="{BAAF4B9B-620F-499E-AF3A-2F71910048FD}" type="datetime1">
               <a:rPr lang="en-US" smtClean="0"/>
-              <a:t>12/11/2014</a:t>
+              <a:t>12/12/2014</a:t>
             </a:fld>
             <a:endParaRPr lang="en-US"/>
           </a:p>
@@ -4196,7 +4466,7 @@
           <a:p>
             <a:fld id="{136A608F-68E0-4239-BD3E-E06A458AFA0A}" type="datetime1">
               <a:rPr lang="en-US" smtClean="0"/>
-              <a:t>12/11/2014</a:t>
+              <a:t>12/12/2014</a:t>
             </a:fld>
             <a:endParaRPr lang="en-US"/>
           </a:p>
@@ -4405,7 +4675,7 @@
           <a:p>
             <a:fld id="{5211721D-4FFA-4AB5-9DBE-AEF9FD825DF9}" type="datetime1">
               <a:rPr lang="en-US" smtClean="0"/>
-              <a:t>12/11/2014</a:t>
+              <a:t>12/12/2014</a:t>
             </a:fld>
             <a:endParaRPr lang="en-US"/>
           </a:p>
@@ -5910,13 +6180,8 @@
             </a:pPr>
             <a:r>
               <a:rPr lang="en-US" sz="2400" dirty="0" smtClean="0"/>
-              <a:t>Integration Test Two: Connect sensor boards to processor and run the short distance detection code</a:t>
-            </a:r>
-            <a:r>
-              <a:rPr lang="en-US" sz="2400" dirty="0" smtClean="0"/>
-              <a:t>.</a:t>
-            </a:r>
-            <a:endParaRPr lang="en-US" sz="2400" dirty="0" smtClean="0"/>
+              <a:t>Integration Test Two: Connect sensor boards to processor and run the short distance detection code.</a:t>
+            </a:r>
           </a:p>
         </p:txBody>
       </p:sp>
@@ -6339,7 +6604,7 @@
         <p:spPr>
           <a:xfrm>
             <a:off x="533398" y="1066800"/>
-            <a:ext cx="7696202" cy="2677656"/>
+            <a:ext cx="7696202" cy="3785652"/>
           </a:xfrm>
           <a:prstGeom prst="rect">
             <a:avLst/>
@@ -6408,7 +6673,41 @@
             </a:pPr>
             <a:r>
               <a:rPr lang="en-US" sz="2400" dirty="0" smtClean="0"/>
-              <a:t>Minimize number of boards</a:t>
+              <a:t>Minimize number of </a:t>
+            </a:r>
+            <a:r>
+              <a:rPr lang="en-US" sz="2400" dirty="0" smtClean="0"/>
+              <a:t>boards</a:t>
+            </a:r>
+          </a:p>
+          <a:p>
+            <a:pPr marL="285750" indent="-285750">
+              <a:buFont typeface="Arial" panose="020B0604020202020204" pitchFamily="34" charset="0"/>
+              <a:buChar char="•"/>
+            </a:pPr>
+            <a:r>
+              <a:rPr lang="en-US" sz="2400" dirty="0" smtClean="0"/>
+              <a:t>Method on display board of disabling components</a:t>
+            </a:r>
+          </a:p>
+          <a:p>
+            <a:pPr marL="285750" indent="-285750">
+              <a:buFont typeface="Arial" panose="020B0604020202020204" pitchFamily="34" charset="0"/>
+              <a:buChar char="•"/>
+            </a:pPr>
+            <a:r>
+              <a:rPr lang="en-US" sz="2400" dirty="0" smtClean="0"/>
+              <a:t>Keep up weekly meetings</a:t>
+            </a:r>
+          </a:p>
+          <a:p>
+            <a:pPr marL="285750" indent="-285750">
+              <a:buFont typeface="Arial" panose="020B0604020202020204" pitchFamily="34" charset="0"/>
+              <a:buChar char="•"/>
+            </a:pPr>
+            <a:r>
+              <a:rPr lang="en-US" sz="2400" dirty="0" smtClean="0"/>
+              <a:t>Testing and debugging earlier is better</a:t>
             </a:r>
             <a:endParaRPr lang="en-US" sz="2400" dirty="0"/>
           </a:p>
@@ -7041,7 +7340,7 @@
           <p:nvPr/>
         </p:nvPicPr>
         <p:blipFill>
-          <a:blip r:embed="rId2">
+          <a:blip r:embed="rId3">
             <a:extLst>
               <a:ext uri="{28A0092B-C50C-407E-A947-70E740481C1C}">
                 <a14:useLocalDpi xmlns:a14="http://schemas.microsoft.com/office/drawing/2010/main" val="0"/>
@@ -7054,14 +7353,102 @@
         </p:blipFill>
         <p:spPr>
           <a:xfrm>
-            <a:off x="846667" y="1600200"/>
-            <a:ext cx="7450667" cy="4191000"/>
+            <a:off x="2201333" y="1600200"/>
+            <a:ext cx="4741334" cy="2667000"/>
           </a:xfrm>
           <a:prstGeom prst="rect">
             <a:avLst/>
           </a:prstGeom>
         </p:spPr>
       </p:pic>
+      <p:sp>
+        <p:nvSpPr>
+          <p:cNvPr id="3" name="TextBox 2"/>
+          <p:cNvSpPr txBox="1"/>
+          <p:nvPr/>
+        </p:nvSpPr>
+        <p:spPr>
+          <a:xfrm>
+            <a:off x="3276600" y="4810035"/>
+            <a:ext cx="4240648" cy="1200329"/>
+          </a:xfrm>
+          <a:prstGeom prst="rect">
+            <a:avLst/>
+          </a:prstGeom>
+          <a:noFill/>
+        </p:spPr>
+        <p:txBody>
+          <a:bodyPr wrap="none" rtlCol="0">
+            <a:spAutoFit/>
+          </a:bodyPr>
+          <a:lstStyle/>
+          <a:p>
+            <a:r>
+              <a:rPr lang="en-US" dirty="0" smtClean="0"/>
+              <a:t>133 Lines of code</a:t>
+            </a:r>
+          </a:p>
+          <a:p>
+            <a:r>
+              <a:rPr lang="en-US" dirty="0" smtClean="0"/>
+              <a:t>$48.45 per system</a:t>
+            </a:r>
+          </a:p>
+          <a:p>
+            <a:r>
+              <a:rPr lang="en-US" dirty="0" smtClean="0"/>
+              <a:t>70% surface mount components for system</a:t>
+            </a:r>
+          </a:p>
+          <a:p>
+            <a:r>
+              <a:rPr lang="en-US" dirty="0" smtClean="0"/>
+              <a:t>NO MOD WIRES!</a:t>
+            </a:r>
+            <a:endParaRPr lang="en-US" dirty="0"/>
+          </a:p>
+        </p:txBody>
+      </p:sp>
+      <p:sp>
+        <p:nvSpPr>
+          <p:cNvPr id="6" name="TextBox 5"/>
+          <p:cNvSpPr txBox="1"/>
+          <p:nvPr/>
+        </p:nvSpPr>
+        <p:spPr>
+          <a:xfrm>
+            <a:off x="609600" y="5179366"/>
+            <a:ext cx="1723549" cy="461665"/>
+          </a:xfrm>
+          <a:prstGeom prst="rect">
+            <a:avLst/>
+          </a:prstGeom>
+          <a:noFill/>
+        </p:spPr>
+        <p:txBody>
+          <a:bodyPr wrap="none" rtlCol="0">
+            <a:spAutoFit/>
+          </a:bodyPr>
+          <a:lstStyle/>
+          <a:p>
+            <a:r>
+              <a:rPr lang="en-US" sz="2400" dirty="0" smtClean="0">
+                <a:solidFill>
+                  <a:srgbClr val="0090FF"/>
+                </a:solidFill>
+                <a:latin typeface="Fast Money" panose="00000400000000000000" pitchFamily="2" charset="0"/>
+              </a:rPr>
+              <a:t>stats</a:t>
+            </a:r>
+            <a:endParaRPr lang="en-US" sz="2400" dirty="0">
+              <a:solidFill>
+                <a:srgbClr val="0090FF"/>
+              </a:solidFill>
+              <a:latin typeface="Fast Money" panose="00000400000000000000" pitchFamily="2" charset="0"/>
+            </a:endParaRPr>
+          </a:p>
+        </p:txBody>
+      </p:sp>
     </p:spTree>
     <p:extLst>
       <p:ext uri="{BB962C8B-B14F-4D97-AF65-F5344CB8AC3E}">
@@ -7072,10 +7459,17 @@
   <p:clrMapOvr>
     <a:masterClrMapping/>
   </p:clrMapOvr>
+  <p:timing>
+    <p:tnLst>
+      <p:par>
+        <p:cTn id="1" dur="indefinite" restart="never" nodeType="tmRoot"/>
+      </p:par>
+    </p:tnLst>
+  </p:timing>
 </p:sld>
 </file>
 
-<file path=ppt/slides/slide2.xml><?xml version="1.0" encoding="utf-8"?>
+<file path=ppt/slides/slide17.xml><?xml version="1.0" encoding="utf-8"?>
 <p:sld xmlns:a="http://schemas.openxmlformats.org/drawingml/2006/main" xmlns:r="http://schemas.openxmlformats.org/officeDocument/2006/relationships" xmlns:p="http://schemas.openxmlformats.org/presentationml/2006/main">
   <p:cSld>
     <p:spTree>
@@ -7110,7 +7504,7 @@
             <a:fld id="{B6F15528-21DE-4FAA-801E-634DDDAF4B2B}" type="slidenum">
               <a:rPr lang="en-US" smtClean="0"/>
               <a:pPr/>
-              <a:t>2</a:t>
+              <a:t>17</a:t>
             </a:fld>
             <a:endParaRPr lang="en-US"/>
           </a:p>
@@ -7194,234 +7588,14 @@
       </p:cxnSp>
       <p:sp>
         <p:nvSpPr>
-          <p:cNvPr id="2" name="Rectangle 1"/>
-          <p:cNvSpPr/>
-          <p:nvPr/>
-        </p:nvSpPr>
-        <p:spPr>
-          <a:xfrm>
-            <a:off x="533397" y="1066800"/>
-            <a:ext cx="8153403" cy="3648884"/>
-          </a:xfrm>
-          <a:prstGeom prst="rect">
-            <a:avLst/>
-          </a:prstGeom>
-        </p:spPr>
-        <p:txBody>
-          <a:bodyPr wrap="square">
-            <a:spAutoFit/>
-          </a:bodyPr>
-          <a:lstStyle/>
-          <a:p>
-            <a:pPr marL="342900" marR="0" lvl="0" indent="-342900">
-              <a:lnSpc>
-                <a:spcPct val="107000"/>
-              </a:lnSpc>
-              <a:spcBef>
-                <a:spcPts val="0"/>
-              </a:spcBef>
-              <a:spcAft>
-                <a:spcPts val="0"/>
-              </a:spcAft>
-              <a:buFont typeface="Symbol" panose="05050102010706020507" pitchFamily="18" charset="2"/>
-              <a:buChar char=""/>
-            </a:pPr>
-            <a:r>
-              <a:rPr lang="en-US" sz="2400" dirty="0" smtClean="0">
-                <a:latin typeface="Calibri" panose="020F0502020204030204" pitchFamily="34" charset="0"/>
-                <a:ea typeface="Calibri" panose="020F0502020204030204" pitchFamily="34" charset="0"/>
-                <a:cs typeface="Times New Roman" panose="02020603050405020304" pitchFamily="18" charset="0"/>
-              </a:rPr>
-              <a:t>Limited </a:t>
-            </a:r>
-            <a:r>
-              <a:rPr lang="en-US" sz="2400" dirty="0">
-                <a:latin typeface="Calibri" panose="020F0502020204030204" pitchFamily="34" charset="0"/>
-                <a:ea typeface="Calibri" panose="020F0502020204030204" pitchFamily="34" charset="0"/>
-                <a:cs typeface="Times New Roman" panose="02020603050405020304" pitchFamily="18" charset="0"/>
-              </a:rPr>
-              <a:t>rear and blind spot visibility for motorcycle riders wearing full-faced helmets.</a:t>
-            </a:r>
-          </a:p>
-          <a:p>
-            <a:pPr marL="742950" marR="0" lvl="1" indent="-285750">
-              <a:lnSpc>
-                <a:spcPct val="107000"/>
-              </a:lnSpc>
-              <a:spcBef>
-                <a:spcPts val="0"/>
-              </a:spcBef>
-              <a:spcAft>
-                <a:spcPts val="0"/>
-              </a:spcAft>
-              <a:buFont typeface="Courier New" panose="02070309020205020404" pitchFamily="49" charset="0"/>
-              <a:buChar char="o"/>
-            </a:pPr>
-            <a:r>
-              <a:rPr lang="en-US" sz="2400" dirty="0">
-                <a:latin typeface="Calibri" panose="020F0502020204030204" pitchFamily="34" charset="0"/>
-                <a:ea typeface="Calibri" panose="020F0502020204030204" pitchFamily="34" charset="0"/>
-                <a:cs typeface="Times New Roman" panose="02020603050405020304" pitchFamily="18" charset="0"/>
-              </a:rPr>
-              <a:t>Turning head takes attention off the road in front</a:t>
-            </a:r>
-          </a:p>
-          <a:p>
-            <a:pPr marL="342900" marR="0" lvl="0" indent="-342900">
-              <a:lnSpc>
-                <a:spcPct val="107000"/>
-              </a:lnSpc>
-              <a:spcBef>
-                <a:spcPts val="0"/>
-              </a:spcBef>
-              <a:spcAft>
-                <a:spcPts val="0"/>
-              </a:spcAft>
-              <a:buFont typeface="Symbol" panose="05050102010706020507" pitchFamily="18" charset="2"/>
-              <a:buChar char=""/>
-            </a:pPr>
-            <a:r>
-              <a:rPr lang="en-US" sz="2400" dirty="0">
-                <a:latin typeface="Calibri" panose="020F0502020204030204" pitchFamily="34" charset="0"/>
-                <a:ea typeface="Calibri" panose="020F0502020204030204" pitchFamily="34" charset="0"/>
-                <a:cs typeface="Times New Roman" panose="02020603050405020304" pitchFamily="18" charset="0"/>
-              </a:rPr>
-              <a:t>Rearview mirrors are not always reliable or easy to see</a:t>
-            </a:r>
-          </a:p>
-          <a:p>
-            <a:pPr marL="742950" marR="0" lvl="1" indent="-285750">
-              <a:lnSpc>
-                <a:spcPct val="107000"/>
-              </a:lnSpc>
-              <a:spcBef>
-                <a:spcPts val="0"/>
-              </a:spcBef>
-              <a:spcAft>
-                <a:spcPts val="0"/>
-              </a:spcAft>
-              <a:buFont typeface="Courier New" panose="02070309020205020404" pitchFamily="49" charset="0"/>
-              <a:buChar char="o"/>
-            </a:pPr>
-            <a:r>
-              <a:rPr lang="en-US" sz="2400" dirty="0">
-                <a:latin typeface="Calibri" panose="020F0502020204030204" pitchFamily="34" charset="0"/>
-                <a:ea typeface="Calibri" panose="020F0502020204030204" pitchFamily="34" charset="0"/>
-                <a:cs typeface="Times New Roman" panose="02020603050405020304" pitchFamily="18" charset="0"/>
-              </a:rPr>
-              <a:t>Bar end mirrors</a:t>
-            </a:r>
-          </a:p>
-          <a:p>
-            <a:pPr marL="742950" marR="0" lvl="1" indent="-285750">
-              <a:lnSpc>
-                <a:spcPct val="107000"/>
-              </a:lnSpc>
-              <a:spcBef>
-                <a:spcPts val="0"/>
-              </a:spcBef>
-              <a:spcAft>
-                <a:spcPts val="0"/>
-              </a:spcAft>
-              <a:buFont typeface="Courier New" panose="02070309020205020404" pitchFamily="49" charset="0"/>
-              <a:buChar char="o"/>
-            </a:pPr>
-            <a:r>
-              <a:rPr lang="en-US" sz="2400" dirty="0">
-                <a:latin typeface="Calibri" panose="020F0502020204030204" pitchFamily="34" charset="0"/>
-                <a:ea typeface="Calibri" panose="020F0502020204030204" pitchFamily="34" charset="0"/>
-                <a:cs typeface="Times New Roman" panose="02020603050405020304" pitchFamily="18" charset="0"/>
-              </a:rPr>
-              <a:t>Vibration</a:t>
-            </a:r>
-          </a:p>
-          <a:p>
-            <a:pPr marL="342900" marR="0" lvl="0" indent="-342900">
-              <a:lnSpc>
-                <a:spcPct val="107000"/>
-              </a:lnSpc>
-              <a:spcBef>
-                <a:spcPts val="0"/>
-              </a:spcBef>
-              <a:spcAft>
-                <a:spcPts val="0"/>
-              </a:spcAft>
-              <a:buFont typeface="Symbol" panose="05050102010706020507" pitchFamily="18" charset="2"/>
-              <a:buChar char=""/>
-            </a:pPr>
-            <a:r>
-              <a:rPr lang="en-US" sz="2400" dirty="0">
-                <a:latin typeface="Calibri" panose="020F0502020204030204" pitchFamily="34" charset="0"/>
-                <a:ea typeface="Calibri" panose="020F0502020204030204" pitchFamily="34" charset="0"/>
-                <a:cs typeface="Times New Roman" panose="02020603050405020304" pitchFamily="18" charset="0"/>
-              </a:rPr>
-              <a:t>Safety and riding awareness</a:t>
-            </a:r>
-          </a:p>
-          <a:p>
-            <a:pPr marL="742950" marR="0" lvl="1" indent="-285750">
-              <a:lnSpc>
-                <a:spcPct val="107000"/>
-              </a:lnSpc>
-              <a:spcBef>
-                <a:spcPts val="0"/>
-              </a:spcBef>
-              <a:spcAft>
-                <a:spcPts val="0"/>
-              </a:spcAft>
-              <a:buFont typeface="Courier New" panose="02070309020205020404" pitchFamily="49" charset="0"/>
-              <a:buChar char="o"/>
-            </a:pPr>
-            <a:r>
-              <a:rPr lang="en-US" sz="2400" dirty="0">
-                <a:latin typeface="Calibri" panose="020F0502020204030204" pitchFamily="34" charset="0"/>
-                <a:ea typeface="Calibri" panose="020F0502020204030204" pitchFamily="34" charset="0"/>
-                <a:cs typeface="Times New Roman" panose="02020603050405020304" pitchFamily="18" charset="0"/>
-              </a:rPr>
-              <a:t>Lane positioning</a:t>
-            </a:r>
-          </a:p>
-          <a:p>
-            <a:pPr marL="742950" marR="0" lvl="1" indent="-285750">
-              <a:lnSpc>
-                <a:spcPct val="107000"/>
-              </a:lnSpc>
-              <a:spcBef>
-                <a:spcPts val="0"/>
-              </a:spcBef>
-              <a:spcAft>
-                <a:spcPts val="800"/>
-              </a:spcAft>
-              <a:buFont typeface="Courier New" panose="02070309020205020404" pitchFamily="49" charset="0"/>
-              <a:buChar char="o"/>
-            </a:pPr>
-            <a:r>
-              <a:rPr lang="en-US" sz="2400" dirty="0">
-                <a:latin typeface="Calibri" panose="020F0502020204030204" pitchFamily="34" charset="0"/>
-                <a:ea typeface="Calibri" panose="020F0502020204030204" pitchFamily="34" charset="0"/>
-                <a:cs typeface="Times New Roman" panose="02020603050405020304" pitchFamily="18" charset="0"/>
-              </a:rPr>
-              <a:t>Traffic density</a:t>
-            </a:r>
-            <a:endParaRPr lang="en-US" sz="2400" dirty="0">
-              <a:effectLst/>
-              <a:latin typeface="Calibri" panose="020F0502020204030204" pitchFamily="34" charset="0"/>
-              <a:ea typeface="Calibri" panose="020F0502020204030204" pitchFamily="34" charset="0"/>
-              <a:cs typeface="Times New Roman" panose="02020603050405020304" pitchFamily="18" charset="0"/>
-            </a:endParaRPr>
-          </a:p>
-        </p:txBody>
-      </p:sp>
-      <p:sp>
-        <p:nvSpPr>
-          <p:cNvPr id="3" name="TextBox 2"/>
+          <p:cNvPr id="10" name="TextBox 9"/>
           <p:cNvSpPr txBox="1"/>
           <p:nvPr/>
         </p:nvSpPr>
         <p:spPr>
           <a:xfrm>
             <a:off x="457200" y="199181"/>
-            <a:ext cx="2971800" cy="461665"/>
+            <a:ext cx="4876800" cy="461665"/>
           </a:xfrm>
           <a:prstGeom prst="rect">
             <a:avLst/>
@@ -7441,7 +7615,7 @@
                 </a:solidFill>
                 <a:latin typeface="Fast Money" pitchFamily="2" charset="0"/>
               </a:rPr>
-              <a:t>PROBLEM</a:t>
+              <a:t>Schematics</a:t>
             </a:r>
             <a:endParaRPr lang="en-US" sz="2400" dirty="0">
               <a:solidFill>
@@ -7452,10 +7626,56 @@
           </a:p>
         </p:txBody>
       </p:sp>
+      <p:pic>
+        <p:nvPicPr>
+          <p:cNvPr id="2" name="Picture 1"/>
+          <p:cNvPicPr>
+            <a:picLocks noChangeAspect="1"/>
+          </p:cNvPicPr>
+          <p:nvPr/>
+        </p:nvPicPr>
+        <p:blipFill rotWithShape="1">
+          <a:blip r:embed="rId4"/>
+          <a:srcRect l="24231" t="20330" r="15447" b="6044"/>
+          <a:stretch/>
+        </p:blipFill>
+        <p:spPr>
+          <a:xfrm>
+            <a:off x="533399" y="2097687"/>
+            <a:ext cx="4648202" cy="3023588"/>
+          </a:xfrm>
+          <a:prstGeom prst="rect">
+            <a:avLst/>
+          </a:prstGeom>
+        </p:spPr>
+      </p:pic>
+      <p:pic>
+        <p:nvPicPr>
+          <p:cNvPr id="5" name="Picture 4"/>
+          <p:cNvPicPr>
+            <a:picLocks noChangeAspect="1"/>
+          </p:cNvPicPr>
+          <p:nvPr/>
+        </p:nvPicPr>
+        <p:blipFill rotWithShape="1">
+          <a:blip r:embed="rId5"/>
+          <a:srcRect l="27746" t="20330" r="25402" b="8242"/>
+          <a:stretch/>
+        </p:blipFill>
+        <p:spPr>
+          <a:xfrm>
+            <a:off x="5351060" y="2097686"/>
+            <a:ext cx="3420448" cy="2779113"/>
+          </a:xfrm>
+          <a:prstGeom prst="rect">
+            <a:avLst/>
+          </a:prstGeom>
+        </p:spPr>
+      </p:pic>
     </p:spTree>
     <p:extLst>
       <p:ext uri="{BB962C8B-B14F-4D97-AF65-F5344CB8AC3E}">
-        <p14:creationId xmlns:p14="http://schemas.microsoft.com/office/powerpoint/2010/main" val="2706470271"/>
+        <p14:creationId xmlns:p14="http://schemas.microsoft.com/office/powerpoint/2010/main" val="3216878000"/>
       </p:ext>
     </p:extLst>
   </p:cSld>
@@ -7472,7 +7692,7 @@
 </p:sld>
 </file>
 
-<file path=ppt/slides/slide3.xml><?xml version="1.0" encoding="utf-8"?>
+<file path=ppt/slides/slide18.xml><?xml version="1.0" encoding="utf-8"?>
 <p:sld xmlns:a="http://schemas.openxmlformats.org/drawingml/2006/main" xmlns:r="http://schemas.openxmlformats.org/officeDocument/2006/relationships" xmlns:p="http://schemas.openxmlformats.org/presentationml/2006/main">
   <p:cSld>
     <p:spTree>
@@ -7507,7 +7727,7 @@
             <a:fld id="{B6F15528-21DE-4FAA-801E-634DDDAF4B2B}" type="slidenum">
               <a:rPr lang="en-US" smtClean="0"/>
               <a:pPr/>
-              <a:t>3</a:t>
+              <a:t>18</a:t>
             </a:fld>
             <a:endParaRPr lang="en-US"/>
           </a:p>
@@ -7591,176 +7811,14 @@
       </p:cxnSp>
       <p:sp>
         <p:nvSpPr>
-          <p:cNvPr id="2" name="Rectangle 1"/>
-          <p:cNvSpPr/>
-          <p:nvPr/>
-        </p:nvSpPr>
-        <p:spPr>
-          <a:xfrm>
-            <a:off x="555006" y="1062363"/>
-            <a:ext cx="8131793" cy="5155066"/>
-          </a:xfrm>
-          <a:prstGeom prst="rect">
-            <a:avLst/>
-          </a:prstGeom>
-        </p:spPr>
-        <p:txBody>
-          <a:bodyPr wrap="square">
-            <a:spAutoFit/>
-          </a:bodyPr>
-          <a:lstStyle/>
-          <a:p>
-            <a:pPr>
-              <a:lnSpc>
-                <a:spcPct val="107000"/>
-              </a:lnSpc>
-              <a:spcAft>
-                <a:spcPts val="800"/>
-              </a:spcAft>
-            </a:pPr>
-            <a:r>
-              <a:rPr lang="en-US" sz="2400" dirty="0" smtClean="0">
-                <a:latin typeface="Calibri" panose="020F0502020204030204" pitchFamily="34" charset="0"/>
-                <a:ea typeface="Calibri" panose="020F0502020204030204" pitchFamily="34" charset="0"/>
-                <a:cs typeface="Times New Roman" panose="02020603050405020304" pitchFamily="18" charset="0"/>
-              </a:rPr>
-              <a:t>A </a:t>
-            </a:r>
-            <a:r>
-              <a:rPr lang="en-US" sz="2400" dirty="0" smtClean="0">
-                <a:latin typeface="Calibri" panose="020F0502020204030204" pitchFamily="34" charset="0"/>
-                <a:ea typeface="Calibri" panose="020F0502020204030204" pitchFamily="34" charset="0"/>
-                <a:cs typeface="Times New Roman" panose="02020603050405020304" pitchFamily="18" charset="0"/>
-              </a:rPr>
-              <a:t>working prototype that will give visual indication of position of close proximity traffic to the rear and sides of the motorcycle behind the rider’s field of view.  A simple non-video display will lend an old-school vibe to appeal to vintage enthusiasts.</a:t>
-            </a:r>
-          </a:p>
-          <a:p>
-            <a:pPr>
-              <a:lnSpc>
-                <a:spcPct val="107000"/>
-              </a:lnSpc>
-              <a:spcAft>
-                <a:spcPts val="800"/>
-              </a:spcAft>
-            </a:pPr>
-            <a:endParaRPr lang="en-US" sz="2400" dirty="0" smtClean="0">
-              <a:latin typeface="Calibri" panose="020F0502020204030204" pitchFamily="34" charset="0"/>
-              <a:ea typeface="Calibri" panose="020F0502020204030204" pitchFamily="34" charset="0"/>
-              <a:cs typeface="Times New Roman" panose="02020603050405020304" pitchFamily="18" charset="0"/>
-            </a:endParaRPr>
-          </a:p>
-          <a:p>
-            <a:r>
-              <a:rPr lang="en-US" sz="2400" b="1" dirty="0" smtClean="0"/>
-              <a:t>Alternatives</a:t>
-            </a:r>
-            <a:endParaRPr lang="en-US" sz="2400" dirty="0" smtClean="0"/>
-          </a:p>
-          <a:p>
-            <a:pPr marL="342900" lvl="0" indent="-342900">
-              <a:buFont typeface="Arial" panose="020B0604020202020204" pitchFamily="34" charset="0"/>
-              <a:buChar char="•"/>
-            </a:pPr>
-            <a:r>
-              <a:rPr lang="en-US" sz="2400" dirty="0" err="1" smtClean="0"/>
-              <a:t>Reevu</a:t>
-            </a:r>
-            <a:r>
-              <a:rPr lang="en-US" sz="2400" dirty="0" smtClean="0"/>
-              <a:t> MSX-1 Rear-View Helmet - $399.99</a:t>
-            </a:r>
-          </a:p>
-          <a:p>
-            <a:pPr marL="800100" lvl="1" indent="-342900">
-              <a:buFont typeface="Arial" panose="020B0604020202020204" pitchFamily="34" charset="0"/>
-              <a:buChar char="•"/>
-            </a:pPr>
-            <a:r>
-              <a:rPr lang="en-US" sz="2400" dirty="0" smtClean="0"/>
-              <a:t>Internal rear-view mirror, works off rear-reflection</a:t>
-            </a:r>
-          </a:p>
-          <a:p>
-            <a:pPr marL="342900" lvl="0" indent="-342900">
-              <a:buFont typeface="Arial" panose="020B0604020202020204" pitchFamily="34" charset="0"/>
-              <a:buChar char="•"/>
-            </a:pPr>
-            <a:r>
-              <a:rPr lang="en-US" sz="2400" dirty="0" err="1" smtClean="0"/>
-              <a:t>Skully</a:t>
-            </a:r>
-            <a:r>
-              <a:rPr lang="en-US" sz="2400" dirty="0" smtClean="0"/>
-              <a:t> AR-1 Helmet - $1499</a:t>
-            </a:r>
-          </a:p>
-          <a:p>
-            <a:pPr marL="800100" lvl="1" indent="-342900">
-              <a:buFont typeface="Arial" panose="020B0604020202020204" pitchFamily="34" charset="0"/>
-              <a:buChar char="•"/>
-            </a:pPr>
-            <a:r>
-              <a:rPr lang="en-US" sz="2400" dirty="0" smtClean="0"/>
-              <a:t>Rear-view camera, internal HUD</a:t>
-            </a:r>
-          </a:p>
-          <a:p>
-            <a:pPr marL="342900" lvl="0" indent="-342900">
-              <a:buFont typeface="Arial" panose="020B0604020202020204" pitchFamily="34" charset="0"/>
-              <a:buChar char="•"/>
-            </a:pPr>
-            <a:r>
-              <a:rPr lang="en-US" sz="2400" dirty="0" smtClean="0"/>
-              <a:t>Lucky Bike </a:t>
-            </a:r>
-            <a:r>
-              <a:rPr lang="en-US" sz="2400" dirty="0" err="1" smtClean="0"/>
-              <a:t>Motorcyle</a:t>
-            </a:r>
-            <a:r>
-              <a:rPr lang="en-US" sz="2400" dirty="0" smtClean="0"/>
-              <a:t> Rear-View Camera System - $89</a:t>
-            </a:r>
-          </a:p>
-          <a:p>
-            <a:pPr marL="800100" lvl="1" indent="-342900">
-              <a:buFont typeface="Arial" panose="020B0604020202020204" pitchFamily="34" charset="0"/>
-              <a:buChar char="•"/>
-            </a:pPr>
-            <a:r>
-              <a:rPr lang="en-US" sz="2400" dirty="0" smtClean="0"/>
-              <a:t>4.3” Video display with night vision</a:t>
-            </a:r>
-          </a:p>
-          <a:p>
-            <a:pPr>
-              <a:lnSpc>
-                <a:spcPct val="107000"/>
-              </a:lnSpc>
-              <a:spcAft>
-                <a:spcPts val="800"/>
-              </a:spcAft>
-            </a:pPr>
-            <a:endParaRPr lang="en-US" dirty="0">
-              <a:effectLst/>
-              <a:latin typeface="Calibri" panose="020F0502020204030204" pitchFamily="34" charset="0"/>
-              <a:ea typeface="Calibri" panose="020F0502020204030204" pitchFamily="34" charset="0"/>
-              <a:cs typeface="Times New Roman" panose="02020603050405020304" pitchFamily="18" charset="0"/>
-            </a:endParaRPr>
-          </a:p>
-        </p:txBody>
-      </p:sp>
-      <p:sp>
-        <p:nvSpPr>
-          <p:cNvPr id="11" name="TextBox 10"/>
+          <p:cNvPr id="10" name="TextBox 9"/>
           <p:cNvSpPr txBox="1"/>
           <p:nvPr/>
         </p:nvSpPr>
         <p:spPr>
           <a:xfrm>
             <a:off x="457200" y="199181"/>
-            <a:ext cx="2971800" cy="461665"/>
+            <a:ext cx="4876800" cy="461665"/>
           </a:xfrm>
           <a:prstGeom prst="rect">
             <a:avLst/>
@@ -7780,7 +7838,7 @@
                 </a:solidFill>
                 <a:latin typeface="Fast Money" pitchFamily="2" charset="0"/>
               </a:rPr>
-              <a:t>Objective</a:t>
+              <a:t>Schematics</a:t>
             </a:r>
             <a:endParaRPr lang="en-US" sz="2400" dirty="0">
               <a:solidFill>
@@ -7791,10 +7849,56 @@
           </a:p>
         </p:txBody>
       </p:sp>
+      <p:pic>
+        <p:nvPicPr>
+          <p:cNvPr id="2" name="Picture 1"/>
+          <p:cNvPicPr>
+            <a:picLocks noChangeAspect="1"/>
+          </p:cNvPicPr>
+          <p:nvPr/>
+        </p:nvPicPr>
+        <p:blipFill rotWithShape="1">
+          <a:blip r:embed="rId4"/>
+          <a:srcRect l="24817" t="21428" r="16033" b="6044"/>
+          <a:stretch/>
+        </p:blipFill>
+        <p:spPr>
+          <a:xfrm>
+            <a:off x="533399" y="942766"/>
+            <a:ext cx="4620956" cy="3019634"/>
+          </a:xfrm>
+          <a:prstGeom prst="rect">
+            <a:avLst/>
+          </a:prstGeom>
+        </p:spPr>
+      </p:pic>
+      <p:pic>
+        <p:nvPicPr>
+          <p:cNvPr id="5" name="Picture 4"/>
+          <p:cNvPicPr>
+            <a:picLocks noChangeAspect="1"/>
+          </p:cNvPicPr>
+          <p:nvPr/>
+        </p:nvPicPr>
+        <p:blipFill rotWithShape="1">
+          <a:blip r:embed="rId5"/>
+          <a:srcRect l="27746" t="57692" r="36530" b="7143"/>
+          <a:stretch/>
+        </p:blipFill>
+        <p:spPr>
+          <a:xfrm>
+            <a:off x="3581400" y="3954344"/>
+            <a:ext cx="4648201" cy="2438400"/>
+          </a:xfrm>
+          <a:prstGeom prst="rect">
+            <a:avLst/>
+          </a:prstGeom>
+        </p:spPr>
+      </p:pic>
     </p:spTree>
     <p:extLst>
       <p:ext uri="{BB962C8B-B14F-4D97-AF65-F5344CB8AC3E}">
-        <p14:creationId xmlns:p14="http://schemas.microsoft.com/office/powerpoint/2010/main" val="1664973044"/>
+        <p14:creationId xmlns:p14="http://schemas.microsoft.com/office/powerpoint/2010/main" val="2956644823"/>
       </p:ext>
     </p:extLst>
   </p:cSld>
@@ -7811,7 +7915,7 @@
 </p:sld>
 </file>
 
-<file path=ppt/slides/slide4.xml><?xml version="1.0" encoding="utf-8"?>
+<file path=ppt/slides/slide2.xml><?xml version="1.0" encoding="utf-8"?>
 <p:sld xmlns:a="http://schemas.openxmlformats.org/drawingml/2006/main" xmlns:r="http://schemas.openxmlformats.org/officeDocument/2006/relationships" xmlns:p="http://schemas.openxmlformats.org/presentationml/2006/main">
   <p:cSld>
     <p:spTree>
@@ -7846,7 +7950,7 @@
             <a:fld id="{B6F15528-21DE-4FAA-801E-634DDDAF4B2B}" type="slidenum">
               <a:rPr lang="en-US" smtClean="0"/>
               <a:pPr/>
-              <a:t>4</a:t>
+              <a:t>2</a:t>
             </a:fld>
             <a:endParaRPr lang="en-US"/>
           </a:p>
@@ -7930,14 +8034,14 @@
       </p:cxnSp>
       <p:sp>
         <p:nvSpPr>
-          <p:cNvPr id="3" name="Rectangle 2"/>
+          <p:cNvPr id="2" name="Rectangle 1"/>
           <p:cNvSpPr/>
           <p:nvPr/>
         </p:nvSpPr>
         <p:spPr>
           <a:xfrm>
-            <a:off x="524298" y="1003608"/>
-            <a:ext cx="8162501" cy="3751476"/>
+            <a:off x="533397" y="1066800"/>
+            <a:ext cx="8153403" cy="3648884"/>
           </a:xfrm>
           <a:prstGeom prst="rect">
             <a:avLst/>
@@ -7948,29 +8052,6 @@
             <a:spAutoFit/>
           </a:bodyPr>
           <a:lstStyle/>
-          <a:p>
-            <a:pPr>
-              <a:lnSpc>
-                <a:spcPct val="107000"/>
-              </a:lnSpc>
-              <a:spcAft>
-                <a:spcPts val="800"/>
-              </a:spcAft>
-            </a:pPr>
-            <a:r>
-              <a:rPr lang="en-US" sz="2400" b="1" dirty="0">
-                <a:latin typeface="Calibri" panose="020F0502020204030204" pitchFamily="34" charset="0"/>
-                <a:ea typeface="Calibri" panose="020F0502020204030204" pitchFamily="34" charset="0"/>
-                <a:cs typeface="Times New Roman" panose="02020603050405020304" pitchFamily="18" charset="0"/>
-              </a:rPr>
-              <a:t>Requirements</a:t>
-            </a:r>
-            <a:endParaRPr lang="en-US" sz="2400" dirty="0">
-              <a:latin typeface="Calibri" panose="020F0502020204030204" pitchFamily="34" charset="0"/>
-              <a:ea typeface="Calibri" panose="020F0502020204030204" pitchFamily="34" charset="0"/>
-              <a:cs typeface="Times New Roman" panose="02020603050405020304" pitchFamily="18" charset="0"/>
-            </a:endParaRPr>
-          </a:p>
           <a:p>
             <a:pPr marL="342900" marR="0" lvl="0" indent="-342900">
               <a:lnSpc>
@@ -7982,30 +8063,48 @@
               <a:spcAft>
                 <a:spcPts val="0"/>
               </a:spcAft>
-              <a:buFont typeface="Arial" panose="020B0604020202020204" pitchFamily="34" charset="0"/>
-              <a:buChar char="•"/>
+              <a:buFont typeface="Symbol" panose="05050102010706020507" pitchFamily="18" charset="2"/>
+              <a:buChar char=""/>
             </a:pPr>
+            <a:r>
+              <a:rPr lang="en-US" sz="2400" dirty="0" smtClean="0">
+                <a:latin typeface="Calibri" panose="020F0502020204030204" pitchFamily="34" charset="0"/>
+                <a:ea typeface="Calibri" panose="020F0502020204030204" pitchFamily="34" charset="0"/>
+                <a:cs typeface="Times New Roman" panose="02020603050405020304" pitchFamily="18" charset="0"/>
+              </a:rPr>
+              <a:t>Limited </a:t>
+            </a:r>
             <a:r>
               <a:rPr lang="en-US" sz="2400" dirty="0">
                 <a:latin typeface="Calibri" panose="020F0502020204030204" pitchFamily="34" charset="0"/>
                 <a:ea typeface="Calibri" panose="020F0502020204030204" pitchFamily="34" charset="0"/>
                 <a:cs typeface="Times New Roman" panose="02020603050405020304" pitchFamily="18" charset="0"/>
               </a:rPr>
-              <a:t>Easy to </a:t>
-            </a:r>
-            <a:r>
-              <a:rPr lang="en-US" sz="2400" dirty="0" smtClean="0">
+              <a:t>rear and blind spot visibility for motorcycle riders wearing full-faced helmets.</a:t>
+            </a:r>
+          </a:p>
+          <a:p>
+            <a:pPr marL="742950" marR="0" lvl="1" indent="-285750">
+              <a:lnSpc>
+                <a:spcPct val="107000"/>
+              </a:lnSpc>
+              <a:spcBef>
+                <a:spcPts val="0"/>
+              </a:spcBef>
+              <a:spcAft>
+                <a:spcPts val="0"/>
+              </a:spcAft>
+              <a:buFont typeface="Courier New" panose="02070309020205020404" pitchFamily="49" charset="0"/>
+              <a:buChar char="o"/>
+            </a:pPr>
+            <a:r>
+              <a:rPr lang="en-US" sz="2400" dirty="0">
                 <a:latin typeface="Calibri" panose="020F0502020204030204" pitchFamily="34" charset="0"/>
                 <a:ea typeface="Calibri" panose="020F0502020204030204" pitchFamily="34" charset="0"/>
                 <a:cs typeface="Times New Roman" panose="02020603050405020304" pitchFamily="18" charset="0"/>
               </a:rPr>
-              <a:t>use</a:t>
-            </a:r>
-            <a:endParaRPr lang="en-US" sz="2400" dirty="0">
-              <a:latin typeface="Calibri" panose="020F0502020204030204" pitchFamily="34" charset="0"/>
-              <a:ea typeface="Calibri" panose="020F0502020204030204" pitchFamily="34" charset="0"/>
-              <a:cs typeface="Times New Roman" panose="02020603050405020304" pitchFamily="18" charset="0"/>
-            </a:endParaRPr>
+              <a:t>Turning head takes attention off the road in front</a:t>
+            </a:r>
           </a:p>
           <a:p>
             <a:pPr marL="342900" marR="0" lvl="0" indent="-342900">
@@ -8018,17 +8117,62 @@
               <a:spcAft>
                 <a:spcPts val="0"/>
               </a:spcAft>
-              <a:buFont typeface="Arial" panose="020B0604020202020204" pitchFamily="34" charset="0"/>
-              <a:buChar char="•"/>
+              <a:buFont typeface="Symbol" panose="05050102010706020507" pitchFamily="18" charset="2"/>
+              <a:buChar char=""/>
             </a:pPr>
             <a:r>
-              <a:rPr lang="en-US" sz="2400" dirty="0" smtClean="0">
-                <a:effectLst/>
+              <a:rPr lang="en-US" sz="2400" dirty="0">
                 <a:latin typeface="Calibri" panose="020F0502020204030204" pitchFamily="34" charset="0"/>
                 <a:ea typeface="Calibri" panose="020F0502020204030204" pitchFamily="34" charset="0"/>
                 <a:cs typeface="Times New Roman" panose="02020603050405020304" pitchFamily="18" charset="0"/>
               </a:rPr>
-              <a:t>Real-time visual indication of distance to rear and sides</a:t>
+              <a:t>Rearview mirrors are not always reliable or easy to see</a:t>
+            </a:r>
+          </a:p>
+          <a:p>
+            <a:pPr marL="742950" marR="0" lvl="1" indent="-285750">
+              <a:lnSpc>
+                <a:spcPct val="107000"/>
+              </a:lnSpc>
+              <a:spcBef>
+                <a:spcPts val="0"/>
+              </a:spcBef>
+              <a:spcAft>
+                <a:spcPts val="0"/>
+              </a:spcAft>
+              <a:buFont typeface="Courier New" panose="02070309020205020404" pitchFamily="49" charset="0"/>
+              <a:buChar char="o"/>
+            </a:pPr>
+            <a:r>
+              <a:rPr lang="en-US" sz="2400" dirty="0">
+                <a:latin typeface="Calibri" panose="020F0502020204030204" pitchFamily="34" charset="0"/>
+                <a:ea typeface="Calibri" panose="020F0502020204030204" pitchFamily="34" charset="0"/>
+                <a:cs typeface="Times New Roman" panose="02020603050405020304" pitchFamily="18" charset="0"/>
+              </a:rPr>
+              <a:t>Bar end mirrors</a:t>
+            </a:r>
+          </a:p>
+          <a:p>
+            <a:pPr marL="742950" marR="0" lvl="1" indent="-285750">
+              <a:lnSpc>
+                <a:spcPct val="107000"/>
+              </a:lnSpc>
+              <a:spcBef>
+                <a:spcPts val="0"/>
+              </a:spcBef>
+              <a:spcAft>
+                <a:spcPts val="0"/>
+              </a:spcAft>
+              <a:buFont typeface="Courier New" panose="02070309020205020404" pitchFamily="49" charset="0"/>
+              <a:buChar char="o"/>
+            </a:pPr>
+            <a:r>
+              <a:rPr lang="en-US" sz="2400" dirty="0">
+                <a:latin typeface="Calibri" panose="020F0502020204030204" pitchFamily="34" charset="0"/>
+                <a:ea typeface="Calibri" panose="020F0502020204030204" pitchFamily="34" charset="0"/>
+                <a:cs typeface="Times New Roman" panose="02020603050405020304" pitchFamily="18" charset="0"/>
+              </a:rPr>
+              <a:t>Vibration</a:t>
             </a:r>
           </a:p>
           <a:p>
@@ -8042,20 +8186,20 @@
               <a:spcAft>
                 <a:spcPts val="0"/>
               </a:spcAft>
-              <a:buFont typeface="Arial" panose="020B0604020202020204" pitchFamily="34" charset="0"/>
-              <a:buChar char="•"/>
+              <a:buFont typeface="Symbol" panose="05050102010706020507" pitchFamily="18" charset="2"/>
+              <a:buChar char=""/>
             </a:pPr>
             <a:r>
-              <a:rPr lang="en-US" sz="2400" dirty="0" smtClean="0">
+              <a:rPr lang="en-US" sz="2400" dirty="0">
                 <a:latin typeface="Calibri" panose="020F0502020204030204" pitchFamily="34" charset="0"/>
                 <a:ea typeface="Calibri" panose="020F0502020204030204" pitchFamily="34" charset="0"/>
                 <a:cs typeface="Times New Roman" panose="02020603050405020304" pitchFamily="18" charset="0"/>
               </a:rPr>
-              <a:t>Three zones</a:t>
-            </a:r>
-          </a:p>
-          <a:p>
-            <a:pPr marL="342900" marR="0" lvl="0" indent="-342900">
+              <a:t>Safety and riding awareness</a:t>
+            </a:r>
+          </a:p>
+          <a:p>
+            <a:pPr marL="742950" marR="0" lvl="1" indent="-285750">
               <a:lnSpc>
                 <a:spcPct val="107000"/>
               </a:lnSpc>
@@ -8065,65 +8209,20 @@
               <a:spcAft>
                 <a:spcPts val="0"/>
               </a:spcAft>
-              <a:buFont typeface="Arial" panose="020B0604020202020204" pitchFamily="34" charset="0"/>
-              <a:buChar char="•"/>
+              <a:buFont typeface="Courier New" panose="02070309020205020404" pitchFamily="49" charset="0"/>
+              <a:buChar char="o"/>
             </a:pPr>
             <a:r>
-              <a:rPr lang="en-US" sz="2400" dirty="0" smtClean="0">
+              <a:rPr lang="en-US" sz="2400" dirty="0">
                 <a:latin typeface="Calibri" panose="020F0502020204030204" pitchFamily="34" charset="0"/>
                 <a:ea typeface="Calibri" panose="020F0502020204030204" pitchFamily="34" charset="0"/>
                 <a:cs typeface="Times New Roman" panose="02020603050405020304" pitchFamily="18" charset="0"/>
               </a:rPr>
-              <a:t>0-5 </a:t>
-            </a:r>
-            <a:r>
-              <a:rPr lang="en-US" sz="2400" dirty="0" err="1" smtClean="0">
-                <a:latin typeface="Calibri" panose="020F0502020204030204" pitchFamily="34" charset="0"/>
-                <a:ea typeface="Calibri" panose="020F0502020204030204" pitchFamily="34" charset="0"/>
-                <a:cs typeface="Times New Roman" panose="02020603050405020304" pitchFamily="18" charset="0"/>
-              </a:rPr>
-              <a:t>ft</a:t>
-            </a:r>
-            <a:r>
-              <a:rPr lang="en-US" sz="2400" dirty="0" smtClean="0">
-                <a:latin typeface="Calibri" panose="020F0502020204030204" pitchFamily="34" charset="0"/>
-                <a:ea typeface="Calibri" panose="020F0502020204030204" pitchFamily="34" charset="0"/>
-                <a:cs typeface="Times New Roman" panose="02020603050405020304" pitchFamily="18" charset="0"/>
-              </a:rPr>
-              <a:t>, 5-10 </a:t>
-            </a:r>
-            <a:r>
-              <a:rPr lang="en-US" sz="2400" dirty="0" err="1" smtClean="0">
-                <a:latin typeface="Calibri" panose="020F0502020204030204" pitchFamily="34" charset="0"/>
-                <a:ea typeface="Calibri" panose="020F0502020204030204" pitchFamily="34" charset="0"/>
-                <a:cs typeface="Times New Roman" panose="02020603050405020304" pitchFamily="18" charset="0"/>
-              </a:rPr>
-              <a:t>ft</a:t>
-            </a:r>
-            <a:r>
-              <a:rPr lang="en-US" sz="2400" dirty="0" smtClean="0">
-                <a:latin typeface="Calibri" panose="020F0502020204030204" pitchFamily="34" charset="0"/>
-                <a:ea typeface="Calibri" panose="020F0502020204030204" pitchFamily="34" charset="0"/>
-                <a:cs typeface="Times New Roman" panose="02020603050405020304" pitchFamily="18" charset="0"/>
-              </a:rPr>
-              <a:t>, 10-15 </a:t>
-            </a:r>
-            <a:r>
-              <a:rPr lang="en-US" sz="2400" dirty="0" err="1" smtClean="0">
-                <a:latin typeface="Calibri" panose="020F0502020204030204" pitchFamily="34" charset="0"/>
-                <a:ea typeface="Calibri" panose="020F0502020204030204" pitchFamily="34" charset="0"/>
-                <a:cs typeface="Times New Roman" panose="02020603050405020304" pitchFamily="18" charset="0"/>
-              </a:rPr>
-              <a:t>ft</a:t>
-            </a:r>
-            <a:endParaRPr lang="en-US" sz="2400" dirty="0">
-              <a:latin typeface="Calibri" panose="020F0502020204030204" pitchFamily="34" charset="0"/>
-              <a:ea typeface="Calibri" panose="020F0502020204030204" pitchFamily="34" charset="0"/>
-              <a:cs typeface="Times New Roman" panose="02020603050405020304" pitchFamily="18" charset="0"/>
-            </a:endParaRPr>
-          </a:p>
-          <a:p>
-            <a:pPr marL="342900" marR="0" lvl="0" indent="-342900">
+              <a:t>Lane positioning</a:t>
+            </a:r>
+          </a:p>
+          <a:p>
+            <a:pPr marL="742950" marR="0" lvl="1" indent="-285750">
               <a:lnSpc>
                 <a:spcPct val="107000"/>
               </a:lnSpc>
@@ -8131,102 +8230,38 @@
                 <a:spcPts val="0"/>
               </a:spcBef>
               <a:spcAft>
-                <a:spcPts val="0"/>
+                <a:spcPts val="800"/>
               </a:spcAft>
-              <a:buFont typeface="Arial" panose="020B0604020202020204" pitchFamily="34" charset="0"/>
-              <a:buChar char="•"/>
+              <a:buFont typeface="Courier New" panose="02070309020205020404" pitchFamily="49" charset="0"/>
+              <a:buChar char="o"/>
             </a:pPr>
             <a:r>
-              <a:rPr lang="en-US" sz="2400" dirty="0" smtClean="0">
-                <a:effectLst/>
+              <a:rPr lang="en-US" sz="2400" dirty="0">
                 <a:latin typeface="Calibri" panose="020F0502020204030204" pitchFamily="34" charset="0"/>
                 <a:ea typeface="Calibri" panose="020F0502020204030204" pitchFamily="34" charset="0"/>
                 <a:cs typeface="Times New Roman" panose="02020603050405020304" pitchFamily="18" charset="0"/>
               </a:rPr>
-              <a:t>Weather resistant</a:t>
-            </a:r>
-          </a:p>
-          <a:p>
-            <a:pPr marL="342900" marR="0" lvl="0" indent="-342900">
-              <a:lnSpc>
-                <a:spcPct val="107000"/>
-              </a:lnSpc>
-              <a:spcBef>
-                <a:spcPts val="0"/>
-              </a:spcBef>
-              <a:spcAft>
-                <a:spcPts val="0"/>
-              </a:spcAft>
-              <a:buFont typeface="Arial" panose="020B0604020202020204" pitchFamily="34" charset="0"/>
-              <a:buChar char="•"/>
-            </a:pPr>
-            <a:r>
-              <a:rPr lang="en-US" sz="2400" dirty="0" smtClean="0">
-                <a:latin typeface="Calibri" panose="020F0502020204030204" pitchFamily="34" charset="0"/>
-                <a:ea typeface="Calibri" panose="020F0502020204030204" pitchFamily="34" charset="0"/>
-                <a:cs typeface="Times New Roman" panose="02020603050405020304" pitchFamily="18" charset="0"/>
-              </a:rPr>
-              <a:t>Battery powered</a:t>
-            </a:r>
-          </a:p>
-          <a:p>
-            <a:pPr marL="342900" marR="0" lvl="0" indent="-342900">
-              <a:lnSpc>
-                <a:spcPct val="107000"/>
-              </a:lnSpc>
-              <a:spcBef>
-                <a:spcPts val="0"/>
-              </a:spcBef>
-              <a:spcAft>
-                <a:spcPts val="0"/>
-              </a:spcAft>
-              <a:buFont typeface="Arial" panose="020B0604020202020204" pitchFamily="34" charset="0"/>
-              <a:buChar char="•"/>
-            </a:pPr>
-            <a:r>
-              <a:rPr lang="en-US" sz="2400" dirty="0" smtClean="0">
-                <a:latin typeface="Calibri" panose="020F0502020204030204" pitchFamily="34" charset="0"/>
-                <a:ea typeface="Calibri" panose="020F0502020204030204" pitchFamily="34" charset="0"/>
-                <a:cs typeface="Times New Roman" panose="02020603050405020304" pitchFamily="18" charset="0"/>
-              </a:rPr>
-              <a:t>Bright enough for sunlit conditions.	</a:t>
-            </a:r>
-          </a:p>
-          <a:p>
-            <a:pPr marL="342900" marR="0" lvl="0" indent="-342900">
-              <a:lnSpc>
-                <a:spcPct val="107000"/>
-              </a:lnSpc>
-              <a:spcBef>
-                <a:spcPts val="0"/>
-              </a:spcBef>
-              <a:spcAft>
-                <a:spcPts val="0"/>
-              </a:spcAft>
-              <a:buFont typeface="Arial" panose="020B0604020202020204" pitchFamily="34" charset="0"/>
-              <a:buChar char="•"/>
-            </a:pPr>
-            <a:r>
-              <a:rPr lang="en-US" sz="2400" dirty="0" smtClean="0">
-                <a:latin typeface="Calibri" panose="020F0502020204030204" pitchFamily="34" charset="0"/>
-                <a:ea typeface="Calibri" panose="020F0502020204030204" pitchFamily="34" charset="0"/>
-                <a:cs typeface="Times New Roman" panose="02020603050405020304" pitchFamily="18" charset="0"/>
-              </a:rPr>
-              <a:t>Low profile and easily mounted</a:t>
-            </a:r>
-          </a:p>
-        </p:txBody>
-      </p:sp>
-      <p:sp>
-        <p:nvSpPr>
-          <p:cNvPr id="6" name="TextBox 5"/>
+              <a:t>Traffic density</a:t>
+            </a:r>
+            <a:endParaRPr lang="en-US" sz="2400" dirty="0">
+              <a:effectLst/>
+              <a:latin typeface="Calibri" panose="020F0502020204030204" pitchFamily="34" charset="0"/>
+              <a:ea typeface="Calibri" panose="020F0502020204030204" pitchFamily="34" charset="0"/>
+              <a:cs typeface="Times New Roman" panose="02020603050405020304" pitchFamily="18" charset="0"/>
+            </a:endParaRPr>
+          </a:p>
+        </p:txBody>
+      </p:sp>
+      <p:sp>
+        <p:nvSpPr>
+          <p:cNvPr id="3" name="TextBox 2"/>
           <p:cNvSpPr txBox="1"/>
           <p:nvPr/>
         </p:nvSpPr>
         <p:spPr>
           <a:xfrm>
             <a:off x="457200" y="199181"/>
-            <a:ext cx="4648200" cy="461665"/>
+            <a:ext cx="2971800" cy="461665"/>
           </a:xfrm>
           <a:prstGeom prst="rect">
             <a:avLst/>
@@ -8246,7 +8281,7 @@
                 </a:solidFill>
                 <a:latin typeface="Fast Money" pitchFamily="2" charset="0"/>
               </a:rPr>
-              <a:t>Requirements</a:t>
+              <a:t>PROBLEM</a:t>
             </a:r>
             <a:endParaRPr lang="en-US" sz="2400" dirty="0">
               <a:solidFill>
@@ -8260,7 +8295,7 @@
     </p:spTree>
     <p:extLst>
       <p:ext uri="{BB962C8B-B14F-4D97-AF65-F5344CB8AC3E}">
-        <p14:creationId xmlns:p14="http://schemas.microsoft.com/office/powerpoint/2010/main" val="2585547098"/>
+        <p14:creationId xmlns:p14="http://schemas.microsoft.com/office/powerpoint/2010/main" val="2706470271"/>
       </p:ext>
     </p:extLst>
   </p:cSld>
@@ -8277,7 +8312,7 @@
 </p:sld>
 </file>
 
-<file path=ppt/slides/slide5.xml><?xml version="1.0" encoding="utf-8"?>
+<file path=ppt/slides/slide3.xml><?xml version="1.0" encoding="utf-8"?>
 <p:sld xmlns:a="http://schemas.openxmlformats.org/drawingml/2006/main" xmlns:r="http://schemas.openxmlformats.org/officeDocument/2006/relationships" xmlns:p="http://schemas.openxmlformats.org/presentationml/2006/main">
   <p:cSld>
     <p:spTree>
@@ -8312,7 +8347,7 @@
             <a:fld id="{B6F15528-21DE-4FAA-801E-634DDDAF4B2B}" type="slidenum">
               <a:rPr lang="en-US" smtClean="0"/>
               <a:pPr/>
-              <a:t>5</a:t>
+              <a:t>3</a:t>
             </a:fld>
             <a:endParaRPr lang="en-US"/>
           </a:p>
@@ -8396,14 +8431,168 @@
       </p:cxnSp>
       <p:sp>
         <p:nvSpPr>
-          <p:cNvPr id="2" name="TextBox 1"/>
+          <p:cNvPr id="2" name="Rectangle 1"/>
+          <p:cNvSpPr/>
+          <p:nvPr/>
+        </p:nvSpPr>
+        <p:spPr>
+          <a:xfrm>
+            <a:off x="555006" y="1062363"/>
+            <a:ext cx="8131793" cy="5155066"/>
+          </a:xfrm>
+          <a:prstGeom prst="rect">
+            <a:avLst/>
+          </a:prstGeom>
+        </p:spPr>
+        <p:txBody>
+          <a:bodyPr wrap="square">
+            <a:spAutoFit/>
+          </a:bodyPr>
+          <a:lstStyle/>
+          <a:p>
+            <a:pPr>
+              <a:lnSpc>
+                <a:spcPct val="107000"/>
+              </a:lnSpc>
+              <a:spcAft>
+                <a:spcPts val="800"/>
+              </a:spcAft>
+            </a:pPr>
+            <a:r>
+              <a:rPr lang="en-US" sz="2400" dirty="0" smtClean="0">
+                <a:latin typeface="Calibri" panose="020F0502020204030204" pitchFamily="34" charset="0"/>
+                <a:ea typeface="Calibri" panose="020F0502020204030204" pitchFamily="34" charset="0"/>
+                <a:cs typeface="Times New Roman" panose="02020603050405020304" pitchFamily="18" charset="0"/>
+              </a:rPr>
+              <a:t>A working prototype that will give visual indication of position of close proximity traffic to the rear and sides of the motorcycle behind the rider’s field of view.  A simple non-video display will lend an old-school vibe to appeal to vintage enthusiasts.</a:t>
+            </a:r>
+          </a:p>
+          <a:p>
+            <a:pPr>
+              <a:lnSpc>
+                <a:spcPct val="107000"/>
+              </a:lnSpc>
+              <a:spcAft>
+                <a:spcPts val="800"/>
+              </a:spcAft>
+            </a:pPr>
+            <a:endParaRPr lang="en-US" sz="2400" dirty="0" smtClean="0">
+              <a:latin typeface="Calibri" panose="020F0502020204030204" pitchFamily="34" charset="0"/>
+              <a:ea typeface="Calibri" panose="020F0502020204030204" pitchFamily="34" charset="0"/>
+              <a:cs typeface="Times New Roman" panose="02020603050405020304" pitchFamily="18" charset="0"/>
+            </a:endParaRPr>
+          </a:p>
+          <a:p>
+            <a:r>
+              <a:rPr lang="en-US" sz="2400" b="1" dirty="0" smtClean="0"/>
+              <a:t>Alternatives</a:t>
+            </a:r>
+            <a:endParaRPr lang="en-US" sz="2400" dirty="0" smtClean="0"/>
+          </a:p>
+          <a:p>
+            <a:pPr marL="342900" lvl="0" indent="-342900">
+              <a:buFont typeface="Arial" panose="020B0604020202020204" pitchFamily="34" charset="0"/>
+              <a:buChar char="•"/>
+            </a:pPr>
+            <a:r>
+              <a:rPr lang="en-US" sz="2400" dirty="0" err="1" smtClean="0"/>
+              <a:t>Reevu</a:t>
+            </a:r>
+            <a:r>
+              <a:rPr lang="en-US" sz="2400" dirty="0" smtClean="0"/>
+              <a:t> MSX-1 Rear-View Helmet - $399.99</a:t>
+            </a:r>
+          </a:p>
+          <a:p>
+            <a:pPr marL="800100" lvl="1" indent="-342900">
+              <a:buFont typeface="Arial" panose="020B0604020202020204" pitchFamily="34" charset="0"/>
+              <a:buChar char="•"/>
+            </a:pPr>
+            <a:r>
+              <a:rPr lang="en-US" sz="2400" dirty="0" smtClean="0"/>
+              <a:t>Internal rear-view mirror, works off rear-reflection</a:t>
+            </a:r>
+          </a:p>
+          <a:p>
+            <a:pPr marL="342900" lvl="0" indent="-342900">
+              <a:buFont typeface="Arial" panose="020B0604020202020204" pitchFamily="34" charset="0"/>
+              <a:buChar char="•"/>
+            </a:pPr>
+            <a:r>
+              <a:rPr lang="en-US" sz="2400" dirty="0" err="1" smtClean="0"/>
+              <a:t>Skully</a:t>
+            </a:r>
+            <a:r>
+              <a:rPr lang="en-US" sz="2400" dirty="0" smtClean="0"/>
+              <a:t> AR-1 Helmet - $1499</a:t>
+            </a:r>
+          </a:p>
+          <a:p>
+            <a:pPr marL="800100" lvl="1" indent="-342900">
+              <a:buFont typeface="Arial" panose="020B0604020202020204" pitchFamily="34" charset="0"/>
+              <a:buChar char="•"/>
+            </a:pPr>
+            <a:r>
+              <a:rPr lang="en-US" sz="2400" dirty="0" smtClean="0"/>
+              <a:t>Rear-view camera, internal HUD</a:t>
+            </a:r>
+          </a:p>
+          <a:p>
+            <a:pPr marL="342900" lvl="0" indent="-342900">
+              <a:buFont typeface="Arial" panose="020B0604020202020204" pitchFamily="34" charset="0"/>
+              <a:buChar char="•"/>
+            </a:pPr>
+            <a:r>
+              <a:rPr lang="en-US" sz="2400" dirty="0" smtClean="0"/>
+              <a:t>Lucky Bike </a:t>
+            </a:r>
+            <a:r>
+              <a:rPr lang="en-US" sz="2400" dirty="0" err="1" smtClean="0"/>
+              <a:t>Motorcyle</a:t>
+            </a:r>
+            <a:r>
+              <a:rPr lang="en-US" sz="2400" dirty="0" smtClean="0"/>
+              <a:t> Rear-View Camera System - $89</a:t>
+            </a:r>
+          </a:p>
+          <a:p>
+            <a:pPr marL="800100" lvl="1" indent="-342900">
+              <a:buFont typeface="Arial" panose="020B0604020202020204" pitchFamily="34" charset="0"/>
+              <a:buChar char="•"/>
+            </a:pPr>
+            <a:r>
+              <a:rPr lang="en-US" sz="2400" dirty="0" smtClean="0"/>
+              <a:t>4.3” Video display with night vision</a:t>
+            </a:r>
+          </a:p>
+          <a:p>
+            <a:pPr>
+              <a:lnSpc>
+                <a:spcPct val="107000"/>
+              </a:lnSpc>
+              <a:spcAft>
+                <a:spcPts val="800"/>
+              </a:spcAft>
+            </a:pPr>
+            <a:endParaRPr lang="en-US" dirty="0">
+              <a:effectLst/>
+              <a:latin typeface="Calibri" panose="020F0502020204030204" pitchFamily="34" charset="0"/>
+              <a:ea typeface="Calibri" panose="020F0502020204030204" pitchFamily="34" charset="0"/>
+              <a:cs typeface="Times New Roman" panose="02020603050405020304" pitchFamily="18" charset="0"/>
+            </a:endParaRPr>
+          </a:p>
+        </p:txBody>
+      </p:sp>
+      <p:sp>
+        <p:nvSpPr>
+          <p:cNvPr id="11" name="TextBox 10"/>
           <p:cNvSpPr txBox="1"/>
           <p:nvPr/>
         </p:nvSpPr>
         <p:spPr>
           <a:xfrm>
-            <a:off x="533398" y="1066800"/>
-            <a:ext cx="7543802" cy="5355312"/>
+            <a:off x="457200" y="199181"/>
+            <a:ext cx="2971800" cy="461665"/>
           </a:xfrm>
           <a:prstGeom prst="rect">
             <a:avLst/>
@@ -8417,215 +8606,13 @@
           <a:lstStyle/>
           <a:p>
             <a:r>
-              <a:rPr lang="en-US" dirty="0" smtClean="0"/>
-              <a:t>Sensor Module</a:t>
-            </a:r>
-          </a:p>
-          <a:p>
-            <a:pPr marL="285750" indent="-285750">
-              <a:buFont typeface="Arial" panose="020B0604020202020204" pitchFamily="34" charset="0"/>
-              <a:buChar char="•"/>
-            </a:pPr>
-            <a:r>
-              <a:rPr lang="en-US" dirty="0" smtClean="0"/>
-              <a:t>Sensor range ~15ft.</a:t>
-            </a:r>
-          </a:p>
-          <a:p>
-            <a:pPr marL="285750" indent="-285750">
-              <a:buFont typeface="Arial" panose="020B0604020202020204" pitchFamily="34" charset="0"/>
-              <a:buChar char="•"/>
-            </a:pPr>
-            <a:r>
-              <a:rPr lang="en-US" dirty="0" smtClean="0"/>
-              <a:t>Type of sensor (ultrasonic, IR, </a:t>
-            </a:r>
-            <a:r>
-              <a:rPr lang="en-US" dirty="0" err="1" smtClean="0"/>
-              <a:t>etc</a:t>
-            </a:r>
-            <a:r>
-              <a:rPr lang="en-US" dirty="0" smtClean="0"/>
-              <a:t>)</a:t>
-            </a:r>
-          </a:p>
-          <a:p>
-            <a:pPr marL="285750" indent="-285750">
-              <a:buFont typeface="Arial" panose="020B0604020202020204" pitchFamily="34" charset="0"/>
-              <a:buChar char="•"/>
-            </a:pPr>
-            <a:r>
-              <a:rPr lang="en-US" dirty="0" smtClean="0"/>
-              <a:t>Integration with microprocessor</a:t>
-            </a:r>
-          </a:p>
-          <a:p>
-            <a:endParaRPr lang="en-US" dirty="0"/>
-          </a:p>
-          <a:p>
-            <a:r>
-              <a:rPr lang="en-US" dirty="0" smtClean="0"/>
-              <a:t>Power</a:t>
-            </a:r>
-          </a:p>
-          <a:p>
-            <a:pPr marL="285750" indent="-285750">
-              <a:buFont typeface="Arial" panose="020B0604020202020204" pitchFamily="34" charset="0"/>
-              <a:buChar char="•"/>
-            </a:pPr>
-            <a:r>
-              <a:rPr lang="en-US" dirty="0" smtClean="0"/>
-              <a:t>Regulation</a:t>
-            </a:r>
-          </a:p>
-          <a:p>
-            <a:pPr marL="285750" indent="-285750">
-              <a:buFont typeface="Arial" panose="020B0604020202020204" pitchFamily="34" charset="0"/>
-              <a:buChar char="•"/>
-            </a:pPr>
-            <a:r>
-              <a:rPr lang="en-US" dirty="0" smtClean="0"/>
-              <a:t>Sources</a:t>
-            </a:r>
-          </a:p>
-          <a:p>
-            <a:endParaRPr lang="en-US" dirty="0"/>
-          </a:p>
-          <a:p>
-            <a:r>
-              <a:rPr lang="en-US" dirty="0" smtClean="0"/>
-              <a:t>Microprocessor</a:t>
-            </a:r>
-          </a:p>
-          <a:p>
-            <a:pPr marL="285750" indent="-285750">
-              <a:buFont typeface="Arial" panose="020B0604020202020204" pitchFamily="34" charset="0"/>
-              <a:buChar char="•"/>
-            </a:pPr>
-            <a:r>
-              <a:rPr lang="en-US" dirty="0" smtClean="0"/>
-              <a:t>Number/type of I/O ports</a:t>
-            </a:r>
-          </a:p>
-          <a:p>
-            <a:pPr marL="285750" indent="-285750">
-              <a:buFont typeface="Arial" panose="020B0604020202020204" pitchFamily="34" charset="0"/>
-              <a:buChar char="•"/>
-            </a:pPr>
-            <a:r>
-              <a:rPr lang="en-US" dirty="0" smtClean="0"/>
-              <a:t>IDE/support</a:t>
-            </a:r>
-          </a:p>
-          <a:p>
-            <a:pPr marL="285750" indent="-285750">
-              <a:buFont typeface="Arial" panose="020B0604020202020204" pitchFamily="34" charset="0"/>
-              <a:buChar char="•"/>
-            </a:pPr>
-            <a:r>
-              <a:rPr lang="en-US" dirty="0" smtClean="0"/>
-              <a:t>Power Consumption</a:t>
-            </a:r>
-          </a:p>
-          <a:p>
-            <a:pPr marL="285750" indent="-285750">
-              <a:buFont typeface="Arial" panose="020B0604020202020204" pitchFamily="34" charset="0"/>
-              <a:buChar char="•"/>
-            </a:pPr>
-            <a:r>
-              <a:rPr lang="en-US" dirty="0" smtClean="0"/>
-              <a:t>Simplicity</a:t>
-            </a:r>
-          </a:p>
-          <a:p>
-            <a:endParaRPr lang="en-US" dirty="0" smtClean="0"/>
-          </a:p>
-          <a:p>
-            <a:r>
-              <a:rPr lang="en-US" dirty="0" smtClean="0"/>
-              <a:t>Display</a:t>
-            </a:r>
-          </a:p>
-          <a:p>
-            <a:pPr marL="285750" indent="-285750">
-              <a:buFont typeface="Arial" panose="020B0604020202020204" pitchFamily="34" charset="0"/>
-              <a:buChar char="•"/>
-            </a:pPr>
-            <a:r>
-              <a:rPr lang="en-US" dirty="0" smtClean="0"/>
-              <a:t>Visibility</a:t>
-            </a:r>
-          </a:p>
-          <a:p>
-            <a:pPr marL="285750" indent="-285750">
-              <a:buFont typeface="Arial" panose="020B0604020202020204" pitchFamily="34" charset="0"/>
-              <a:buChar char="•"/>
-            </a:pPr>
-            <a:r>
-              <a:rPr lang="en-US" dirty="0" smtClean="0"/>
-              <a:t>Size</a:t>
-            </a:r>
-          </a:p>
-          <a:p>
-            <a:pPr marL="285750" indent="-285750">
-              <a:buFont typeface="Arial" panose="020B0604020202020204" pitchFamily="34" charset="0"/>
-              <a:buChar char="•"/>
-            </a:pPr>
-            <a:r>
-              <a:rPr lang="en-US" dirty="0" smtClean="0"/>
-              <a:t>Intuitive</a:t>
-            </a:r>
-          </a:p>
-        </p:txBody>
-      </p:sp>
-      <p:sp>
-        <p:nvSpPr>
-          <p:cNvPr id="10" name="TextBox 9"/>
-          <p:cNvSpPr txBox="1"/>
-          <p:nvPr/>
-        </p:nvSpPr>
-        <p:spPr>
-          <a:xfrm>
-            <a:off x="457200" y="199181"/>
-            <a:ext cx="6858000" cy="461665"/>
-          </a:xfrm>
-          <a:prstGeom prst="rect">
-            <a:avLst/>
-          </a:prstGeom>
-          <a:noFill/>
-        </p:spPr>
-        <p:txBody>
-          <a:bodyPr wrap="square" rtlCol="0">
-            <a:spAutoFit/>
-          </a:bodyPr>
-          <a:lstStyle/>
-          <a:p>
-            <a:r>
               <a:rPr lang="en-US" sz="2400" dirty="0" smtClean="0">
                 <a:solidFill>
                   <a:srgbClr val="0090F1"/>
                 </a:solidFill>
                 <a:latin typeface="Fast Money" pitchFamily="2" charset="0"/>
               </a:rPr>
-              <a:t>Design</a:t>
-            </a:r>
-            <a:r>
-              <a:rPr lang="en-US" sz="2400" dirty="0" smtClean="0">
-                <a:solidFill>
-                  <a:srgbClr val="41DCF1"/>
-                </a:solidFill>
-                <a:latin typeface="Fast Money" pitchFamily="2" charset="0"/>
-              </a:rPr>
-              <a:t> </a:t>
-            </a:r>
-            <a:r>
-              <a:rPr lang="en-US" sz="2400" dirty="0" smtClean="0">
-                <a:solidFill>
-                  <a:srgbClr val="0090F1"/>
-                </a:solidFill>
-                <a:latin typeface="Fast Money" pitchFamily="2" charset="0"/>
-              </a:rPr>
-              <a:t>considerations</a:t>
+              <a:t>Objective</a:t>
             </a:r>
             <a:endParaRPr lang="en-US" sz="2400" dirty="0">
               <a:solidFill>
@@ -8639,7 +8626,7 @@
     </p:spTree>
     <p:extLst>
       <p:ext uri="{BB962C8B-B14F-4D97-AF65-F5344CB8AC3E}">
-        <p14:creationId xmlns:p14="http://schemas.microsoft.com/office/powerpoint/2010/main" val="3934321023"/>
+        <p14:creationId xmlns:p14="http://schemas.microsoft.com/office/powerpoint/2010/main" val="1664973044"/>
       </p:ext>
     </p:extLst>
   </p:cSld>
@@ -8656,7 +8643,7 @@
 </p:sld>
 </file>
 
-<file path=ppt/slides/slide6.xml><?xml version="1.0" encoding="utf-8"?>
+<file path=ppt/slides/slide4.xml><?xml version="1.0" encoding="utf-8"?>
 <p:sld xmlns:a="http://schemas.openxmlformats.org/drawingml/2006/main" xmlns:r="http://schemas.openxmlformats.org/officeDocument/2006/relationships" xmlns:p="http://schemas.openxmlformats.org/presentationml/2006/main">
   <p:cSld>
     <p:spTree>
@@ -8691,7 +8678,7 @@
             <a:fld id="{B6F15528-21DE-4FAA-801E-634DDDAF4B2B}" type="slidenum">
               <a:rPr lang="en-US" smtClean="0"/>
               <a:pPr/>
-              <a:t>6</a:t>
+              <a:t>4</a:t>
             </a:fld>
             <a:endParaRPr lang="en-US"/>
           </a:p>
@@ -8775,6 +8762,851 @@
       </p:cxnSp>
       <p:sp>
         <p:nvSpPr>
+          <p:cNvPr id="3" name="Rectangle 2"/>
+          <p:cNvSpPr/>
+          <p:nvPr/>
+        </p:nvSpPr>
+        <p:spPr>
+          <a:xfrm>
+            <a:off x="524298" y="1003608"/>
+            <a:ext cx="8162501" cy="3751476"/>
+          </a:xfrm>
+          <a:prstGeom prst="rect">
+            <a:avLst/>
+          </a:prstGeom>
+        </p:spPr>
+        <p:txBody>
+          <a:bodyPr wrap="square">
+            <a:spAutoFit/>
+          </a:bodyPr>
+          <a:lstStyle/>
+          <a:p>
+            <a:pPr>
+              <a:lnSpc>
+                <a:spcPct val="107000"/>
+              </a:lnSpc>
+              <a:spcAft>
+                <a:spcPts val="800"/>
+              </a:spcAft>
+            </a:pPr>
+            <a:r>
+              <a:rPr lang="en-US" sz="2400" b="1" dirty="0">
+                <a:latin typeface="Calibri" panose="020F0502020204030204" pitchFamily="34" charset="0"/>
+                <a:ea typeface="Calibri" panose="020F0502020204030204" pitchFamily="34" charset="0"/>
+                <a:cs typeface="Times New Roman" panose="02020603050405020304" pitchFamily="18" charset="0"/>
+              </a:rPr>
+              <a:t>Requirements</a:t>
+            </a:r>
+            <a:endParaRPr lang="en-US" sz="2400" dirty="0">
+              <a:latin typeface="Calibri" panose="020F0502020204030204" pitchFamily="34" charset="0"/>
+              <a:ea typeface="Calibri" panose="020F0502020204030204" pitchFamily="34" charset="0"/>
+              <a:cs typeface="Times New Roman" panose="02020603050405020304" pitchFamily="18" charset="0"/>
+            </a:endParaRPr>
+          </a:p>
+          <a:p>
+            <a:pPr marL="342900" marR="0" lvl="0" indent="-342900">
+              <a:lnSpc>
+                <a:spcPct val="107000"/>
+              </a:lnSpc>
+              <a:spcBef>
+                <a:spcPts val="0"/>
+              </a:spcBef>
+              <a:spcAft>
+                <a:spcPts val="0"/>
+              </a:spcAft>
+              <a:buFont typeface="Arial" panose="020B0604020202020204" pitchFamily="34" charset="0"/>
+              <a:buChar char="•"/>
+            </a:pPr>
+            <a:r>
+              <a:rPr lang="en-US" sz="2400" dirty="0">
+                <a:latin typeface="Calibri" panose="020F0502020204030204" pitchFamily="34" charset="0"/>
+                <a:ea typeface="Calibri" panose="020F0502020204030204" pitchFamily="34" charset="0"/>
+                <a:cs typeface="Times New Roman" panose="02020603050405020304" pitchFamily="18" charset="0"/>
+              </a:rPr>
+              <a:t>Easy to </a:t>
+            </a:r>
+            <a:r>
+              <a:rPr lang="en-US" sz="2400" dirty="0" smtClean="0">
+                <a:latin typeface="Calibri" panose="020F0502020204030204" pitchFamily="34" charset="0"/>
+                <a:ea typeface="Calibri" panose="020F0502020204030204" pitchFamily="34" charset="0"/>
+                <a:cs typeface="Times New Roman" panose="02020603050405020304" pitchFamily="18" charset="0"/>
+              </a:rPr>
+              <a:t>use</a:t>
+            </a:r>
+            <a:endParaRPr lang="en-US" sz="2400" dirty="0">
+              <a:latin typeface="Calibri" panose="020F0502020204030204" pitchFamily="34" charset="0"/>
+              <a:ea typeface="Calibri" panose="020F0502020204030204" pitchFamily="34" charset="0"/>
+              <a:cs typeface="Times New Roman" panose="02020603050405020304" pitchFamily="18" charset="0"/>
+            </a:endParaRPr>
+          </a:p>
+          <a:p>
+            <a:pPr marL="342900" marR="0" lvl="0" indent="-342900">
+              <a:lnSpc>
+                <a:spcPct val="107000"/>
+              </a:lnSpc>
+              <a:spcBef>
+                <a:spcPts val="0"/>
+              </a:spcBef>
+              <a:spcAft>
+                <a:spcPts val="0"/>
+              </a:spcAft>
+              <a:buFont typeface="Arial" panose="020B0604020202020204" pitchFamily="34" charset="0"/>
+              <a:buChar char="•"/>
+            </a:pPr>
+            <a:r>
+              <a:rPr lang="en-US" sz="2400" dirty="0" smtClean="0">
+                <a:effectLst/>
+                <a:latin typeface="Calibri" panose="020F0502020204030204" pitchFamily="34" charset="0"/>
+                <a:ea typeface="Calibri" panose="020F0502020204030204" pitchFamily="34" charset="0"/>
+                <a:cs typeface="Times New Roman" panose="02020603050405020304" pitchFamily="18" charset="0"/>
+              </a:rPr>
+              <a:t>Real-time visual indication of distance to rear and sides</a:t>
+            </a:r>
+          </a:p>
+          <a:p>
+            <a:pPr marL="342900" marR="0" lvl="0" indent="-342900">
+              <a:lnSpc>
+                <a:spcPct val="107000"/>
+              </a:lnSpc>
+              <a:spcBef>
+                <a:spcPts val="0"/>
+              </a:spcBef>
+              <a:spcAft>
+                <a:spcPts val="0"/>
+              </a:spcAft>
+              <a:buFont typeface="Arial" panose="020B0604020202020204" pitchFamily="34" charset="0"/>
+              <a:buChar char="•"/>
+            </a:pPr>
+            <a:r>
+              <a:rPr lang="en-US" sz="2400" dirty="0" smtClean="0">
+                <a:latin typeface="Calibri" panose="020F0502020204030204" pitchFamily="34" charset="0"/>
+                <a:ea typeface="Calibri" panose="020F0502020204030204" pitchFamily="34" charset="0"/>
+                <a:cs typeface="Times New Roman" panose="02020603050405020304" pitchFamily="18" charset="0"/>
+              </a:rPr>
+              <a:t>Three zones</a:t>
+            </a:r>
+          </a:p>
+          <a:p>
+            <a:pPr marL="342900" marR="0" lvl="0" indent="-342900">
+              <a:lnSpc>
+                <a:spcPct val="107000"/>
+              </a:lnSpc>
+              <a:spcBef>
+                <a:spcPts val="0"/>
+              </a:spcBef>
+              <a:spcAft>
+                <a:spcPts val="0"/>
+              </a:spcAft>
+              <a:buFont typeface="Arial" panose="020B0604020202020204" pitchFamily="34" charset="0"/>
+              <a:buChar char="•"/>
+            </a:pPr>
+            <a:r>
+              <a:rPr lang="en-US" sz="2400" dirty="0" smtClean="0">
+                <a:latin typeface="Calibri" panose="020F0502020204030204" pitchFamily="34" charset="0"/>
+                <a:ea typeface="Calibri" panose="020F0502020204030204" pitchFamily="34" charset="0"/>
+                <a:cs typeface="Times New Roman" panose="02020603050405020304" pitchFamily="18" charset="0"/>
+              </a:rPr>
+              <a:t>0-5 </a:t>
+            </a:r>
+            <a:r>
+              <a:rPr lang="en-US" sz="2400" dirty="0" err="1" smtClean="0">
+                <a:latin typeface="Calibri" panose="020F0502020204030204" pitchFamily="34" charset="0"/>
+                <a:ea typeface="Calibri" panose="020F0502020204030204" pitchFamily="34" charset="0"/>
+                <a:cs typeface="Times New Roman" panose="02020603050405020304" pitchFamily="18" charset="0"/>
+              </a:rPr>
+              <a:t>ft</a:t>
+            </a:r>
+            <a:r>
+              <a:rPr lang="en-US" sz="2400" dirty="0" smtClean="0">
+                <a:latin typeface="Calibri" panose="020F0502020204030204" pitchFamily="34" charset="0"/>
+                <a:ea typeface="Calibri" panose="020F0502020204030204" pitchFamily="34" charset="0"/>
+                <a:cs typeface="Times New Roman" panose="02020603050405020304" pitchFamily="18" charset="0"/>
+              </a:rPr>
+              <a:t>, 5-10 </a:t>
+            </a:r>
+            <a:r>
+              <a:rPr lang="en-US" sz="2400" dirty="0" err="1" smtClean="0">
+                <a:latin typeface="Calibri" panose="020F0502020204030204" pitchFamily="34" charset="0"/>
+                <a:ea typeface="Calibri" panose="020F0502020204030204" pitchFamily="34" charset="0"/>
+                <a:cs typeface="Times New Roman" panose="02020603050405020304" pitchFamily="18" charset="0"/>
+              </a:rPr>
+              <a:t>ft</a:t>
+            </a:r>
+            <a:r>
+              <a:rPr lang="en-US" sz="2400" dirty="0" smtClean="0">
+                <a:latin typeface="Calibri" panose="020F0502020204030204" pitchFamily="34" charset="0"/>
+                <a:ea typeface="Calibri" panose="020F0502020204030204" pitchFamily="34" charset="0"/>
+                <a:cs typeface="Times New Roman" panose="02020603050405020304" pitchFamily="18" charset="0"/>
+              </a:rPr>
+              <a:t>, 10-15 </a:t>
+            </a:r>
+            <a:r>
+              <a:rPr lang="en-US" sz="2400" dirty="0" err="1" smtClean="0">
+                <a:latin typeface="Calibri" panose="020F0502020204030204" pitchFamily="34" charset="0"/>
+                <a:ea typeface="Calibri" panose="020F0502020204030204" pitchFamily="34" charset="0"/>
+                <a:cs typeface="Times New Roman" panose="02020603050405020304" pitchFamily="18" charset="0"/>
+              </a:rPr>
+              <a:t>ft</a:t>
+            </a:r>
+            <a:endParaRPr lang="en-US" sz="2400" dirty="0">
+              <a:latin typeface="Calibri" panose="020F0502020204030204" pitchFamily="34" charset="0"/>
+              <a:ea typeface="Calibri" panose="020F0502020204030204" pitchFamily="34" charset="0"/>
+              <a:cs typeface="Times New Roman" panose="02020603050405020304" pitchFamily="18" charset="0"/>
+            </a:endParaRPr>
+          </a:p>
+          <a:p>
+            <a:pPr marL="342900" marR="0" lvl="0" indent="-342900">
+              <a:lnSpc>
+                <a:spcPct val="107000"/>
+              </a:lnSpc>
+              <a:spcBef>
+                <a:spcPts val="0"/>
+              </a:spcBef>
+              <a:spcAft>
+                <a:spcPts val="0"/>
+              </a:spcAft>
+              <a:buFont typeface="Arial" panose="020B0604020202020204" pitchFamily="34" charset="0"/>
+              <a:buChar char="•"/>
+            </a:pPr>
+            <a:r>
+              <a:rPr lang="en-US" sz="2400" dirty="0" smtClean="0">
+                <a:effectLst/>
+                <a:latin typeface="Calibri" panose="020F0502020204030204" pitchFamily="34" charset="0"/>
+                <a:ea typeface="Calibri" panose="020F0502020204030204" pitchFamily="34" charset="0"/>
+                <a:cs typeface="Times New Roman" panose="02020603050405020304" pitchFamily="18" charset="0"/>
+              </a:rPr>
+              <a:t>Weather resistant</a:t>
+            </a:r>
+          </a:p>
+          <a:p>
+            <a:pPr marL="342900" marR="0" lvl="0" indent="-342900">
+              <a:lnSpc>
+                <a:spcPct val="107000"/>
+              </a:lnSpc>
+              <a:spcBef>
+                <a:spcPts val="0"/>
+              </a:spcBef>
+              <a:spcAft>
+                <a:spcPts val="0"/>
+              </a:spcAft>
+              <a:buFont typeface="Arial" panose="020B0604020202020204" pitchFamily="34" charset="0"/>
+              <a:buChar char="•"/>
+            </a:pPr>
+            <a:r>
+              <a:rPr lang="en-US" sz="2400" dirty="0" smtClean="0">
+                <a:latin typeface="Calibri" panose="020F0502020204030204" pitchFamily="34" charset="0"/>
+                <a:ea typeface="Calibri" panose="020F0502020204030204" pitchFamily="34" charset="0"/>
+                <a:cs typeface="Times New Roman" panose="02020603050405020304" pitchFamily="18" charset="0"/>
+              </a:rPr>
+              <a:t>Battery powered</a:t>
+            </a:r>
+          </a:p>
+          <a:p>
+            <a:pPr marL="342900" marR="0" lvl="0" indent="-342900">
+              <a:lnSpc>
+                <a:spcPct val="107000"/>
+              </a:lnSpc>
+              <a:spcBef>
+                <a:spcPts val="0"/>
+              </a:spcBef>
+              <a:spcAft>
+                <a:spcPts val="0"/>
+              </a:spcAft>
+              <a:buFont typeface="Arial" panose="020B0604020202020204" pitchFamily="34" charset="0"/>
+              <a:buChar char="•"/>
+            </a:pPr>
+            <a:r>
+              <a:rPr lang="en-US" sz="2400" dirty="0" smtClean="0">
+                <a:latin typeface="Calibri" panose="020F0502020204030204" pitchFamily="34" charset="0"/>
+                <a:ea typeface="Calibri" panose="020F0502020204030204" pitchFamily="34" charset="0"/>
+                <a:cs typeface="Times New Roman" panose="02020603050405020304" pitchFamily="18" charset="0"/>
+              </a:rPr>
+              <a:t>Bright enough for sunlit conditions.	</a:t>
+            </a:r>
+          </a:p>
+          <a:p>
+            <a:pPr marL="342900" marR="0" lvl="0" indent="-342900">
+              <a:lnSpc>
+                <a:spcPct val="107000"/>
+              </a:lnSpc>
+              <a:spcBef>
+                <a:spcPts val="0"/>
+              </a:spcBef>
+              <a:spcAft>
+                <a:spcPts val="0"/>
+              </a:spcAft>
+              <a:buFont typeface="Arial" panose="020B0604020202020204" pitchFamily="34" charset="0"/>
+              <a:buChar char="•"/>
+            </a:pPr>
+            <a:r>
+              <a:rPr lang="en-US" sz="2400" dirty="0" smtClean="0">
+                <a:latin typeface="Calibri" panose="020F0502020204030204" pitchFamily="34" charset="0"/>
+                <a:ea typeface="Calibri" panose="020F0502020204030204" pitchFamily="34" charset="0"/>
+                <a:cs typeface="Times New Roman" panose="02020603050405020304" pitchFamily="18" charset="0"/>
+              </a:rPr>
+              <a:t>Low profile and easily mounted</a:t>
+            </a:r>
+          </a:p>
+        </p:txBody>
+      </p:sp>
+      <p:sp>
+        <p:nvSpPr>
+          <p:cNvPr id="6" name="TextBox 5"/>
+          <p:cNvSpPr txBox="1"/>
+          <p:nvPr/>
+        </p:nvSpPr>
+        <p:spPr>
+          <a:xfrm>
+            <a:off x="457200" y="199181"/>
+            <a:ext cx="4648200" cy="461665"/>
+          </a:xfrm>
+          <a:prstGeom prst="rect">
+            <a:avLst/>
+          </a:prstGeom>
+          <a:noFill/>
+        </p:spPr>
+        <p:txBody>
+          <a:bodyPr wrap="square" rtlCol="0">
+            <a:spAutoFit/>
+          </a:bodyPr>
+          <a:lstStyle/>
+          <a:p>
+            <a:r>
+              <a:rPr lang="en-US" sz="2400" dirty="0" smtClean="0">
+                <a:solidFill>
+                  <a:srgbClr val="0090F1"/>
+                </a:solidFill>
+                <a:latin typeface="Fast Money" pitchFamily="2" charset="0"/>
+              </a:rPr>
+              <a:t>Requirements</a:t>
+            </a:r>
+            <a:endParaRPr lang="en-US" sz="2400" dirty="0">
+              <a:solidFill>
+                <a:srgbClr val="0090F1"/>
+              </a:solidFill>
+              <a:latin typeface="Fast Money" pitchFamily="2" charset="0"/>
+            </a:endParaRPr>
+          </a:p>
+        </p:txBody>
+      </p:sp>
+    </p:spTree>
+    <p:extLst>
+      <p:ext uri="{BB962C8B-B14F-4D97-AF65-F5344CB8AC3E}">
+        <p14:creationId xmlns:p14="http://schemas.microsoft.com/office/powerpoint/2010/main" val="2585547098"/>
+      </p:ext>
+    </p:extLst>
+  </p:cSld>
+  <p:clrMapOvr>
+    <a:masterClrMapping/>
+  </p:clrMapOvr>
+  <p:timing>
+    <p:tnLst>
+      <p:par>
+        <p:cTn id="1" dur="indefinite" restart="never" nodeType="tmRoot"/>
+      </p:par>
+    </p:tnLst>
+  </p:timing>
+</p:sld>
+</file>
+
+<file path=ppt/slides/slide5.xml><?xml version="1.0" encoding="utf-8"?>
+<p:sld xmlns:a="http://schemas.openxmlformats.org/drawingml/2006/main" xmlns:r="http://schemas.openxmlformats.org/officeDocument/2006/relationships" xmlns:p="http://schemas.openxmlformats.org/presentationml/2006/main">
+  <p:cSld>
+    <p:spTree>
+      <p:nvGrpSpPr>
+        <p:cNvPr id="1" name=""/>
+        <p:cNvGrpSpPr/>
+        <p:nvPr/>
+      </p:nvGrpSpPr>
+      <p:grpSpPr>
+        <a:xfrm>
+          <a:off x="0" y="0"/>
+          <a:ext cx="0" cy="0"/>
+          <a:chOff x="0" y="0"/>
+          <a:chExt cx="0" cy="0"/>
+        </a:xfrm>
+      </p:grpSpPr>
+      <p:sp>
+        <p:nvSpPr>
+          <p:cNvPr id="7" name="Slide Number Placeholder 6"/>
+          <p:cNvSpPr>
+            <a:spLocks noGrp="1"/>
+          </p:cNvSpPr>
+          <p:nvPr>
+            <p:ph type="sldNum" sz="quarter" idx="12"/>
+          </p:nvPr>
+        </p:nvSpPr>
+        <p:spPr/>
+        <p:txBody>
+          <a:bodyPr/>
+          <a:lstStyle/>
+          <a:p>
+            <a:fld id="{B6F15528-21DE-4FAA-801E-634DDDAF4B2B}" type="slidenum">
+              <a:rPr lang="en-US" smtClean="0"/>
+              <a:pPr/>
+              <a:t>5</a:t>
+            </a:fld>
+            <a:endParaRPr lang="en-US"/>
+          </a:p>
+        </p:txBody>
+      </p:sp>
+      <p:pic>
+        <p:nvPicPr>
+          <p:cNvPr id="8" name="Picture 2" descr="C:\Users\noaht_000\Documents\ECE411\Practicum2014\Wiki Images\logo.bmp"/>
+          <p:cNvPicPr>
+            <a:picLocks noChangeAspect="1" noChangeArrowheads="1"/>
+          </p:cNvPicPr>
+          <p:nvPr/>
+        </p:nvPicPr>
+        <p:blipFill>
+          <a:blip r:embed="rId3" cstate="print">
+            <a:extLst>
+              <a:ext uri="{28A0092B-C50C-407E-A947-70E740481C1C}">
+                <a14:useLocalDpi xmlns:a14="http://schemas.microsoft.com/office/drawing/2010/main" val="0"/>
+              </a:ext>
+            </a:extLst>
+          </a:blip>
+          <a:srcRect/>
+          <a:stretch>
+            <a:fillRect/>
+          </a:stretch>
+        </p:blipFill>
+        <p:spPr bwMode="auto">
+          <a:xfrm>
+            <a:off x="7391399" y="199181"/>
+            <a:ext cx="1477731" cy="639019"/>
+          </a:xfrm>
+          <a:prstGeom prst="rect">
+            <a:avLst/>
+          </a:prstGeom>
+          <a:noFill/>
+          <a:extLst>
+            <a:ext uri="{909E8E84-426E-40DD-AFC4-6F175D3DCCD1}">
+              <a14:hiddenFill xmlns:a14="http://schemas.microsoft.com/office/drawing/2010/main">
+                <a:solidFill>
+                  <a:srgbClr val="FFFFFF"/>
+                </a:solidFill>
+              </a14:hiddenFill>
+            </a:ext>
+          </a:extLst>
+        </p:spPr>
+      </p:pic>
+      <p:cxnSp>
+        <p:nvCxnSpPr>
+          <p:cNvPr id="9" name="Straight Connector 8"/>
+          <p:cNvCxnSpPr/>
+          <p:nvPr/>
+        </p:nvCxnSpPr>
+        <p:spPr>
+          <a:xfrm flipH="1">
+            <a:off x="533398" y="762000"/>
+            <a:ext cx="6857999" cy="0"/>
+          </a:xfrm>
+          <a:prstGeom prst="line">
+            <a:avLst/>
+          </a:prstGeom>
+          <a:ln w="38100">
+            <a:solidFill>
+              <a:schemeClr val="tx1"/>
+            </a:solidFill>
+          </a:ln>
+        </p:spPr>
+        <p:style>
+          <a:lnRef idx="1">
+            <a:schemeClr val="accent1"/>
+          </a:lnRef>
+          <a:fillRef idx="0">
+            <a:schemeClr val="accent1"/>
+          </a:fillRef>
+          <a:effectRef idx="0">
+            <a:schemeClr val="accent1"/>
+          </a:effectRef>
+          <a:fontRef idx="minor">
+            <a:schemeClr val="tx1"/>
+          </a:fontRef>
+        </p:style>
+      </p:cxnSp>
+      <p:sp>
+        <p:nvSpPr>
+          <p:cNvPr id="2" name="TextBox 1"/>
+          <p:cNvSpPr txBox="1"/>
+          <p:nvPr/>
+        </p:nvSpPr>
+        <p:spPr>
+          <a:xfrm>
+            <a:off x="533398" y="1066800"/>
+            <a:ext cx="7543802" cy="5355312"/>
+          </a:xfrm>
+          <a:prstGeom prst="rect">
+            <a:avLst/>
+          </a:prstGeom>
+          <a:noFill/>
+        </p:spPr>
+        <p:txBody>
+          <a:bodyPr wrap="square" rtlCol="0">
+            <a:spAutoFit/>
+          </a:bodyPr>
+          <a:lstStyle/>
+          <a:p>
+            <a:r>
+              <a:rPr lang="en-US" dirty="0" smtClean="0"/>
+              <a:t>Sensor Module</a:t>
+            </a:r>
+          </a:p>
+          <a:p>
+            <a:pPr marL="285750" indent="-285750">
+              <a:buFont typeface="Arial" panose="020B0604020202020204" pitchFamily="34" charset="0"/>
+              <a:buChar char="•"/>
+            </a:pPr>
+            <a:r>
+              <a:rPr lang="en-US" dirty="0" smtClean="0"/>
+              <a:t>Sensor range ~15ft.</a:t>
+            </a:r>
+          </a:p>
+          <a:p>
+            <a:pPr marL="285750" indent="-285750">
+              <a:buFont typeface="Arial" panose="020B0604020202020204" pitchFamily="34" charset="0"/>
+              <a:buChar char="•"/>
+            </a:pPr>
+            <a:r>
+              <a:rPr lang="en-US" dirty="0" smtClean="0"/>
+              <a:t>Type of sensor (ultrasonic, IR, </a:t>
+            </a:r>
+            <a:r>
+              <a:rPr lang="en-US" dirty="0" err="1" smtClean="0"/>
+              <a:t>etc</a:t>
+            </a:r>
+            <a:r>
+              <a:rPr lang="en-US" dirty="0" smtClean="0"/>
+              <a:t>)</a:t>
+            </a:r>
+          </a:p>
+          <a:p>
+            <a:pPr marL="285750" indent="-285750">
+              <a:buFont typeface="Arial" panose="020B0604020202020204" pitchFamily="34" charset="0"/>
+              <a:buChar char="•"/>
+            </a:pPr>
+            <a:r>
+              <a:rPr lang="en-US" dirty="0" smtClean="0"/>
+              <a:t>Integration with microprocessor</a:t>
+            </a:r>
+          </a:p>
+          <a:p>
+            <a:endParaRPr lang="en-US" dirty="0"/>
+          </a:p>
+          <a:p>
+            <a:r>
+              <a:rPr lang="en-US" dirty="0" smtClean="0"/>
+              <a:t>Power</a:t>
+            </a:r>
+          </a:p>
+          <a:p>
+            <a:pPr marL="285750" indent="-285750">
+              <a:buFont typeface="Arial" panose="020B0604020202020204" pitchFamily="34" charset="0"/>
+              <a:buChar char="•"/>
+            </a:pPr>
+            <a:r>
+              <a:rPr lang="en-US" dirty="0" smtClean="0"/>
+              <a:t>Regulation</a:t>
+            </a:r>
+          </a:p>
+          <a:p>
+            <a:pPr marL="285750" indent="-285750">
+              <a:buFont typeface="Arial" panose="020B0604020202020204" pitchFamily="34" charset="0"/>
+              <a:buChar char="•"/>
+            </a:pPr>
+            <a:r>
+              <a:rPr lang="en-US" dirty="0" smtClean="0"/>
+              <a:t>Sources</a:t>
+            </a:r>
+          </a:p>
+          <a:p>
+            <a:endParaRPr lang="en-US" dirty="0"/>
+          </a:p>
+          <a:p>
+            <a:r>
+              <a:rPr lang="en-US" dirty="0" smtClean="0"/>
+              <a:t>Microprocessor</a:t>
+            </a:r>
+          </a:p>
+          <a:p>
+            <a:pPr marL="285750" indent="-285750">
+              <a:buFont typeface="Arial" panose="020B0604020202020204" pitchFamily="34" charset="0"/>
+              <a:buChar char="•"/>
+            </a:pPr>
+            <a:r>
+              <a:rPr lang="en-US" dirty="0" smtClean="0"/>
+              <a:t>Number/type of I/O ports</a:t>
+            </a:r>
+          </a:p>
+          <a:p>
+            <a:pPr marL="285750" indent="-285750">
+              <a:buFont typeface="Arial" panose="020B0604020202020204" pitchFamily="34" charset="0"/>
+              <a:buChar char="•"/>
+            </a:pPr>
+            <a:r>
+              <a:rPr lang="en-US" dirty="0" smtClean="0"/>
+              <a:t>IDE/support</a:t>
+            </a:r>
+          </a:p>
+          <a:p>
+            <a:pPr marL="285750" indent="-285750">
+              <a:buFont typeface="Arial" panose="020B0604020202020204" pitchFamily="34" charset="0"/>
+              <a:buChar char="•"/>
+            </a:pPr>
+            <a:r>
+              <a:rPr lang="en-US" dirty="0" smtClean="0"/>
+              <a:t>Power Consumption</a:t>
+            </a:r>
+          </a:p>
+          <a:p>
+            <a:pPr marL="285750" indent="-285750">
+              <a:buFont typeface="Arial" panose="020B0604020202020204" pitchFamily="34" charset="0"/>
+              <a:buChar char="•"/>
+            </a:pPr>
+            <a:r>
+              <a:rPr lang="en-US" dirty="0" smtClean="0"/>
+              <a:t>Simplicity</a:t>
+            </a:r>
+          </a:p>
+          <a:p>
+            <a:endParaRPr lang="en-US" dirty="0" smtClean="0"/>
+          </a:p>
+          <a:p>
+            <a:r>
+              <a:rPr lang="en-US" dirty="0" smtClean="0"/>
+              <a:t>Display</a:t>
+            </a:r>
+          </a:p>
+          <a:p>
+            <a:pPr marL="285750" indent="-285750">
+              <a:buFont typeface="Arial" panose="020B0604020202020204" pitchFamily="34" charset="0"/>
+              <a:buChar char="•"/>
+            </a:pPr>
+            <a:r>
+              <a:rPr lang="en-US" dirty="0" smtClean="0"/>
+              <a:t>Visibility</a:t>
+            </a:r>
+          </a:p>
+          <a:p>
+            <a:pPr marL="285750" indent="-285750">
+              <a:buFont typeface="Arial" panose="020B0604020202020204" pitchFamily="34" charset="0"/>
+              <a:buChar char="•"/>
+            </a:pPr>
+            <a:r>
+              <a:rPr lang="en-US" dirty="0" smtClean="0"/>
+              <a:t>Size</a:t>
+            </a:r>
+          </a:p>
+          <a:p>
+            <a:pPr marL="285750" indent="-285750">
+              <a:buFont typeface="Arial" panose="020B0604020202020204" pitchFamily="34" charset="0"/>
+              <a:buChar char="•"/>
+            </a:pPr>
+            <a:r>
+              <a:rPr lang="en-US" dirty="0" smtClean="0"/>
+              <a:t>Intuitive</a:t>
+            </a:r>
+          </a:p>
+        </p:txBody>
+      </p:sp>
+      <p:sp>
+        <p:nvSpPr>
+          <p:cNvPr id="10" name="TextBox 9"/>
+          <p:cNvSpPr txBox="1"/>
+          <p:nvPr/>
+        </p:nvSpPr>
+        <p:spPr>
+          <a:xfrm>
+            <a:off x="457200" y="199181"/>
+            <a:ext cx="6858000" cy="461665"/>
+          </a:xfrm>
+          <a:prstGeom prst="rect">
+            <a:avLst/>
+          </a:prstGeom>
+          <a:noFill/>
+        </p:spPr>
+        <p:txBody>
+          <a:bodyPr wrap="square" rtlCol="0">
+            <a:spAutoFit/>
+          </a:bodyPr>
+          <a:lstStyle/>
+          <a:p>
+            <a:r>
+              <a:rPr lang="en-US" sz="2400" dirty="0" smtClean="0">
+                <a:solidFill>
+                  <a:srgbClr val="0090F1"/>
+                </a:solidFill>
+                <a:latin typeface="Fast Money" pitchFamily="2" charset="0"/>
+              </a:rPr>
+              <a:t>Design</a:t>
+            </a:r>
+            <a:r>
+              <a:rPr lang="en-US" sz="2400" dirty="0" smtClean="0">
+                <a:solidFill>
+                  <a:srgbClr val="41DCF1"/>
+                </a:solidFill>
+                <a:latin typeface="Fast Money" pitchFamily="2" charset="0"/>
+              </a:rPr>
+              <a:t> </a:t>
+            </a:r>
+            <a:r>
+              <a:rPr lang="en-US" sz="2400" dirty="0" smtClean="0">
+                <a:solidFill>
+                  <a:srgbClr val="0090F1"/>
+                </a:solidFill>
+                <a:latin typeface="Fast Money" pitchFamily="2" charset="0"/>
+              </a:rPr>
+              <a:t>considerations</a:t>
+            </a:r>
+            <a:endParaRPr lang="en-US" sz="2400" dirty="0">
+              <a:solidFill>
+                <a:srgbClr val="0090F1"/>
+              </a:solidFill>
+              <a:latin typeface="Fast Money" pitchFamily="2" charset="0"/>
+            </a:endParaRPr>
+          </a:p>
+        </p:txBody>
+      </p:sp>
+    </p:spTree>
+    <p:extLst>
+      <p:ext uri="{BB962C8B-B14F-4D97-AF65-F5344CB8AC3E}">
+        <p14:creationId xmlns:p14="http://schemas.microsoft.com/office/powerpoint/2010/main" val="3934321023"/>
+      </p:ext>
+    </p:extLst>
+  </p:cSld>
+  <p:clrMapOvr>
+    <a:masterClrMapping/>
+  </p:clrMapOvr>
+  <p:timing>
+    <p:tnLst>
+      <p:par>
+        <p:cTn id="1" dur="indefinite" restart="never" nodeType="tmRoot"/>
+      </p:par>
+    </p:tnLst>
+  </p:timing>
+</p:sld>
+</file>
+
+<file path=ppt/slides/slide6.xml><?xml version="1.0" encoding="utf-8"?>
+<p:sld xmlns:a="http://schemas.openxmlformats.org/drawingml/2006/main" xmlns:r="http://schemas.openxmlformats.org/officeDocument/2006/relationships" xmlns:p="http://schemas.openxmlformats.org/presentationml/2006/main">
+  <p:cSld>
+    <p:spTree>
+      <p:nvGrpSpPr>
+        <p:cNvPr id="1" name=""/>
+        <p:cNvGrpSpPr/>
+        <p:nvPr/>
+      </p:nvGrpSpPr>
+      <p:grpSpPr>
+        <a:xfrm>
+          <a:off x="0" y="0"/>
+          <a:ext cx="0" cy="0"/>
+          <a:chOff x="0" y="0"/>
+          <a:chExt cx="0" cy="0"/>
+        </a:xfrm>
+      </p:grpSpPr>
+      <p:sp>
+        <p:nvSpPr>
+          <p:cNvPr id="7" name="Slide Number Placeholder 6"/>
+          <p:cNvSpPr>
+            <a:spLocks noGrp="1"/>
+          </p:cNvSpPr>
+          <p:nvPr>
+            <p:ph type="sldNum" sz="quarter" idx="12"/>
+          </p:nvPr>
+        </p:nvSpPr>
+        <p:spPr/>
+        <p:txBody>
+          <a:bodyPr/>
+          <a:lstStyle/>
+          <a:p>
+            <a:fld id="{B6F15528-21DE-4FAA-801E-634DDDAF4B2B}" type="slidenum">
+              <a:rPr lang="en-US" smtClean="0"/>
+              <a:pPr/>
+              <a:t>6</a:t>
+            </a:fld>
+            <a:endParaRPr lang="en-US"/>
+          </a:p>
+        </p:txBody>
+      </p:sp>
+      <p:pic>
+        <p:nvPicPr>
+          <p:cNvPr id="8" name="Picture 2" descr="C:\Users\noaht_000\Documents\ECE411\Practicum2014\Wiki Images\logo.bmp"/>
+          <p:cNvPicPr>
+            <a:picLocks noChangeAspect="1" noChangeArrowheads="1"/>
+          </p:cNvPicPr>
+          <p:nvPr/>
+        </p:nvPicPr>
+        <p:blipFill>
+          <a:blip r:embed="rId3" cstate="print">
+            <a:extLst>
+              <a:ext uri="{28A0092B-C50C-407E-A947-70E740481C1C}">
+                <a14:useLocalDpi xmlns:a14="http://schemas.microsoft.com/office/drawing/2010/main" val="0"/>
+              </a:ext>
+            </a:extLst>
+          </a:blip>
+          <a:srcRect/>
+          <a:stretch>
+            <a:fillRect/>
+          </a:stretch>
+        </p:blipFill>
+        <p:spPr bwMode="auto">
+          <a:xfrm>
+            <a:off x="7391399" y="199181"/>
+            <a:ext cx="1477731" cy="639019"/>
+          </a:xfrm>
+          <a:prstGeom prst="rect">
+            <a:avLst/>
+          </a:prstGeom>
+          <a:noFill/>
+          <a:extLst>
+            <a:ext uri="{909E8E84-426E-40DD-AFC4-6F175D3DCCD1}">
+              <a14:hiddenFill xmlns:a14="http://schemas.microsoft.com/office/drawing/2010/main">
+                <a:solidFill>
+                  <a:srgbClr val="FFFFFF"/>
+                </a:solidFill>
+              </a14:hiddenFill>
+            </a:ext>
+          </a:extLst>
+        </p:spPr>
+      </p:pic>
+      <p:cxnSp>
+        <p:nvCxnSpPr>
+          <p:cNvPr id="9" name="Straight Connector 8"/>
+          <p:cNvCxnSpPr/>
+          <p:nvPr/>
+        </p:nvCxnSpPr>
+        <p:spPr>
+          <a:xfrm flipH="1">
+            <a:off x="533398" y="762000"/>
+            <a:ext cx="6857999" cy="0"/>
+          </a:xfrm>
+          <a:prstGeom prst="line">
+            <a:avLst/>
+          </a:prstGeom>
+          <a:ln w="38100">
+            <a:solidFill>
+              <a:schemeClr val="tx1"/>
+            </a:solidFill>
+          </a:ln>
+        </p:spPr>
+        <p:style>
+          <a:lnRef idx="1">
+            <a:schemeClr val="accent1"/>
+          </a:lnRef>
+          <a:fillRef idx="0">
+            <a:schemeClr val="accent1"/>
+          </a:fillRef>
+          <a:effectRef idx="0">
+            <a:schemeClr val="accent1"/>
+          </a:effectRef>
+          <a:fontRef idx="minor">
+            <a:schemeClr val="tx1"/>
+          </a:fontRef>
+        </p:style>
+      </p:cxnSp>
+      <p:sp>
+        <p:nvSpPr>
           <p:cNvPr id="2" name="Rectangle 1"/>
           <p:cNvSpPr/>
           <p:nvPr/>
@@ -8807,14 +9639,7 @@
                 <a:latin typeface="Calibri" panose="020F0502020204030204" pitchFamily="34" charset="0"/>
                 <a:cs typeface="Times New Roman" panose="02020603050405020304" pitchFamily="18" charset="0"/>
               </a:rPr>
-              <a:t>Ultrasonic </a:t>
-            </a:r>
-            <a:r>
-              <a:rPr lang="en-US" sz="2400" b="1" dirty="0" smtClean="0">
-                <a:latin typeface="Calibri" panose="020F0502020204030204" pitchFamily="34" charset="0"/>
-                <a:cs typeface="Times New Roman" panose="02020603050405020304" pitchFamily="18" charset="0"/>
-              </a:rPr>
-              <a:t>sensors </a:t>
+              <a:t>Ultrasonic sensors </a:t>
             </a:r>
           </a:p>
           <a:p>
@@ -8852,14 +9677,7 @@
                 <a:latin typeface="Calibri" panose="020F0502020204030204" pitchFamily="34" charset="0"/>
                 <a:cs typeface="Times New Roman" panose="02020603050405020304" pitchFamily="18" charset="0"/>
               </a:rPr>
-              <a:t>Send </a:t>
-            </a:r>
-            <a:r>
-              <a:rPr lang="en-US" sz="2400" dirty="0" smtClean="0">
-                <a:latin typeface="Calibri" panose="020F0502020204030204" pitchFamily="34" charset="0"/>
-                <a:cs typeface="Times New Roman" panose="02020603050405020304" pitchFamily="18" charset="0"/>
-              </a:rPr>
-              <a:t>and receive series of pulses when triggered</a:t>
+              <a:t>Send and receive series of pulses when triggered</a:t>
             </a:r>
           </a:p>
           <a:p>

--- a/Presentation/T04_Presentation.pptx
+++ b/Presentation/T04_Presentation.pptx
@@ -23,23 +23,23 @@
     <p:sldId id="265" r:id="rId14"/>
     <p:sldId id="267" r:id="rId15"/>
     <p:sldId id="266" r:id="rId16"/>
-    <p:sldId id="272" r:id="rId17"/>
-    <p:sldId id="273" r:id="rId18"/>
-    <p:sldId id="274" r:id="rId19"/>
+    <p:sldId id="273" r:id="rId17"/>
+    <p:sldId id="274" r:id="rId18"/>
+    <p:sldId id="272" r:id="rId19"/>
   </p:sldIdLst>
   <p:sldSz cx="9144000" cy="6858000" type="screen4x3"/>
   <p:notesSz cx="6858000" cy="9144000"/>
   <p:embeddedFontLst>
     <p:embeddedFont>
-      <p:font typeface="Calibri" panose="020F0502020204030204" pitchFamily="34" charset="0"/>
+      <p:font typeface="Fast Money" panose="00000400000000000000" pitchFamily="2" charset="0"/>
       <p:regular r:id="rId21"/>
-      <p:bold r:id="rId22"/>
-      <p:italic r:id="rId23"/>
-      <p:boldItalic r:id="rId24"/>
     </p:embeddedFont>
     <p:embeddedFont>
-      <p:font typeface="Fast Money" panose="00000400000000000000" pitchFamily="2" charset="0"/>
-      <p:regular r:id="rId25"/>
+      <p:font typeface="Calibri" panose="020F0502020204030204" pitchFamily="34" charset="0"/>
+      <p:regular r:id="rId22"/>
+      <p:bold r:id="rId23"/>
+      <p:italic r:id="rId24"/>
+      <p:boldItalic r:id="rId25"/>
     </p:embeddedFont>
   </p:embeddedFontLst>
   <p:defaultTextStyle>
@@ -1174,7 +1174,15 @@
           <a:bodyPr/>
           <a:lstStyle/>
           <a:p>
-            <a:endParaRPr lang="en-US"/>
+            <a:r>
+              <a:rPr lang="en-US" dirty="0" smtClean="0"/>
+              <a:t>Dan 1</a:t>
+            </a:r>
+            <a:r>
+              <a:rPr lang="en-US" baseline="0" dirty="0" smtClean="0"/>
+              <a:t> min</a:t>
+            </a:r>
+            <a:endParaRPr lang="en-US" dirty="0"/>
           </a:p>
         </p:txBody>
       </p:sp>
@@ -1204,7 +1212,7 @@
     </p:spTree>
     <p:extLst>
       <p:ext uri="{BB962C8B-B14F-4D97-AF65-F5344CB8AC3E}">
-        <p14:creationId xmlns:p14="http://schemas.microsoft.com/office/powerpoint/2010/main" val="3581487043"/>
+        <p14:creationId xmlns:p14="http://schemas.microsoft.com/office/powerpoint/2010/main" val="3902255951"/>
       </p:ext>
     </p:extLst>
   </p:cSld>
@@ -1296,7 +1304,7 @@
     </p:spTree>
     <p:extLst>
       <p:ext uri="{BB962C8B-B14F-4D97-AF65-F5344CB8AC3E}">
-        <p14:creationId xmlns:p14="http://schemas.microsoft.com/office/powerpoint/2010/main" val="3902255951"/>
+        <p14:creationId xmlns:p14="http://schemas.microsoft.com/office/powerpoint/2010/main" val="1749253616"/>
       </p:ext>
     </p:extLst>
   </p:cSld>
@@ -1350,15 +1358,7 @@
           <a:bodyPr/>
           <a:lstStyle/>
           <a:p>
-            <a:r>
-              <a:rPr lang="en-US" dirty="0" smtClean="0"/>
-              <a:t>Dan 1</a:t>
-            </a:r>
-            <a:r>
-              <a:rPr lang="en-US" baseline="0" dirty="0" smtClean="0"/>
-              <a:t> min</a:t>
-            </a:r>
-            <a:endParaRPr lang="en-US" dirty="0"/>
+            <a:endParaRPr lang="en-US"/>
           </a:p>
         </p:txBody>
       </p:sp>
@@ -1388,7 +1388,7 @@
     </p:spTree>
     <p:extLst>
       <p:ext uri="{BB962C8B-B14F-4D97-AF65-F5344CB8AC3E}">
-        <p14:creationId xmlns:p14="http://schemas.microsoft.com/office/powerpoint/2010/main" val="1749253616"/>
+        <p14:creationId xmlns:p14="http://schemas.microsoft.com/office/powerpoint/2010/main" val="3581487043"/>
       </p:ext>
     </p:extLst>
   </p:cSld>
@@ -6673,11 +6673,7 @@
             </a:pPr>
             <a:r>
               <a:rPr lang="en-US" sz="2400" dirty="0" smtClean="0"/>
-              <a:t>Minimize number of </a:t>
-            </a:r>
-            <a:r>
-              <a:rPr lang="en-US" sz="2400" dirty="0" smtClean="0"/>
-              <a:t>boards</a:t>
+              <a:t>Minimize number of boards</a:t>
             </a:r>
           </a:p>
           <a:p>
@@ -7271,45 +7267,7 @@
       </p:grpSpPr>
       <p:sp>
         <p:nvSpPr>
-          <p:cNvPr id="2" name="Title 1"/>
-          <p:cNvSpPr>
-            <a:spLocks noGrp="1"/>
-          </p:cNvSpPr>
-          <p:nvPr>
-            <p:ph type="title"/>
-          </p:nvPr>
-        </p:nvSpPr>
-        <p:spPr>
-          <a:xfrm>
-            <a:off x="457200" y="457200"/>
-            <a:ext cx="8229600" cy="1143000"/>
-          </a:xfrm>
-        </p:spPr>
-        <p:txBody>
-          <a:bodyPr/>
-          <a:lstStyle/>
-          <a:p>
-            <a:r>
-              <a:rPr lang="en-US" dirty="0" smtClean="0">
-                <a:solidFill>
-                  <a:srgbClr val="0090F1"/>
-                </a:solidFill>
-                <a:latin typeface="Fast Money" pitchFamily="2" charset="0"/>
-              </a:rPr>
-              <a:t>Questions?</a:t>
-            </a:r>
-            <a:endParaRPr lang="en-US" dirty="0">
-              <a:solidFill>
-                <a:srgbClr val="0090F1"/>
-              </a:solidFill>
-              <a:latin typeface="Fast Money" pitchFamily="2" charset="0"/>
-            </a:endParaRPr>
-          </a:p>
-        </p:txBody>
-      </p:sp>
-      <p:sp>
-        <p:nvSpPr>
-          <p:cNvPr id="4" name="Slide Number Placeholder 3"/>
+          <p:cNvPr id="7" name="Slide Number Placeholder 6"/>
           <p:cNvSpPr>
             <a:spLocks noGrp="1"/>
           </p:cNvSpPr>
@@ -7326,185 +7284,6 @@
               <a:rPr lang="en-US" smtClean="0"/>
               <a:pPr/>
               <a:t>16</a:t>
-            </a:fld>
-            <a:endParaRPr lang="en-US"/>
-          </a:p>
-        </p:txBody>
-      </p:sp>
-      <p:pic>
-        <p:nvPicPr>
-          <p:cNvPr id="5" name="Picture 4"/>
-          <p:cNvPicPr>
-            <a:picLocks noChangeAspect="1"/>
-          </p:cNvPicPr>
-          <p:nvPr/>
-        </p:nvPicPr>
-        <p:blipFill>
-          <a:blip r:embed="rId3">
-            <a:extLst>
-              <a:ext uri="{28A0092B-C50C-407E-A947-70E740481C1C}">
-                <a14:useLocalDpi xmlns:a14="http://schemas.microsoft.com/office/drawing/2010/main" val="0"/>
-              </a:ext>
-            </a:extLst>
-          </a:blip>
-          <a:stretch>
-            <a:fillRect/>
-          </a:stretch>
-        </p:blipFill>
-        <p:spPr>
-          <a:xfrm>
-            <a:off x="2201333" y="1600200"/>
-            <a:ext cx="4741334" cy="2667000"/>
-          </a:xfrm>
-          <a:prstGeom prst="rect">
-            <a:avLst/>
-          </a:prstGeom>
-        </p:spPr>
-      </p:pic>
-      <p:sp>
-        <p:nvSpPr>
-          <p:cNvPr id="3" name="TextBox 2"/>
-          <p:cNvSpPr txBox="1"/>
-          <p:nvPr/>
-        </p:nvSpPr>
-        <p:spPr>
-          <a:xfrm>
-            <a:off x="3276600" y="4810035"/>
-            <a:ext cx="4240648" cy="1200329"/>
-          </a:xfrm>
-          <a:prstGeom prst="rect">
-            <a:avLst/>
-          </a:prstGeom>
-          <a:noFill/>
-        </p:spPr>
-        <p:txBody>
-          <a:bodyPr wrap="none" rtlCol="0">
-            <a:spAutoFit/>
-          </a:bodyPr>
-          <a:lstStyle/>
-          <a:p>
-            <a:r>
-              <a:rPr lang="en-US" dirty="0" smtClean="0"/>
-              <a:t>133 Lines of code</a:t>
-            </a:r>
-          </a:p>
-          <a:p>
-            <a:r>
-              <a:rPr lang="en-US" dirty="0" smtClean="0"/>
-              <a:t>$48.45 per system</a:t>
-            </a:r>
-          </a:p>
-          <a:p>
-            <a:r>
-              <a:rPr lang="en-US" dirty="0" smtClean="0"/>
-              <a:t>70% surface mount components for system</a:t>
-            </a:r>
-          </a:p>
-          <a:p>
-            <a:r>
-              <a:rPr lang="en-US" dirty="0" smtClean="0"/>
-              <a:t>NO MOD WIRES!</a:t>
-            </a:r>
-            <a:endParaRPr lang="en-US" dirty="0"/>
-          </a:p>
-        </p:txBody>
-      </p:sp>
-      <p:sp>
-        <p:nvSpPr>
-          <p:cNvPr id="6" name="TextBox 5"/>
-          <p:cNvSpPr txBox="1"/>
-          <p:nvPr/>
-        </p:nvSpPr>
-        <p:spPr>
-          <a:xfrm>
-            <a:off x="609600" y="5179366"/>
-            <a:ext cx="1723549" cy="461665"/>
-          </a:xfrm>
-          <a:prstGeom prst="rect">
-            <a:avLst/>
-          </a:prstGeom>
-          <a:noFill/>
-        </p:spPr>
-        <p:txBody>
-          <a:bodyPr wrap="none" rtlCol="0">
-            <a:spAutoFit/>
-          </a:bodyPr>
-          <a:lstStyle/>
-          <a:p>
-            <a:r>
-              <a:rPr lang="en-US" sz="2400" dirty="0" smtClean="0">
-                <a:solidFill>
-                  <a:srgbClr val="0090FF"/>
-                </a:solidFill>
-                <a:latin typeface="Fast Money" panose="00000400000000000000" pitchFamily="2" charset="0"/>
-              </a:rPr>
-              <a:t>stats</a:t>
-            </a:r>
-            <a:endParaRPr lang="en-US" sz="2400" dirty="0">
-              <a:solidFill>
-                <a:srgbClr val="0090FF"/>
-              </a:solidFill>
-              <a:latin typeface="Fast Money" panose="00000400000000000000" pitchFamily="2" charset="0"/>
-            </a:endParaRPr>
-          </a:p>
-        </p:txBody>
-      </p:sp>
-    </p:spTree>
-    <p:extLst>
-      <p:ext uri="{BB962C8B-B14F-4D97-AF65-F5344CB8AC3E}">
-        <p14:creationId xmlns:p14="http://schemas.microsoft.com/office/powerpoint/2010/main" val="1890726335"/>
-      </p:ext>
-    </p:extLst>
-  </p:cSld>
-  <p:clrMapOvr>
-    <a:masterClrMapping/>
-  </p:clrMapOvr>
-  <p:timing>
-    <p:tnLst>
-      <p:par>
-        <p:cTn id="1" dur="indefinite" restart="never" nodeType="tmRoot"/>
-      </p:par>
-    </p:tnLst>
-  </p:timing>
-</p:sld>
-</file>
-
-<file path=ppt/slides/slide17.xml><?xml version="1.0" encoding="utf-8"?>
-<p:sld xmlns:a="http://schemas.openxmlformats.org/drawingml/2006/main" xmlns:r="http://schemas.openxmlformats.org/officeDocument/2006/relationships" xmlns:p="http://schemas.openxmlformats.org/presentationml/2006/main">
-  <p:cSld>
-    <p:spTree>
-      <p:nvGrpSpPr>
-        <p:cNvPr id="1" name=""/>
-        <p:cNvGrpSpPr/>
-        <p:nvPr/>
-      </p:nvGrpSpPr>
-      <p:grpSpPr>
-        <a:xfrm>
-          <a:off x="0" y="0"/>
-          <a:ext cx="0" cy="0"/>
-          <a:chOff x="0" y="0"/>
-          <a:chExt cx="0" cy="0"/>
-        </a:xfrm>
-      </p:grpSpPr>
-      <p:sp>
-        <p:nvSpPr>
-          <p:cNvPr id="7" name="Slide Number Placeholder 6"/>
-          <p:cNvSpPr>
-            <a:spLocks noGrp="1"/>
-          </p:cNvSpPr>
-          <p:nvPr>
-            <p:ph type="sldNum" sz="quarter" idx="12"/>
-          </p:nvPr>
-        </p:nvSpPr>
-        <p:spPr/>
-        <p:txBody>
-          <a:bodyPr/>
-          <a:lstStyle/>
-          <a:p>
-            <a:fld id="{B6F15528-21DE-4FAA-801E-634DDDAF4B2B}" type="slidenum">
-              <a:rPr lang="en-US" smtClean="0"/>
-              <a:pPr/>
-              <a:t>17</a:t>
             </a:fld>
             <a:endParaRPr lang="en-US"/>
           </a:p>
@@ -7641,7 +7420,7 @@
         </p:blipFill>
         <p:spPr>
           <a:xfrm>
-            <a:off x="533399" y="2097687"/>
+            <a:off x="533398" y="863155"/>
             <a:ext cx="4648202" cy="3023588"/>
           </a:xfrm>
           <a:prstGeom prst="rect">
@@ -7664,7 +7443,7 @@
         </p:blipFill>
         <p:spPr>
           <a:xfrm>
-            <a:off x="5351060" y="2097686"/>
+            <a:off x="5181600" y="3653436"/>
             <a:ext cx="3420448" cy="2779113"/>
           </a:xfrm>
           <a:prstGeom prst="rect">
@@ -7692,7 +7471,7 @@
 </p:sld>
 </file>
 
-<file path=ppt/slides/slide18.xml><?xml version="1.0" encoding="utf-8"?>
+<file path=ppt/slides/slide17.xml><?xml version="1.0" encoding="utf-8"?>
 <p:sld xmlns:a="http://schemas.openxmlformats.org/drawingml/2006/main" xmlns:r="http://schemas.openxmlformats.org/officeDocument/2006/relationships" xmlns:p="http://schemas.openxmlformats.org/presentationml/2006/main">
   <p:cSld>
     <p:spTree>
@@ -7727,7 +7506,7 @@
             <a:fld id="{B6F15528-21DE-4FAA-801E-634DDDAF4B2B}" type="slidenum">
               <a:rPr lang="en-US" smtClean="0"/>
               <a:pPr/>
-              <a:t>18</a:t>
+              <a:t>17</a:t>
             </a:fld>
             <a:endParaRPr lang="en-US"/>
           </a:p>
@@ -7899,6 +7678,223 @@
     <p:extLst>
       <p:ext uri="{BB962C8B-B14F-4D97-AF65-F5344CB8AC3E}">
         <p14:creationId xmlns:p14="http://schemas.microsoft.com/office/powerpoint/2010/main" val="2956644823"/>
+      </p:ext>
+    </p:extLst>
+  </p:cSld>
+  <p:clrMapOvr>
+    <a:masterClrMapping/>
+  </p:clrMapOvr>
+  <p:timing>
+    <p:tnLst>
+      <p:par>
+        <p:cTn id="1" dur="indefinite" restart="never" nodeType="tmRoot"/>
+      </p:par>
+    </p:tnLst>
+  </p:timing>
+</p:sld>
+</file>
+
+<file path=ppt/slides/slide18.xml><?xml version="1.0" encoding="utf-8"?>
+<p:sld xmlns:a="http://schemas.openxmlformats.org/drawingml/2006/main" xmlns:r="http://schemas.openxmlformats.org/officeDocument/2006/relationships" xmlns:p="http://schemas.openxmlformats.org/presentationml/2006/main">
+  <p:cSld>
+    <p:spTree>
+      <p:nvGrpSpPr>
+        <p:cNvPr id="1" name=""/>
+        <p:cNvGrpSpPr/>
+        <p:nvPr/>
+      </p:nvGrpSpPr>
+      <p:grpSpPr>
+        <a:xfrm>
+          <a:off x="0" y="0"/>
+          <a:ext cx="0" cy="0"/>
+          <a:chOff x="0" y="0"/>
+          <a:chExt cx="0" cy="0"/>
+        </a:xfrm>
+      </p:grpSpPr>
+      <p:sp>
+        <p:nvSpPr>
+          <p:cNvPr id="2" name="Title 1"/>
+          <p:cNvSpPr>
+            <a:spLocks noGrp="1"/>
+          </p:cNvSpPr>
+          <p:nvPr>
+            <p:ph type="title"/>
+          </p:nvPr>
+        </p:nvSpPr>
+        <p:spPr>
+          <a:xfrm>
+            <a:off x="457200" y="457200"/>
+            <a:ext cx="8229600" cy="1143000"/>
+          </a:xfrm>
+        </p:spPr>
+        <p:txBody>
+          <a:bodyPr/>
+          <a:lstStyle/>
+          <a:p>
+            <a:r>
+              <a:rPr lang="en-US" dirty="0" smtClean="0">
+                <a:solidFill>
+                  <a:srgbClr val="0090F1"/>
+                </a:solidFill>
+                <a:latin typeface="Fast Money" pitchFamily="2" charset="0"/>
+              </a:rPr>
+              <a:t>Questions?</a:t>
+            </a:r>
+            <a:endParaRPr lang="en-US" dirty="0">
+              <a:solidFill>
+                <a:srgbClr val="0090F1"/>
+              </a:solidFill>
+              <a:latin typeface="Fast Money" pitchFamily="2" charset="0"/>
+            </a:endParaRPr>
+          </a:p>
+        </p:txBody>
+      </p:sp>
+      <p:sp>
+        <p:nvSpPr>
+          <p:cNvPr id="4" name="Slide Number Placeholder 3"/>
+          <p:cNvSpPr>
+            <a:spLocks noGrp="1"/>
+          </p:cNvSpPr>
+          <p:nvPr>
+            <p:ph type="sldNum" sz="quarter" idx="12"/>
+          </p:nvPr>
+        </p:nvSpPr>
+        <p:spPr/>
+        <p:txBody>
+          <a:bodyPr/>
+          <a:lstStyle/>
+          <a:p>
+            <a:fld id="{B6F15528-21DE-4FAA-801E-634DDDAF4B2B}" type="slidenum">
+              <a:rPr lang="en-US" smtClean="0"/>
+              <a:pPr/>
+              <a:t>18</a:t>
+            </a:fld>
+            <a:endParaRPr lang="en-US"/>
+          </a:p>
+        </p:txBody>
+      </p:sp>
+      <p:pic>
+        <p:nvPicPr>
+          <p:cNvPr id="5" name="Picture 4"/>
+          <p:cNvPicPr>
+            <a:picLocks noChangeAspect="1"/>
+          </p:cNvPicPr>
+          <p:nvPr/>
+        </p:nvPicPr>
+        <p:blipFill>
+          <a:blip r:embed="rId3">
+            <a:extLst>
+              <a:ext uri="{28A0092B-C50C-407E-A947-70E740481C1C}">
+                <a14:useLocalDpi xmlns:a14="http://schemas.microsoft.com/office/drawing/2010/main" val="0"/>
+              </a:ext>
+            </a:extLst>
+          </a:blip>
+          <a:stretch>
+            <a:fillRect/>
+          </a:stretch>
+        </p:blipFill>
+        <p:spPr>
+          <a:xfrm>
+            <a:off x="2201333" y="1600200"/>
+            <a:ext cx="4741334" cy="2667000"/>
+          </a:xfrm>
+          <a:prstGeom prst="rect">
+            <a:avLst/>
+          </a:prstGeom>
+        </p:spPr>
+      </p:pic>
+      <p:sp>
+        <p:nvSpPr>
+          <p:cNvPr id="3" name="TextBox 2"/>
+          <p:cNvSpPr txBox="1"/>
+          <p:nvPr/>
+        </p:nvSpPr>
+        <p:spPr>
+          <a:xfrm>
+            <a:off x="3276600" y="4810035"/>
+            <a:ext cx="4240648" cy="1200329"/>
+          </a:xfrm>
+          <a:prstGeom prst="rect">
+            <a:avLst/>
+          </a:prstGeom>
+          <a:noFill/>
+        </p:spPr>
+        <p:txBody>
+          <a:bodyPr wrap="none" rtlCol="0">
+            <a:spAutoFit/>
+          </a:bodyPr>
+          <a:lstStyle/>
+          <a:p>
+            <a:r>
+              <a:rPr lang="en-US" dirty="0" smtClean="0"/>
+              <a:t>133 Lines of code</a:t>
+            </a:r>
+          </a:p>
+          <a:p>
+            <a:r>
+              <a:rPr lang="en-US" dirty="0" smtClean="0"/>
+              <a:t>$48.45 per system</a:t>
+            </a:r>
+          </a:p>
+          <a:p>
+            <a:r>
+              <a:rPr lang="en-US" dirty="0" smtClean="0"/>
+              <a:t>70% surface mount components for system</a:t>
+            </a:r>
+          </a:p>
+          <a:p>
+            <a:r>
+              <a:rPr lang="en-US" dirty="0" smtClean="0"/>
+              <a:t>NO MOD WIRES!</a:t>
+            </a:r>
+            <a:endParaRPr lang="en-US" dirty="0"/>
+          </a:p>
+        </p:txBody>
+      </p:sp>
+      <p:sp>
+        <p:nvSpPr>
+          <p:cNvPr id="6" name="TextBox 5"/>
+          <p:cNvSpPr txBox="1"/>
+          <p:nvPr/>
+        </p:nvSpPr>
+        <p:spPr>
+          <a:xfrm>
+            <a:off x="609600" y="5179366"/>
+            <a:ext cx="1723549" cy="461665"/>
+          </a:xfrm>
+          <a:prstGeom prst="rect">
+            <a:avLst/>
+          </a:prstGeom>
+          <a:noFill/>
+        </p:spPr>
+        <p:txBody>
+          <a:bodyPr wrap="none" rtlCol="0">
+            <a:spAutoFit/>
+          </a:bodyPr>
+          <a:lstStyle/>
+          <a:p>
+            <a:r>
+              <a:rPr lang="en-US" sz="2400" dirty="0" smtClean="0">
+                <a:solidFill>
+                  <a:srgbClr val="0090FF"/>
+                </a:solidFill>
+                <a:latin typeface="Fast Money" panose="00000400000000000000" pitchFamily="2" charset="0"/>
+              </a:rPr>
+              <a:t>stats</a:t>
+            </a:r>
+            <a:endParaRPr lang="en-US" sz="2400" dirty="0">
+              <a:solidFill>
+                <a:srgbClr val="0090FF"/>
+              </a:solidFill>
+              <a:latin typeface="Fast Money" panose="00000400000000000000" pitchFamily="2" charset="0"/>
+            </a:endParaRPr>
+          </a:p>
+        </p:txBody>
+      </p:sp>
+    </p:spTree>
+    <p:extLst>
+      <p:ext uri="{BB962C8B-B14F-4D97-AF65-F5344CB8AC3E}">
+        <p14:creationId xmlns:p14="http://schemas.microsoft.com/office/powerpoint/2010/main" val="1890726335"/>
       </p:ext>
     </p:extLst>
   </p:cSld>
